--- a/Manuscript/Figures/03_Methods_Flow_Chart.pptx
+++ b/Manuscript/Figures/03_Methods_Flow_Chart.pptx
@@ -2,12 +2,13 @@
 <file path=ppt/presentation.xml><?xml version="1.0" encoding="utf-8"?>
 <p:presentation xmlns:a="http://schemas.openxmlformats.org/drawingml/2006/main" xmlns:r="http://schemas.openxmlformats.org/officeDocument/2006/relationships" xmlns:p="http://schemas.openxmlformats.org/presentationml/2006/main" saveSubsetFonts="1">
   <p:sldMasterIdLst>
-    <p:sldMasterId id="2147483660" r:id="rId1"/>
+    <p:sldMasterId id="2147483672" r:id="rId1"/>
   </p:sldMasterIdLst>
   <p:sldIdLst>
     <p:sldId id="256" r:id="rId2"/>
+    <p:sldId id="257" r:id="rId3"/>
   </p:sldIdLst>
-  <p:sldSz cx="6858000" cy="9906000" type="A4"/>
+  <p:sldSz cx="6858000" cy="4625975"/>
   <p:notesSz cx="6858000" cy="9144000"/>
   <p:defaultTextStyle>
     <a:defPPr>
@@ -104,13 +105,18 @@
       </a:defRPr>
     </a:lvl9pPr>
   </p:defaultTextStyle>
+  <p:extLst>
+    <p:ext uri="{EFAFB233-063F-42B5-8137-9DF3F51BA10A}">
+      <p15:sldGuideLst xmlns:p15="http://schemas.microsoft.com/office/powerpoint/2012/main"/>
+    </p:ext>
+  </p:extLst>
 </p:presentation>
 </file>
 
 <file path=ppt/revisionInfo.xml><?xml version="1.0" encoding="utf-8"?>
 <p1510:revInfo xmlns:a="http://schemas.openxmlformats.org/drawingml/2006/main" xmlns:r="http://schemas.openxmlformats.org/officeDocument/2006/relationships" xmlns:p1510="http://schemas.microsoft.com/office/powerpoint/2015/10/main">
   <p1510:revLst>
-    <p1510:client id="{FBA38254-249E-45B5-8C4D-1A8B9D2D5456}" v="68" dt="2024-04-20T16:02:25.803"/>
+    <p1510:client id="{5928BA55-6FB3-4F80-AC13-23BF3D40610D}" v="86" dt="2024-06-25T23:23:14.261"/>
   </p1510:revLst>
 </p1510:revInfo>
 </file>
@@ -1258,6 +1264,2149 @@
             <ac:cxnSpMk id="149" creationId="{E2849A3D-7F80-F38C-774D-9E6012C3FC3D}"/>
           </ac:cxnSpMkLst>
         </pc:cxnChg>
+      </pc:sldChg>
+    </pc:docChg>
+  </pc:docChgLst>
+  <pc:docChgLst>
+    <pc:chgData name="Fatima Pillosu" userId="a6295d4dc9e22643" providerId="LiveId" clId="{5928BA55-6FB3-4F80-AC13-23BF3D40610D}"/>
+    <pc:docChg chg="undo custSel addSld modSld">
+      <pc:chgData name="Fatima Pillosu" userId="a6295d4dc9e22643" providerId="LiveId" clId="{5928BA55-6FB3-4F80-AC13-23BF3D40610D}" dt="2024-06-25T23:23:14.261" v="3731"/>
+      <pc:docMkLst>
+        <pc:docMk/>
+      </pc:docMkLst>
+      <pc:sldChg chg="addSp delSp modSp mod">
+        <pc:chgData name="Fatima Pillosu" userId="a6295d4dc9e22643" providerId="LiveId" clId="{5928BA55-6FB3-4F80-AC13-23BF3D40610D}" dt="2024-06-25T22:52:38.402" v="2467" actId="478"/>
+        <pc:sldMkLst>
+          <pc:docMk/>
+          <pc:sldMk cId="3526088048" sldId="256"/>
+        </pc:sldMkLst>
+        <pc:spChg chg="del mod">
+          <ac:chgData name="Fatima Pillosu" userId="a6295d4dc9e22643" providerId="LiveId" clId="{5928BA55-6FB3-4F80-AC13-23BF3D40610D}" dt="2024-06-25T16:36:18.362" v="856" actId="478"/>
+          <ac:spMkLst>
+            <pc:docMk/>
+            <pc:sldMk cId="3526088048" sldId="256"/>
+            <ac:spMk id="5" creationId="{2FED1811-D3BC-FE36-E814-20610FFA57B1}"/>
+          </ac:spMkLst>
+        </pc:spChg>
+        <pc:spChg chg="del mod">
+          <ac:chgData name="Fatima Pillosu" userId="a6295d4dc9e22643" providerId="LiveId" clId="{5928BA55-6FB3-4F80-AC13-23BF3D40610D}" dt="2024-06-25T22:38:40.602" v="2167" actId="478"/>
+          <ac:spMkLst>
+            <pc:docMk/>
+            <pc:sldMk cId="3526088048" sldId="256"/>
+            <ac:spMk id="10" creationId="{BB8FDFA2-2FB7-1102-BB6E-0D2419EC6919}"/>
+          </ac:spMkLst>
+        </pc:spChg>
+        <pc:spChg chg="del mod">
+          <ac:chgData name="Fatima Pillosu" userId="a6295d4dc9e22643" providerId="LiveId" clId="{5928BA55-6FB3-4F80-AC13-23BF3D40610D}" dt="2024-06-25T15:53:01.154" v="48" actId="478"/>
+          <ac:spMkLst>
+            <pc:docMk/>
+            <pc:sldMk cId="3526088048" sldId="256"/>
+            <ac:spMk id="11" creationId="{D7AB6EE4-D207-7430-1C1E-48DD2C53C814}"/>
+          </ac:spMkLst>
+        </pc:spChg>
+        <pc:spChg chg="del mod ord">
+          <ac:chgData name="Fatima Pillosu" userId="a6295d4dc9e22643" providerId="LiveId" clId="{5928BA55-6FB3-4F80-AC13-23BF3D40610D}" dt="2024-06-25T16:09:06.063" v="267" actId="478"/>
+          <ac:spMkLst>
+            <pc:docMk/>
+            <pc:sldMk cId="3526088048" sldId="256"/>
+            <ac:spMk id="12" creationId="{D1A828D1-9255-613C-DD10-446403B632A6}"/>
+          </ac:spMkLst>
+        </pc:spChg>
+        <pc:spChg chg="del mod">
+          <ac:chgData name="Fatima Pillosu" userId="a6295d4dc9e22643" providerId="LiveId" clId="{5928BA55-6FB3-4F80-AC13-23BF3D40610D}" dt="2024-06-25T22:38:40.602" v="2167" actId="478"/>
+          <ac:spMkLst>
+            <pc:docMk/>
+            <pc:sldMk cId="3526088048" sldId="256"/>
+            <ac:spMk id="14" creationId="{87F68D55-B6BE-4541-82D5-A5BD1B64D3E1}"/>
+          </ac:spMkLst>
+        </pc:spChg>
+        <pc:spChg chg="del mod">
+          <ac:chgData name="Fatima Pillosu" userId="a6295d4dc9e22643" providerId="LiveId" clId="{5928BA55-6FB3-4F80-AC13-23BF3D40610D}" dt="2024-06-25T22:38:40.602" v="2167" actId="478"/>
+          <ac:spMkLst>
+            <pc:docMk/>
+            <pc:sldMk cId="3526088048" sldId="256"/>
+            <ac:spMk id="15" creationId="{C681CE30-9CA0-3A4A-213F-B1A44652EC8D}"/>
+          </ac:spMkLst>
+        </pc:spChg>
+        <pc:spChg chg="del mod">
+          <ac:chgData name="Fatima Pillosu" userId="a6295d4dc9e22643" providerId="LiveId" clId="{5928BA55-6FB3-4F80-AC13-23BF3D40610D}" dt="2024-06-25T22:38:40.602" v="2167" actId="478"/>
+          <ac:spMkLst>
+            <pc:docMk/>
+            <pc:sldMk cId="3526088048" sldId="256"/>
+            <ac:spMk id="16" creationId="{89162784-20DD-5A80-4B21-35466E73DB95}"/>
+          </ac:spMkLst>
+        </pc:spChg>
+        <pc:spChg chg="add del mod">
+          <ac:chgData name="Fatima Pillosu" userId="a6295d4dc9e22643" providerId="LiveId" clId="{5928BA55-6FB3-4F80-AC13-23BF3D40610D}" dt="2024-06-25T22:38:40.602" v="2167" actId="478"/>
+          <ac:spMkLst>
+            <pc:docMk/>
+            <pc:sldMk cId="3526088048" sldId="256"/>
+            <ac:spMk id="19" creationId="{43062E17-5596-3273-8905-45B4781EB3A2}"/>
+          </ac:spMkLst>
+        </pc:spChg>
+        <pc:spChg chg="del mod">
+          <ac:chgData name="Fatima Pillosu" userId="a6295d4dc9e22643" providerId="LiveId" clId="{5928BA55-6FB3-4F80-AC13-23BF3D40610D}" dt="2024-06-25T22:38:40.602" v="2167" actId="478"/>
+          <ac:spMkLst>
+            <pc:docMk/>
+            <pc:sldMk cId="3526088048" sldId="256"/>
+            <ac:spMk id="20" creationId="{DEFF78AC-463C-EB52-C330-18A1B857E0E6}"/>
+          </ac:spMkLst>
+        </pc:spChg>
+        <pc:spChg chg="add del mod">
+          <ac:chgData name="Fatima Pillosu" userId="a6295d4dc9e22643" providerId="LiveId" clId="{5928BA55-6FB3-4F80-AC13-23BF3D40610D}" dt="2024-06-25T22:38:40.602" v="2167" actId="478"/>
+          <ac:spMkLst>
+            <pc:docMk/>
+            <pc:sldMk cId="3526088048" sldId="256"/>
+            <ac:spMk id="21" creationId="{6D32E5B6-D1DE-59AE-87EA-8023E24B5E3F}"/>
+          </ac:spMkLst>
+        </pc:spChg>
+        <pc:spChg chg="add del mod">
+          <ac:chgData name="Fatima Pillosu" userId="a6295d4dc9e22643" providerId="LiveId" clId="{5928BA55-6FB3-4F80-AC13-23BF3D40610D}" dt="2024-06-25T22:38:40.602" v="2167" actId="478"/>
+          <ac:spMkLst>
+            <pc:docMk/>
+            <pc:sldMk cId="3526088048" sldId="256"/>
+            <ac:spMk id="22" creationId="{F38B8624-AE22-5BE1-AE79-43FA74AF02FF}"/>
+          </ac:spMkLst>
+        </pc:spChg>
+        <pc:spChg chg="del mod">
+          <ac:chgData name="Fatima Pillosu" userId="a6295d4dc9e22643" providerId="LiveId" clId="{5928BA55-6FB3-4F80-AC13-23BF3D40610D}" dt="2024-06-25T22:52:38.402" v="2467" actId="478"/>
+          <ac:spMkLst>
+            <pc:docMk/>
+            <pc:sldMk cId="3526088048" sldId="256"/>
+            <ac:spMk id="157" creationId="{28013E36-5A51-5F57-A384-156C14241051}"/>
+          </ac:spMkLst>
+        </pc:spChg>
+        <pc:spChg chg="del mod">
+          <ac:chgData name="Fatima Pillosu" userId="a6295d4dc9e22643" providerId="LiveId" clId="{5928BA55-6FB3-4F80-AC13-23BF3D40610D}" dt="2024-06-25T22:38:40.602" v="2167" actId="478"/>
+          <ac:spMkLst>
+            <pc:docMk/>
+            <pc:sldMk cId="3526088048" sldId="256"/>
+            <ac:spMk id="158" creationId="{4FD99450-9881-B199-76D9-0ACFA1B675B1}"/>
+          </ac:spMkLst>
+        </pc:spChg>
+        <pc:picChg chg="mod">
+          <ac:chgData name="Fatima Pillosu" userId="a6295d4dc9e22643" providerId="LiveId" clId="{5928BA55-6FB3-4F80-AC13-23BF3D40610D}" dt="2024-06-25T16:38:30.394" v="924" actId="1076"/>
+          <ac:picMkLst>
+            <pc:docMk/>
+            <pc:sldMk cId="3526088048" sldId="256"/>
+            <ac:picMk id="3" creationId="{C622FAF2-C505-128A-8928-494005D43AD6}"/>
+          </ac:picMkLst>
+        </pc:picChg>
+        <pc:picChg chg="mod">
+          <ac:chgData name="Fatima Pillosu" userId="a6295d4dc9e22643" providerId="LiveId" clId="{5928BA55-6FB3-4F80-AC13-23BF3D40610D}" dt="2024-06-25T16:38:30.394" v="924" actId="1076"/>
+          <ac:picMkLst>
+            <pc:docMk/>
+            <pc:sldMk cId="3526088048" sldId="256"/>
+            <ac:picMk id="6" creationId="{F895D51C-03F4-D4B2-4BB3-CD89E07FE61C}"/>
+          </ac:picMkLst>
+        </pc:picChg>
+        <pc:picChg chg="add del">
+          <ac:chgData name="Fatima Pillosu" userId="a6295d4dc9e22643" providerId="LiveId" clId="{5928BA55-6FB3-4F80-AC13-23BF3D40610D}" dt="2024-06-25T16:41:00.056" v="928" actId="478"/>
+          <ac:picMkLst>
+            <pc:docMk/>
+            <pc:sldMk cId="3526088048" sldId="256"/>
+            <ac:picMk id="24" creationId="{C5A197E8-404E-781B-0576-96EAFD9C2977}"/>
+          </ac:picMkLst>
+        </pc:picChg>
+        <pc:picChg chg="mod">
+          <ac:chgData name="Fatima Pillosu" userId="a6295d4dc9e22643" providerId="LiveId" clId="{5928BA55-6FB3-4F80-AC13-23BF3D40610D}" dt="2024-06-25T16:38:30.394" v="924" actId="1076"/>
+          <ac:picMkLst>
+            <pc:docMk/>
+            <pc:sldMk cId="3526088048" sldId="256"/>
+            <ac:picMk id="25" creationId="{2480E38B-F632-0957-2878-99E301E90262}"/>
+          </ac:picMkLst>
+        </pc:picChg>
+        <pc:picChg chg="mod">
+          <ac:chgData name="Fatima Pillosu" userId="a6295d4dc9e22643" providerId="LiveId" clId="{5928BA55-6FB3-4F80-AC13-23BF3D40610D}" dt="2024-06-25T16:38:30.394" v="924" actId="1076"/>
+          <ac:picMkLst>
+            <pc:docMk/>
+            <pc:sldMk cId="3526088048" sldId="256"/>
+            <ac:picMk id="26" creationId="{129400E3-B23D-9424-E1F1-A14CB38222F2}"/>
+          </ac:picMkLst>
+        </pc:picChg>
+        <pc:picChg chg="mod">
+          <ac:chgData name="Fatima Pillosu" userId="a6295d4dc9e22643" providerId="LiveId" clId="{5928BA55-6FB3-4F80-AC13-23BF3D40610D}" dt="2024-06-25T16:38:30.394" v="924" actId="1076"/>
+          <ac:picMkLst>
+            <pc:docMk/>
+            <pc:sldMk cId="3526088048" sldId="256"/>
+            <ac:picMk id="27" creationId="{2B8BEB7A-7D25-B15B-3B57-D99932D1AEDB}"/>
+          </ac:picMkLst>
+        </pc:picChg>
+        <pc:picChg chg="mod">
+          <ac:chgData name="Fatima Pillosu" userId="a6295d4dc9e22643" providerId="LiveId" clId="{5928BA55-6FB3-4F80-AC13-23BF3D40610D}" dt="2024-06-25T16:38:30.394" v="924" actId="1076"/>
+          <ac:picMkLst>
+            <pc:docMk/>
+            <pc:sldMk cId="3526088048" sldId="256"/>
+            <ac:picMk id="28" creationId="{5486BB4E-D2CD-E8D5-E8F4-09BACD13C403}"/>
+          </ac:picMkLst>
+        </pc:picChg>
+        <pc:picChg chg="add del">
+          <ac:chgData name="Fatima Pillosu" userId="a6295d4dc9e22643" providerId="LiveId" clId="{5928BA55-6FB3-4F80-AC13-23BF3D40610D}" dt="2024-06-25T16:41:39.003" v="931" actId="478"/>
+          <ac:picMkLst>
+            <pc:docMk/>
+            <pc:sldMk cId="3526088048" sldId="256"/>
+            <ac:picMk id="30" creationId="{42C9AF67-83A6-71A0-3F38-FD627A031586}"/>
+          </ac:picMkLst>
+        </pc:picChg>
+        <pc:picChg chg="mod">
+          <ac:chgData name="Fatima Pillosu" userId="a6295d4dc9e22643" providerId="LiveId" clId="{5928BA55-6FB3-4F80-AC13-23BF3D40610D}" dt="2024-06-25T16:38:23.126" v="923" actId="1076"/>
+          <ac:picMkLst>
+            <pc:docMk/>
+            <pc:sldMk cId="3526088048" sldId="256"/>
+            <ac:picMk id="34" creationId="{0121805E-37D1-C3F3-9DE3-AB265BC19826}"/>
+          </ac:picMkLst>
+        </pc:picChg>
+        <pc:picChg chg="mod">
+          <ac:chgData name="Fatima Pillosu" userId="a6295d4dc9e22643" providerId="LiveId" clId="{5928BA55-6FB3-4F80-AC13-23BF3D40610D}" dt="2024-06-25T16:38:30.394" v="924" actId="1076"/>
+          <ac:picMkLst>
+            <pc:docMk/>
+            <pc:sldMk cId="3526088048" sldId="256"/>
+            <ac:picMk id="35" creationId="{33E34BA3-7905-B069-DCF8-207ED02AC316}"/>
+          </ac:picMkLst>
+        </pc:picChg>
+        <pc:picChg chg="mod">
+          <ac:chgData name="Fatima Pillosu" userId="a6295d4dc9e22643" providerId="LiveId" clId="{5928BA55-6FB3-4F80-AC13-23BF3D40610D}" dt="2024-06-25T16:38:30.394" v="924" actId="1076"/>
+          <ac:picMkLst>
+            <pc:docMk/>
+            <pc:sldMk cId="3526088048" sldId="256"/>
+            <ac:picMk id="37" creationId="{95F23B9F-8C0C-0900-78BB-710D8946859C}"/>
+          </ac:picMkLst>
+        </pc:picChg>
+        <pc:picChg chg="mod">
+          <ac:chgData name="Fatima Pillosu" userId="a6295d4dc9e22643" providerId="LiveId" clId="{5928BA55-6FB3-4F80-AC13-23BF3D40610D}" dt="2024-06-25T16:38:21.179" v="922" actId="1076"/>
+          <ac:picMkLst>
+            <pc:docMk/>
+            <pc:sldMk cId="3526088048" sldId="256"/>
+            <ac:picMk id="123" creationId="{9E2135DE-F3E2-B9AE-0158-33F5A4D8DBC9}"/>
+          </ac:picMkLst>
+        </pc:picChg>
+        <pc:picChg chg="mod">
+          <ac:chgData name="Fatima Pillosu" userId="a6295d4dc9e22643" providerId="LiveId" clId="{5928BA55-6FB3-4F80-AC13-23BF3D40610D}" dt="2024-06-25T16:38:30.394" v="924" actId="1076"/>
+          <ac:picMkLst>
+            <pc:docMk/>
+            <pc:sldMk cId="3526088048" sldId="256"/>
+            <ac:picMk id="142" creationId="{C522A8A0-0A5C-537E-1290-A4E7079FA3F7}"/>
+          </ac:picMkLst>
+        </pc:picChg>
+        <pc:picChg chg="mod">
+          <ac:chgData name="Fatima Pillosu" userId="a6295d4dc9e22643" providerId="LiveId" clId="{5928BA55-6FB3-4F80-AC13-23BF3D40610D}" dt="2024-06-25T16:38:30.394" v="924" actId="1076"/>
+          <ac:picMkLst>
+            <pc:docMk/>
+            <pc:sldMk cId="3526088048" sldId="256"/>
+            <ac:picMk id="144" creationId="{E41EF88B-42F4-BE51-5581-104BF2CFEA09}"/>
+          </ac:picMkLst>
+        </pc:picChg>
+        <pc:picChg chg="mod">
+          <ac:chgData name="Fatima Pillosu" userId="a6295d4dc9e22643" providerId="LiveId" clId="{5928BA55-6FB3-4F80-AC13-23BF3D40610D}" dt="2024-06-25T16:38:30.394" v="924" actId="1076"/>
+          <ac:picMkLst>
+            <pc:docMk/>
+            <pc:sldMk cId="3526088048" sldId="256"/>
+            <ac:picMk id="155" creationId="{659501DB-0D64-5C2A-6866-D00506C583BE}"/>
+          </ac:picMkLst>
+        </pc:picChg>
+        <pc:picChg chg="mod">
+          <ac:chgData name="Fatima Pillosu" userId="a6295d4dc9e22643" providerId="LiveId" clId="{5928BA55-6FB3-4F80-AC13-23BF3D40610D}" dt="2024-06-25T16:38:30.394" v="924" actId="1076"/>
+          <ac:picMkLst>
+            <pc:docMk/>
+            <pc:sldMk cId="3526088048" sldId="256"/>
+            <ac:picMk id="156" creationId="{CBB77608-8A60-41D0-3CBA-CA797851D993}"/>
+          </ac:picMkLst>
+        </pc:picChg>
+        <pc:cxnChg chg="add del mod">
+          <ac:chgData name="Fatima Pillosu" userId="a6295d4dc9e22643" providerId="LiveId" clId="{5928BA55-6FB3-4F80-AC13-23BF3D40610D}" dt="2024-06-25T16:09:08.495" v="268" actId="478"/>
+          <ac:cxnSpMkLst>
+            <pc:docMk/>
+            <pc:sldMk cId="3526088048" sldId="256"/>
+            <ac:cxnSpMk id="2" creationId="{616DFBB9-60C0-ECE3-A6FE-41FCB956503B}"/>
+          </ac:cxnSpMkLst>
+        </pc:cxnChg>
+        <pc:cxnChg chg="del mod">
+          <ac:chgData name="Fatima Pillosu" userId="a6295d4dc9e22643" providerId="LiveId" clId="{5928BA55-6FB3-4F80-AC13-23BF3D40610D}" dt="2024-06-25T16:36:20.367" v="857" actId="478"/>
+          <ac:cxnSpMkLst>
+            <pc:docMk/>
+            <pc:sldMk cId="3526088048" sldId="256"/>
+            <ac:cxnSpMk id="7" creationId="{C072E029-7089-41BF-2883-BB5ADCA1AAB1}"/>
+          </ac:cxnSpMkLst>
+        </pc:cxnChg>
+        <pc:cxnChg chg="del mod">
+          <ac:chgData name="Fatima Pillosu" userId="a6295d4dc9e22643" providerId="LiveId" clId="{5928BA55-6FB3-4F80-AC13-23BF3D40610D}" dt="2024-06-25T16:36:22.295" v="858" actId="478"/>
+          <ac:cxnSpMkLst>
+            <pc:docMk/>
+            <pc:sldMk cId="3526088048" sldId="256"/>
+            <ac:cxnSpMk id="8" creationId="{4EF40BD1-3F20-4514-1D05-6AD6F81B5BC3}"/>
+          </ac:cxnSpMkLst>
+        </pc:cxnChg>
+        <pc:cxnChg chg="del mod">
+          <ac:chgData name="Fatima Pillosu" userId="a6295d4dc9e22643" providerId="LiveId" clId="{5928BA55-6FB3-4F80-AC13-23BF3D40610D}" dt="2024-06-25T16:36:20.367" v="857" actId="478"/>
+          <ac:cxnSpMkLst>
+            <pc:docMk/>
+            <pc:sldMk cId="3526088048" sldId="256"/>
+            <ac:cxnSpMk id="13" creationId="{93AC4858-73C5-D3E8-1DE1-E4D9105B4FB2}"/>
+          </ac:cxnSpMkLst>
+        </pc:cxnChg>
+        <pc:cxnChg chg="del mod">
+          <ac:chgData name="Fatima Pillosu" userId="a6295d4dc9e22643" providerId="LiveId" clId="{5928BA55-6FB3-4F80-AC13-23BF3D40610D}" dt="2024-06-25T16:36:22.295" v="858" actId="478"/>
+          <ac:cxnSpMkLst>
+            <pc:docMk/>
+            <pc:sldMk cId="3526088048" sldId="256"/>
+            <ac:cxnSpMk id="18" creationId="{1A75940C-B97D-A51B-8411-430731370392}"/>
+          </ac:cxnSpMkLst>
+        </pc:cxnChg>
+      </pc:sldChg>
+      <pc:sldChg chg="addSp delSp modSp new mod">
+        <pc:chgData name="Fatima Pillosu" userId="a6295d4dc9e22643" providerId="LiveId" clId="{5928BA55-6FB3-4F80-AC13-23BF3D40610D}" dt="2024-06-25T23:23:14.261" v="3731"/>
+        <pc:sldMkLst>
+          <pc:docMk/>
+          <pc:sldMk cId="3057408396" sldId="257"/>
+        </pc:sldMkLst>
+        <pc:spChg chg="del mod">
+          <ac:chgData name="Fatima Pillosu" userId="a6295d4dc9e22643" providerId="LiveId" clId="{5928BA55-6FB3-4F80-AC13-23BF3D40610D}" dt="2024-06-25T21:49:44.092" v="1368" actId="478"/>
+          <ac:spMkLst>
+            <pc:docMk/>
+            <pc:sldMk cId="3057408396" sldId="257"/>
+            <ac:spMk id="2" creationId="{4BE51958-47D8-54C6-52DD-7FE3EA7BF19D}"/>
+          </ac:spMkLst>
+        </pc:spChg>
+        <pc:spChg chg="del">
+          <ac:chgData name="Fatima Pillosu" userId="a6295d4dc9e22643" providerId="LiveId" clId="{5928BA55-6FB3-4F80-AC13-23BF3D40610D}" dt="2024-06-25T21:09:46.615" v="1158" actId="478"/>
+          <ac:spMkLst>
+            <pc:docMk/>
+            <pc:sldMk cId="3057408396" sldId="257"/>
+            <ac:spMk id="2" creationId="{83837781-2CC1-D024-21B6-5CC25186A59C}"/>
+          </ac:spMkLst>
+        </pc:spChg>
+        <pc:spChg chg="del mod">
+          <ac:chgData name="Fatima Pillosu" userId="a6295d4dc9e22643" providerId="LiveId" clId="{5928BA55-6FB3-4F80-AC13-23BF3D40610D}" dt="2024-06-25T21:48:59.020" v="1359" actId="478"/>
+          <ac:spMkLst>
+            <pc:docMk/>
+            <pc:sldMk cId="3057408396" sldId="257"/>
+            <ac:spMk id="3" creationId="{342C521E-E462-C7AB-3C98-DD99460FCF02}"/>
+          </ac:spMkLst>
+        </pc:spChg>
+        <pc:spChg chg="del">
+          <ac:chgData name="Fatima Pillosu" userId="a6295d4dc9e22643" providerId="LiveId" clId="{5928BA55-6FB3-4F80-AC13-23BF3D40610D}" dt="2024-06-25T21:09:48.625" v="1159" actId="478"/>
+          <ac:spMkLst>
+            <pc:docMk/>
+            <pc:sldMk cId="3057408396" sldId="257"/>
+            <ac:spMk id="3" creationId="{AA0D2658-395B-5ABB-2722-151546791F2E}"/>
+          </ac:spMkLst>
+        </pc:spChg>
+        <pc:spChg chg="add del mod">
+          <ac:chgData name="Fatima Pillosu" userId="a6295d4dc9e22643" providerId="LiveId" clId="{5928BA55-6FB3-4F80-AC13-23BF3D40610D}" dt="2024-06-25T21:23:07.439" v="1228"/>
+          <ac:spMkLst>
+            <pc:docMk/>
+            <pc:sldMk cId="3057408396" sldId="257"/>
+            <ac:spMk id="4" creationId="{26217878-50A7-4460-EB76-284D7145D971}"/>
+          </ac:spMkLst>
+        </pc:spChg>
+        <pc:spChg chg="del mod">
+          <ac:chgData name="Fatima Pillosu" userId="a6295d4dc9e22643" providerId="LiveId" clId="{5928BA55-6FB3-4F80-AC13-23BF3D40610D}" dt="2024-06-25T21:48:58.122" v="1358" actId="478"/>
+          <ac:spMkLst>
+            <pc:docMk/>
+            <pc:sldMk cId="3057408396" sldId="257"/>
+            <ac:spMk id="4" creationId="{EF0A8580-D4AB-E8BF-0A9C-521B220D4958}"/>
+          </ac:spMkLst>
+        </pc:spChg>
+        <pc:spChg chg="add del mod">
+          <ac:chgData name="Fatima Pillosu" userId="a6295d4dc9e22643" providerId="LiveId" clId="{5928BA55-6FB3-4F80-AC13-23BF3D40610D}" dt="2024-06-25T21:23:07.439" v="1228"/>
+          <ac:spMkLst>
+            <pc:docMk/>
+            <pc:sldMk cId="3057408396" sldId="257"/>
+            <ac:spMk id="5" creationId="{0E975299-82E9-C9A3-7798-8EE383D90CA1}"/>
+          </ac:spMkLst>
+        </pc:spChg>
+        <pc:spChg chg="add del mod">
+          <ac:chgData name="Fatima Pillosu" userId="a6295d4dc9e22643" providerId="LiveId" clId="{5928BA55-6FB3-4F80-AC13-23BF3D40610D}" dt="2024-06-25T21:50:49.276" v="1373"/>
+          <ac:spMkLst>
+            <pc:docMk/>
+            <pc:sldMk cId="3057408396" sldId="257"/>
+            <ac:spMk id="5" creationId="{6F8C7C80-B9BA-A2B2-A84A-6B4D11559345}"/>
+          </ac:spMkLst>
+        </pc:spChg>
+        <pc:spChg chg="add del mod">
+          <ac:chgData name="Fatima Pillosu" userId="a6295d4dc9e22643" providerId="LiveId" clId="{5928BA55-6FB3-4F80-AC13-23BF3D40610D}" dt="2024-06-25T21:50:49.276" v="1373"/>
+          <ac:spMkLst>
+            <pc:docMk/>
+            <pc:sldMk cId="3057408396" sldId="257"/>
+            <ac:spMk id="6" creationId="{E3A4DC66-209A-566E-A2A6-A094574FB6D4}"/>
+          </ac:spMkLst>
+        </pc:spChg>
+        <pc:spChg chg="add del mod">
+          <ac:chgData name="Fatima Pillosu" userId="a6295d4dc9e22643" providerId="LiveId" clId="{5928BA55-6FB3-4F80-AC13-23BF3D40610D}" dt="2024-06-25T21:51:29.533" v="1377"/>
+          <ac:spMkLst>
+            <pc:docMk/>
+            <pc:sldMk cId="3057408396" sldId="257"/>
+            <ac:spMk id="7" creationId="{83E46344-75B7-C802-CE32-56C1132FF795}"/>
+          </ac:spMkLst>
+        </pc:spChg>
+        <pc:spChg chg="add del">
+          <ac:chgData name="Fatima Pillosu" userId="a6295d4dc9e22643" providerId="LiveId" clId="{5928BA55-6FB3-4F80-AC13-23BF3D40610D}" dt="2024-06-25T21:51:29.533" v="1377"/>
+          <ac:spMkLst>
+            <pc:docMk/>
+            <pc:sldMk cId="3057408396" sldId="257"/>
+            <ac:spMk id="8" creationId="{595F9C11-F226-C1C5-097D-A0E6F762C535}"/>
+          </ac:spMkLst>
+        </pc:spChg>
+        <pc:spChg chg="mod">
+          <ac:chgData name="Fatima Pillosu" userId="a6295d4dc9e22643" providerId="LiveId" clId="{5928BA55-6FB3-4F80-AC13-23BF3D40610D}" dt="2024-06-25T21:51:09.643" v="1376"/>
+          <ac:spMkLst>
+            <pc:docMk/>
+            <pc:sldMk cId="3057408396" sldId="257"/>
+            <ac:spMk id="9" creationId="{B71C91BB-A701-F5E0-B258-7BD4F7469723}"/>
+          </ac:spMkLst>
+        </pc:spChg>
+        <pc:spChg chg="del mod ord">
+          <ac:chgData name="Fatima Pillosu" userId="a6295d4dc9e22643" providerId="LiveId" clId="{5928BA55-6FB3-4F80-AC13-23BF3D40610D}" dt="2024-06-25T23:23:02.631" v="3730" actId="21"/>
+          <ac:spMkLst>
+            <pc:docMk/>
+            <pc:sldMk cId="3057408396" sldId="257"/>
+            <ac:spMk id="10" creationId="{F97B0191-5FCE-D0CD-308A-B223182BC67D}"/>
+          </ac:spMkLst>
+        </pc:spChg>
+        <pc:spChg chg="add del mod ord">
+          <ac:chgData name="Fatima Pillosu" userId="a6295d4dc9e22643" providerId="LiveId" clId="{5928BA55-6FB3-4F80-AC13-23BF3D40610D}" dt="2024-06-25T23:23:02.631" v="3730" actId="21"/>
+          <ac:spMkLst>
+            <pc:docMk/>
+            <pc:sldMk cId="3057408396" sldId="257"/>
+            <ac:spMk id="11" creationId="{4F4CE4BE-B9A8-693B-E2A2-6A4A4BD1B81A}"/>
+          </ac:spMkLst>
+        </pc:spChg>
+        <pc:spChg chg="mod">
+          <ac:chgData name="Fatima Pillosu" userId="a6295d4dc9e22643" providerId="LiveId" clId="{5928BA55-6FB3-4F80-AC13-23BF3D40610D}" dt="2024-06-25T21:19:08.831" v="1200" actId="338"/>
+          <ac:spMkLst>
+            <pc:docMk/>
+            <pc:sldMk cId="3057408396" sldId="257"/>
+            <ac:spMk id="11" creationId="{946CAB10-290C-7AF9-A19A-B9F060AFB098}"/>
+          </ac:spMkLst>
+        </pc:spChg>
+        <pc:spChg chg="add del mod">
+          <ac:chgData name="Fatima Pillosu" userId="a6295d4dc9e22643" providerId="LiveId" clId="{5928BA55-6FB3-4F80-AC13-23BF3D40610D}" dt="2024-06-25T23:23:02.631" v="3730" actId="21"/>
+          <ac:spMkLst>
+            <pc:docMk/>
+            <pc:sldMk cId="3057408396" sldId="257"/>
+            <ac:spMk id="12" creationId="{7AF7DBB6-E378-E76B-6AEB-8F0ED21B18CF}"/>
+          </ac:spMkLst>
+        </pc:spChg>
+        <pc:spChg chg="del mod">
+          <ac:chgData name="Fatima Pillosu" userId="a6295d4dc9e22643" providerId="LiveId" clId="{5928BA55-6FB3-4F80-AC13-23BF3D40610D}" dt="2024-06-25T21:19:33.512" v="1201" actId="21"/>
+          <ac:spMkLst>
+            <pc:docMk/>
+            <pc:sldMk cId="3057408396" sldId="257"/>
+            <ac:spMk id="12" creationId="{CC669A8F-C1DA-2FB8-FF72-163FE6CB44DB}"/>
+          </ac:spMkLst>
+        </pc:spChg>
+        <pc:spChg chg="add del mod">
+          <ac:chgData name="Fatima Pillosu" userId="a6295d4dc9e22643" providerId="LiveId" clId="{5928BA55-6FB3-4F80-AC13-23BF3D40610D}" dt="2024-06-25T23:23:02.631" v="3730" actId="21"/>
+          <ac:spMkLst>
+            <pc:docMk/>
+            <pc:sldMk cId="3057408396" sldId="257"/>
+            <ac:spMk id="13" creationId="{99B2100B-9D14-4296-78A7-CA77AB0A1096}"/>
+          </ac:spMkLst>
+        </pc:spChg>
+        <pc:spChg chg="mod">
+          <ac:chgData name="Fatima Pillosu" userId="a6295d4dc9e22643" providerId="LiveId" clId="{5928BA55-6FB3-4F80-AC13-23BF3D40610D}" dt="2024-06-25T21:19:08.831" v="1200" actId="338"/>
+          <ac:spMkLst>
+            <pc:docMk/>
+            <pc:sldMk cId="3057408396" sldId="257"/>
+            <ac:spMk id="13" creationId="{C9688D5C-AF82-A4B5-B616-3F783D72B10A}"/>
+          </ac:spMkLst>
+        </pc:spChg>
+        <pc:spChg chg="add del mod">
+          <ac:chgData name="Fatima Pillosu" userId="a6295d4dc9e22643" providerId="LiveId" clId="{5928BA55-6FB3-4F80-AC13-23BF3D40610D}" dt="2024-06-25T23:23:02.631" v="3730" actId="21"/>
+          <ac:spMkLst>
+            <pc:docMk/>
+            <pc:sldMk cId="3057408396" sldId="257"/>
+            <ac:spMk id="14" creationId="{621AFAEE-829D-DF41-62E5-B4AD188CA36B}"/>
+          </ac:spMkLst>
+        </pc:spChg>
+        <pc:spChg chg="del mod">
+          <ac:chgData name="Fatima Pillosu" userId="a6295d4dc9e22643" providerId="LiveId" clId="{5928BA55-6FB3-4F80-AC13-23BF3D40610D}" dt="2024-06-25T21:19:33.512" v="1201" actId="21"/>
+          <ac:spMkLst>
+            <pc:docMk/>
+            <pc:sldMk cId="3057408396" sldId="257"/>
+            <ac:spMk id="14" creationId="{BFCC0668-7B26-6063-1E35-3B260AEBA2BD}"/>
+          </ac:spMkLst>
+        </pc:spChg>
+        <pc:spChg chg="mod">
+          <ac:chgData name="Fatima Pillosu" userId="a6295d4dc9e22643" providerId="LiveId" clId="{5928BA55-6FB3-4F80-AC13-23BF3D40610D}" dt="2024-06-25T21:19:08.831" v="1200" actId="338"/>
+          <ac:spMkLst>
+            <pc:docMk/>
+            <pc:sldMk cId="3057408396" sldId="257"/>
+            <ac:spMk id="15" creationId="{76FC31D1-4D8B-E549-8D46-FAF531248404}"/>
+          </ac:spMkLst>
+        </pc:spChg>
+        <pc:spChg chg="del mod">
+          <ac:chgData name="Fatima Pillosu" userId="a6295d4dc9e22643" providerId="LiveId" clId="{5928BA55-6FB3-4F80-AC13-23BF3D40610D}" dt="2024-06-25T21:19:33.512" v="1201" actId="21"/>
+          <ac:spMkLst>
+            <pc:docMk/>
+            <pc:sldMk cId="3057408396" sldId="257"/>
+            <ac:spMk id="16" creationId="{3A3AB0CF-0F1E-FE37-1388-AC22F69575A7}"/>
+          </ac:spMkLst>
+        </pc:spChg>
+        <pc:spChg chg="mod">
+          <ac:chgData name="Fatima Pillosu" userId="a6295d4dc9e22643" providerId="LiveId" clId="{5928BA55-6FB3-4F80-AC13-23BF3D40610D}" dt="2024-06-25T21:19:08.831" v="1200" actId="338"/>
+          <ac:spMkLst>
+            <pc:docMk/>
+            <pc:sldMk cId="3057408396" sldId="257"/>
+            <ac:spMk id="17" creationId="{8368364B-4B76-69E5-B7E2-1B89974184AA}"/>
+          </ac:spMkLst>
+        </pc:spChg>
+        <pc:spChg chg="add del mod topLvl">
+          <ac:chgData name="Fatima Pillosu" userId="a6295d4dc9e22643" providerId="LiveId" clId="{5928BA55-6FB3-4F80-AC13-23BF3D40610D}" dt="2024-06-25T21:23:07.439" v="1228"/>
+          <ac:spMkLst>
+            <pc:docMk/>
+            <pc:sldMk cId="3057408396" sldId="257"/>
+            <ac:spMk id="18" creationId="{CC669A8F-C1DA-2FB8-FF72-163FE6CB44DB}"/>
+          </ac:spMkLst>
+        </pc:spChg>
+        <pc:spChg chg="add del mod topLvl">
+          <ac:chgData name="Fatima Pillosu" userId="a6295d4dc9e22643" providerId="LiveId" clId="{5928BA55-6FB3-4F80-AC13-23BF3D40610D}" dt="2024-06-25T21:23:07.439" v="1228"/>
+          <ac:spMkLst>
+            <pc:docMk/>
+            <pc:sldMk cId="3057408396" sldId="257"/>
+            <ac:spMk id="19" creationId="{BFCC0668-7B26-6063-1E35-3B260AEBA2BD}"/>
+          </ac:spMkLst>
+        </pc:spChg>
+        <pc:spChg chg="add del mod topLvl">
+          <ac:chgData name="Fatima Pillosu" userId="a6295d4dc9e22643" providerId="LiveId" clId="{5928BA55-6FB3-4F80-AC13-23BF3D40610D}" dt="2024-06-25T21:23:07.439" v="1228"/>
+          <ac:spMkLst>
+            <pc:docMk/>
+            <pc:sldMk cId="3057408396" sldId="257"/>
+            <ac:spMk id="20" creationId="{3A3AB0CF-0F1E-FE37-1388-AC22F69575A7}"/>
+          </ac:spMkLst>
+        </pc:spChg>
+        <pc:spChg chg="mod">
+          <ac:chgData name="Fatima Pillosu" userId="a6295d4dc9e22643" providerId="LiveId" clId="{5928BA55-6FB3-4F80-AC13-23BF3D40610D}" dt="2024-06-25T21:22:55.256" v="1227"/>
+          <ac:spMkLst>
+            <pc:docMk/>
+            <pc:sldMk cId="3057408396" sldId="257"/>
+            <ac:spMk id="22" creationId="{73ED57D7-2451-157B-B004-A282B568BF8B}"/>
+          </ac:spMkLst>
+        </pc:spChg>
+        <pc:spChg chg="del mod">
+          <ac:chgData name="Fatima Pillosu" userId="a6295d4dc9e22643" providerId="LiveId" clId="{5928BA55-6FB3-4F80-AC13-23BF3D40610D}" dt="2024-06-25T21:26:22.957" v="1249" actId="478"/>
+          <ac:spMkLst>
+            <pc:docMk/>
+            <pc:sldMk cId="3057408396" sldId="257"/>
+            <ac:spMk id="23" creationId="{37CA42DD-587E-AACE-3313-79663DC627FE}"/>
+          </ac:spMkLst>
+        </pc:spChg>
+        <pc:spChg chg="del mod">
+          <ac:chgData name="Fatima Pillosu" userId="a6295d4dc9e22643" providerId="LiveId" clId="{5928BA55-6FB3-4F80-AC13-23BF3D40610D}" dt="2024-06-25T21:23:14.351" v="1231" actId="478"/>
+          <ac:spMkLst>
+            <pc:docMk/>
+            <pc:sldMk cId="3057408396" sldId="257"/>
+            <ac:spMk id="24" creationId="{3F70D39F-B943-533C-5A9C-EA62C7F80961}"/>
+          </ac:spMkLst>
+        </pc:spChg>
+        <pc:spChg chg="del mod">
+          <ac:chgData name="Fatima Pillosu" userId="a6295d4dc9e22643" providerId="LiveId" clId="{5928BA55-6FB3-4F80-AC13-23BF3D40610D}" dt="2024-06-25T21:23:11.222" v="1229" actId="478"/>
+          <ac:spMkLst>
+            <pc:docMk/>
+            <pc:sldMk cId="3057408396" sldId="257"/>
+            <ac:spMk id="25" creationId="{AB75BF57-56F0-A24E-A329-9545D52C0336}"/>
+          </ac:spMkLst>
+        </pc:spChg>
+        <pc:spChg chg="del mod">
+          <ac:chgData name="Fatima Pillosu" userId="a6295d4dc9e22643" providerId="LiveId" clId="{5928BA55-6FB3-4F80-AC13-23BF3D40610D}" dt="2024-06-25T21:26:22.957" v="1249" actId="478"/>
+          <ac:spMkLst>
+            <pc:docMk/>
+            <pc:sldMk cId="3057408396" sldId="257"/>
+            <ac:spMk id="26" creationId="{21E511D2-6F04-B583-28BB-D8338C68D9E2}"/>
+          </ac:spMkLst>
+        </pc:spChg>
+        <pc:spChg chg="del mod">
+          <ac:chgData name="Fatima Pillosu" userId="a6295d4dc9e22643" providerId="LiveId" clId="{5928BA55-6FB3-4F80-AC13-23BF3D40610D}" dt="2024-06-25T21:23:18.130" v="1234" actId="478"/>
+          <ac:spMkLst>
+            <pc:docMk/>
+            <pc:sldMk cId="3057408396" sldId="257"/>
+            <ac:spMk id="27" creationId="{15D31B30-58D7-7D1F-373F-970FDE6BBD41}"/>
+          </ac:spMkLst>
+        </pc:spChg>
+        <pc:spChg chg="del mod">
+          <ac:chgData name="Fatima Pillosu" userId="a6295d4dc9e22643" providerId="LiveId" clId="{5928BA55-6FB3-4F80-AC13-23BF3D40610D}" dt="2024-06-25T21:26:22.957" v="1249" actId="478"/>
+          <ac:spMkLst>
+            <pc:docMk/>
+            <pc:sldMk cId="3057408396" sldId="257"/>
+            <ac:spMk id="28" creationId="{407C1AB6-6624-E787-9305-FEC7CF478002}"/>
+          </ac:spMkLst>
+        </pc:spChg>
+        <pc:spChg chg="del mod">
+          <ac:chgData name="Fatima Pillosu" userId="a6295d4dc9e22643" providerId="LiveId" clId="{5928BA55-6FB3-4F80-AC13-23BF3D40610D}" dt="2024-06-25T21:26:22.957" v="1249" actId="478"/>
+          <ac:spMkLst>
+            <pc:docMk/>
+            <pc:sldMk cId="3057408396" sldId="257"/>
+            <ac:spMk id="29" creationId="{35FA80E8-3126-D032-517A-B261454C89C5}"/>
+          </ac:spMkLst>
+        </pc:spChg>
+        <pc:spChg chg="del mod">
+          <ac:chgData name="Fatima Pillosu" userId="a6295d4dc9e22643" providerId="LiveId" clId="{5928BA55-6FB3-4F80-AC13-23BF3D40610D}" dt="2024-06-25T21:23:13.170" v="1230" actId="478"/>
+          <ac:spMkLst>
+            <pc:docMk/>
+            <pc:sldMk cId="3057408396" sldId="257"/>
+            <ac:spMk id="30" creationId="{4B1DA248-1ED2-F75F-02C5-1D667D764F0D}"/>
+          </ac:spMkLst>
+        </pc:spChg>
+        <pc:spChg chg="del mod">
+          <ac:chgData name="Fatima Pillosu" userId="a6295d4dc9e22643" providerId="LiveId" clId="{5928BA55-6FB3-4F80-AC13-23BF3D40610D}" dt="2024-06-25T21:26:22.957" v="1249" actId="478"/>
+          <ac:spMkLst>
+            <pc:docMk/>
+            <pc:sldMk cId="3057408396" sldId="257"/>
+            <ac:spMk id="31" creationId="{29ECA673-B026-70B9-CBA2-395B911BF662}"/>
+          </ac:spMkLst>
+        </pc:spChg>
+        <pc:spChg chg="add del mod">
+          <ac:chgData name="Fatima Pillosu" userId="a6295d4dc9e22643" providerId="LiveId" clId="{5928BA55-6FB3-4F80-AC13-23BF3D40610D}" dt="2024-06-25T23:23:02.631" v="3730" actId="21"/>
+          <ac:spMkLst>
+            <pc:docMk/>
+            <pc:sldMk cId="3057408396" sldId="257"/>
+            <ac:spMk id="31" creationId="{97965B60-E6B9-6597-8C0C-D8631FCE0FEB}"/>
+          </ac:spMkLst>
+        </pc:spChg>
+        <pc:spChg chg="del mod">
+          <ac:chgData name="Fatima Pillosu" userId="a6295d4dc9e22643" providerId="LiveId" clId="{5928BA55-6FB3-4F80-AC13-23BF3D40610D}" dt="2024-06-25T21:26:22.957" v="1249" actId="478"/>
+          <ac:spMkLst>
+            <pc:docMk/>
+            <pc:sldMk cId="3057408396" sldId="257"/>
+            <ac:spMk id="32" creationId="{65B4FE4C-1B7E-4836-67FF-53BA934D1288}"/>
+          </ac:spMkLst>
+        </pc:spChg>
+        <pc:spChg chg="add del mod">
+          <ac:chgData name="Fatima Pillosu" userId="a6295d4dc9e22643" providerId="LiveId" clId="{5928BA55-6FB3-4F80-AC13-23BF3D40610D}" dt="2024-06-25T23:23:02.631" v="3730" actId="21"/>
+          <ac:spMkLst>
+            <pc:docMk/>
+            <pc:sldMk cId="3057408396" sldId="257"/>
+            <ac:spMk id="32" creationId="{8113D33B-DDE9-6EF2-B813-579495E90369}"/>
+          </ac:spMkLst>
+        </pc:spChg>
+        <pc:spChg chg="add del mod">
+          <ac:chgData name="Fatima Pillosu" userId="a6295d4dc9e22643" providerId="LiveId" clId="{5928BA55-6FB3-4F80-AC13-23BF3D40610D}" dt="2024-06-25T23:23:02.631" v="3730" actId="21"/>
+          <ac:spMkLst>
+            <pc:docMk/>
+            <pc:sldMk cId="3057408396" sldId="257"/>
+            <ac:spMk id="33" creationId="{394BA25F-BA1C-073D-1FE2-9925A56A77BA}"/>
+          </ac:spMkLst>
+        </pc:spChg>
+        <pc:spChg chg="del mod">
+          <ac:chgData name="Fatima Pillosu" userId="a6295d4dc9e22643" providerId="LiveId" clId="{5928BA55-6FB3-4F80-AC13-23BF3D40610D}" dt="2024-06-25T21:26:22.957" v="1249" actId="478"/>
+          <ac:spMkLst>
+            <pc:docMk/>
+            <pc:sldMk cId="3057408396" sldId="257"/>
+            <ac:spMk id="33" creationId="{721AD6A7-40BF-1F88-7652-CAFFC9E7BA8D}"/>
+          </ac:spMkLst>
+        </pc:spChg>
+        <pc:spChg chg="del mod">
+          <ac:chgData name="Fatima Pillosu" userId="a6295d4dc9e22643" providerId="LiveId" clId="{5928BA55-6FB3-4F80-AC13-23BF3D40610D}" dt="2024-06-25T21:26:22.957" v="1249" actId="478"/>
+          <ac:spMkLst>
+            <pc:docMk/>
+            <pc:sldMk cId="3057408396" sldId="257"/>
+            <ac:spMk id="34" creationId="{6BCA0F74-2613-FE72-BEFA-C5659BD9DE65}"/>
+          </ac:spMkLst>
+        </pc:spChg>
+        <pc:spChg chg="add del">
+          <ac:chgData name="Fatima Pillosu" userId="a6295d4dc9e22643" providerId="LiveId" clId="{5928BA55-6FB3-4F80-AC13-23BF3D40610D}" dt="2024-06-25T22:20:17.319" v="1794" actId="478"/>
+          <ac:spMkLst>
+            <pc:docMk/>
+            <pc:sldMk cId="3057408396" sldId="257"/>
+            <ac:spMk id="34" creationId="{ED074F90-8AA7-A58B-F6F6-6F15D0B70AD5}"/>
+          </ac:spMkLst>
+        </pc:spChg>
+        <pc:spChg chg="add del mod">
+          <ac:chgData name="Fatima Pillosu" userId="a6295d4dc9e22643" providerId="LiveId" clId="{5928BA55-6FB3-4F80-AC13-23BF3D40610D}" dt="2024-06-25T23:23:02.631" v="3730" actId="21"/>
+          <ac:spMkLst>
+            <pc:docMk/>
+            <pc:sldMk cId="3057408396" sldId="257"/>
+            <ac:spMk id="35" creationId="{09C3F042-E17B-680C-3A4D-2F615396E63B}"/>
+          </ac:spMkLst>
+        </pc:spChg>
+        <pc:spChg chg="del mod">
+          <ac:chgData name="Fatima Pillosu" userId="a6295d4dc9e22643" providerId="LiveId" clId="{5928BA55-6FB3-4F80-AC13-23BF3D40610D}" dt="2024-06-25T21:23:15.513" v="1232" actId="478"/>
+          <ac:spMkLst>
+            <pc:docMk/>
+            <pc:sldMk cId="3057408396" sldId="257"/>
+            <ac:spMk id="35" creationId="{B4EBAB72-6594-C3EA-BA4D-DBCEA623C23A}"/>
+          </ac:spMkLst>
+        </pc:spChg>
+        <pc:spChg chg="add del mod">
+          <ac:chgData name="Fatima Pillosu" userId="a6295d4dc9e22643" providerId="LiveId" clId="{5928BA55-6FB3-4F80-AC13-23BF3D40610D}" dt="2024-06-25T23:23:02.631" v="3730" actId="21"/>
+          <ac:spMkLst>
+            <pc:docMk/>
+            <pc:sldMk cId="3057408396" sldId="257"/>
+            <ac:spMk id="36" creationId="{0AEEBCF9-4118-3BDF-3CB3-734FED5C2759}"/>
+          </ac:spMkLst>
+        </pc:spChg>
+        <pc:spChg chg="del mod">
+          <ac:chgData name="Fatima Pillosu" userId="a6295d4dc9e22643" providerId="LiveId" clId="{5928BA55-6FB3-4F80-AC13-23BF3D40610D}" dt="2024-06-25T21:23:16.925" v="1233" actId="478"/>
+          <ac:spMkLst>
+            <pc:docMk/>
+            <pc:sldMk cId="3057408396" sldId="257"/>
+            <ac:spMk id="36" creationId="{30FA503B-ED7C-B9E8-702D-911210D9EA76}"/>
+          </ac:spMkLst>
+        </pc:spChg>
+        <pc:spChg chg="del mod">
+          <ac:chgData name="Fatima Pillosu" userId="a6295d4dc9e22643" providerId="LiveId" clId="{5928BA55-6FB3-4F80-AC13-23BF3D40610D}" dt="2024-06-25T21:26:22.957" v="1249" actId="478"/>
+          <ac:spMkLst>
+            <pc:docMk/>
+            <pc:sldMk cId="3057408396" sldId="257"/>
+            <ac:spMk id="37" creationId="{9B5D74A9-96D6-DFA1-6BF5-1C9ADB06374D}"/>
+          </ac:spMkLst>
+        </pc:spChg>
+        <pc:spChg chg="del mod">
+          <ac:chgData name="Fatima Pillosu" userId="a6295d4dc9e22643" providerId="LiveId" clId="{5928BA55-6FB3-4F80-AC13-23BF3D40610D}" dt="2024-06-25T21:26:22.957" v="1249" actId="478"/>
+          <ac:spMkLst>
+            <pc:docMk/>
+            <pc:sldMk cId="3057408396" sldId="257"/>
+            <ac:spMk id="38" creationId="{2CE8BAFC-194E-7E54-5649-FDC40337DE5E}"/>
+          </ac:spMkLst>
+        </pc:spChg>
+        <pc:spChg chg="del mod">
+          <ac:chgData name="Fatima Pillosu" userId="a6295d4dc9e22643" providerId="LiveId" clId="{5928BA55-6FB3-4F80-AC13-23BF3D40610D}" dt="2024-06-25T21:23:20.706" v="1235" actId="478"/>
+          <ac:spMkLst>
+            <pc:docMk/>
+            <pc:sldMk cId="3057408396" sldId="257"/>
+            <ac:spMk id="39" creationId="{C63D2BD0-2EAD-E622-873F-000DCB48E809}"/>
+          </ac:spMkLst>
+        </pc:spChg>
+        <pc:spChg chg="add del mod">
+          <ac:chgData name="Fatima Pillosu" userId="a6295d4dc9e22643" providerId="LiveId" clId="{5928BA55-6FB3-4F80-AC13-23BF3D40610D}" dt="2024-06-25T21:26:22.957" v="1249" actId="478"/>
+          <ac:spMkLst>
+            <pc:docMk/>
+            <pc:sldMk cId="3057408396" sldId="257"/>
+            <ac:spMk id="40" creationId="{116E2F1D-4DF7-E997-70C7-E8AE419F27E7}"/>
+          </ac:spMkLst>
+        </pc:spChg>
+        <pc:spChg chg="add del mod">
+          <ac:chgData name="Fatima Pillosu" userId="a6295d4dc9e22643" providerId="LiveId" clId="{5928BA55-6FB3-4F80-AC13-23BF3D40610D}" dt="2024-06-25T23:19:18.723" v="3368" actId="478"/>
+          <ac:spMkLst>
+            <pc:docMk/>
+            <pc:sldMk cId="3057408396" sldId="257"/>
+            <ac:spMk id="41" creationId="{5E179DC0-8756-1EC7-4ABC-5CACFDFECFCF}"/>
+          </ac:spMkLst>
+        </pc:spChg>
+        <pc:spChg chg="del mod">
+          <ac:chgData name="Fatima Pillosu" userId="a6295d4dc9e22643" providerId="LiveId" clId="{5928BA55-6FB3-4F80-AC13-23BF3D40610D}" dt="2024-06-25T21:26:22.957" v="1249" actId="478"/>
+          <ac:spMkLst>
+            <pc:docMk/>
+            <pc:sldMk cId="3057408396" sldId="257"/>
+            <ac:spMk id="41" creationId="{867CAE08-EAB5-5205-1C0E-FF9C8EB79333}"/>
+          </ac:spMkLst>
+        </pc:spChg>
+        <pc:spChg chg="add del mod">
+          <ac:chgData name="Fatima Pillosu" userId="a6295d4dc9e22643" providerId="LiveId" clId="{5928BA55-6FB3-4F80-AC13-23BF3D40610D}" dt="2024-06-25T23:08:51.764" v="2817" actId="478"/>
+          <ac:spMkLst>
+            <pc:docMk/>
+            <pc:sldMk cId="3057408396" sldId="257"/>
+            <ac:spMk id="42" creationId="{11D61484-1122-91B0-7752-BBF79DE23C7B}"/>
+          </ac:spMkLst>
+        </pc:spChg>
+        <pc:spChg chg="add del mod">
+          <ac:chgData name="Fatima Pillosu" userId="a6295d4dc9e22643" providerId="LiveId" clId="{5928BA55-6FB3-4F80-AC13-23BF3D40610D}" dt="2024-06-25T21:39:54.711" v="1324"/>
+          <ac:spMkLst>
+            <pc:docMk/>
+            <pc:sldMk cId="3057408396" sldId="257"/>
+            <ac:spMk id="42" creationId="{F180115E-34E5-33F1-1D0F-23A49795C557}"/>
+          </ac:spMkLst>
+        </pc:spChg>
+        <pc:spChg chg="add del mod">
+          <ac:chgData name="Fatima Pillosu" userId="a6295d4dc9e22643" providerId="LiveId" clId="{5928BA55-6FB3-4F80-AC13-23BF3D40610D}" dt="2024-06-25T21:39:54.711" v="1324"/>
+          <ac:spMkLst>
+            <pc:docMk/>
+            <pc:sldMk cId="3057408396" sldId="257"/>
+            <ac:spMk id="43" creationId="{59BA9DD5-3247-B01F-D608-B68C8D49A1C0}"/>
+          </ac:spMkLst>
+        </pc:spChg>
+        <pc:spChg chg="add del mod">
+          <ac:chgData name="Fatima Pillosu" userId="a6295d4dc9e22643" providerId="LiveId" clId="{5928BA55-6FB3-4F80-AC13-23BF3D40610D}" dt="2024-06-25T23:08:51.764" v="2817" actId="478"/>
+          <ac:spMkLst>
+            <pc:docMk/>
+            <pc:sldMk cId="3057408396" sldId="257"/>
+            <ac:spMk id="43" creationId="{7ADF8486-BF9E-565C-C031-2B78E9FC5410}"/>
+          </ac:spMkLst>
+        </pc:spChg>
+        <pc:spChg chg="add del mod">
+          <ac:chgData name="Fatima Pillosu" userId="a6295d4dc9e22643" providerId="LiveId" clId="{5928BA55-6FB3-4F80-AC13-23BF3D40610D}" dt="2024-06-25T21:39:54.711" v="1324"/>
+          <ac:spMkLst>
+            <pc:docMk/>
+            <pc:sldMk cId="3057408396" sldId="257"/>
+            <ac:spMk id="44" creationId="{5F68AFDB-C3D4-F013-3EB2-2C27CF842118}"/>
+          </ac:spMkLst>
+        </pc:spChg>
+        <pc:spChg chg="add del mod">
+          <ac:chgData name="Fatima Pillosu" userId="a6295d4dc9e22643" providerId="LiveId" clId="{5928BA55-6FB3-4F80-AC13-23BF3D40610D}" dt="2024-06-25T21:36:45.396" v="1296" actId="478"/>
+          <ac:spMkLst>
+            <pc:docMk/>
+            <pc:sldMk cId="3057408396" sldId="257"/>
+            <ac:spMk id="45" creationId="{E45C70C6-8CAB-7E0E-0C13-CC8069CD06C1}"/>
+          </ac:spMkLst>
+        </pc:spChg>
+        <pc:spChg chg="add del mod">
+          <ac:chgData name="Fatima Pillosu" userId="a6295d4dc9e22643" providerId="LiveId" clId="{5928BA55-6FB3-4F80-AC13-23BF3D40610D}" dt="2024-06-25T21:39:54.711" v="1324"/>
+          <ac:spMkLst>
+            <pc:docMk/>
+            <pc:sldMk cId="3057408396" sldId="257"/>
+            <ac:spMk id="46" creationId="{A284EFFF-66F6-7443-A318-911B64742651}"/>
+          </ac:spMkLst>
+        </pc:spChg>
+        <pc:spChg chg="add del mod">
+          <ac:chgData name="Fatima Pillosu" userId="a6295d4dc9e22643" providerId="LiveId" clId="{5928BA55-6FB3-4F80-AC13-23BF3D40610D}" dt="2024-06-25T23:23:02.631" v="3730" actId="21"/>
+          <ac:spMkLst>
+            <pc:docMk/>
+            <pc:sldMk cId="3057408396" sldId="257"/>
+            <ac:spMk id="50" creationId="{E39A7B45-F604-AD14-879B-A4104420E5C9}"/>
+          </ac:spMkLst>
+        </pc:spChg>
+        <pc:spChg chg="add del mod">
+          <ac:chgData name="Fatima Pillosu" userId="a6295d4dc9e22643" providerId="LiveId" clId="{5928BA55-6FB3-4F80-AC13-23BF3D40610D}" dt="2024-06-25T23:23:02.631" v="3730" actId="21"/>
+          <ac:spMkLst>
+            <pc:docMk/>
+            <pc:sldMk cId="3057408396" sldId="257"/>
+            <ac:spMk id="51" creationId="{4BC53D49-DC86-F19E-2E21-9016C743986D}"/>
+          </ac:spMkLst>
+        </pc:spChg>
+        <pc:spChg chg="add del mod">
+          <ac:chgData name="Fatima Pillosu" userId="a6295d4dc9e22643" providerId="LiveId" clId="{5928BA55-6FB3-4F80-AC13-23BF3D40610D}" dt="2024-06-25T22:29:00.688" v="1887" actId="478"/>
+          <ac:spMkLst>
+            <pc:docMk/>
+            <pc:sldMk cId="3057408396" sldId="257"/>
+            <ac:spMk id="52" creationId="{0C582D9E-3213-94F4-F232-1C0371EA550A}"/>
+          </ac:spMkLst>
+        </pc:spChg>
+        <pc:spChg chg="add del mod">
+          <ac:chgData name="Fatima Pillosu" userId="a6295d4dc9e22643" providerId="LiveId" clId="{5928BA55-6FB3-4F80-AC13-23BF3D40610D}" dt="2024-06-25T23:23:02.631" v="3730" actId="21"/>
+          <ac:spMkLst>
+            <pc:docMk/>
+            <pc:sldMk cId="3057408396" sldId="257"/>
+            <ac:spMk id="53" creationId="{7D57E510-07DC-E8C8-3ED1-5636CF6BD01E}"/>
+          </ac:spMkLst>
+        </pc:spChg>
+        <pc:spChg chg="add del mod">
+          <ac:chgData name="Fatima Pillosu" userId="a6295d4dc9e22643" providerId="LiveId" clId="{5928BA55-6FB3-4F80-AC13-23BF3D40610D}" dt="2024-06-25T23:23:02.631" v="3730" actId="21"/>
+          <ac:spMkLst>
+            <pc:docMk/>
+            <pc:sldMk cId="3057408396" sldId="257"/>
+            <ac:spMk id="54" creationId="{635E4DD4-8249-5F55-0F1F-9FD0A1C47CE9}"/>
+          </ac:spMkLst>
+        </pc:spChg>
+        <pc:spChg chg="add mod">
+          <ac:chgData name="Fatima Pillosu" userId="a6295d4dc9e22643" providerId="LiveId" clId="{5928BA55-6FB3-4F80-AC13-23BF3D40610D}" dt="2024-06-25T22:27:02.307" v="1864" actId="1076"/>
+          <ac:spMkLst>
+            <pc:docMk/>
+            <pc:sldMk cId="3057408396" sldId="257"/>
+            <ac:spMk id="58" creationId="{447E414B-8B4C-5479-338B-34BF5CEA9647}"/>
+          </ac:spMkLst>
+        </pc:spChg>
+        <pc:spChg chg="add del mod ord">
+          <ac:chgData name="Fatima Pillosu" userId="a6295d4dc9e22643" providerId="LiveId" clId="{5928BA55-6FB3-4F80-AC13-23BF3D40610D}" dt="2024-06-25T23:23:02.631" v="3730" actId="21"/>
+          <ac:spMkLst>
+            <pc:docMk/>
+            <pc:sldMk cId="3057408396" sldId="257"/>
+            <ac:spMk id="60" creationId="{4045113E-AAE1-89B7-FDFB-1C81F0E7D41A}"/>
+          </ac:spMkLst>
+        </pc:spChg>
+        <pc:spChg chg="add del mod ord">
+          <ac:chgData name="Fatima Pillosu" userId="a6295d4dc9e22643" providerId="LiveId" clId="{5928BA55-6FB3-4F80-AC13-23BF3D40610D}" dt="2024-06-25T23:23:02.631" v="3730" actId="21"/>
+          <ac:spMkLst>
+            <pc:docMk/>
+            <pc:sldMk cId="3057408396" sldId="257"/>
+            <ac:spMk id="61" creationId="{5AB2BD08-9C3B-C319-8CF7-FF2F0DEB298D}"/>
+          </ac:spMkLst>
+        </pc:spChg>
+        <pc:spChg chg="add del mod ord">
+          <ac:chgData name="Fatima Pillosu" userId="a6295d4dc9e22643" providerId="LiveId" clId="{5928BA55-6FB3-4F80-AC13-23BF3D40610D}" dt="2024-06-25T23:23:02.631" v="3730" actId="21"/>
+          <ac:spMkLst>
+            <pc:docMk/>
+            <pc:sldMk cId="3057408396" sldId="257"/>
+            <ac:spMk id="62" creationId="{58CD9331-7045-1367-867A-B64611156DA1}"/>
+          </ac:spMkLst>
+        </pc:spChg>
+        <pc:spChg chg="del mod">
+          <ac:chgData name="Fatima Pillosu" userId="a6295d4dc9e22643" providerId="LiveId" clId="{5928BA55-6FB3-4F80-AC13-23BF3D40610D}" dt="2024-06-25T21:43:17.064" v="1334"/>
+          <ac:spMkLst>
+            <pc:docMk/>
+            <pc:sldMk cId="3057408396" sldId="257"/>
+            <ac:spMk id="63" creationId="{DCB45AE6-D1D9-BB46-B38E-FEAE0C49D667}"/>
+          </ac:spMkLst>
+        </pc:spChg>
+        <pc:spChg chg="add del mod">
+          <ac:chgData name="Fatima Pillosu" userId="a6295d4dc9e22643" providerId="LiveId" clId="{5928BA55-6FB3-4F80-AC13-23BF3D40610D}" dt="2024-06-25T23:23:02.631" v="3730" actId="21"/>
+          <ac:spMkLst>
+            <pc:docMk/>
+            <pc:sldMk cId="3057408396" sldId="257"/>
+            <ac:spMk id="64" creationId="{A99CFC4A-C95F-730E-DD25-681B1F0128CE}"/>
+          </ac:spMkLst>
+        </pc:spChg>
+        <pc:spChg chg="del mod">
+          <ac:chgData name="Fatima Pillosu" userId="a6295d4dc9e22643" providerId="LiveId" clId="{5928BA55-6FB3-4F80-AC13-23BF3D40610D}" dt="2024-06-25T21:40:15.382" v="1328" actId="478"/>
+          <ac:spMkLst>
+            <pc:docMk/>
+            <pc:sldMk cId="3057408396" sldId="257"/>
+            <ac:spMk id="64" creationId="{CA772169-15D0-FE78-8B4C-D3B1F50C6882}"/>
+          </ac:spMkLst>
+        </pc:spChg>
+        <pc:spChg chg="del mod">
+          <ac:chgData name="Fatima Pillosu" userId="a6295d4dc9e22643" providerId="LiveId" clId="{5928BA55-6FB3-4F80-AC13-23BF3D40610D}" dt="2024-06-25T21:40:16.002" v="1329" actId="478"/>
+          <ac:spMkLst>
+            <pc:docMk/>
+            <pc:sldMk cId="3057408396" sldId="257"/>
+            <ac:spMk id="65" creationId="{266BAE38-FC3D-2DE8-1725-81F007DC79A7}"/>
+          </ac:spMkLst>
+        </pc:spChg>
+        <pc:spChg chg="add del mod">
+          <ac:chgData name="Fatima Pillosu" userId="a6295d4dc9e22643" providerId="LiveId" clId="{5928BA55-6FB3-4F80-AC13-23BF3D40610D}" dt="2024-06-25T23:23:02.631" v="3730" actId="21"/>
+          <ac:spMkLst>
+            <pc:docMk/>
+            <pc:sldMk cId="3057408396" sldId="257"/>
+            <ac:spMk id="65" creationId="{6FE56FB4-62AE-3C2F-346A-5E6D43FBCF6B}"/>
+          </ac:spMkLst>
+        </pc:spChg>
+        <pc:spChg chg="del mod">
+          <ac:chgData name="Fatima Pillosu" userId="a6295d4dc9e22643" providerId="LiveId" clId="{5928BA55-6FB3-4F80-AC13-23BF3D40610D}" dt="2024-06-25T21:43:17.064" v="1334"/>
+          <ac:spMkLst>
+            <pc:docMk/>
+            <pc:sldMk cId="3057408396" sldId="257"/>
+            <ac:spMk id="66" creationId="{4E8B246D-31A4-31E6-C9C9-D9597DBCDC3E}"/>
+          </ac:spMkLst>
+        </pc:spChg>
+        <pc:spChg chg="del mod">
+          <ac:chgData name="Fatima Pillosu" userId="a6295d4dc9e22643" providerId="LiveId" clId="{5928BA55-6FB3-4F80-AC13-23BF3D40610D}" dt="2024-06-25T21:43:17.064" v="1334"/>
+          <ac:spMkLst>
+            <pc:docMk/>
+            <pc:sldMk cId="3057408396" sldId="257"/>
+            <ac:spMk id="67" creationId="{8F588D3A-6A3A-EFF8-EE6D-7F23194F8A65}"/>
+          </ac:spMkLst>
+        </pc:spChg>
+        <pc:spChg chg="add del mod">
+          <ac:chgData name="Fatima Pillosu" userId="a6295d4dc9e22643" providerId="LiveId" clId="{5928BA55-6FB3-4F80-AC13-23BF3D40610D}" dt="2024-06-25T23:23:02.631" v="3730" actId="21"/>
+          <ac:spMkLst>
+            <pc:docMk/>
+            <pc:sldMk cId="3057408396" sldId="257"/>
+            <ac:spMk id="68" creationId="{0475290B-2E75-BD90-141D-6C469CDA279E}"/>
+          </ac:spMkLst>
+        </pc:spChg>
+        <pc:spChg chg="del mod">
+          <ac:chgData name="Fatima Pillosu" userId="a6295d4dc9e22643" providerId="LiveId" clId="{5928BA55-6FB3-4F80-AC13-23BF3D40610D}" dt="2024-06-25T21:43:30.777" v="1336" actId="478"/>
+          <ac:spMkLst>
+            <pc:docMk/>
+            <pc:sldMk cId="3057408396" sldId="257"/>
+            <ac:spMk id="68" creationId="{BAD40A69-E177-44D3-9B44-A38AA21EC670}"/>
+          </ac:spMkLst>
+        </pc:spChg>
+        <pc:spChg chg="add del mod">
+          <ac:chgData name="Fatima Pillosu" userId="a6295d4dc9e22643" providerId="LiveId" clId="{5928BA55-6FB3-4F80-AC13-23BF3D40610D}" dt="2024-06-25T23:23:02.631" v="3730" actId="21"/>
+          <ac:spMkLst>
+            <pc:docMk/>
+            <pc:sldMk cId="3057408396" sldId="257"/>
+            <ac:spMk id="69" creationId="{2A2FEA9D-D3BE-1F12-B774-F13AEE3A2377}"/>
+          </ac:spMkLst>
+        </pc:spChg>
+        <pc:spChg chg="del mod">
+          <ac:chgData name="Fatima Pillosu" userId="a6295d4dc9e22643" providerId="LiveId" clId="{5928BA55-6FB3-4F80-AC13-23BF3D40610D}" dt="2024-06-25T21:43:30.777" v="1336" actId="478"/>
+          <ac:spMkLst>
+            <pc:docMk/>
+            <pc:sldMk cId="3057408396" sldId="257"/>
+            <ac:spMk id="69" creationId="{4CB3FD4B-B1B4-5CC6-2F97-7BF7733333F9}"/>
+          </ac:spMkLst>
+        </pc:spChg>
+        <pc:spChg chg="del mod">
+          <ac:chgData name="Fatima Pillosu" userId="a6295d4dc9e22643" providerId="LiveId" clId="{5928BA55-6FB3-4F80-AC13-23BF3D40610D}" dt="2024-06-25T21:40:16.992" v="1330" actId="478"/>
+          <ac:spMkLst>
+            <pc:docMk/>
+            <pc:sldMk cId="3057408396" sldId="257"/>
+            <ac:spMk id="70" creationId="{098604D8-1B78-5BA9-AF1E-315D241A95A5}"/>
+          </ac:spMkLst>
+        </pc:spChg>
+        <pc:spChg chg="add del mod">
+          <ac:chgData name="Fatima Pillosu" userId="a6295d4dc9e22643" providerId="LiveId" clId="{5928BA55-6FB3-4F80-AC13-23BF3D40610D}" dt="2024-06-25T23:23:02.631" v="3730" actId="21"/>
+          <ac:spMkLst>
+            <pc:docMk/>
+            <pc:sldMk cId="3057408396" sldId="257"/>
+            <ac:spMk id="70" creationId="{8A8EEF76-CF72-F956-9FFB-36FF26CF4A12}"/>
+          </ac:spMkLst>
+        </pc:spChg>
+        <pc:spChg chg="del mod">
+          <ac:chgData name="Fatima Pillosu" userId="a6295d4dc9e22643" providerId="LiveId" clId="{5928BA55-6FB3-4F80-AC13-23BF3D40610D}" dt="2024-06-25T21:43:30.777" v="1336" actId="478"/>
+          <ac:spMkLst>
+            <pc:docMk/>
+            <pc:sldMk cId="3057408396" sldId="257"/>
+            <ac:spMk id="71" creationId="{911F1B45-45A5-52E6-7403-299045A016FA}"/>
+          </ac:spMkLst>
+        </pc:spChg>
+        <pc:spChg chg="del mod">
+          <ac:chgData name="Fatima Pillosu" userId="a6295d4dc9e22643" providerId="LiveId" clId="{5928BA55-6FB3-4F80-AC13-23BF3D40610D}" dt="2024-06-25T21:43:30.777" v="1336" actId="478"/>
+          <ac:spMkLst>
+            <pc:docMk/>
+            <pc:sldMk cId="3057408396" sldId="257"/>
+            <ac:spMk id="72" creationId="{2FD30564-9426-E55B-4533-B4A765D1CD70}"/>
+          </ac:spMkLst>
+        </pc:spChg>
+        <pc:spChg chg="del mod">
+          <ac:chgData name="Fatima Pillosu" userId="a6295d4dc9e22643" providerId="LiveId" clId="{5928BA55-6FB3-4F80-AC13-23BF3D40610D}" dt="2024-06-25T21:43:17.064" v="1334"/>
+          <ac:spMkLst>
+            <pc:docMk/>
+            <pc:sldMk cId="3057408396" sldId="257"/>
+            <ac:spMk id="73" creationId="{3149247B-995F-873D-6AA7-4797F2264491}"/>
+          </ac:spMkLst>
+        </pc:spChg>
+        <pc:spChg chg="del mod">
+          <ac:chgData name="Fatima Pillosu" userId="a6295d4dc9e22643" providerId="LiveId" clId="{5928BA55-6FB3-4F80-AC13-23BF3D40610D}" dt="2024-06-25T21:43:17.064" v="1334"/>
+          <ac:spMkLst>
+            <pc:docMk/>
+            <pc:sldMk cId="3057408396" sldId="257"/>
+            <ac:spMk id="74" creationId="{38EE5998-D070-ABF4-E164-A2E7AF9DF2C5}"/>
+          </ac:spMkLst>
+        </pc:spChg>
+        <pc:spChg chg="del mod">
+          <ac:chgData name="Fatima Pillosu" userId="a6295d4dc9e22643" providerId="LiveId" clId="{5928BA55-6FB3-4F80-AC13-23BF3D40610D}" dt="2024-06-25T21:40:08.592" v="1326" actId="478"/>
+          <ac:spMkLst>
+            <pc:docMk/>
+            <pc:sldMk cId="3057408396" sldId="257"/>
+            <ac:spMk id="75" creationId="{43662059-8323-3EE8-03A6-9F3FD5CBC8B1}"/>
+          </ac:spMkLst>
+        </pc:spChg>
+        <pc:spChg chg="del mod">
+          <ac:chgData name="Fatima Pillosu" userId="a6295d4dc9e22643" providerId="LiveId" clId="{5928BA55-6FB3-4F80-AC13-23BF3D40610D}" dt="2024-06-25T21:40:09.801" v="1327" actId="478"/>
+          <ac:spMkLst>
+            <pc:docMk/>
+            <pc:sldMk cId="3057408396" sldId="257"/>
+            <ac:spMk id="76" creationId="{AFAD7DC9-1189-3592-0052-EB54DB5C44BD}"/>
+          </ac:spMkLst>
+        </pc:spChg>
+        <pc:spChg chg="add del mod">
+          <ac:chgData name="Fatima Pillosu" userId="a6295d4dc9e22643" providerId="LiveId" clId="{5928BA55-6FB3-4F80-AC13-23BF3D40610D}" dt="2024-06-25T23:23:02.631" v="3730" actId="21"/>
+          <ac:spMkLst>
+            <pc:docMk/>
+            <pc:sldMk cId="3057408396" sldId="257"/>
+            <ac:spMk id="76" creationId="{E9E26E69-B59D-903F-D155-050AA78BD861}"/>
+          </ac:spMkLst>
+        </pc:spChg>
+        <pc:spChg chg="del mod">
+          <ac:chgData name="Fatima Pillosu" userId="a6295d4dc9e22643" providerId="LiveId" clId="{5928BA55-6FB3-4F80-AC13-23BF3D40610D}" dt="2024-06-25T21:43:17.064" v="1334"/>
+          <ac:spMkLst>
+            <pc:docMk/>
+            <pc:sldMk cId="3057408396" sldId="257"/>
+            <ac:spMk id="77" creationId="{401714CD-6B70-0657-EA81-EA884C0AFCAA}"/>
+          </ac:spMkLst>
+        </pc:spChg>
+        <pc:spChg chg="add del mod">
+          <ac:chgData name="Fatima Pillosu" userId="a6295d4dc9e22643" providerId="LiveId" clId="{5928BA55-6FB3-4F80-AC13-23BF3D40610D}" dt="2024-06-25T23:23:02.631" v="3730" actId="21"/>
+          <ac:spMkLst>
+            <pc:docMk/>
+            <pc:sldMk cId="3057408396" sldId="257"/>
+            <ac:spMk id="77" creationId="{729790D1-6456-583D-C2D5-8D890B6FD85F}"/>
+          </ac:spMkLst>
+        </pc:spChg>
+        <pc:spChg chg="add del mod">
+          <ac:chgData name="Fatima Pillosu" userId="a6295d4dc9e22643" providerId="LiveId" clId="{5928BA55-6FB3-4F80-AC13-23BF3D40610D}" dt="2024-06-25T23:23:02.631" v="3730" actId="21"/>
+          <ac:spMkLst>
+            <pc:docMk/>
+            <pc:sldMk cId="3057408396" sldId="257"/>
+            <ac:spMk id="78" creationId="{3FDD4B0D-3599-F098-0E5D-1193D66F6204}"/>
+          </ac:spMkLst>
+        </pc:spChg>
+        <pc:spChg chg="del mod">
+          <ac:chgData name="Fatima Pillosu" userId="a6295d4dc9e22643" providerId="LiveId" clId="{5928BA55-6FB3-4F80-AC13-23BF3D40610D}" dt="2024-06-25T21:43:17.064" v="1334"/>
+          <ac:spMkLst>
+            <pc:docMk/>
+            <pc:sldMk cId="3057408396" sldId="257"/>
+            <ac:spMk id="78" creationId="{500C3663-05E4-4539-924A-FC0516BD7679}"/>
+          </ac:spMkLst>
+        </pc:spChg>
+        <pc:spChg chg="add del mod">
+          <ac:chgData name="Fatima Pillosu" userId="a6295d4dc9e22643" providerId="LiveId" clId="{5928BA55-6FB3-4F80-AC13-23BF3D40610D}" dt="2024-06-25T23:23:02.631" v="3730" actId="21"/>
+          <ac:spMkLst>
+            <pc:docMk/>
+            <pc:sldMk cId="3057408396" sldId="257"/>
+            <ac:spMk id="79" creationId="{28F57419-73D2-64C3-76A6-4B3BA03BDCA2}"/>
+          </ac:spMkLst>
+        </pc:spChg>
+        <pc:spChg chg="del mod">
+          <ac:chgData name="Fatima Pillosu" userId="a6295d4dc9e22643" providerId="LiveId" clId="{5928BA55-6FB3-4F80-AC13-23BF3D40610D}" dt="2024-06-25T21:43:30.777" v="1336" actId="478"/>
+          <ac:spMkLst>
+            <pc:docMk/>
+            <pc:sldMk cId="3057408396" sldId="257"/>
+            <ac:spMk id="79" creationId="{3F5E1BE3-4B6F-15F4-8000-E8A054D65F3E}"/>
+          </ac:spMkLst>
+        </pc:spChg>
+        <pc:spChg chg="del mod">
+          <ac:chgData name="Fatima Pillosu" userId="a6295d4dc9e22643" providerId="LiveId" clId="{5928BA55-6FB3-4F80-AC13-23BF3D40610D}" dt="2024-06-25T21:43:30.777" v="1336" actId="478"/>
+          <ac:spMkLst>
+            <pc:docMk/>
+            <pc:sldMk cId="3057408396" sldId="257"/>
+            <ac:spMk id="80" creationId="{D361FD24-D0AF-42D2-8C61-222F117BEAFE}"/>
+          </ac:spMkLst>
+        </pc:spChg>
+        <pc:spChg chg="del mod">
+          <ac:chgData name="Fatima Pillosu" userId="a6295d4dc9e22643" providerId="LiveId" clId="{5928BA55-6FB3-4F80-AC13-23BF3D40610D}" dt="2024-06-25T21:40:07.297" v="1325" actId="478"/>
+          <ac:spMkLst>
+            <pc:docMk/>
+            <pc:sldMk cId="3057408396" sldId="257"/>
+            <ac:spMk id="81" creationId="{3DB94DB7-7F0E-A063-E5BD-F41F3065442D}"/>
+          </ac:spMkLst>
+        </pc:spChg>
+        <pc:spChg chg="del mod">
+          <ac:chgData name="Fatima Pillosu" userId="a6295d4dc9e22643" providerId="LiveId" clId="{5928BA55-6FB3-4F80-AC13-23BF3D40610D}" dt="2024-06-25T21:43:28.457" v="1335" actId="21"/>
+          <ac:spMkLst>
+            <pc:docMk/>
+            <pc:sldMk cId="3057408396" sldId="257"/>
+            <ac:spMk id="82" creationId="{344C0458-2D83-4FEF-0572-0A3BB508A76F}"/>
+          </ac:spMkLst>
+        </pc:spChg>
+        <pc:spChg chg="add del mod ord">
+          <ac:chgData name="Fatima Pillosu" userId="a6295d4dc9e22643" providerId="LiveId" clId="{5928BA55-6FB3-4F80-AC13-23BF3D40610D}" dt="2024-06-25T23:23:02.631" v="3730" actId="21"/>
+          <ac:spMkLst>
+            <pc:docMk/>
+            <pc:sldMk cId="3057408396" sldId="257"/>
+            <ac:spMk id="83" creationId="{344C0458-2D83-4FEF-0572-0A3BB508A76F}"/>
+          </ac:spMkLst>
+        </pc:spChg>
+        <pc:spChg chg="add del mod">
+          <ac:chgData name="Fatima Pillosu" userId="a6295d4dc9e22643" providerId="LiveId" clId="{5928BA55-6FB3-4F80-AC13-23BF3D40610D}" dt="2024-06-25T21:47:22.408" v="1351"/>
+          <ac:spMkLst>
+            <pc:docMk/>
+            <pc:sldMk cId="3057408396" sldId="257"/>
+            <ac:spMk id="84" creationId="{0BB7CDE2-EA92-07B7-28F7-6C24ABEDCD72}"/>
+          </ac:spMkLst>
+        </pc:spChg>
+        <pc:spChg chg="add del mod">
+          <ac:chgData name="Fatima Pillosu" userId="a6295d4dc9e22643" providerId="LiveId" clId="{5928BA55-6FB3-4F80-AC13-23BF3D40610D}" dt="2024-06-25T21:47:22.408" v="1351"/>
+          <ac:spMkLst>
+            <pc:docMk/>
+            <pc:sldMk cId="3057408396" sldId="257"/>
+            <ac:spMk id="85" creationId="{A2E3288E-9D99-37B8-8662-E569A445069C}"/>
+          </ac:spMkLst>
+        </pc:spChg>
+        <pc:spChg chg="del mod">
+          <ac:chgData name="Fatima Pillosu" userId="a6295d4dc9e22643" providerId="LiveId" clId="{5928BA55-6FB3-4F80-AC13-23BF3D40610D}" dt="2024-06-25T21:48:55.841" v="1357"/>
+          <ac:spMkLst>
+            <pc:docMk/>
+            <pc:sldMk cId="3057408396" sldId="257"/>
+            <ac:spMk id="86" creationId="{84879A73-3343-FC30-1FB3-658AB1FF766C}"/>
+          </ac:spMkLst>
+        </pc:spChg>
+        <pc:spChg chg="del mod">
+          <ac:chgData name="Fatima Pillosu" userId="a6295d4dc9e22643" providerId="LiveId" clId="{5928BA55-6FB3-4F80-AC13-23BF3D40610D}" dt="2024-06-25T21:47:26.967" v="1354" actId="478"/>
+          <ac:spMkLst>
+            <pc:docMk/>
+            <pc:sldMk cId="3057408396" sldId="257"/>
+            <ac:spMk id="87" creationId="{5E71A815-D3F7-0705-25C8-D3753501B66A}"/>
+          </ac:spMkLst>
+        </pc:spChg>
+        <pc:spChg chg="add del mod">
+          <ac:chgData name="Fatima Pillosu" userId="a6295d4dc9e22643" providerId="LiveId" clId="{5928BA55-6FB3-4F80-AC13-23BF3D40610D}" dt="2024-06-25T22:41:46.522" v="2199" actId="478"/>
+          <ac:spMkLst>
+            <pc:docMk/>
+            <pc:sldMk cId="3057408396" sldId="257"/>
+            <ac:spMk id="88" creationId="{58F829EA-31A6-A4E7-3A14-D3231E8F3DF1}"/>
+          </ac:spMkLst>
+        </pc:spChg>
+        <pc:spChg chg="del mod">
+          <ac:chgData name="Fatima Pillosu" userId="a6295d4dc9e22643" providerId="LiveId" clId="{5928BA55-6FB3-4F80-AC13-23BF3D40610D}" dt="2024-06-25T21:47:24.856" v="1352" actId="478"/>
+          <ac:spMkLst>
+            <pc:docMk/>
+            <pc:sldMk cId="3057408396" sldId="257"/>
+            <ac:spMk id="88" creationId="{E6519FAA-778A-5ACA-3DD7-AD530CF47309}"/>
+          </ac:spMkLst>
+        </pc:spChg>
+        <pc:spChg chg="del mod">
+          <ac:chgData name="Fatima Pillosu" userId="a6295d4dc9e22643" providerId="LiveId" clId="{5928BA55-6FB3-4F80-AC13-23BF3D40610D}" dt="2024-06-25T21:47:27.578" v="1355" actId="478"/>
+          <ac:spMkLst>
+            <pc:docMk/>
+            <pc:sldMk cId="3057408396" sldId="257"/>
+            <ac:spMk id="89" creationId="{2D2B04C7-7E4F-B66B-9212-9222E00F3588}"/>
+          </ac:spMkLst>
+        </pc:spChg>
+        <pc:spChg chg="add del mod">
+          <ac:chgData name="Fatima Pillosu" userId="a6295d4dc9e22643" providerId="LiveId" clId="{5928BA55-6FB3-4F80-AC13-23BF3D40610D}" dt="2024-06-25T22:41:43.211" v="2197" actId="478"/>
+          <ac:spMkLst>
+            <pc:docMk/>
+            <pc:sldMk cId="3057408396" sldId="257"/>
+            <ac:spMk id="89" creationId="{3DECB89D-D26C-930E-52DC-AD296E7B50CA}"/>
+          </ac:spMkLst>
+        </pc:spChg>
+        <pc:spChg chg="del mod">
+          <ac:chgData name="Fatima Pillosu" userId="a6295d4dc9e22643" providerId="LiveId" clId="{5928BA55-6FB3-4F80-AC13-23BF3D40610D}" dt="2024-06-25T21:47:26.324" v="1353" actId="478"/>
+          <ac:spMkLst>
+            <pc:docMk/>
+            <pc:sldMk cId="3057408396" sldId="257"/>
+            <ac:spMk id="90" creationId="{49E27589-C896-D29A-6818-A688B08B1314}"/>
+          </ac:spMkLst>
+        </pc:spChg>
+        <pc:spChg chg="add del mod">
+          <ac:chgData name="Fatima Pillosu" userId="a6295d4dc9e22643" providerId="LiveId" clId="{5928BA55-6FB3-4F80-AC13-23BF3D40610D}" dt="2024-06-25T23:23:02.631" v="3730" actId="21"/>
+          <ac:spMkLst>
+            <pc:docMk/>
+            <pc:sldMk cId="3057408396" sldId="257"/>
+            <ac:spMk id="90" creationId="{7E4B6683-9D62-B045-8E30-BC98816A10CB}"/>
+          </ac:spMkLst>
+        </pc:spChg>
+        <pc:spChg chg="add del">
+          <ac:chgData name="Fatima Pillosu" userId="a6295d4dc9e22643" providerId="LiveId" clId="{5928BA55-6FB3-4F80-AC13-23BF3D40610D}" dt="2024-06-25T21:48:55.841" v="1357"/>
+          <ac:spMkLst>
+            <pc:docMk/>
+            <pc:sldMk cId="3057408396" sldId="257"/>
+            <ac:spMk id="91" creationId="{C47F618D-C221-4D76-2A18-27CBF262B21E}"/>
+          </ac:spMkLst>
+        </pc:spChg>
+        <pc:spChg chg="add del mod">
+          <ac:chgData name="Fatima Pillosu" userId="a6295d4dc9e22643" providerId="LiveId" clId="{5928BA55-6FB3-4F80-AC13-23BF3D40610D}" dt="2024-06-25T23:23:02.631" v="3730" actId="21"/>
+          <ac:spMkLst>
+            <pc:docMk/>
+            <pc:sldMk cId="3057408396" sldId="257"/>
+            <ac:spMk id="92" creationId="{B8398914-71B0-4277-7AB4-9C7DC4546F07}"/>
+          </ac:spMkLst>
+        </pc:spChg>
+        <pc:spChg chg="add del mod">
+          <ac:chgData name="Fatima Pillosu" userId="a6295d4dc9e22643" providerId="LiveId" clId="{5928BA55-6FB3-4F80-AC13-23BF3D40610D}" dt="2024-06-25T23:23:02.631" v="3730" actId="21"/>
+          <ac:spMkLst>
+            <pc:docMk/>
+            <pc:sldMk cId="3057408396" sldId="257"/>
+            <ac:spMk id="95" creationId="{1AB82A60-5D0F-8753-CE31-9DD592801E93}"/>
+          </ac:spMkLst>
+        </pc:spChg>
+        <pc:spChg chg="add del mod">
+          <ac:chgData name="Fatima Pillosu" userId="a6295d4dc9e22643" providerId="LiveId" clId="{5928BA55-6FB3-4F80-AC13-23BF3D40610D}" dt="2024-06-25T23:23:02.631" v="3730" actId="21"/>
+          <ac:spMkLst>
+            <pc:docMk/>
+            <pc:sldMk cId="3057408396" sldId="257"/>
+            <ac:spMk id="96" creationId="{B7465DC2-8938-4ED4-155A-AED3E21C723D}"/>
+          </ac:spMkLst>
+        </pc:spChg>
+        <pc:spChg chg="add del mod">
+          <ac:chgData name="Fatima Pillosu" userId="a6295d4dc9e22643" providerId="LiveId" clId="{5928BA55-6FB3-4F80-AC13-23BF3D40610D}" dt="2024-06-25T22:41:45.220" v="2198" actId="478"/>
+          <ac:spMkLst>
+            <pc:docMk/>
+            <pc:sldMk cId="3057408396" sldId="257"/>
+            <ac:spMk id="98" creationId="{1B430E8D-01E0-C3E3-CD24-E2759B75B825}"/>
+          </ac:spMkLst>
+        </pc:spChg>
+        <pc:spChg chg="add del mod">
+          <ac:chgData name="Fatima Pillosu" userId="a6295d4dc9e22643" providerId="LiveId" clId="{5928BA55-6FB3-4F80-AC13-23BF3D40610D}" dt="2024-06-25T23:23:02.631" v="3730" actId="21"/>
+          <ac:spMkLst>
+            <pc:docMk/>
+            <pc:sldMk cId="3057408396" sldId="257"/>
+            <ac:spMk id="99" creationId="{CF7520F6-EF66-74A3-D1B9-9D00851C9329}"/>
+          </ac:spMkLst>
+        </pc:spChg>
+        <pc:spChg chg="add del mod">
+          <ac:chgData name="Fatima Pillosu" userId="a6295d4dc9e22643" providerId="LiveId" clId="{5928BA55-6FB3-4F80-AC13-23BF3D40610D}" dt="2024-06-25T23:23:02.631" v="3730" actId="21"/>
+          <ac:spMkLst>
+            <pc:docMk/>
+            <pc:sldMk cId="3057408396" sldId="257"/>
+            <ac:spMk id="100" creationId="{6EA4555E-760E-ECE9-414A-C06A45ABAC6D}"/>
+          </ac:spMkLst>
+        </pc:spChg>
+        <pc:spChg chg="add del mod">
+          <ac:chgData name="Fatima Pillosu" userId="a6295d4dc9e22643" providerId="LiveId" clId="{5928BA55-6FB3-4F80-AC13-23BF3D40610D}" dt="2024-06-25T23:23:02.631" v="3730" actId="21"/>
+          <ac:spMkLst>
+            <pc:docMk/>
+            <pc:sldMk cId="3057408396" sldId="257"/>
+            <ac:spMk id="108" creationId="{88F0512A-D500-5E26-FFB3-B94B8F404B2D}"/>
+          </ac:spMkLst>
+        </pc:spChg>
+        <pc:spChg chg="add del mod">
+          <ac:chgData name="Fatima Pillosu" userId="a6295d4dc9e22643" providerId="LiveId" clId="{5928BA55-6FB3-4F80-AC13-23BF3D40610D}" dt="2024-06-25T23:23:02.631" v="3730" actId="21"/>
+          <ac:spMkLst>
+            <pc:docMk/>
+            <pc:sldMk cId="3057408396" sldId="257"/>
+            <ac:spMk id="109" creationId="{45FF360E-949C-F39A-8D69-BB72652B1CDC}"/>
+          </ac:spMkLst>
+        </pc:spChg>
+        <pc:spChg chg="add del mod">
+          <ac:chgData name="Fatima Pillosu" userId="a6295d4dc9e22643" providerId="LiveId" clId="{5928BA55-6FB3-4F80-AC13-23BF3D40610D}" dt="2024-06-25T23:23:02.631" v="3730" actId="21"/>
+          <ac:spMkLst>
+            <pc:docMk/>
+            <pc:sldMk cId="3057408396" sldId="257"/>
+            <ac:spMk id="110" creationId="{4DCD3426-7033-F62D-86E7-83C67E3D1CE8}"/>
+          </ac:spMkLst>
+        </pc:spChg>
+        <pc:spChg chg="add mod">
+          <ac:chgData name="Fatima Pillosu" userId="a6295d4dc9e22643" providerId="LiveId" clId="{5928BA55-6FB3-4F80-AC13-23BF3D40610D}" dt="2024-06-25T23:19:47.056" v="3441" actId="1076"/>
+          <ac:spMkLst>
+            <pc:docMk/>
+            <pc:sldMk cId="3057408396" sldId="257"/>
+            <ac:spMk id="123" creationId="{7E0D3B06-0E26-EA5A-AD18-9B360BF9D2F3}"/>
+          </ac:spMkLst>
+        </pc:spChg>
+        <pc:spChg chg="add del mod">
+          <ac:chgData name="Fatima Pillosu" userId="a6295d4dc9e22643" providerId="LiveId" clId="{5928BA55-6FB3-4F80-AC13-23BF3D40610D}" dt="2024-06-25T23:23:02.631" v="3730" actId="21"/>
+          <ac:spMkLst>
+            <pc:docMk/>
+            <pc:sldMk cId="3057408396" sldId="257"/>
+            <ac:spMk id="124" creationId="{1F181C54-0DE7-0B62-8FA8-7696D91D1F46}"/>
+          </ac:spMkLst>
+        </pc:spChg>
+        <pc:spChg chg="add del">
+          <ac:chgData name="Fatima Pillosu" userId="a6295d4dc9e22643" providerId="LiveId" clId="{5928BA55-6FB3-4F80-AC13-23BF3D40610D}" dt="2024-06-25T23:23:01.029" v="3729" actId="478"/>
+          <ac:spMkLst>
+            <pc:docMk/>
+            <pc:sldMk cId="3057408396" sldId="257"/>
+            <ac:spMk id="125" creationId="{76CEB412-B2B2-F505-5ACB-03DED08135D4}"/>
+          </ac:spMkLst>
+        </pc:spChg>
+        <pc:spChg chg="add mod">
+          <ac:chgData name="Fatima Pillosu" userId="a6295d4dc9e22643" providerId="LiveId" clId="{5928BA55-6FB3-4F80-AC13-23BF3D40610D}" dt="2024-06-25T23:23:14.261" v="3731"/>
+          <ac:spMkLst>
+            <pc:docMk/>
+            <pc:sldMk cId="3057408396" sldId="257"/>
+            <ac:spMk id="127" creationId="{58CD9331-7045-1367-867A-B64611156DA1}"/>
+          </ac:spMkLst>
+        </pc:spChg>
+        <pc:spChg chg="add mod">
+          <ac:chgData name="Fatima Pillosu" userId="a6295d4dc9e22643" providerId="LiveId" clId="{5928BA55-6FB3-4F80-AC13-23BF3D40610D}" dt="2024-06-25T23:23:14.261" v="3731"/>
+          <ac:spMkLst>
+            <pc:docMk/>
+            <pc:sldMk cId="3057408396" sldId="257"/>
+            <ac:spMk id="128" creationId="{4045113E-AAE1-89B7-FDFB-1C81F0E7D41A}"/>
+          </ac:spMkLst>
+        </pc:spChg>
+        <pc:spChg chg="add mod">
+          <ac:chgData name="Fatima Pillosu" userId="a6295d4dc9e22643" providerId="LiveId" clId="{5928BA55-6FB3-4F80-AC13-23BF3D40610D}" dt="2024-06-25T23:23:14.261" v="3731"/>
+          <ac:spMkLst>
+            <pc:docMk/>
+            <pc:sldMk cId="3057408396" sldId="257"/>
+            <ac:spMk id="129" creationId="{5AB2BD08-9C3B-C319-8CF7-FF2F0DEB298D}"/>
+          </ac:spMkLst>
+        </pc:spChg>
+        <pc:spChg chg="add mod">
+          <ac:chgData name="Fatima Pillosu" userId="a6295d4dc9e22643" providerId="LiveId" clId="{5928BA55-6FB3-4F80-AC13-23BF3D40610D}" dt="2024-06-25T23:23:14.261" v="3731"/>
+          <ac:spMkLst>
+            <pc:docMk/>
+            <pc:sldMk cId="3057408396" sldId="257"/>
+            <ac:spMk id="130" creationId="{F97B0191-5FCE-D0CD-308A-B223182BC67D}"/>
+          </ac:spMkLst>
+        </pc:spChg>
+        <pc:spChg chg="add mod">
+          <ac:chgData name="Fatima Pillosu" userId="a6295d4dc9e22643" providerId="LiveId" clId="{5928BA55-6FB3-4F80-AC13-23BF3D40610D}" dt="2024-06-25T23:23:14.261" v="3731"/>
+          <ac:spMkLst>
+            <pc:docMk/>
+            <pc:sldMk cId="3057408396" sldId="257"/>
+            <ac:spMk id="131" creationId="{344C0458-2D83-4FEF-0572-0A3BB508A76F}"/>
+          </ac:spMkLst>
+        </pc:spChg>
+        <pc:spChg chg="add mod">
+          <ac:chgData name="Fatima Pillosu" userId="a6295d4dc9e22643" providerId="LiveId" clId="{5928BA55-6FB3-4F80-AC13-23BF3D40610D}" dt="2024-06-25T23:23:14.261" v="3731"/>
+          <ac:spMkLst>
+            <pc:docMk/>
+            <pc:sldMk cId="3057408396" sldId="257"/>
+            <ac:spMk id="132" creationId="{4F4CE4BE-B9A8-693B-E2A2-6A4A4BD1B81A}"/>
+          </ac:spMkLst>
+        </pc:spChg>
+        <pc:spChg chg="add mod">
+          <ac:chgData name="Fatima Pillosu" userId="a6295d4dc9e22643" providerId="LiveId" clId="{5928BA55-6FB3-4F80-AC13-23BF3D40610D}" dt="2024-06-25T23:23:14.261" v="3731"/>
+          <ac:spMkLst>
+            <pc:docMk/>
+            <pc:sldMk cId="3057408396" sldId="257"/>
+            <ac:spMk id="133" creationId="{7AF7DBB6-E378-E76B-6AEB-8F0ED21B18CF}"/>
+          </ac:spMkLst>
+        </pc:spChg>
+        <pc:spChg chg="add mod">
+          <ac:chgData name="Fatima Pillosu" userId="a6295d4dc9e22643" providerId="LiveId" clId="{5928BA55-6FB3-4F80-AC13-23BF3D40610D}" dt="2024-06-25T23:23:14.261" v="3731"/>
+          <ac:spMkLst>
+            <pc:docMk/>
+            <pc:sldMk cId="3057408396" sldId="257"/>
+            <ac:spMk id="134" creationId="{99B2100B-9D14-4296-78A7-CA77AB0A1096}"/>
+          </ac:spMkLst>
+        </pc:spChg>
+        <pc:spChg chg="add mod">
+          <ac:chgData name="Fatima Pillosu" userId="a6295d4dc9e22643" providerId="LiveId" clId="{5928BA55-6FB3-4F80-AC13-23BF3D40610D}" dt="2024-06-25T23:23:14.261" v="3731"/>
+          <ac:spMkLst>
+            <pc:docMk/>
+            <pc:sldMk cId="3057408396" sldId="257"/>
+            <ac:spMk id="135" creationId="{621AFAEE-829D-DF41-62E5-B4AD188CA36B}"/>
+          </ac:spMkLst>
+        </pc:spChg>
+        <pc:spChg chg="add mod">
+          <ac:chgData name="Fatima Pillosu" userId="a6295d4dc9e22643" providerId="LiveId" clId="{5928BA55-6FB3-4F80-AC13-23BF3D40610D}" dt="2024-06-25T23:23:14.261" v="3731"/>
+          <ac:spMkLst>
+            <pc:docMk/>
+            <pc:sldMk cId="3057408396" sldId="257"/>
+            <ac:spMk id="139" creationId="{97965B60-E6B9-6597-8C0C-D8631FCE0FEB}"/>
+          </ac:spMkLst>
+        </pc:spChg>
+        <pc:spChg chg="add mod">
+          <ac:chgData name="Fatima Pillosu" userId="a6295d4dc9e22643" providerId="LiveId" clId="{5928BA55-6FB3-4F80-AC13-23BF3D40610D}" dt="2024-06-25T23:23:14.261" v="3731"/>
+          <ac:spMkLst>
+            <pc:docMk/>
+            <pc:sldMk cId="3057408396" sldId="257"/>
+            <ac:spMk id="140" creationId="{8113D33B-DDE9-6EF2-B813-579495E90369}"/>
+          </ac:spMkLst>
+        </pc:spChg>
+        <pc:spChg chg="add mod">
+          <ac:chgData name="Fatima Pillosu" userId="a6295d4dc9e22643" providerId="LiveId" clId="{5928BA55-6FB3-4F80-AC13-23BF3D40610D}" dt="2024-06-25T23:23:14.261" v="3731"/>
+          <ac:spMkLst>
+            <pc:docMk/>
+            <pc:sldMk cId="3057408396" sldId="257"/>
+            <ac:spMk id="141" creationId="{394BA25F-BA1C-073D-1FE2-9925A56A77BA}"/>
+          </ac:spMkLst>
+        </pc:spChg>
+        <pc:spChg chg="add mod">
+          <ac:chgData name="Fatima Pillosu" userId="a6295d4dc9e22643" providerId="LiveId" clId="{5928BA55-6FB3-4F80-AC13-23BF3D40610D}" dt="2024-06-25T23:23:14.261" v="3731"/>
+          <ac:spMkLst>
+            <pc:docMk/>
+            <pc:sldMk cId="3057408396" sldId="257"/>
+            <ac:spMk id="142" creationId="{09C3F042-E17B-680C-3A4D-2F615396E63B}"/>
+          </ac:spMkLst>
+        </pc:spChg>
+        <pc:spChg chg="add mod">
+          <ac:chgData name="Fatima Pillosu" userId="a6295d4dc9e22643" providerId="LiveId" clId="{5928BA55-6FB3-4F80-AC13-23BF3D40610D}" dt="2024-06-25T23:23:14.261" v="3731"/>
+          <ac:spMkLst>
+            <pc:docMk/>
+            <pc:sldMk cId="3057408396" sldId="257"/>
+            <ac:spMk id="143" creationId="{0AEEBCF9-4118-3BDF-3CB3-734FED5C2759}"/>
+          </ac:spMkLst>
+        </pc:spChg>
+        <pc:spChg chg="add mod">
+          <ac:chgData name="Fatima Pillosu" userId="a6295d4dc9e22643" providerId="LiveId" clId="{5928BA55-6FB3-4F80-AC13-23BF3D40610D}" dt="2024-06-25T23:23:14.261" v="3731"/>
+          <ac:spMkLst>
+            <pc:docMk/>
+            <pc:sldMk cId="3057408396" sldId="257"/>
+            <ac:spMk id="144" creationId="{E39A7B45-F604-AD14-879B-A4104420E5C9}"/>
+          </ac:spMkLst>
+        </pc:spChg>
+        <pc:spChg chg="add mod">
+          <ac:chgData name="Fatima Pillosu" userId="a6295d4dc9e22643" providerId="LiveId" clId="{5928BA55-6FB3-4F80-AC13-23BF3D40610D}" dt="2024-06-25T23:23:14.261" v="3731"/>
+          <ac:spMkLst>
+            <pc:docMk/>
+            <pc:sldMk cId="3057408396" sldId="257"/>
+            <ac:spMk id="145" creationId="{4BC53D49-DC86-F19E-2E21-9016C743986D}"/>
+          </ac:spMkLst>
+        </pc:spChg>
+        <pc:spChg chg="add mod">
+          <ac:chgData name="Fatima Pillosu" userId="a6295d4dc9e22643" providerId="LiveId" clId="{5928BA55-6FB3-4F80-AC13-23BF3D40610D}" dt="2024-06-25T23:23:14.261" v="3731"/>
+          <ac:spMkLst>
+            <pc:docMk/>
+            <pc:sldMk cId="3057408396" sldId="257"/>
+            <ac:spMk id="146" creationId="{7D57E510-07DC-E8C8-3ED1-5636CF6BD01E}"/>
+          </ac:spMkLst>
+        </pc:spChg>
+        <pc:spChg chg="add mod">
+          <ac:chgData name="Fatima Pillosu" userId="a6295d4dc9e22643" providerId="LiveId" clId="{5928BA55-6FB3-4F80-AC13-23BF3D40610D}" dt="2024-06-25T23:23:14.261" v="3731"/>
+          <ac:spMkLst>
+            <pc:docMk/>
+            <pc:sldMk cId="3057408396" sldId="257"/>
+            <ac:spMk id="147" creationId="{635E4DD4-8249-5F55-0F1F-9FD0A1C47CE9}"/>
+          </ac:spMkLst>
+        </pc:spChg>
+        <pc:spChg chg="add mod">
+          <ac:chgData name="Fatima Pillosu" userId="a6295d4dc9e22643" providerId="LiveId" clId="{5928BA55-6FB3-4F80-AC13-23BF3D40610D}" dt="2024-06-25T23:23:14.261" v="3731"/>
+          <ac:spMkLst>
+            <pc:docMk/>
+            <pc:sldMk cId="3057408396" sldId="257"/>
+            <ac:spMk id="150" creationId="{A99CFC4A-C95F-730E-DD25-681B1F0128CE}"/>
+          </ac:spMkLst>
+        </pc:spChg>
+        <pc:spChg chg="add mod">
+          <ac:chgData name="Fatima Pillosu" userId="a6295d4dc9e22643" providerId="LiveId" clId="{5928BA55-6FB3-4F80-AC13-23BF3D40610D}" dt="2024-06-25T23:23:14.261" v="3731"/>
+          <ac:spMkLst>
+            <pc:docMk/>
+            <pc:sldMk cId="3057408396" sldId="257"/>
+            <ac:spMk id="151" creationId="{6FE56FB4-62AE-3C2F-346A-5E6D43FBCF6B}"/>
+          </ac:spMkLst>
+        </pc:spChg>
+        <pc:spChg chg="add mod">
+          <ac:chgData name="Fatima Pillosu" userId="a6295d4dc9e22643" providerId="LiveId" clId="{5928BA55-6FB3-4F80-AC13-23BF3D40610D}" dt="2024-06-25T23:23:14.261" v="3731"/>
+          <ac:spMkLst>
+            <pc:docMk/>
+            <pc:sldMk cId="3057408396" sldId="257"/>
+            <ac:spMk id="153" creationId="{0475290B-2E75-BD90-141D-6C469CDA279E}"/>
+          </ac:spMkLst>
+        </pc:spChg>
+        <pc:spChg chg="add mod">
+          <ac:chgData name="Fatima Pillosu" userId="a6295d4dc9e22643" providerId="LiveId" clId="{5928BA55-6FB3-4F80-AC13-23BF3D40610D}" dt="2024-06-25T23:23:14.261" v="3731"/>
+          <ac:spMkLst>
+            <pc:docMk/>
+            <pc:sldMk cId="3057408396" sldId="257"/>
+            <ac:spMk id="154" creationId="{2A2FEA9D-D3BE-1F12-B774-F13AEE3A2377}"/>
+          </ac:spMkLst>
+        </pc:spChg>
+        <pc:spChg chg="add mod">
+          <ac:chgData name="Fatima Pillosu" userId="a6295d4dc9e22643" providerId="LiveId" clId="{5928BA55-6FB3-4F80-AC13-23BF3D40610D}" dt="2024-06-25T23:23:14.261" v="3731"/>
+          <ac:spMkLst>
+            <pc:docMk/>
+            <pc:sldMk cId="3057408396" sldId="257"/>
+            <ac:spMk id="155" creationId="{8A8EEF76-CF72-F956-9FFB-36FF26CF4A12}"/>
+          </ac:spMkLst>
+        </pc:spChg>
+        <pc:spChg chg="add mod">
+          <ac:chgData name="Fatima Pillosu" userId="a6295d4dc9e22643" providerId="LiveId" clId="{5928BA55-6FB3-4F80-AC13-23BF3D40610D}" dt="2024-06-25T23:23:14.261" v="3731"/>
+          <ac:spMkLst>
+            <pc:docMk/>
+            <pc:sldMk cId="3057408396" sldId="257"/>
+            <ac:spMk id="158" creationId="{E9E26E69-B59D-903F-D155-050AA78BD861}"/>
+          </ac:spMkLst>
+        </pc:spChg>
+        <pc:spChg chg="add mod">
+          <ac:chgData name="Fatima Pillosu" userId="a6295d4dc9e22643" providerId="LiveId" clId="{5928BA55-6FB3-4F80-AC13-23BF3D40610D}" dt="2024-06-25T23:23:14.261" v="3731"/>
+          <ac:spMkLst>
+            <pc:docMk/>
+            <pc:sldMk cId="3057408396" sldId="257"/>
+            <ac:spMk id="159" creationId="{729790D1-6456-583D-C2D5-8D890B6FD85F}"/>
+          </ac:spMkLst>
+        </pc:spChg>
+        <pc:spChg chg="add mod">
+          <ac:chgData name="Fatima Pillosu" userId="a6295d4dc9e22643" providerId="LiveId" clId="{5928BA55-6FB3-4F80-AC13-23BF3D40610D}" dt="2024-06-25T23:23:14.261" v="3731"/>
+          <ac:spMkLst>
+            <pc:docMk/>
+            <pc:sldMk cId="3057408396" sldId="257"/>
+            <ac:spMk id="160" creationId="{3FDD4B0D-3599-F098-0E5D-1193D66F6204}"/>
+          </ac:spMkLst>
+        </pc:spChg>
+        <pc:spChg chg="add mod">
+          <ac:chgData name="Fatima Pillosu" userId="a6295d4dc9e22643" providerId="LiveId" clId="{5928BA55-6FB3-4F80-AC13-23BF3D40610D}" dt="2024-06-25T23:23:14.261" v="3731"/>
+          <ac:spMkLst>
+            <pc:docMk/>
+            <pc:sldMk cId="3057408396" sldId="257"/>
+            <ac:spMk id="161" creationId="{28F57419-73D2-64C3-76A6-4B3BA03BDCA2}"/>
+          </ac:spMkLst>
+        </pc:spChg>
+        <pc:spChg chg="add mod">
+          <ac:chgData name="Fatima Pillosu" userId="a6295d4dc9e22643" providerId="LiveId" clId="{5928BA55-6FB3-4F80-AC13-23BF3D40610D}" dt="2024-06-25T23:23:14.261" v="3731"/>
+          <ac:spMkLst>
+            <pc:docMk/>
+            <pc:sldMk cId="3057408396" sldId="257"/>
+            <ac:spMk id="162" creationId="{7E4B6683-9D62-B045-8E30-BC98816A10CB}"/>
+          </ac:spMkLst>
+        </pc:spChg>
+        <pc:spChg chg="add mod">
+          <ac:chgData name="Fatima Pillosu" userId="a6295d4dc9e22643" providerId="LiveId" clId="{5928BA55-6FB3-4F80-AC13-23BF3D40610D}" dt="2024-06-25T23:23:14.261" v="3731"/>
+          <ac:spMkLst>
+            <pc:docMk/>
+            <pc:sldMk cId="3057408396" sldId="257"/>
+            <ac:spMk id="163" creationId="{B8398914-71B0-4277-7AB4-9C7DC4546F07}"/>
+          </ac:spMkLst>
+        </pc:spChg>
+        <pc:spChg chg="add mod">
+          <ac:chgData name="Fatima Pillosu" userId="a6295d4dc9e22643" providerId="LiveId" clId="{5928BA55-6FB3-4F80-AC13-23BF3D40610D}" dt="2024-06-25T23:23:14.261" v="3731"/>
+          <ac:spMkLst>
+            <pc:docMk/>
+            <pc:sldMk cId="3057408396" sldId="257"/>
+            <ac:spMk id="166" creationId="{1AB82A60-5D0F-8753-CE31-9DD592801E93}"/>
+          </ac:spMkLst>
+        </pc:spChg>
+        <pc:spChg chg="add mod">
+          <ac:chgData name="Fatima Pillosu" userId="a6295d4dc9e22643" providerId="LiveId" clId="{5928BA55-6FB3-4F80-AC13-23BF3D40610D}" dt="2024-06-25T23:23:14.261" v="3731"/>
+          <ac:spMkLst>
+            <pc:docMk/>
+            <pc:sldMk cId="3057408396" sldId="257"/>
+            <ac:spMk id="167" creationId="{B7465DC2-8938-4ED4-155A-AED3E21C723D}"/>
+          </ac:spMkLst>
+        </pc:spChg>
+        <pc:spChg chg="add mod">
+          <ac:chgData name="Fatima Pillosu" userId="a6295d4dc9e22643" providerId="LiveId" clId="{5928BA55-6FB3-4F80-AC13-23BF3D40610D}" dt="2024-06-25T23:23:14.261" v="3731"/>
+          <ac:spMkLst>
+            <pc:docMk/>
+            <pc:sldMk cId="3057408396" sldId="257"/>
+            <ac:spMk id="169" creationId="{CF7520F6-EF66-74A3-D1B9-9D00851C9329}"/>
+          </ac:spMkLst>
+        </pc:spChg>
+        <pc:spChg chg="add mod">
+          <ac:chgData name="Fatima Pillosu" userId="a6295d4dc9e22643" providerId="LiveId" clId="{5928BA55-6FB3-4F80-AC13-23BF3D40610D}" dt="2024-06-25T23:23:14.261" v="3731"/>
+          <ac:spMkLst>
+            <pc:docMk/>
+            <pc:sldMk cId="3057408396" sldId="257"/>
+            <ac:spMk id="170" creationId="{6EA4555E-760E-ECE9-414A-C06A45ABAC6D}"/>
+          </ac:spMkLst>
+        </pc:spChg>
+        <pc:spChg chg="add mod">
+          <ac:chgData name="Fatima Pillosu" userId="a6295d4dc9e22643" providerId="LiveId" clId="{5928BA55-6FB3-4F80-AC13-23BF3D40610D}" dt="2024-06-25T23:23:14.261" v="3731"/>
+          <ac:spMkLst>
+            <pc:docMk/>
+            <pc:sldMk cId="3057408396" sldId="257"/>
+            <ac:spMk id="171" creationId="{88F0512A-D500-5E26-FFB3-B94B8F404B2D}"/>
+          </ac:spMkLst>
+        </pc:spChg>
+        <pc:spChg chg="add mod">
+          <ac:chgData name="Fatima Pillosu" userId="a6295d4dc9e22643" providerId="LiveId" clId="{5928BA55-6FB3-4F80-AC13-23BF3D40610D}" dt="2024-06-25T23:23:14.261" v="3731"/>
+          <ac:spMkLst>
+            <pc:docMk/>
+            <pc:sldMk cId="3057408396" sldId="257"/>
+            <ac:spMk id="172" creationId="{45FF360E-949C-F39A-8D69-BB72652B1CDC}"/>
+          </ac:spMkLst>
+        </pc:spChg>
+        <pc:spChg chg="add mod">
+          <ac:chgData name="Fatima Pillosu" userId="a6295d4dc9e22643" providerId="LiveId" clId="{5928BA55-6FB3-4F80-AC13-23BF3D40610D}" dt="2024-06-25T23:23:14.261" v="3731"/>
+          <ac:spMkLst>
+            <pc:docMk/>
+            <pc:sldMk cId="3057408396" sldId="257"/>
+            <ac:spMk id="173" creationId="{4DCD3426-7033-F62D-86E7-83C67E3D1CE8}"/>
+          </ac:spMkLst>
+        </pc:spChg>
+        <pc:spChg chg="add mod">
+          <ac:chgData name="Fatima Pillosu" userId="a6295d4dc9e22643" providerId="LiveId" clId="{5928BA55-6FB3-4F80-AC13-23BF3D40610D}" dt="2024-06-25T23:23:14.261" v="3731"/>
+          <ac:spMkLst>
+            <pc:docMk/>
+            <pc:sldMk cId="3057408396" sldId="257"/>
+            <ac:spMk id="183" creationId="{1F181C54-0DE7-0B62-8FA8-7696D91D1F46}"/>
+          </ac:spMkLst>
+        </pc:spChg>
+        <pc:grpChg chg="mod">
+          <ac:chgData name="Fatima Pillosu" userId="a6295d4dc9e22643" providerId="LiveId" clId="{5928BA55-6FB3-4F80-AC13-23BF3D40610D}" dt="2024-06-25T21:19:08.831" v="1200" actId="338"/>
+          <ac:grpSpMkLst>
+            <pc:docMk/>
+            <pc:sldMk cId="3057408396" sldId="257"/>
+            <ac:grpSpMk id="1" creationId="{00000000-0000-0000-0000-000000000000}"/>
+          </ac:grpSpMkLst>
+        </pc:grpChg>
+        <pc:grpChg chg="del mod">
+          <ac:chgData name="Fatima Pillosu" userId="a6295d4dc9e22643" providerId="LiveId" clId="{5928BA55-6FB3-4F80-AC13-23BF3D40610D}" dt="2024-06-25T21:19:35.417" v="1202" actId="478"/>
+          <ac:grpSpMkLst>
+            <pc:docMk/>
+            <pc:sldMk cId="3057408396" sldId="257"/>
+            <ac:grpSpMk id="10" creationId="{61116986-A055-6659-1ABF-7E641241F4EE}"/>
+          </ac:grpSpMkLst>
+        </pc:grpChg>
+        <pc:grpChg chg="add del mod">
+          <ac:chgData name="Fatima Pillosu" userId="a6295d4dc9e22643" providerId="LiveId" clId="{5928BA55-6FB3-4F80-AC13-23BF3D40610D}" dt="2024-06-25T21:22:11.574" v="1225" actId="165"/>
+          <ac:grpSpMkLst>
+            <pc:docMk/>
+            <pc:sldMk cId="3057408396" sldId="257"/>
+            <ac:grpSpMk id="21" creationId="{2A200236-3EAC-A5A3-3D0D-4781A55DCD40}"/>
+          </ac:grpSpMkLst>
+        </pc:grpChg>
+        <pc:grpChg chg="add del mod">
+          <ac:chgData name="Fatima Pillosu" userId="a6295d4dc9e22643" providerId="LiveId" clId="{5928BA55-6FB3-4F80-AC13-23BF3D40610D}" dt="2024-06-25T23:23:02.631" v="3730" actId="21"/>
+          <ac:grpSpMkLst>
+            <pc:docMk/>
+            <pc:sldMk cId="3057408396" sldId="257"/>
+            <ac:grpSpMk id="116" creationId="{0F8FB306-6296-E801-7947-C575D7540561}"/>
+          </ac:grpSpMkLst>
+        </pc:grpChg>
+        <pc:grpChg chg="add del mod">
+          <ac:chgData name="Fatima Pillosu" userId="a6295d4dc9e22643" providerId="LiveId" clId="{5928BA55-6FB3-4F80-AC13-23BF3D40610D}" dt="2024-06-25T23:23:02.631" v="3730" actId="21"/>
+          <ac:grpSpMkLst>
+            <pc:docMk/>
+            <pc:sldMk cId="3057408396" sldId="257"/>
+            <ac:grpSpMk id="117" creationId="{4C3C7274-E1C7-78F6-3EE7-B5FB71A6C929}"/>
+          </ac:grpSpMkLst>
+        </pc:grpChg>
+        <pc:grpChg chg="add del mod">
+          <ac:chgData name="Fatima Pillosu" userId="a6295d4dc9e22643" providerId="LiveId" clId="{5928BA55-6FB3-4F80-AC13-23BF3D40610D}" dt="2024-06-25T23:23:02.631" v="3730" actId="21"/>
+          <ac:grpSpMkLst>
+            <pc:docMk/>
+            <pc:sldMk cId="3057408396" sldId="257"/>
+            <ac:grpSpMk id="120" creationId="{78BCE01B-6BC3-08D0-CFE5-1889B1EFAB64}"/>
+          </ac:grpSpMkLst>
+        </pc:grpChg>
+        <pc:grpChg chg="add mod">
+          <ac:chgData name="Fatima Pillosu" userId="a6295d4dc9e22643" providerId="LiveId" clId="{5928BA55-6FB3-4F80-AC13-23BF3D40610D}" dt="2024-06-25T23:23:14.261" v="3731"/>
+          <ac:grpSpMkLst>
+            <pc:docMk/>
+            <pc:sldMk cId="3057408396" sldId="257"/>
+            <ac:grpSpMk id="174" creationId="{0F8FB306-6296-E801-7947-C575D7540561}"/>
+          </ac:grpSpMkLst>
+        </pc:grpChg>
+        <pc:grpChg chg="add mod">
+          <ac:chgData name="Fatima Pillosu" userId="a6295d4dc9e22643" providerId="LiveId" clId="{5928BA55-6FB3-4F80-AC13-23BF3D40610D}" dt="2024-06-25T23:23:14.261" v="3731"/>
+          <ac:grpSpMkLst>
+            <pc:docMk/>
+            <pc:sldMk cId="3057408396" sldId="257"/>
+            <ac:grpSpMk id="177" creationId="{4C3C7274-E1C7-78F6-3EE7-B5FB71A6C929}"/>
+          </ac:grpSpMkLst>
+        </pc:grpChg>
+        <pc:grpChg chg="add mod">
+          <ac:chgData name="Fatima Pillosu" userId="a6295d4dc9e22643" providerId="LiveId" clId="{5928BA55-6FB3-4F80-AC13-23BF3D40610D}" dt="2024-06-25T23:23:14.261" v="3731"/>
+          <ac:grpSpMkLst>
+            <pc:docMk/>
+            <pc:sldMk cId="3057408396" sldId="257"/>
+            <ac:grpSpMk id="180" creationId="{78BCE01B-6BC3-08D0-CFE5-1889B1EFAB64}"/>
+          </ac:grpSpMkLst>
+        </pc:grpChg>
+        <pc:graphicFrameChg chg="add del mod">
+          <ac:chgData name="Fatima Pillosu" userId="a6295d4dc9e22643" providerId="LiveId" clId="{5928BA55-6FB3-4F80-AC13-23BF3D40610D}" dt="2024-06-25T21:18:32.531" v="1198" actId="21"/>
+          <ac:graphicFrameMkLst>
+            <pc:docMk/>
+            <pc:sldMk cId="3057408396" sldId="257"/>
+            <ac:graphicFrameMk id="8" creationId="{F3C4A4DF-0989-618B-9028-9586B421B507}"/>
+          </ac:graphicFrameMkLst>
+        </pc:graphicFrameChg>
+        <pc:picChg chg="del mod">
+          <ac:chgData name="Fatima Pillosu" userId="a6295d4dc9e22643" providerId="LiveId" clId="{5928BA55-6FB3-4F80-AC13-23BF3D40610D}" dt="2024-06-25T21:19:08.831" v="1200" actId="338"/>
+          <ac:picMkLst>
+            <pc:docMk/>
+            <pc:sldMk cId="3057408396" sldId="257"/>
+            <ac:picMk id="9" creationId="{B54F679B-1CAB-8F2D-1D9B-E5FE6C8450B7}"/>
+          </ac:picMkLst>
+        </pc:picChg>
+        <pc:picChg chg="add del mod">
+          <ac:chgData name="Fatima Pillosu" userId="a6295d4dc9e22643" providerId="LiveId" clId="{5928BA55-6FB3-4F80-AC13-23BF3D40610D}" dt="2024-06-25T23:23:02.631" v="3730" actId="21"/>
+          <ac:picMkLst>
+            <pc:docMk/>
+            <pc:sldMk cId="3057408396" sldId="257"/>
+            <ac:picMk id="16" creationId="{B8081331-B48D-124D-FE49-A3473C74EF86}"/>
+          </ac:picMkLst>
+        </pc:picChg>
+        <pc:picChg chg="add del mod">
+          <ac:chgData name="Fatima Pillosu" userId="a6295d4dc9e22643" providerId="LiveId" clId="{5928BA55-6FB3-4F80-AC13-23BF3D40610D}" dt="2024-06-25T23:23:02.631" v="3730" actId="21"/>
+          <ac:picMkLst>
+            <pc:docMk/>
+            <pc:sldMk cId="3057408396" sldId="257"/>
+            <ac:picMk id="18" creationId="{406C3EF1-219D-BDE7-5AE2-D8D5E3F56EE7}"/>
+          </ac:picMkLst>
+        </pc:picChg>
+        <pc:picChg chg="add del mod">
+          <ac:chgData name="Fatima Pillosu" userId="a6295d4dc9e22643" providerId="LiveId" clId="{5928BA55-6FB3-4F80-AC13-23BF3D40610D}" dt="2024-06-25T22:09:42.053" v="1665" actId="478"/>
+          <ac:picMkLst>
+            <pc:docMk/>
+            <pc:sldMk cId="3057408396" sldId="257"/>
+            <ac:picMk id="20" creationId="{D13C5C2E-7960-5786-0EF3-1D95AC2655A0}"/>
+          </ac:picMkLst>
+        </pc:picChg>
+        <pc:picChg chg="add del mod">
+          <ac:chgData name="Fatima Pillosu" userId="a6295d4dc9e22643" providerId="LiveId" clId="{5928BA55-6FB3-4F80-AC13-23BF3D40610D}" dt="2024-06-25T22:11:48.367" v="1687" actId="478"/>
+          <ac:picMkLst>
+            <pc:docMk/>
+            <pc:sldMk cId="3057408396" sldId="257"/>
+            <ac:picMk id="22" creationId="{8F53E52E-64AB-62A6-324B-F09D832AFD9A}"/>
+          </ac:picMkLst>
+        </pc:picChg>
+        <pc:picChg chg="add del mod">
+          <ac:chgData name="Fatima Pillosu" userId="a6295d4dc9e22643" providerId="LiveId" clId="{5928BA55-6FB3-4F80-AC13-23BF3D40610D}" dt="2024-06-25T22:09:49.885" v="1670" actId="478"/>
+          <ac:picMkLst>
+            <pc:docMk/>
+            <pc:sldMk cId="3057408396" sldId="257"/>
+            <ac:picMk id="24" creationId="{A1AD8FFE-5A1C-3ACA-2B31-849FAD41F1B3}"/>
+          </ac:picMkLst>
+        </pc:picChg>
+        <pc:picChg chg="add del mod">
+          <ac:chgData name="Fatima Pillosu" userId="a6295d4dc9e22643" providerId="LiveId" clId="{5928BA55-6FB3-4F80-AC13-23BF3D40610D}" dt="2024-06-25T22:10:38.965" v="1677" actId="478"/>
+          <ac:picMkLst>
+            <pc:docMk/>
+            <pc:sldMk cId="3057408396" sldId="257"/>
+            <ac:picMk id="26" creationId="{39DB4241-B44B-29FB-11F3-4AD739B300FB}"/>
+          </ac:picMkLst>
+        </pc:picChg>
+        <pc:picChg chg="add del mod ord">
+          <ac:chgData name="Fatima Pillosu" userId="a6295d4dc9e22643" providerId="LiveId" clId="{5928BA55-6FB3-4F80-AC13-23BF3D40610D}" dt="2024-06-25T23:23:02.631" v="3730" actId="21"/>
+          <ac:picMkLst>
+            <pc:docMk/>
+            <pc:sldMk cId="3057408396" sldId="257"/>
+            <ac:picMk id="28" creationId="{FA03A6A8-142B-F27A-B833-8DFD2BB821FC}"/>
+          </ac:picMkLst>
+        </pc:picChg>
+        <pc:picChg chg="add del mod ord">
+          <ac:chgData name="Fatima Pillosu" userId="a6295d4dc9e22643" providerId="LiveId" clId="{5928BA55-6FB3-4F80-AC13-23BF3D40610D}" dt="2024-06-25T23:23:02.631" v="3730" actId="21"/>
+          <ac:picMkLst>
+            <pc:docMk/>
+            <pc:sldMk cId="3057408396" sldId="257"/>
+            <ac:picMk id="30" creationId="{D01EA0A9-8DAE-2763-234B-56E45FFFDBD3}"/>
+          </ac:picMkLst>
+        </pc:picChg>
+        <pc:picChg chg="add mod">
+          <ac:chgData name="Fatima Pillosu" userId="a6295d4dc9e22643" providerId="LiveId" clId="{5928BA55-6FB3-4F80-AC13-23BF3D40610D}" dt="2024-06-25T23:23:14.261" v="3731"/>
+          <ac:picMkLst>
+            <pc:docMk/>
+            <pc:sldMk cId="3057408396" sldId="257"/>
+            <ac:picMk id="126" creationId="{D01EA0A9-8DAE-2763-234B-56E45FFFDBD3}"/>
+          </ac:picMkLst>
+        </pc:picChg>
+        <pc:picChg chg="add mod">
+          <ac:chgData name="Fatima Pillosu" userId="a6295d4dc9e22643" providerId="LiveId" clId="{5928BA55-6FB3-4F80-AC13-23BF3D40610D}" dt="2024-06-25T23:23:14.261" v="3731"/>
+          <ac:picMkLst>
+            <pc:docMk/>
+            <pc:sldMk cId="3057408396" sldId="257"/>
+            <ac:picMk id="136" creationId="{B8081331-B48D-124D-FE49-A3473C74EF86}"/>
+          </ac:picMkLst>
+        </pc:picChg>
+        <pc:picChg chg="add mod">
+          <ac:chgData name="Fatima Pillosu" userId="a6295d4dc9e22643" providerId="LiveId" clId="{5928BA55-6FB3-4F80-AC13-23BF3D40610D}" dt="2024-06-25T23:23:14.261" v="3731"/>
+          <ac:picMkLst>
+            <pc:docMk/>
+            <pc:sldMk cId="3057408396" sldId="257"/>
+            <ac:picMk id="137" creationId="{406C3EF1-219D-BDE7-5AE2-D8D5E3F56EE7}"/>
+          </ac:picMkLst>
+        </pc:picChg>
+        <pc:picChg chg="add mod">
+          <ac:chgData name="Fatima Pillosu" userId="a6295d4dc9e22643" providerId="LiveId" clId="{5928BA55-6FB3-4F80-AC13-23BF3D40610D}" dt="2024-06-25T23:23:14.261" v="3731"/>
+          <ac:picMkLst>
+            <pc:docMk/>
+            <pc:sldMk cId="3057408396" sldId="257"/>
+            <ac:picMk id="138" creationId="{FA03A6A8-142B-F27A-B833-8DFD2BB821FC}"/>
+          </ac:picMkLst>
+        </pc:picChg>
+        <pc:cxnChg chg="add del mod">
+          <ac:chgData name="Fatima Pillosu" userId="a6295d4dc9e22643" providerId="LiveId" clId="{5928BA55-6FB3-4F80-AC13-23BF3D40610D}" dt="2024-06-25T23:10:58.477" v="2852" actId="478"/>
+          <ac:cxnSpMkLst>
+            <pc:docMk/>
+            <pc:sldMk cId="3057408396" sldId="257"/>
+            <ac:cxnSpMk id="38" creationId="{82E0EA2C-71F3-0738-1AD2-E597F552391D}"/>
+          </ac:cxnSpMkLst>
+        </pc:cxnChg>
+        <pc:cxnChg chg="add del mod">
+          <ac:chgData name="Fatima Pillosu" userId="a6295d4dc9e22643" providerId="LiveId" clId="{5928BA55-6FB3-4F80-AC13-23BF3D40610D}" dt="2024-06-25T23:10:57.639" v="2851" actId="478"/>
+          <ac:cxnSpMkLst>
+            <pc:docMk/>
+            <pc:sldMk cId="3057408396" sldId="257"/>
+            <ac:cxnSpMk id="40" creationId="{6139991E-6221-6550-585C-626C58FF3E48}"/>
+          </ac:cxnSpMkLst>
+        </pc:cxnChg>
+        <pc:cxnChg chg="add del mod">
+          <ac:chgData name="Fatima Pillosu" userId="a6295d4dc9e22643" providerId="LiveId" clId="{5928BA55-6FB3-4F80-AC13-23BF3D40610D}" dt="2024-06-25T23:08:51.764" v="2817" actId="478"/>
+          <ac:cxnSpMkLst>
+            <pc:docMk/>
+            <pc:sldMk cId="3057408396" sldId="257"/>
+            <ac:cxnSpMk id="44" creationId="{5A1E022A-C1EE-0FED-9B97-CBB83BE69122}"/>
+          </ac:cxnSpMkLst>
+        </pc:cxnChg>
+        <pc:cxnChg chg="add del mod">
+          <ac:chgData name="Fatima Pillosu" userId="a6295d4dc9e22643" providerId="LiveId" clId="{5928BA55-6FB3-4F80-AC13-23BF3D40610D}" dt="2024-06-25T22:37:14.646" v="2145" actId="478"/>
+          <ac:cxnSpMkLst>
+            <pc:docMk/>
+            <pc:sldMk cId="3057408396" sldId="257"/>
+            <ac:cxnSpMk id="45" creationId="{023E52BC-B9E7-44A4-54E3-DB6112AE3C4F}"/>
+          </ac:cxnSpMkLst>
+        </pc:cxnChg>
+        <pc:cxnChg chg="add del mod">
+          <ac:chgData name="Fatima Pillosu" userId="a6295d4dc9e22643" providerId="LiveId" clId="{5928BA55-6FB3-4F80-AC13-23BF3D40610D}" dt="2024-06-25T21:38:28.927" v="1317" actId="478"/>
+          <ac:cxnSpMkLst>
+            <pc:docMk/>
+            <pc:sldMk cId="3057408396" sldId="257"/>
+            <ac:cxnSpMk id="48" creationId="{1BE2E878-E17F-54D9-50A5-7AC6015BD74E}"/>
+          </ac:cxnSpMkLst>
+        </pc:cxnChg>
+        <pc:cxnChg chg="add del mod">
+          <ac:chgData name="Fatima Pillosu" userId="a6295d4dc9e22643" providerId="LiveId" clId="{5928BA55-6FB3-4F80-AC13-23BF3D40610D}" dt="2024-06-25T21:38:30.826" v="1319" actId="478"/>
+          <ac:cxnSpMkLst>
+            <pc:docMk/>
+            <pc:sldMk cId="3057408396" sldId="257"/>
+            <ac:cxnSpMk id="50" creationId="{CC087732-ECC0-1F7F-55B9-03D1CCC671F7}"/>
+          </ac:cxnSpMkLst>
+        </pc:cxnChg>
+        <pc:cxnChg chg="add del mod">
+          <ac:chgData name="Fatima Pillosu" userId="a6295d4dc9e22643" providerId="LiveId" clId="{5928BA55-6FB3-4F80-AC13-23BF3D40610D}" dt="2024-06-25T21:38:31.366" v="1320" actId="478"/>
+          <ac:cxnSpMkLst>
+            <pc:docMk/>
+            <pc:sldMk cId="3057408396" sldId="257"/>
+            <ac:cxnSpMk id="52" creationId="{F92EFC00-C25A-319C-DDFF-BC2F1F28DCDB}"/>
+          </ac:cxnSpMkLst>
+        </pc:cxnChg>
+        <pc:cxnChg chg="add del mod">
+          <ac:chgData name="Fatima Pillosu" userId="a6295d4dc9e22643" providerId="LiveId" clId="{5928BA55-6FB3-4F80-AC13-23BF3D40610D}" dt="2024-06-25T21:38:29.913" v="1318" actId="478"/>
+          <ac:cxnSpMkLst>
+            <pc:docMk/>
+            <pc:sldMk cId="3057408396" sldId="257"/>
+            <ac:cxnSpMk id="53" creationId="{A8995745-CCDA-6B3D-AC03-308EBD8AD1E2}"/>
+          </ac:cxnSpMkLst>
+        </pc:cxnChg>
+        <pc:cxnChg chg="add del mod">
+          <ac:chgData name="Fatima Pillosu" userId="a6295d4dc9e22643" providerId="LiveId" clId="{5928BA55-6FB3-4F80-AC13-23BF3D40610D}" dt="2024-06-25T23:23:02.631" v="3730" actId="21"/>
+          <ac:cxnSpMkLst>
+            <pc:docMk/>
+            <pc:sldMk cId="3057408396" sldId="257"/>
+            <ac:cxnSpMk id="55" creationId="{2AB91E0F-5D95-AD51-BE00-C548CBC0D10E}"/>
+          </ac:cxnSpMkLst>
+        </pc:cxnChg>
+        <pc:cxnChg chg="add del mod">
+          <ac:chgData name="Fatima Pillosu" userId="a6295d4dc9e22643" providerId="LiveId" clId="{5928BA55-6FB3-4F80-AC13-23BF3D40610D}" dt="2024-06-25T23:23:02.631" v="3730" actId="21"/>
+          <ac:cxnSpMkLst>
+            <pc:docMk/>
+            <pc:sldMk cId="3057408396" sldId="257"/>
+            <ac:cxnSpMk id="56" creationId="{1AD2978C-C503-905D-5B03-C0742A5AE79D}"/>
+          </ac:cxnSpMkLst>
+        </pc:cxnChg>
+        <pc:cxnChg chg="add del mod">
+          <ac:chgData name="Fatima Pillosu" userId="a6295d4dc9e22643" providerId="LiveId" clId="{5928BA55-6FB3-4F80-AC13-23BF3D40610D}" dt="2024-06-25T21:38:27.898" v="1316" actId="478"/>
+          <ac:cxnSpMkLst>
+            <pc:docMk/>
+            <pc:sldMk cId="3057408396" sldId="257"/>
+            <ac:cxnSpMk id="57" creationId="{DEAD5DA7-EDEA-6CCC-0CBF-E4431A63D180}"/>
+          </ac:cxnSpMkLst>
+        </pc:cxnChg>
+        <pc:cxnChg chg="add mod">
+          <ac:chgData name="Fatima Pillosu" userId="a6295d4dc9e22643" providerId="LiveId" clId="{5928BA55-6FB3-4F80-AC13-23BF3D40610D}" dt="2024-06-25T22:27:02.307" v="1864" actId="1076"/>
+          <ac:cxnSpMkLst>
+            <pc:docMk/>
+            <pc:sldMk cId="3057408396" sldId="257"/>
+            <ac:cxnSpMk id="59" creationId="{CE598DF4-E96B-F0BB-75E5-B97CE43F6BF7}"/>
+          </ac:cxnSpMkLst>
+        </pc:cxnChg>
+        <pc:cxnChg chg="add mod">
+          <ac:chgData name="Fatima Pillosu" userId="a6295d4dc9e22643" providerId="LiveId" clId="{5928BA55-6FB3-4F80-AC13-23BF3D40610D}" dt="2024-06-25T22:27:02.307" v="1864" actId="1076"/>
+          <ac:cxnSpMkLst>
+            <pc:docMk/>
+            <pc:sldMk cId="3057408396" sldId="257"/>
+            <ac:cxnSpMk id="63" creationId="{349424BE-7B89-FEF7-5F82-5C7A5D9A5E27}"/>
+          </ac:cxnSpMkLst>
+        </pc:cxnChg>
+        <pc:cxnChg chg="add del mod">
+          <ac:chgData name="Fatima Pillosu" userId="a6295d4dc9e22643" providerId="LiveId" clId="{5928BA55-6FB3-4F80-AC13-23BF3D40610D}" dt="2024-06-25T22:27:20.645" v="1867" actId="478"/>
+          <ac:cxnSpMkLst>
+            <pc:docMk/>
+            <pc:sldMk cId="3057408396" sldId="257"/>
+            <ac:cxnSpMk id="66" creationId="{28F3FD33-944A-F359-846B-2D4E447B0935}"/>
+          </ac:cxnSpMkLst>
+        </pc:cxnChg>
+        <pc:cxnChg chg="add del mod">
+          <ac:chgData name="Fatima Pillosu" userId="a6295d4dc9e22643" providerId="LiveId" clId="{5928BA55-6FB3-4F80-AC13-23BF3D40610D}" dt="2024-06-25T23:23:02.631" v="3730" actId="21"/>
+          <ac:cxnSpMkLst>
+            <pc:docMk/>
+            <pc:sldMk cId="3057408396" sldId="257"/>
+            <ac:cxnSpMk id="67" creationId="{E9F60F6C-7378-0BA3-D696-FA2F3345FFD3}"/>
+          </ac:cxnSpMkLst>
+        </pc:cxnChg>
+        <pc:cxnChg chg="add del mod">
+          <ac:chgData name="Fatima Pillosu" userId="a6295d4dc9e22643" providerId="LiveId" clId="{5928BA55-6FB3-4F80-AC13-23BF3D40610D}" dt="2024-06-25T23:23:02.631" v="3730" actId="21"/>
+          <ac:cxnSpMkLst>
+            <pc:docMk/>
+            <pc:sldMk cId="3057408396" sldId="257"/>
+            <ac:cxnSpMk id="71" creationId="{497E247F-3CF0-770F-3806-8C1410971F93}"/>
+          </ac:cxnSpMkLst>
+        </pc:cxnChg>
+        <pc:cxnChg chg="add del mod">
+          <ac:chgData name="Fatima Pillosu" userId="a6295d4dc9e22643" providerId="LiveId" clId="{5928BA55-6FB3-4F80-AC13-23BF3D40610D}" dt="2024-06-25T23:23:02.631" v="3730" actId="21"/>
+          <ac:cxnSpMkLst>
+            <pc:docMk/>
+            <pc:sldMk cId="3057408396" sldId="257"/>
+            <ac:cxnSpMk id="72" creationId="{391CE21E-7C9D-DAF2-E36C-ECEFAEA4D6C0}"/>
+          </ac:cxnSpMkLst>
+        </pc:cxnChg>
+        <pc:cxnChg chg="add del mod">
+          <ac:chgData name="Fatima Pillosu" userId="a6295d4dc9e22643" providerId="LiveId" clId="{5928BA55-6FB3-4F80-AC13-23BF3D40610D}" dt="2024-06-25T23:10:59.889" v="2853" actId="478"/>
+          <ac:cxnSpMkLst>
+            <pc:docMk/>
+            <pc:sldMk cId="3057408396" sldId="257"/>
+            <ac:cxnSpMk id="80" creationId="{7F625EE0-4A87-3BCD-1BB1-946DA8E81E1F}"/>
+          </ac:cxnSpMkLst>
+        </pc:cxnChg>
+        <pc:cxnChg chg="add del mod">
+          <ac:chgData name="Fatima Pillosu" userId="a6295d4dc9e22643" providerId="LiveId" clId="{5928BA55-6FB3-4F80-AC13-23BF3D40610D}" dt="2024-06-25T23:11:00.579" v="2854" actId="478"/>
+          <ac:cxnSpMkLst>
+            <pc:docMk/>
+            <pc:sldMk cId="3057408396" sldId="257"/>
+            <ac:cxnSpMk id="81" creationId="{A27D153E-9D91-B213-07FB-2C2660816CD7}"/>
+          </ac:cxnSpMkLst>
+        </pc:cxnChg>
+        <pc:cxnChg chg="add del mod">
+          <ac:chgData name="Fatima Pillosu" userId="a6295d4dc9e22643" providerId="LiveId" clId="{5928BA55-6FB3-4F80-AC13-23BF3D40610D}" dt="2024-06-25T23:23:02.631" v="3730" actId="21"/>
+          <ac:cxnSpMkLst>
+            <pc:docMk/>
+            <pc:sldMk cId="3057408396" sldId="257"/>
+            <ac:cxnSpMk id="93" creationId="{02D0AC72-C5BF-1C41-A4D0-D77F47657142}"/>
+          </ac:cxnSpMkLst>
+        </pc:cxnChg>
+        <pc:cxnChg chg="add del mod">
+          <ac:chgData name="Fatima Pillosu" userId="a6295d4dc9e22643" providerId="LiveId" clId="{5928BA55-6FB3-4F80-AC13-23BF3D40610D}" dt="2024-06-25T23:23:02.631" v="3730" actId="21"/>
+          <ac:cxnSpMkLst>
+            <pc:docMk/>
+            <pc:sldMk cId="3057408396" sldId="257"/>
+            <ac:cxnSpMk id="94" creationId="{6E8AB20D-A29A-A2E0-4EC6-A6AA88A3954F}"/>
+          </ac:cxnSpMkLst>
+        </pc:cxnChg>
+        <pc:cxnChg chg="add del mod">
+          <ac:chgData name="Fatima Pillosu" userId="a6295d4dc9e22643" providerId="LiveId" clId="{5928BA55-6FB3-4F80-AC13-23BF3D40610D}" dt="2024-06-25T23:23:02.631" v="3730" actId="21"/>
+          <ac:cxnSpMkLst>
+            <pc:docMk/>
+            <pc:sldMk cId="3057408396" sldId="257"/>
+            <ac:cxnSpMk id="97" creationId="{84624E8B-8DAD-D9B8-E638-17696A7A5CCE}"/>
+          </ac:cxnSpMkLst>
+        </pc:cxnChg>
+        <pc:cxnChg chg="add del mod">
+          <ac:chgData name="Fatima Pillosu" userId="a6295d4dc9e22643" providerId="LiveId" clId="{5928BA55-6FB3-4F80-AC13-23BF3D40610D}" dt="2024-06-25T23:00:07.524" v="2509" actId="478"/>
+          <ac:cxnSpMkLst>
+            <pc:docMk/>
+            <pc:sldMk cId="3057408396" sldId="257"/>
+            <ac:cxnSpMk id="101" creationId="{E26F8BFE-F0FE-4DDB-4CE8-4FF20FD7B1B4}"/>
+          </ac:cxnSpMkLst>
+        </pc:cxnChg>
+        <pc:cxnChg chg="add del mod">
+          <ac:chgData name="Fatima Pillosu" userId="a6295d4dc9e22643" providerId="LiveId" clId="{5928BA55-6FB3-4F80-AC13-23BF3D40610D}" dt="2024-06-25T23:00:07.524" v="2509" actId="478"/>
+          <ac:cxnSpMkLst>
+            <pc:docMk/>
+            <pc:sldMk cId="3057408396" sldId="257"/>
+            <ac:cxnSpMk id="102" creationId="{E9960B2C-1606-24DC-BC8A-7563178A8006}"/>
+          </ac:cxnSpMkLst>
+        </pc:cxnChg>
+        <pc:cxnChg chg="add mod">
+          <ac:chgData name="Fatima Pillosu" userId="a6295d4dc9e22643" providerId="LiveId" clId="{5928BA55-6FB3-4F80-AC13-23BF3D40610D}" dt="2024-06-25T23:00:17.595" v="2512" actId="208"/>
+          <ac:cxnSpMkLst>
+            <pc:docMk/>
+            <pc:sldMk cId="3057408396" sldId="257"/>
+            <ac:cxnSpMk id="114" creationId="{407D85A0-DECF-3E3A-DE56-7BBD2338A84E}"/>
+          </ac:cxnSpMkLst>
+        </pc:cxnChg>
+        <pc:cxnChg chg="add mod">
+          <ac:chgData name="Fatima Pillosu" userId="a6295d4dc9e22643" providerId="LiveId" clId="{5928BA55-6FB3-4F80-AC13-23BF3D40610D}" dt="2024-06-25T23:00:17.595" v="2512" actId="208"/>
+          <ac:cxnSpMkLst>
+            <pc:docMk/>
+            <pc:sldMk cId="3057408396" sldId="257"/>
+            <ac:cxnSpMk id="115" creationId="{D434E6CA-8A18-7190-B146-70D8ED5A1A24}"/>
+          </ac:cxnSpMkLst>
+        </pc:cxnChg>
+        <pc:cxnChg chg="mod">
+          <ac:chgData name="Fatima Pillosu" userId="a6295d4dc9e22643" providerId="LiveId" clId="{5928BA55-6FB3-4F80-AC13-23BF3D40610D}" dt="2024-06-25T23:11:20.614" v="2860" actId="208"/>
+          <ac:cxnSpMkLst>
+            <pc:docMk/>
+            <pc:sldMk cId="3057408396" sldId="257"/>
+            <ac:cxnSpMk id="118" creationId="{4B268FF7-940B-2737-A2A3-F47F37DC1988}"/>
+          </ac:cxnSpMkLst>
+        </pc:cxnChg>
+        <pc:cxnChg chg="mod">
+          <ac:chgData name="Fatima Pillosu" userId="a6295d4dc9e22643" providerId="LiveId" clId="{5928BA55-6FB3-4F80-AC13-23BF3D40610D}" dt="2024-06-25T23:11:20.614" v="2860" actId="208"/>
+          <ac:cxnSpMkLst>
+            <pc:docMk/>
+            <pc:sldMk cId="3057408396" sldId="257"/>
+            <ac:cxnSpMk id="119" creationId="{213DC4A1-F2F5-5216-79E5-30723A5E97A1}"/>
+          </ac:cxnSpMkLst>
+        </pc:cxnChg>
+        <pc:cxnChg chg="mod">
+          <ac:chgData name="Fatima Pillosu" userId="a6295d4dc9e22643" providerId="LiveId" clId="{5928BA55-6FB3-4F80-AC13-23BF3D40610D}" dt="2024-06-25T23:11:23.197" v="2861"/>
+          <ac:cxnSpMkLst>
+            <pc:docMk/>
+            <pc:sldMk cId="3057408396" sldId="257"/>
+            <ac:cxnSpMk id="121" creationId="{57C350C0-8487-D87F-7881-398FF5D50F11}"/>
+          </ac:cxnSpMkLst>
+        </pc:cxnChg>
+        <pc:cxnChg chg="mod">
+          <ac:chgData name="Fatima Pillosu" userId="a6295d4dc9e22643" providerId="LiveId" clId="{5928BA55-6FB3-4F80-AC13-23BF3D40610D}" dt="2024-06-25T23:11:23.197" v="2861"/>
+          <ac:cxnSpMkLst>
+            <pc:docMk/>
+            <pc:sldMk cId="3057408396" sldId="257"/>
+            <ac:cxnSpMk id="122" creationId="{02C53052-3516-05ED-CD1F-AD393C682869}"/>
+          </ac:cxnSpMkLst>
+        </pc:cxnChg>
+        <pc:cxnChg chg="add mod">
+          <ac:chgData name="Fatima Pillosu" userId="a6295d4dc9e22643" providerId="LiveId" clId="{5928BA55-6FB3-4F80-AC13-23BF3D40610D}" dt="2024-06-25T23:23:14.261" v="3731"/>
+          <ac:cxnSpMkLst>
+            <pc:docMk/>
+            <pc:sldMk cId="3057408396" sldId="257"/>
+            <ac:cxnSpMk id="148" creationId="{2AB91E0F-5D95-AD51-BE00-C548CBC0D10E}"/>
+          </ac:cxnSpMkLst>
+        </pc:cxnChg>
+        <pc:cxnChg chg="add mod">
+          <ac:chgData name="Fatima Pillosu" userId="a6295d4dc9e22643" providerId="LiveId" clId="{5928BA55-6FB3-4F80-AC13-23BF3D40610D}" dt="2024-06-25T23:23:14.261" v="3731"/>
+          <ac:cxnSpMkLst>
+            <pc:docMk/>
+            <pc:sldMk cId="3057408396" sldId="257"/>
+            <ac:cxnSpMk id="149" creationId="{1AD2978C-C503-905D-5B03-C0742A5AE79D}"/>
+          </ac:cxnSpMkLst>
+        </pc:cxnChg>
+        <pc:cxnChg chg="add mod">
+          <ac:chgData name="Fatima Pillosu" userId="a6295d4dc9e22643" providerId="LiveId" clId="{5928BA55-6FB3-4F80-AC13-23BF3D40610D}" dt="2024-06-25T23:23:14.261" v="3731"/>
+          <ac:cxnSpMkLst>
+            <pc:docMk/>
+            <pc:sldMk cId="3057408396" sldId="257"/>
+            <ac:cxnSpMk id="152" creationId="{E9F60F6C-7378-0BA3-D696-FA2F3345FFD3}"/>
+          </ac:cxnSpMkLst>
+        </pc:cxnChg>
+        <pc:cxnChg chg="add mod">
+          <ac:chgData name="Fatima Pillosu" userId="a6295d4dc9e22643" providerId="LiveId" clId="{5928BA55-6FB3-4F80-AC13-23BF3D40610D}" dt="2024-06-25T23:23:14.261" v="3731"/>
+          <ac:cxnSpMkLst>
+            <pc:docMk/>
+            <pc:sldMk cId="3057408396" sldId="257"/>
+            <ac:cxnSpMk id="156" creationId="{497E247F-3CF0-770F-3806-8C1410971F93}"/>
+          </ac:cxnSpMkLst>
+        </pc:cxnChg>
+        <pc:cxnChg chg="add mod">
+          <ac:chgData name="Fatima Pillosu" userId="a6295d4dc9e22643" providerId="LiveId" clId="{5928BA55-6FB3-4F80-AC13-23BF3D40610D}" dt="2024-06-25T23:23:14.261" v="3731"/>
+          <ac:cxnSpMkLst>
+            <pc:docMk/>
+            <pc:sldMk cId="3057408396" sldId="257"/>
+            <ac:cxnSpMk id="157" creationId="{391CE21E-7C9D-DAF2-E36C-ECEFAEA4D6C0}"/>
+          </ac:cxnSpMkLst>
+        </pc:cxnChg>
+        <pc:cxnChg chg="add mod">
+          <ac:chgData name="Fatima Pillosu" userId="a6295d4dc9e22643" providerId="LiveId" clId="{5928BA55-6FB3-4F80-AC13-23BF3D40610D}" dt="2024-06-25T23:23:14.261" v="3731"/>
+          <ac:cxnSpMkLst>
+            <pc:docMk/>
+            <pc:sldMk cId="3057408396" sldId="257"/>
+            <ac:cxnSpMk id="164" creationId="{02D0AC72-C5BF-1C41-A4D0-D77F47657142}"/>
+          </ac:cxnSpMkLst>
+        </pc:cxnChg>
+        <pc:cxnChg chg="add mod">
+          <ac:chgData name="Fatima Pillosu" userId="a6295d4dc9e22643" providerId="LiveId" clId="{5928BA55-6FB3-4F80-AC13-23BF3D40610D}" dt="2024-06-25T23:23:14.261" v="3731"/>
+          <ac:cxnSpMkLst>
+            <pc:docMk/>
+            <pc:sldMk cId="3057408396" sldId="257"/>
+            <ac:cxnSpMk id="165" creationId="{6E8AB20D-A29A-A2E0-4EC6-A6AA88A3954F}"/>
+          </ac:cxnSpMkLst>
+        </pc:cxnChg>
+        <pc:cxnChg chg="add mod">
+          <ac:chgData name="Fatima Pillosu" userId="a6295d4dc9e22643" providerId="LiveId" clId="{5928BA55-6FB3-4F80-AC13-23BF3D40610D}" dt="2024-06-25T23:23:14.261" v="3731"/>
+          <ac:cxnSpMkLst>
+            <pc:docMk/>
+            <pc:sldMk cId="3057408396" sldId="257"/>
+            <ac:cxnSpMk id="168" creationId="{84624E8B-8DAD-D9B8-E638-17696A7A5CCE}"/>
+          </ac:cxnSpMkLst>
+        </pc:cxnChg>
+        <pc:cxnChg chg="mod">
+          <ac:chgData name="Fatima Pillosu" userId="a6295d4dc9e22643" providerId="LiveId" clId="{5928BA55-6FB3-4F80-AC13-23BF3D40610D}" dt="2024-06-25T23:23:14.261" v="3731"/>
+          <ac:cxnSpMkLst>
+            <pc:docMk/>
+            <pc:sldMk cId="3057408396" sldId="257"/>
+            <ac:cxnSpMk id="175" creationId="{407D85A0-DECF-3E3A-DE56-7BBD2338A84E}"/>
+          </ac:cxnSpMkLst>
+        </pc:cxnChg>
+        <pc:cxnChg chg="mod">
+          <ac:chgData name="Fatima Pillosu" userId="a6295d4dc9e22643" providerId="LiveId" clId="{5928BA55-6FB3-4F80-AC13-23BF3D40610D}" dt="2024-06-25T23:23:14.261" v="3731"/>
+          <ac:cxnSpMkLst>
+            <pc:docMk/>
+            <pc:sldMk cId="3057408396" sldId="257"/>
+            <ac:cxnSpMk id="176" creationId="{D434E6CA-8A18-7190-B146-70D8ED5A1A24}"/>
+          </ac:cxnSpMkLst>
+        </pc:cxnChg>
+        <pc:cxnChg chg="mod">
+          <ac:chgData name="Fatima Pillosu" userId="a6295d4dc9e22643" providerId="LiveId" clId="{5928BA55-6FB3-4F80-AC13-23BF3D40610D}" dt="2024-06-25T23:23:14.261" v="3731"/>
+          <ac:cxnSpMkLst>
+            <pc:docMk/>
+            <pc:sldMk cId="3057408396" sldId="257"/>
+            <ac:cxnSpMk id="178" creationId="{4B268FF7-940B-2737-A2A3-F47F37DC1988}"/>
+          </ac:cxnSpMkLst>
+        </pc:cxnChg>
+        <pc:cxnChg chg="mod">
+          <ac:chgData name="Fatima Pillosu" userId="a6295d4dc9e22643" providerId="LiveId" clId="{5928BA55-6FB3-4F80-AC13-23BF3D40610D}" dt="2024-06-25T23:23:14.261" v="3731"/>
+          <ac:cxnSpMkLst>
+            <pc:docMk/>
+            <pc:sldMk cId="3057408396" sldId="257"/>
+            <ac:cxnSpMk id="179" creationId="{213DC4A1-F2F5-5216-79E5-30723A5E97A1}"/>
+          </ac:cxnSpMkLst>
+        </pc:cxnChg>
+        <pc:cxnChg chg="mod">
+          <ac:chgData name="Fatima Pillosu" userId="a6295d4dc9e22643" providerId="LiveId" clId="{5928BA55-6FB3-4F80-AC13-23BF3D40610D}" dt="2024-06-25T23:23:14.261" v="3731"/>
+          <ac:cxnSpMkLst>
+            <pc:docMk/>
+            <pc:sldMk cId="3057408396" sldId="257"/>
+            <ac:cxnSpMk id="181" creationId="{57C350C0-8487-D87F-7881-398FF5D50F11}"/>
+          </ac:cxnSpMkLst>
+        </pc:cxnChg>
+        <pc:cxnChg chg="mod">
+          <ac:chgData name="Fatima Pillosu" userId="a6295d4dc9e22643" providerId="LiveId" clId="{5928BA55-6FB3-4F80-AC13-23BF3D40610D}" dt="2024-06-25T23:23:14.261" v="3731"/>
+          <ac:cxnSpMkLst>
+            <pc:docMk/>
+            <pc:sldMk cId="3057408396" sldId="257"/>
+            <ac:cxnSpMk id="182" creationId="{02C53052-3516-05ED-CD1F-AD393C682869}"/>
+          </ac:cxnSpMkLst>
+        </pc:cxnChg>
+      </pc:sldChg>
+    </pc:docChg>
+  </pc:docChgLst>
+  <pc:docChgLst>
+    <pc:chgData name="Fatima Pillosu" userId="a6295d4dc9e22643" providerId="LiveId" clId="{3F0F2129-3F7F-4433-85F0-D5B519152AFC}"/>
+    <pc:docChg chg="modSld">
+      <pc:chgData name="Fatima Pillosu" userId="a6295d4dc9e22643" providerId="LiveId" clId="{3F0F2129-3F7F-4433-85F0-D5B519152AFC}" dt="2024-05-10T10:58:55.775" v="2" actId="1076"/>
+      <pc:docMkLst>
+        <pc:docMk/>
+      </pc:docMkLst>
+      <pc:sldChg chg="modSp mod">
+        <pc:chgData name="Fatima Pillosu" userId="a6295d4dc9e22643" providerId="LiveId" clId="{3F0F2129-3F7F-4433-85F0-D5B519152AFC}" dt="2024-05-10T10:58:55.775" v="2" actId="1076"/>
+        <pc:sldMkLst>
+          <pc:docMk/>
+          <pc:sldMk cId="3526088048" sldId="256"/>
+        </pc:sldMkLst>
+        <pc:spChg chg="mod">
+          <ac:chgData name="Fatima Pillosu" userId="a6295d4dc9e22643" providerId="LiveId" clId="{3F0F2129-3F7F-4433-85F0-D5B519152AFC}" dt="2024-05-10T10:58:55.775" v="2" actId="1076"/>
+          <ac:spMkLst>
+            <pc:docMk/>
+            <pc:sldMk cId="3526088048" sldId="256"/>
+            <ac:spMk id="157" creationId="{28013E36-5A51-5F57-A384-156C14241051}"/>
+          </ac:spMkLst>
+        </pc:spChg>
+        <pc:picChg chg="mod">
+          <ac:chgData name="Fatima Pillosu" userId="a6295d4dc9e22643" providerId="LiveId" clId="{3F0F2129-3F7F-4433-85F0-D5B519152AFC}" dt="2024-05-10T10:58:26.087" v="0" actId="1076"/>
+          <ac:picMkLst>
+            <pc:docMk/>
+            <pc:sldMk cId="3526088048" sldId="256"/>
+            <ac:picMk id="123" creationId="{9E2135DE-F3E2-B9AE-0158-33F5A4D8DBC9}"/>
+          </ac:picMkLst>
+        </pc:picChg>
       </pc:sldChg>
     </pc:docChg>
   </pc:docChgLst>
@@ -1293,15 +3442,15 @@
         </p:nvSpPr>
         <p:spPr>
           <a:xfrm>
-            <a:off x="514350" y="1621191"/>
-            <a:ext cx="5829300" cy="3448756"/>
+            <a:off x="514350" y="757075"/>
+            <a:ext cx="5829300" cy="1610525"/>
           </a:xfrm>
         </p:spPr>
         <p:txBody>
           <a:bodyPr anchor="b"/>
           <a:lstStyle>
             <a:lvl1pPr algn="ctr">
-              <a:defRPr sz="4500"/>
+              <a:defRPr sz="4047"/>
             </a:lvl1pPr>
           </a:lstStyle>
           <a:p>
@@ -1325,8 +3474,8 @@
         </p:nvSpPr>
         <p:spPr>
           <a:xfrm>
-            <a:off x="857250" y="5202944"/>
-            <a:ext cx="5143500" cy="2391656"/>
+            <a:off x="857250" y="2429708"/>
+            <a:ext cx="5143500" cy="1116873"/>
           </a:xfrm>
         </p:spPr>
         <p:txBody>
@@ -1334,39 +3483,39 @@
           <a:lstStyle>
             <a:lvl1pPr marL="0" indent="0" algn="ctr">
               <a:buNone/>
-              <a:defRPr sz="1800"/>
+              <a:defRPr sz="1619"/>
             </a:lvl1pPr>
-            <a:lvl2pPr marL="342900" indent="0" algn="ctr">
+            <a:lvl2pPr marL="308381" indent="0" algn="ctr">
               <a:buNone/>
-              <a:defRPr sz="1500"/>
+              <a:defRPr sz="1349"/>
             </a:lvl2pPr>
-            <a:lvl3pPr marL="685800" indent="0" algn="ctr">
+            <a:lvl3pPr marL="616763" indent="0" algn="ctr">
               <a:buNone/>
-              <a:defRPr sz="1350"/>
+              <a:defRPr sz="1214"/>
             </a:lvl3pPr>
-            <a:lvl4pPr marL="1028700" indent="0" algn="ctr">
+            <a:lvl4pPr marL="925144" indent="0" algn="ctr">
               <a:buNone/>
-              <a:defRPr sz="1200"/>
+              <a:defRPr sz="1079"/>
             </a:lvl4pPr>
-            <a:lvl5pPr marL="1371600" indent="0" algn="ctr">
+            <a:lvl5pPr marL="1233526" indent="0" algn="ctr">
               <a:buNone/>
-              <a:defRPr sz="1200"/>
+              <a:defRPr sz="1079"/>
             </a:lvl5pPr>
-            <a:lvl6pPr marL="1714500" indent="0" algn="ctr">
+            <a:lvl6pPr marL="1541907" indent="0" algn="ctr">
               <a:buNone/>
-              <a:defRPr sz="1200"/>
+              <a:defRPr sz="1079"/>
             </a:lvl6pPr>
-            <a:lvl7pPr marL="2057400" indent="0" algn="ctr">
+            <a:lvl7pPr marL="1850288" indent="0" algn="ctr">
               <a:buNone/>
-              <a:defRPr sz="1200"/>
+              <a:defRPr sz="1079"/>
             </a:lvl7pPr>
-            <a:lvl8pPr marL="2400300" indent="0" algn="ctr">
+            <a:lvl8pPr marL="2158670" indent="0" algn="ctr">
               <a:buNone/>
-              <a:defRPr sz="1200"/>
+              <a:defRPr sz="1079"/>
             </a:lvl8pPr>
-            <a:lvl9pPr marL="2743200" indent="0" algn="ctr">
+            <a:lvl9pPr marL="2467051" indent="0" algn="ctr">
               <a:buNone/>
-              <a:defRPr sz="1200"/>
+              <a:defRPr sz="1079"/>
             </a:lvl9pPr>
           </a:lstStyle>
           <a:p>
@@ -1395,7 +3544,7 @@
           <a:p>
             <a:fld id="{BD7299AB-88A0-4A87-B840-A4656B9BE576}" type="datetimeFigureOut">
               <a:rPr lang="en-GB" smtClean="0"/>
-              <a:t>20/04/2024</a:t>
+              <a:t>25/06/2024</a:t>
             </a:fld>
             <a:endParaRPr lang="en-GB"/>
           </a:p>
@@ -1446,7 +3595,7 @@
     </p:spTree>
     <p:extLst>
       <p:ext uri="{BB962C8B-B14F-4D97-AF65-F5344CB8AC3E}">
-        <p14:creationId xmlns:p14="http://schemas.microsoft.com/office/powerpoint/2010/main" val="2402908940"/>
+        <p14:creationId xmlns:p14="http://schemas.microsoft.com/office/powerpoint/2010/main" val="164907766"/>
       </p:ext>
     </p:extLst>
   </p:cSld>
@@ -1565,7 +3714,7 @@
           <a:p>
             <a:fld id="{BD7299AB-88A0-4A87-B840-A4656B9BE576}" type="datetimeFigureOut">
               <a:rPr lang="en-GB" smtClean="0"/>
-              <a:t>20/04/2024</a:t>
+              <a:t>25/06/2024</a:t>
             </a:fld>
             <a:endParaRPr lang="en-GB"/>
           </a:p>
@@ -1616,7 +3765,7 @@
     </p:spTree>
     <p:extLst>
       <p:ext uri="{BB962C8B-B14F-4D97-AF65-F5344CB8AC3E}">
-        <p14:creationId xmlns:p14="http://schemas.microsoft.com/office/powerpoint/2010/main" val="3993872149"/>
+        <p14:creationId xmlns:p14="http://schemas.microsoft.com/office/powerpoint/2010/main" val="475190595"/>
       </p:ext>
     </p:extLst>
   </p:cSld>
@@ -1655,8 +3804,8 @@
         </p:nvSpPr>
         <p:spPr>
           <a:xfrm>
-            <a:off x="4907757" y="527403"/>
-            <a:ext cx="1478756" cy="8394877"/>
+            <a:off x="4907757" y="246290"/>
+            <a:ext cx="1478756" cy="3920300"/>
           </a:xfrm>
         </p:spPr>
         <p:txBody>
@@ -1683,8 +3832,8 @@
         </p:nvSpPr>
         <p:spPr>
           <a:xfrm>
-            <a:off x="471488" y="527403"/>
-            <a:ext cx="4350544" cy="8394877"/>
+            <a:off x="471488" y="246290"/>
+            <a:ext cx="4350544" cy="3920300"/>
           </a:xfrm>
         </p:spPr>
         <p:txBody>
@@ -1745,7 +3894,7 @@
           <a:p>
             <a:fld id="{BD7299AB-88A0-4A87-B840-A4656B9BE576}" type="datetimeFigureOut">
               <a:rPr lang="en-GB" smtClean="0"/>
-              <a:t>20/04/2024</a:t>
+              <a:t>25/06/2024</a:t>
             </a:fld>
             <a:endParaRPr lang="en-GB"/>
           </a:p>
@@ -1796,7 +3945,7 @@
     </p:spTree>
     <p:extLst>
       <p:ext uri="{BB962C8B-B14F-4D97-AF65-F5344CB8AC3E}">
-        <p14:creationId xmlns:p14="http://schemas.microsoft.com/office/powerpoint/2010/main" val="258116176"/>
+        <p14:creationId xmlns:p14="http://schemas.microsoft.com/office/powerpoint/2010/main" val="1020867253"/>
       </p:ext>
     </p:extLst>
   </p:cSld>
@@ -1915,7 +4064,7 @@
           <a:p>
             <a:fld id="{BD7299AB-88A0-4A87-B840-A4656B9BE576}" type="datetimeFigureOut">
               <a:rPr lang="en-GB" smtClean="0"/>
-              <a:t>20/04/2024</a:t>
+              <a:t>25/06/2024</a:t>
             </a:fld>
             <a:endParaRPr lang="en-GB"/>
           </a:p>
@@ -1966,7 +4115,7 @@
     </p:spTree>
     <p:extLst>
       <p:ext uri="{BB962C8B-B14F-4D97-AF65-F5344CB8AC3E}">
-        <p14:creationId xmlns:p14="http://schemas.microsoft.com/office/powerpoint/2010/main" val="3838210504"/>
+        <p14:creationId xmlns:p14="http://schemas.microsoft.com/office/powerpoint/2010/main" val="142244617"/>
       </p:ext>
     </p:extLst>
   </p:cSld>
@@ -2005,15 +4154,15 @@
         </p:nvSpPr>
         <p:spPr>
           <a:xfrm>
-            <a:off x="467916" y="2469624"/>
-            <a:ext cx="5915025" cy="4120620"/>
+            <a:off x="467916" y="1153282"/>
+            <a:ext cx="5915025" cy="1924277"/>
           </a:xfrm>
         </p:spPr>
         <p:txBody>
           <a:bodyPr anchor="b"/>
           <a:lstStyle>
             <a:lvl1pPr>
-              <a:defRPr sz="4500"/>
+              <a:defRPr sz="4047"/>
             </a:lvl1pPr>
           </a:lstStyle>
           <a:p>
@@ -2037,8 +4186,8 @@
         </p:nvSpPr>
         <p:spPr>
           <a:xfrm>
-            <a:off x="467916" y="6629226"/>
-            <a:ext cx="5915025" cy="2166937"/>
+            <a:off x="467916" y="3095764"/>
+            <a:ext cx="5915025" cy="1011932"/>
           </a:xfrm>
         </p:spPr>
         <p:txBody>
@@ -2046,15 +4195,15 @@
           <a:lstStyle>
             <a:lvl1pPr marL="0" indent="0">
               <a:buNone/>
-              <a:defRPr sz="1800">
+              <a:defRPr sz="1619">
                 <a:solidFill>
                   <a:schemeClr val="tx1"/>
                 </a:solidFill>
               </a:defRPr>
             </a:lvl1pPr>
-            <a:lvl2pPr marL="342900" indent="0">
+            <a:lvl2pPr marL="308381" indent="0">
               <a:buNone/>
-              <a:defRPr sz="1500">
+              <a:defRPr sz="1349">
                 <a:solidFill>
                   <a:schemeClr val="tx1">
                     <a:tint val="75000"/>
@@ -2062,9 +4211,9 @@
                 </a:solidFill>
               </a:defRPr>
             </a:lvl2pPr>
-            <a:lvl3pPr marL="685800" indent="0">
+            <a:lvl3pPr marL="616763" indent="0">
               <a:buNone/>
-              <a:defRPr sz="1350">
+              <a:defRPr sz="1214">
                 <a:solidFill>
                   <a:schemeClr val="tx1">
                     <a:tint val="75000"/>
@@ -2072,9 +4221,9 @@
                 </a:solidFill>
               </a:defRPr>
             </a:lvl3pPr>
-            <a:lvl4pPr marL="1028700" indent="0">
+            <a:lvl4pPr marL="925144" indent="0">
               <a:buNone/>
-              <a:defRPr sz="1200">
+              <a:defRPr sz="1079">
                 <a:solidFill>
                   <a:schemeClr val="tx1">
                     <a:tint val="75000"/>
@@ -2082,9 +4231,9 @@
                 </a:solidFill>
               </a:defRPr>
             </a:lvl4pPr>
-            <a:lvl5pPr marL="1371600" indent="0">
+            <a:lvl5pPr marL="1233526" indent="0">
               <a:buNone/>
-              <a:defRPr sz="1200">
+              <a:defRPr sz="1079">
                 <a:solidFill>
                   <a:schemeClr val="tx1">
                     <a:tint val="75000"/>
@@ -2092,9 +4241,9 @@
                 </a:solidFill>
               </a:defRPr>
             </a:lvl5pPr>
-            <a:lvl6pPr marL="1714500" indent="0">
+            <a:lvl6pPr marL="1541907" indent="0">
               <a:buNone/>
-              <a:defRPr sz="1200">
+              <a:defRPr sz="1079">
                 <a:solidFill>
                   <a:schemeClr val="tx1">
                     <a:tint val="75000"/>
@@ -2102,9 +4251,9 @@
                 </a:solidFill>
               </a:defRPr>
             </a:lvl6pPr>
-            <a:lvl7pPr marL="2057400" indent="0">
+            <a:lvl7pPr marL="1850288" indent="0">
               <a:buNone/>
-              <a:defRPr sz="1200">
+              <a:defRPr sz="1079">
                 <a:solidFill>
                   <a:schemeClr val="tx1">
                     <a:tint val="75000"/>
@@ -2112,9 +4261,9 @@
                 </a:solidFill>
               </a:defRPr>
             </a:lvl7pPr>
-            <a:lvl8pPr marL="2400300" indent="0">
+            <a:lvl8pPr marL="2158670" indent="0">
               <a:buNone/>
-              <a:defRPr sz="1200">
+              <a:defRPr sz="1079">
                 <a:solidFill>
                   <a:schemeClr val="tx1">
                     <a:tint val="75000"/>
@@ -2122,9 +4271,9 @@
                 </a:solidFill>
               </a:defRPr>
             </a:lvl8pPr>
-            <a:lvl9pPr marL="2743200" indent="0">
+            <a:lvl9pPr marL="2467051" indent="0">
               <a:buNone/>
-              <a:defRPr sz="1200">
+              <a:defRPr sz="1079">
                 <a:solidFill>
                   <a:schemeClr val="tx1">
                     <a:tint val="75000"/>
@@ -2159,7 +4308,7 @@
           <a:p>
             <a:fld id="{BD7299AB-88A0-4A87-B840-A4656B9BE576}" type="datetimeFigureOut">
               <a:rPr lang="en-GB" smtClean="0"/>
-              <a:t>20/04/2024</a:t>
+              <a:t>25/06/2024</a:t>
             </a:fld>
             <a:endParaRPr lang="en-GB"/>
           </a:p>
@@ -2210,7 +4359,7 @@
     </p:spTree>
     <p:extLst>
       <p:ext uri="{BB962C8B-B14F-4D97-AF65-F5344CB8AC3E}">
-        <p14:creationId xmlns:p14="http://schemas.microsoft.com/office/powerpoint/2010/main" val="3365035471"/>
+        <p14:creationId xmlns:p14="http://schemas.microsoft.com/office/powerpoint/2010/main" val="2601849330"/>
       </p:ext>
     </p:extLst>
   </p:cSld>
@@ -2272,8 +4421,8 @@
         </p:nvSpPr>
         <p:spPr>
           <a:xfrm>
-            <a:off x="471488" y="2637014"/>
-            <a:ext cx="2914650" cy="6285266"/>
+            <a:off x="471488" y="1231451"/>
+            <a:ext cx="2914650" cy="2935139"/>
           </a:xfrm>
         </p:spPr>
         <p:txBody>
@@ -2329,8 +4478,8 @@
         </p:nvSpPr>
         <p:spPr>
           <a:xfrm>
-            <a:off x="3471863" y="2637014"/>
-            <a:ext cx="2914650" cy="6285266"/>
+            <a:off x="3471863" y="1231451"/>
+            <a:ext cx="2914650" cy="2935139"/>
           </a:xfrm>
         </p:spPr>
         <p:txBody>
@@ -2391,7 +4540,7 @@
           <a:p>
             <a:fld id="{BD7299AB-88A0-4A87-B840-A4656B9BE576}" type="datetimeFigureOut">
               <a:rPr lang="en-GB" smtClean="0"/>
-              <a:t>20/04/2024</a:t>
+              <a:t>25/06/2024</a:t>
             </a:fld>
             <a:endParaRPr lang="en-GB"/>
           </a:p>
@@ -2442,7 +4591,7 @@
     </p:spTree>
     <p:extLst>
       <p:ext uri="{BB962C8B-B14F-4D97-AF65-F5344CB8AC3E}">
-        <p14:creationId xmlns:p14="http://schemas.microsoft.com/office/powerpoint/2010/main" val="518304661"/>
+        <p14:creationId xmlns:p14="http://schemas.microsoft.com/office/powerpoint/2010/main" val="1147626884"/>
       </p:ext>
     </p:extLst>
   </p:cSld>
@@ -2481,8 +4630,8 @@
         </p:nvSpPr>
         <p:spPr>
           <a:xfrm>
-            <a:off x="472381" y="527405"/>
-            <a:ext cx="5915025" cy="1914702"/>
+            <a:off x="472381" y="246292"/>
+            <a:ext cx="5915025" cy="894141"/>
           </a:xfrm>
         </p:spPr>
         <p:txBody>
@@ -2509,8 +4658,8 @@
         </p:nvSpPr>
         <p:spPr>
           <a:xfrm>
-            <a:off x="472381" y="2428347"/>
-            <a:ext cx="2901255" cy="1190095"/>
+            <a:off x="472381" y="1134007"/>
+            <a:ext cx="2901255" cy="555759"/>
           </a:xfrm>
         </p:spPr>
         <p:txBody>
@@ -2518,39 +4667,39 @@
           <a:lstStyle>
             <a:lvl1pPr marL="0" indent="0">
               <a:buNone/>
-              <a:defRPr sz="1800" b="1"/>
+              <a:defRPr sz="1619" b="1"/>
             </a:lvl1pPr>
-            <a:lvl2pPr marL="342900" indent="0">
+            <a:lvl2pPr marL="308381" indent="0">
               <a:buNone/>
-              <a:defRPr sz="1500" b="1"/>
+              <a:defRPr sz="1349" b="1"/>
             </a:lvl2pPr>
-            <a:lvl3pPr marL="685800" indent="0">
+            <a:lvl3pPr marL="616763" indent="0">
               <a:buNone/>
-              <a:defRPr sz="1350" b="1"/>
+              <a:defRPr sz="1214" b="1"/>
             </a:lvl3pPr>
-            <a:lvl4pPr marL="1028700" indent="0">
+            <a:lvl4pPr marL="925144" indent="0">
               <a:buNone/>
-              <a:defRPr sz="1200" b="1"/>
+              <a:defRPr sz="1079" b="1"/>
             </a:lvl4pPr>
-            <a:lvl5pPr marL="1371600" indent="0">
+            <a:lvl5pPr marL="1233526" indent="0">
               <a:buNone/>
-              <a:defRPr sz="1200" b="1"/>
+              <a:defRPr sz="1079" b="1"/>
             </a:lvl5pPr>
-            <a:lvl6pPr marL="1714500" indent="0">
+            <a:lvl6pPr marL="1541907" indent="0">
               <a:buNone/>
-              <a:defRPr sz="1200" b="1"/>
+              <a:defRPr sz="1079" b="1"/>
             </a:lvl6pPr>
-            <a:lvl7pPr marL="2057400" indent="0">
+            <a:lvl7pPr marL="1850288" indent="0">
               <a:buNone/>
-              <a:defRPr sz="1200" b="1"/>
+              <a:defRPr sz="1079" b="1"/>
             </a:lvl7pPr>
-            <a:lvl8pPr marL="2400300" indent="0">
+            <a:lvl8pPr marL="2158670" indent="0">
               <a:buNone/>
-              <a:defRPr sz="1200" b="1"/>
+              <a:defRPr sz="1079" b="1"/>
             </a:lvl8pPr>
-            <a:lvl9pPr marL="2743200" indent="0">
+            <a:lvl9pPr marL="2467051" indent="0">
               <a:buNone/>
-              <a:defRPr sz="1200" b="1"/>
+              <a:defRPr sz="1079" b="1"/>
             </a:lvl9pPr>
           </a:lstStyle>
           <a:p>
@@ -2574,8 +4723,8 @@
         </p:nvSpPr>
         <p:spPr>
           <a:xfrm>
-            <a:off x="472381" y="3618442"/>
-            <a:ext cx="2901255" cy="5322183"/>
+            <a:off x="472381" y="1689766"/>
+            <a:ext cx="2901255" cy="2485391"/>
           </a:xfrm>
         </p:spPr>
         <p:txBody>
@@ -2631,8 +4780,8 @@
         </p:nvSpPr>
         <p:spPr>
           <a:xfrm>
-            <a:off x="3471863" y="2428347"/>
-            <a:ext cx="2915543" cy="1190095"/>
+            <a:off x="3471863" y="1134007"/>
+            <a:ext cx="2915543" cy="555759"/>
           </a:xfrm>
         </p:spPr>
         <p:txBody>
@@ -2640,39 +4789,39 @@
           <a:lstStyle>
             <a:lvl1pPr marL="0" indent="0">
               <a:buNone/>
-              <a:defRPr sz="1800" b="1"/>
+              <a:defRPr sz="1619" b="1"/>
             </a:lvl1pPr>
-            <a:lvl2pPr marL="342900" indent="0">
+            <a:lvl2pPr marL="308381" indent="0">
               <a:buNone/>
-              <a:defRPr sz="1500" b="1"/>
+              <a:defRPr sz="1349" b="1"/>
             </a:lvl2pPr>
-            <a:lvl3pPr marL="685800" indent="0">
+            <a:lvl3pPr marL="616763" indent="0">
               <a:buNone/>
-              <a:defRPr sz="1350" b="1"/>
+              <a:defRPr sz="1214" b="1"/>
             </a:lvl3pPr>
-            <a:lvl4pPr marL="1028700" indent="0">
+            <a:lvl4pPr marL="925144" indent="0">
               <a:buNone/>
-              <a:defRPr sz="1200" b="1"/>
+              <a:defRPr sz="1079" b="1"/>
             </a:lvl4pPr>
-            <a:lvl5pPr marL="1371600" indent="0">
+            <a:lvl5pPr marL="1233526" indent="0">
               <a:buNone/>
-              <a:defRPr sz="1200" b="1"/>
+              <a:defRPr sz="1079" b="1"/>
             </a:lvl5pPr>
-            <a:lvl6pPr marL="1714500" indent="0">
+            <a:lvl6pPr marL="1541907" indent="0">
               <a:buNone/>
-              <a:defRPr sz="1200" b="1"/>
+              <a:defRPr sz="1079" b="1"/>
             </a:lvl6pPr>
-            <a:lvl7pPr marL="2057400" indent="0">
+            <a:lvl7pPr marL="1850288" indent="0">
               <a:buNone/>
-              <a:defRPr sz="1200" b="1"/>
+              <a:defRPr sz="1079" b="1"/>
             </a:lvl7pPr>
-            <a:lvl8pPr marL="2400300" indent="0">
+            <a:lvl8pPr marL="2158670" indent="0">
               <a:buNone/>
-              <a:defRPr sz="1200" b="1"/>
+              <a:defRPr sz="1079" b="1"/>
             </a:lvl8pPr>
-            <a:lvl9pPr marL="2743200" indent="0">
+            <a:lvl9pPr marL="2467051" indent="0">
               <a:buNone/>
-              <a:defRPr sz="1200" b="1"/>
+              <a:defRPr sz="1079" b="1"/>
             </a:lvl9pPr>
           </a:lstStyle>
           <a:p>
@@ -2696,8 +4845,8 @@
         </p:nvSpPr>
         <p:spPr>
           <a:xfrm>
-            <a:off x="3471863" y="3618442"/>
-            <a:ext cx="2915543" cy="5322183"/>
+            <a:off x="3471863" y="1689766"/>
+            <a:ext cx="2915543" cy="2485391"/>
           </a:xfrm>
         </p:spPr>
         <p:txBody>
@@ -2758,7 +4907,7 @@
           <a:p>
             <a:fld id="{BD7299AB-88A0-4A87-B840-A4656B9BE576}" type="datetimeFigureOut">
               <a:rPr lang="en-GB" smtClean="0"/>
-              <a:t>20/04/2024</a:t>
+              <a:t>25/06/2024</a:t>
             </a:fld>
             <a:endParaRPr lang="en-GB"/>
           </a:p>
@@ -2809,7 +4958,7 @@
     </p:spTree>
     <p:extLst>
       <p:ext uri="{BB962C8B-B14F-4D97-AF65-F5344CB8AC3E}">
-        <p14:creationId xmlns:p14="http://schemas.microsoft.com/office/powerpoint/2010/main" val="3477387422"/>
+        <p14:creationId xmlns:p14="http://schemas.microsoft.com/office/powerpoint/2010/main" val="3123039580"/>
       </p:ext>
     </p:extLst>
   </p:cSld>
@@ -2876,7 +5025,7 @@
           <a:p>
             <a:fld id="{BD7299AB-88A0-4A87-B840-A4656B9BE576}" type="datetimeFigureOut">
               <a:rPr lang="en-GB" smtClean="0"/>
-              <a:t>20/04/2024</a:t>
+              <a:t>25/06/2024</a:t>
             </a:fld>
             <a:endParaRPr lang="en-GB"/>
           </a:p>
@@ -2927,7 +5076,7 @@
     </p:spTree>
     <p:extLst>
       <p:ext uri="{BB962C8B-B14F-4D97-AF65-F5344CB8AC3E}">
-        <p14:creationId xmlns:p14="http://schemas.microsoft.com/office/powerpoint/2010/main" val="2107744966"/>
+        <p14:creationId xmlns:p14="http://schemas.microsoft.com/office/powerpoint/2010/main" val="1379432431"/>
       </p:ext>
     </p:extLst>
   </p:cSld>
@@ -2971,7 +5120,7 @@
           <a:p>
             <a:fld id="{BD7299AB-88A0-4A87-B840-A4656B9BE576}" type="datetimeFigureOut">
               <a:rPr lang="en-GB" smtClean="0"/>
-              <a:t>20/04/2024</a:t>
+              <a:t>25/06/2024</a:t>
             </a:fld>
             <a:endParaRPr lang="en-GB"/>
           </a:p>
@@ -3022,7 +5171,7 @@
     </p:spTree>
     <p:extLst>
       <p:ext uri="{BB962C8B-B14F-4D97-AF65-F5344CB8AC3E}">
-        <p14:creationId xmlns:p14="http://schemas.microsoft.com/office/powerpoint/2010/main" val="2187266460"/>
+        <p14:creationId xmlns:p14="http://schemas.microsoft.com/office/powerpoint/2010/main" val="2519421719"/>
       </p:ext>
     </p:extLst>
   </p:cSld>
@@ -3061,15 +5210,15 @@
         </p:nvSpPr>
         <p:spPr>
           <a:xfrm>
-            <a:off x="472381" y="660400"/>
-            <a:ext cx="2211884" cy="2311400"/>
+            <a:off x="472381" y="308398"/>
+            <a:ext cx="2211884" cy="1079394"/>
           </a:xfrm>
         </p:spPr>
         <p:txBody>
           <a:bodyPr anchor="b"/>
           <a:lstStyle>
             <a:lvl1pPr>
-              <a:defRPr sz="2400"/>
+              <a:defRPr sz="2158"/>
             </a:lvl1pPr>
           </a:lstStyle>
           <a:p>
@@ -3093,39 +5242,39 @@
         </p:nvSpPr>
         <p:spPr>
           <a:xfrm>
-            <a:off x="2915543" y="1426283"/>
-            <a:ext cx="3471863" cy="7039681"/>
+            <a:off x="2915543" y="666056"/>
+            <a:ext cx="3471863" cy="3287441"/>
           </a:xfrm>
         </p:spPr>
         <p:txBody>
           <a:bodyPr/>
           <a:lstStyle>
             <a:lvl1pPr>
-              <a:defRPr sz="2400"/>
+              <a:defRPr sz="2158"/>
             </a:lvl1pPr>
             <a:lvl2pPr>
-              <a:defRPr sz="2100"/>
+              <a:defRPr sz="1889"/>
             </a:lvl2pPr>
             <a:lvl3pPr>
-              <a:defRPr sz="1800"/>
+              <a:defRPr sz="1619"/>
             </a:lvl3pPr>
             <a:lvl4pPr>
-              <a:defRPr sz="1500"/>
+              <a:defRPr sz="1349"/>
             </a:lvl4pPr>
             <a:lvl5pPr>
-              <a:defRPr sz="1500"/>
+              <a:defRPr sz="1349"/>
             </a:lvl5pPr>
             <a:lvl6pPr>
-              <a:defRPr sz="1500"/>
+              <a:defRPr sz="1349"/>
             </a:lvl6pPr>
             <a:lvl7pPr>
-              <a:defRPr sz="1500"/>
+              <a:defRPr sz="1349"/>
             </a:lvl7pPr>
             <a:lvl8pPr>
-              <a:defRPr sz="1500"/>
+              <a:defRPr sz="1349"/>
             </a:lvl8pPr>
             <a:lvl9pPr>
-              <a:defRPr sz="1500"/>
+              <a:defRPr sz="1349"/>
             </a:lvl9pPr>
           </a:lstStyle>
           <a:p>
@@ -3178,8 +5327,8 @@
         </p:nvSpPr>
         <p:spPr>
           <a:xfrm>
-            <a:off x="472381" y="2971800"/>
-            <a:ext cx="2211884" cy="5505627"/>
+            <a:off x="472381" y="1387793"/>
+            <a:ext cx="2211884" cy="2571057"/>
           </a:xfrm>
         </p:spPr>
         <p:txBody>
@@ -3187,39 +5336,39 @@
           <a:lstStyle>
             <a:lvl1pPr marL="0" indent="0">
               <a:buNone/>
-              <a:defRPr sz="1200"/>
+              <a:defRPr sz="1079"/>
             </a:lvl1pPr>
-            <a:lvl2pPr marL="342900" indent="0">
+            <a:lvl2pPr marL="308381" indent="0">
               <a:buNone/>
-              <a:defRPr sz="1050"/>
+              <a:defRPr sz="944"/>
             </a:lvl2pPr>
-            <a:lvl3pPr marL="685800" indent="0">
+            <a:lvl3pPr marL="616763" indent="0">
               <a:buNone/>
-              <a:defRPr sz="900"/>
+              <a:defRPr sz="809"/>
             </a:lvl3pPr>
-            <a:lvl4pPr marL="1028700" indent="0">
+            <a:lvl4pPr marL="925144" indent="0">
               <a:buNone/>
-              <a:defRPr sz="750"/>
+              <a:defRPr sz="675"/>
             </a:lvl4pPr>
-            <a:lvl5pPr marL="1371600" indent="0">
+            <a:lvl5pPr marL="1233526" indent="0">
               <a:buNone/>
-              <a:defRPr sz="750"/>
+              <a:defRPr sz="675"/>
             </a:lvl5pPr>
-            <a:lvl6pPr marL="1714500" indent="0">
+            <a:lvl6pPr marL="1541907" indent="0">
               <a:buNone/>
-              <a:defRPr sz="750"/>
+              <a:defRPr sz="675"/>
             </a:lvl6pPr>
-            <a:lvl7pPr marL="2057400" indent="0">
+            <a:lvl7pPr marL="1850288" indent="0">
               <a:buNone/>
-              <a:defRPr sz="750"/>
+              <a:defRPr sz="675"/>
             </a:lvl7pPr>
-            <a:lvl8pPr marL="2400300" indent="0">
+            <a:lvl8pPr marL="2158670" indent="0">
               <a:buNone/>
-              <a:defRPr sz="750"/>
+              <a:defRPr sz="675"/>
             </a:lvl8pPr>
-            <a:lvl9pPr marL="2743200" indent="0">
+            <a:lvl9pPr marL="2467051" indent="0">
               <a:buNone/>
-              <a:defRPr sz="750"/>
+              <a:defRPr sz="675"/>
             </a:lvl9pPr>
           </a:lstStyle>
           <a:p>
@@ -3248,7 +5397,7 @@
           <a:p>
             <a:fld id="{BD7299AB-88A0-4A87-B840-A4656B9BE576}" type="datetimeFigureOut">
               <a:rPr lang="en-GB" smtClean="0"/>
-              <a:t>20/04/2024</a:t>
+              <a:t>25/06/2024</a:t>
             </a:fld>
             <a:endParaRPr lang="en-GB"/>
           </a:p>
@@ -3299,7 +5448,7 @@
     </p:spTree>
     <p:extLst>
       <p:ext uri="{BB962C8B-B14F-4D97-AF65-F5344CB8AC3E}">
-        <p14:creationId xmlns:p14="http://schemas.microsoft.com/office/powerpoint/2010/main" val="1777848692"/>
+        <p14:creationId xmlns:p14="http://schemas.microsoft.com/office/powerpoint/2010/main" val="2574328372"/>
       </p:ext>
     </p:extLst>
   </p:cSld>
@@ -3338,15 +5487,15 @@
         </p:nvSpPr>
         <p:spPr>
           <a:xfrm>
-            <a:off x="472381" y="660400"/>
-            <a:ext cx="2211884" cy="2311400"/>
+            <a:off x="472381" y="308398"/>
+            <a:ext cx="2211884" cy="1079394"/>
           </a:xfrm>
         </p:spPr>
         <p:txBody>
           <a:bodyPr anchor="b"/>
           <a:lstStyle>
             <a:lvl1pPr>
-              <a:defRPr sz="2400"/>
+              <a:defRPr sz="2158"/>
             </a:lvl1pPr>
           </a:lstStyle>
           <a:p>
@@ -3370,8 +5519,8 @@
         </p:nvSpPr>
         <p:spPr>
           <a:xfrm>
-            <a:off x="2915543" y="1426283"/>
-            <a:ext cx="3471863" cy="7039681"/>
+            <a:off x="2915543" y="666056"/>
+            <a:ext cx="3471863" cy="3287441"/>
           </a:xfrm>
         </p:spPr>
         <p:txBody>
@@ -3379,39 +5528,39 @@
           <a:lstStyle>
             <a:lvl1pPr marL="0" indent="0">
               <a:buNone/>
-              <a:defRPr sz="2400"/>
+              <a:defRPr sz="2158"/>
             </a:lvl1pPr>
-            <a:lvl2pPr marL="342900" indent="0">
+            <a:lvl2pPr marL="308381" indent="0">
               <a:buNone/>
-              <a:defRPr sz="2100"/>
+              <a:defRPr sz="1889"/>
             </a:lvl2pPr>
-            <a:lvl3pPr marL="685800" indent="0">
+            <a:lvl3pPr marL="616763" indent="0">
               <a:buNone/>
-              <a:defRPr sz="1800"/>
+              <a:defRPr sz="1619"/>
             </a:lvl3pPr>
-            <a:lvl4pPr marL="1028700" indent="0">
+            <a:lvl4pPr marL="925144" indent="0">
               <a:buNone/>
-              <a:defRPr sz="1500"/>
+              <a:defRPr sz="1349"/>
             </a:lvl4pPr>
-            <a:lvl5pPr marL="1371600" indent="0">
+            <a:lvl5pPr marL="1233526" indent="0">
               <a:buNone/>
-              <a:defRPr sz="1500"/>
+              <a:defRPr sz="1349"/>
             </a:lvl5pPr>
-            <a:lvl6pPr marL="1714500" indent="0">
+            <a:lvl6pPr marL="1541907" indent="0">
               <a:buNone/>
-              <a:defRPr sz="1500"/>
+              <a:defRPr sz="1349"/>
             </a:lvl6pPr>
-            <a:lvl7pPr marL="2057400" indent="0">
+            <a:lvl7pPr marL="1850288" indent="0">
               <a:buNone/>
-              <a:defRPr sz="1500"/>
+              <a:defRPr sz="1349"/>
             </a:lvl7pPr>
-            <a:lvl8pPr marL="2400300" indent="0">
+            <a:lvl8pPr marL="2158670" indent="0">
               <a:buNone/>
-              <a:defRPr sz="1500"/>
+              <a:defRPr sz="1349"/>
             </a:lvl8pPr>
-            <a:lvl9pPr marL="2743200" indent="0">
+            <a:lvl9pPr marL="2467051" indent="0">
               <a:buNone/>
-              <a:defRPr sz="1500"/>
+              <a:defRPr sz="1349"/>
             </a:lvl9pPr>
           </a:lstStyle>
           <a:p>
@@ -3435,8 +5584,8 @@
         </p:nvSpPr>
         <p:spPr>
           <a:xfrm>
-            <a:off x="472381" y="2971800"/>
-            <a:ext cx="2211884" cy="5505627"/>
+            <a:off x="472381" y="1387793"/>
+            <a:ext cx="2211884" cy="2571057"/>
           </a:xfrm>
         </p:spPr>
         <p:txBody>
@@ -3444,39 +5593,39 @@
           <a:lstStyle>
             <a:lvl1pPr marL="0" indent="0">
               <a:buNone/>
-              <a:defRPr sz="1200"/>
+              <a:defRPr sz="1079"/>
             </a:lvl1pPr>
-            <a:lvl2pPr marL="342900" indent="0">
+            <a:lvl2pPr marL="308381" indent="0">
               <a:buNone/>
-              <a:defRPr sz="1050"/>
+              <a:defRPr sz="944"/>
             </a:lvl2pPr>
-            <a:lvl3pPr marL="685800" indent="0">
+            <a:lvl3pPr marL="616763" indent="0">
               <a:buNone/>
-              <a:defRPr sz="900"/>
+              <a:defRPr sz="809"/>
             </a:lvl3pPr>
-            <a:lvl4pPr marL="1028700" indent="0">
+            <a:lvl4pPr marL="925144" indent="0">
               <a:buNone/>
-              <a:defRPr sz="750"/>
+              <a:defRPr sz="675"/>
             </a:lvl4pPr>
-            <a:lvl5pPr marL="1371600" indent="0">
+            <a:lvl5pPr marL="1233526" indent="0">
               <a:buNone/>
-              <a:defRPr sz="750"/>
+              <a:defRPr sz="675"/>
             </a:lvl5pPr>
-            <a:lvl6pPr marL="1714500" indent="0">
+            <a:lvl6pPr marL="1541907" indent="0">
               <a:buNone/>
-              <a:defRPr sz="750"/>
+              <a:defRPr sz="675"/>
             </a:lvl6pPr>
-            <a:lvl7pPr marL="2057400" indent="0">
+            <a:lvl7pPr marL="1850288" indent="0">
               <a:buNone/>
-              <a:defRPr sz="750"/>
+              <a:defRPr sz="675"/>
             </a:lvl7pPr>
-            <a:lvl8pPr marL="2400300" indent="0">
+            <a:lvl8pPr marL="2158670" indent="0">
               <a:buNone/>
-              <a:defRPr sz="750"/>
+              <a:defRPr sz="675"/>
             </a:lvl8pPr>
-            <a:lvl9pPr marL="2743200" indent="0">
+            <a:lvl9pPr marL="2467051" indent="0">
               <a:buNone/>
-              <a:defRPr sz="750"/>
+              <a:defRPr sz="675"/>
             </a:lvl9pPr>
           </a:lstStyle>
           <a:p>
@@ -3505,7 +5654,7 @@
           <a:p>
             <a:fld id="{BD7299AB-88A0-4A87-B840-A4656B9BE576}" type="datetimeFigureOut">
               <a:rPr lang="en-GB" smtClean="0"/>
-              <a:t>20/04/2024</a:t>
+              <a:t>25/06/2024</a:t>
             </a:fld>
             <a:endParaRPr lang="en-GB"/>
           </a:p>
@@ -3556,7 +5705,7 @@
     </p:spTree>
     <p:extLst>
       <p:ext uri="{BB962C8B-B14F-4D97-AF65-F5344CB8AC3E}">
-        <p14:creationId xmlns:p14="http://schemas.microsoft.com/office/powerpoint/2010/main" val="4242470204"/>
+        <p14:creationId xmlns:p14="http://schemas.microsoft.com/office/powerpoint/2010/main" val="3953318647"/>
       </p:ext>
     </p:extLst>
   </p:cSld>
@@ -3600,8 +5749,8 @@
         </p:nvSpPr>
         <p:spPr>
           <a:xfrm>
-            <a:off x="471488" y="527405"/>
-            <a:ext cx="5915025" cy="1914702"/>
+            <a:off x="471488" y="246292"/>
+            <a:ext cx="5915025" cy="894141"/>
           </a:xfrm>
           <a:prstGeom prst="rect">
             <a:avLst/>
@@ -3633,8 +5782,8 @@
         </p:nvSpPr>
         <p:spPr>
           <a:xfrm>
-            <a:off x="471488" y="2637014"/>
-            <a:ext cx="5915025" cy="6285266"/>
+            <a:off x="471488" y="1231451"/>
+            <a:ext cx="5915025" cy="2935139"/>
           </a:xfrm>
           <a:prstGeom prst="rect">
             <a:avLst/>
@@ -3695,8 +5844,8 @@
         </p:nvSpPr>
         <p:spPr>
           <a:xfrm>
-            <a:off x="471488" y="9181397"/>
-            <a:ext cx="1543050" cy="527403"/>
+            <a:off x="471488" y="4287595"/>
+            <a:ext cx="1543050" cy="246290"/>
           </a:xfrm>
           <a:prstGeom prst="rect">
             <a:avLst/>
@@ -3706,7 +5855,7 @@
           <a:bodyPr vert="horz" lIns="91440" tIns="45720" rIns="91440" bIns="45720" rtlCol="0" anchor="ctr"/>
           <a:lstStyle>
             <a:lvl1pPr algn="l">
-              <a:defRPr sz="900">
+              <a:defRPr sz="809">
                 <a:solidFill>
                   <a:schemeClr val="tx1">
                     <a:tint val="75000"/>
@@ -3718,7 +5867,7 @@
           <a:p>
             <a:fld id="{BD7299AB-88A0-4A87-B840-A4656B9BE576}" type="datetimeFigureOut">
               <a:rPr lang="en-GB" smtClean="0"/>
-              <a:t>20/04/2024</a:t>
+              <a:t>25/06/2024</a:t>
             </a:fld>
             <a:endParaRPr lang="en-GB"/>
           </a:p>
@@ -3736,8 +5885,8 @@
         </p:nvSpPr>
         <p:spPr>
           <a:xfrm>
-            <a:off x="2271713" y="9181397"/>
-            <a:ext cx="2314575" cy="527403"/>
+            <a:off x="2271713" y="4287595"/>
+            <a:ext cx="2314575" cy="246290"/>
           </a:xfrm>
           <a:prstGeom prst="rect">
             <a:avLst/>
@@ -3747,7 +5896,7 @@
           <a:bodyPr vert="horz" lIns="91440" tIns="45720" rIns="91440" bIns="45720" rtlCol="0" anchor="ctr"/>
           <a:lstStyle>
             <a:lvl1pPr algn="ctr">
-              <a:defRPr sz="900">
+              <a:defRPr sz="809">
                 <a:solidFill>
                   <a:schemeClr val="tx1">
                     <a:tint val="75000"/>
@@ -3773,8 +5922,8 @@
         </p:nvSpPr>
         <p:spPr>
           <a:xfrm>
-            <a:off x="4843463" y="9181397"/>
-            <a:ext cx="1543050" cy="527403"/>
+            <a:off x="4843463" y="4287595"/>
+            <a:ext cx="1543050" cy="246290"/>
           </a:xfrm>
           <a:prstGeom prst="rect">
             <a:avLst/>
@@ -3784,7 +5933,7 @@
           <a:bodyPr vert="horz" lIns="91440" tIns="45720" rIns="91440" bIns="45720" rtlCol="0" anchor="ctr"/>
           <a:lstStyle>
             <a:lvl1pPr algn="r">
-              <a:defRPr sz="900">
+              <a:defRPr sz="809">
                 <a:solidFill>
                   <a:schemeClr val="tx1">
                     <a:tint val="75000"/>
@@ -3805,27 +5954,27 @@
     </p:spTree>
     <p:extLst>
       <p:ext uri="{BB962C8B-B14F-4D97-AF65-F5344CB8AC3E}">
-        <p14:creationId xmlns:p14="http://schemas.microsoft.com/office/powerpoint/2010/main" val="3320512165"/>
+        <p14:creationId xmlns:p14="http://schemas.microsoft.com/office/powerpoint/2010/main" val="507488228"/>
       </p:ext>
     </p:extLst>
   </p:cSld>
   <p:clrMap bg1="lt1" tx1="dk1" bg2="lt2" tx2="dk2" accent1="accent1" accent2="accent2" accent3="accent3" accent4="accent4" accent5="accent5" accent6="accent6" hlink="hlink" folHlink="folHlink"/>
   <p:sldLayoutIdLst>
-    <p:sldLayoutId id="2147483661" r:id="rId1"/>
-    <p:sldLayoutId id="2147483662" r:id="rId2"/>
-    <p:sldLayoutId id="2147483663" r:id="rId3"/>
-    <p:sldLayoutId id="2147483664" r:id="rId4"/>
-    <p:sldLayoutId id="2147483665" r:id="rId5"/>
-    <p:sldLayoutId id="2147483666" r:id="rId6"/>
-    <p:sldLayoutId id="2147483667" r:id="rId7"/>
-    <p:sldLayoutId id="2147483668" r:id="rId8"/>
-    <p:sldLayoutId id="2147483669" r:id="rId9"/>
-    <p:sldLayoutId id="2147483670" r:id="rId10"/>
-    <p:sldLayoutId id="2147483671" r:id="rId11"/>
+    <p:sldLayoutId id="2147483673" r:id="rId1"/>
+    <p:sldLayoutId id="2147483674" r:id="rId2"/>
+    <p:sldLayoutId id="2147483675" r:id="rId3"/>
+    <p:sldLayoutId id="2147483676" r:id="rId4"/>
+    <p:sldLayoutId id="2147483677" r:id="rId5"/>
+    <p:sldLayoutId id="2147483678" r:id="rId6"/>
+    <p:sldLayoutId id="2147483679" r:id="rId7"/>
+    <p:sldLayoutId id="2147483680" r:id="rId8"/>
+    <p:sldLayoutId id="2147483681" r:id="rId9"/>
+    <p:sldLayoutId id="2147483682" r:id="rId10"/>
+    <p:sldLayoutId id="2147483683" r:id="rId11"/>
   </p:sldLayoutIdLst>
   <p:txStyles>
     <p:titleStyle>
-      <a:lvl1pPr algn="l" defTabSz="685800" rtl="0" eaLnBrk="1" latinLnBrk="0" hangingPunct="1">
+      <a:lvl1pPr algn="l" defTabSz="616763" rtl="0" eaLnBrk="1" latinLnBrk="0" hangingPunct="1">
         <a:lnSpc>
           <a:spcPct val="90000"/>
         </a:lnSpc>
@@ -3833,7 +5982,7 @@
           <a:spcPct val="0"/>
         </a:spcBef>
         <a:buNone/>
-        <a:defRPr sz="3300" kern="1200">
+        <a:defRPr sz="2968" kern="1200">
           <a:solidFill>
             <a:schemeClr val="tx1"/>
           </a:solidFill>
@@ -3844,16 +5993,16 @@
       </a:lvl1pPr>
     </p:titleStyle>
     <p:bodyStyle>
-      <a:lvl1pPr marL="171450" indent="-171450" algn="l" defTabSz="685800" rtl="0" eaLnBrk="1" latinLnBrk="0" hangingPunct="1">
+      <a:lvl1pPr marL="154191" indent="-154191" algn="l" defTabSz="616763" rtl="0" eaLnBrk="1" latinLnBrk="0" hangingPunct="1">
         <a:lnSpc>
           <a:spcPct val="90000"/>
         </a:lnSpc>
         <a:spcBef>
-          <a:spcPts val="750"/>
+          <a:spcPts val="675"/>
         </a:spcBef>
         <a:buFont typeface="Arial" panose="020B0604020202020204" pitchFamily="34" charset="0"/>
         <a:buChar char="•"/>
-        <a:defRPr sz="2100" kern="1200">
+        <a:defRPr sz="1889" kern="1200">
           <a:solidFill>
             <a:schemeClr val="tx1"/>
           </a:solidFill>
@@ -3862,16 +6011,16 @@
           <a:cs typeface="+mn-cs"/>
         </a:defRPr>
       </a:lvl1pPr>
-      <a:lvl2pPr marL="514350" indent="-171450" algn="l" defTabSz="685800" rtl="0" eaLnBrk="1" latinLnBrk="0" hangingPunct="1">
+      <a:lvl2pPr marL="462572" indent="-154191" algn="l" defTabSz="616763" rtl="0" eaLnBrk="1" latinLnBrk="0" hangingPunct="1">
         <a:lnSpc>
           <a:spcPct val="90000"/>
         </a:lnSpc>
         <a:spcBef>
-          <a:spcPts val="375"/>
+          <a:spcPts val="337"/>
         </a:spcBef>
         <a:buFont typeface="Arial" panose="020B0604020202020204" pitchFamily="34" charset="0"/>
         <a:buChar char="•"/>
-        <a:defRPr sz="1800" kern="1200">
+        <a:defRPr sz="1619" kern="1200">
           <a:solidFill>
             <a:schemeClr val="tx1"/>
           </a:solidFill>
@@ -3880,16 +6029,16 @@
           <a:cs typeface="+mn-cs"/>
         </a:defRPr>
       </a:lvl2pPr>
-      <a:lvl3pPr marL="857250" indent="-171450" algn="l" defTabSz="685800" rtl="0" eaLnBrk="1" latinLnBrk="0" hangingPunct="1">
+      <a:lvl3pPr marL="770954" indent="-154191" algn="l" defTabSz="616763" rtl="0" eaLnBrk="1" latinLnBrk="0" hangingPunct="1">
         <a:lnSpc>
           <a:spcPct val="90000"/>
         </a:lnSpc>
         <a:spcBef>
-          <a:spcPts val="375"/>
+          <a:spcPts val="337"/>
         </a:spcBef>
         <a:buFont typeface="Arial" panose="020B0604020202020204" pitchFamily="34" charset="0"/>
         <a:buChar char="•"/>
-        <a:defRPr sz="1500" kern="1200">
+        <a:defRPr sz="1349" kern="1200">
           <a:solidFill>
             <a:schemeClr val="tx1"/>
           </a:solidFill>
@@ -3898,16 +6047,16 @@
           <a:cs typeface="+mn-cs"/>
         </a:defRPr>
       </a:lvl3pPr>
-      <a:lvl4pPr marL="1200150" indent="-171450" algn="l" defTabSz="685800" rtl="0" eaLnBrk="1" latinLnBrk="0" hangingPunct="1">
+      <a:lvl4pPr marL="1079335" indent="-154191" algn="l" defTabSz="616763" rtl="0" eaLnBrk="1" latinLnBrk="0" hangingPunct="1">
         <a:lnSpc>
           <a:spcPct val="90000"/>
         </a:lnSpc>
         <a:spcBef>
-          <a:spcPts val="375"/>
+          <a:spcPts val="337"/>
         </a:spcBef>
         <a:buFont typeface="Arial" panose="020B0604020202020204" pitchFamily="34" charset="0"/>
         <a:buChar char="•"/>
-        <a:defRPr sz="1350" kern="1200">
+        <a:defRPr sz="1214" kern="1200">
           <a:solidFill>
             <a:schemeClr val="tx1"/>
           </a:solidFill>
@@ -3916,16 +6065,16 @@
           <a:cs typeface="+mn-cs"/>
         </a:defRPr>
       </a:lvl4pPr>
-      <a:lvl5pPr marL="1543050" indent="-171450" algn="l" defTabSz="685800" rtl="0" eaLnBrk="1" latinLnBrk="0" hangingPunct="1">
+      <a:lvl5pPr marL="1387716" indent="-154191" algn="l" defTabSz="616763" rtl="0" eaLnBrk="1" latinLnBrk="0" hangingPunct="1">
         <a:lnSpc>
           <a:spcPct val="90000"/>
         </a:lnSpc>
         <a:spcBef>
-          <a:spcPts val="375"/>
+          <a:spcPts val="337"/>
         </a:spcBef>
         <a:buFont typeface="Arial" panose="020B0604020202020204" pitchFamily="34" charset="0"/>
         <a:buChar char="•"/>
-        <a:defRPr sz="1350" kern="1200">
+        <a:defRPr sz="1214" kern="1200">
           <a:solidFill>
             <a:schemeClr val="tx1"/>
           </a:solidFill>
@@ -3934,16 +6083,16 @@
           <a:cs typeface="+mn-cs"/>
         </a:defRPr>
       </a:lvl5pPr>
-      <a:lvl6pPr marL="1885950" indent="-171450" algn="l" defTabSz="685800" rtl="0" eaLnBrk="1" latinLnBrk="0" hangingPunct="1">
+      <a:lvl6pPr marL="1696098" indent="-154191" algn="l" defTabSz="616763" rtl="0" eaLnBrk="1" latinLnBrk="0" hangingPunct="1">
         <a:lnSpc>
           <a:spcPct val="90000"/>
         </a:lnSpc>
         <a:spcBef>
-          <a:spcPts val="375"/>
+          <a:spcPts val="337"/>
         </a:spcBef>
         <a:buFont typeface="Arial" panose="020B0604020202020204" pitchFamily="34" charset="0"/>
         <a:buChar char="•"/>
-        <a:defRPr sz="1350" kern="1200">
+        <a:defRPr sz="1214" kern="1200">
           <a:solidFill>
             <a:schemeClr val="tx1"/>
           </a:solidFill>
@@ -3952,16 +6101,16 @@
           <a:cs typeface="+mn-cs"/>
         </a:defRPr>
       </a:lvl6pPr>
-      <a:lvl7pPr marL="2228850" indent="-171450" algn="l" defTabSz="685800" rtl="0" eaLnBrk="1" latinLnBrk="0" hangingPunct="1">
+      <a:lvl7pPr marL="2004479" indent="-154191" algn="l" defTabSz="616763" rtl="0" eaLnBrk="1" latinLnBrk="0" hangingPunct="1">
         <a:lnSpc>
           <a:spcPct val="90000"/>
         </a:lnSpc>
         <a:spcBef>
-          <a:spcPts val="375"/>
+          <a:spcPts val="337"/>
         </a:spcBef>
         <a:buFont typeface="Arial" panose="020B0604020202020204" pitchFamily="34" charset="0"/>
         <a:buChar char="•"/>
-        <a:defRPr sz="1350" kern="1200">
+        <a:defRPr sz="1214" kern="1200">
           <a:solidFill>
             <a:schemeClr val="tx1"/>
           </a:solidFill>
@@ -3970,16 +6119,16 @@
           <a:cs typeface="+mn-cs"/>
         </a:defRPr>
       </a:lvl7pPr>
-      <a:lvl8pPr marL="2571750" indent="-171450" algn="l" defTabSz="685800" rtl="0" eaLnBrk="1" latinLnBrk="0" hangingPunct="1">
+      <a:lvl8pPr marL="2312861" indent="-154191" algn="l" defTabSz="616763" rtl="0" eaLnBrk="1" latinLnBrk="0" hangingPunct="1">
         <a:lnSpc>
           <a:spcPct val="90000"/>
         </a:lnSpc>
         <a:spcBef>
-          <a:spcPts val="375"/>
+          <a:spcPts val="337"/>
         </a:spcBef>
         <a:buFont typeface="Arial" panose="020B0604020202020204" pitchFamily="34" charset="0"/>
         <a:buChar char="•"/>
-        <a:defRPr sz="1350" kern="1200">
+        <a:defRPr sz="1214" kern="1200">
           <a:solidFill>
             <a:schemeClr val="tx1"/>
           </a:solidFill>
@@ -3988,16 +6137,16 @@
           <a:cs typeface="+mn-cs"/>
         </a:defRPr>
       </a:lvl8pPr>
-      <a:lvl9pPr marL="2914650" indent="-171450" algn="l" defTabSz="685800" rtl="0" eaLnBrk="1" latinLnBrk="0" hangingPunct="1">
+      <a:lvl9pPr marL="2621242" indent="-154191" algn="l" defTabSz="616763" rtl="0" eaLnBrk="1" latinLnBrk="0" hangingPunct="1">
         <a:lnSpc>
           <a:spcPct val="90000"/>
         </a:lnSpc>
         <a:spcBef>
-          <a:spcPts val="375"/>
+          <a:spcPts val="337"/>
         </a:spcBef>
         <a:buFont typeface="Arial" panose="020B0604020202020204" pitchFamily="34" charset="0"/>
         <a:buChar char="•"/>
-        <a:defRPr sz="1350" kern="1200">
+        <a:defRPr sz="1214" kern="1200">
           <a:solidFill>
             <a:schemeClr val="tx1"/>
           </a:solidFill>
@@ -4011,8 +6160,8 @@
       <a:defPPr>
         <a:defRPr lang="en-US"/>
       </a:defPPr>
-      <a:lvl1pPr marL="0" algn="l" defTabSz="685800" rtl="0" eaLnBrk="1" latinLnBrk="0" hangingPunct="1">
-        <a:defRPr sz="1350" kern="1200">
+      <a:lvl1pPr marL="0" algn="l" defTabSz="616763" rtl="0" eaLnBrk="1" latinLnBrk="0" hangingPunct="1">
+        <a:defRPr sz="1214" kern="1200">
           <a:solidFill>
             <a:schemeClr val="tx1"/>
           </a:solidFill>
@@ -4021,8 +6170,8 @@
           <a:cs typeface="+mn-cs"/>
         </a:defRPr>
       </a:lvl1pPr>
-      <a:lvl2pPr marL="342900" algn="l" defTabSz="685800" rtl="0" eaLnBrk="1" latinLnBrk="0" hangingPunct="1">
-        <a:defRPr sz="1350" kern="1200">
+      <a:lvl2pPr marL="308381" algn="l" defTabSz="616763" rtl="0" eaLnBrk="1" latinLnBrk="0" hangingPunct="1">
+        <a:defRPr sz="1214" kern="1200">
           <a:solidFill>
             <a:schemeClr val="tx1"/>
           </a:solidFill>
@@ -4031,8 +6180,8 @@
           <a:cs typeface="+mn-cs"/>
         </a:defRPr>
       </a:lvl2pPr>
-      <a:lvl3pPr marL="685800" algn="l" defTabSz="685800" rtl="0" eaLnBrk="1" latinLnBrk="0" hangingPunct="1">
-        <a:defRPr sz="1350" kern="1200">
+      <a:lvl3pPr marL="616763" algn="l" defTabSz="616763" rtl="0" eaLnBrk="1" latinLnBrk="0" hangingPunct="1">
+        <a:defRPr sz="1214" kern="1200">
           <a:solidFill>
             <a:schemeClr val="tx1"/>
           </a:solidFill>
@@ -4041,8 +6190,8 @@
           <a:cs typeface="+mn-cs"/>
         </a:defRPr>
       </a:lvl3pPr>
-      <a:lvl4pPr marL="1028700" algn="l" defTabSz="685800" rtl="0" eaLnBrk="1" latinLnBrk="0" hangingPunct="1">
-        <a:defRPr sz="1350" kern="1200">
+      <a:lvl4pPr marL="925144" algn="l" defTabSz="616763" rtl="0" eaLnBrk="1" latinLnBrk="0" hangingPunct="1">
+        <a:defRPr sz="1214" kern="1200">
           <a:solidFill>
             <a:schemeClr val="tx1"/>
           </a:solidFill>
@@ -4051,8 +6200,8 @@
           <a:cs typeface="+mn-cs"/>
         </a:defRPr>
       </a:lvl4pPr>
-      <a:lvl5pPr marL="1371600" algn="l" defTabSz="685800" rtl="0" eaLnBrk="1" latinLnBrk="0" hangingPunct="1">
-        <a:defRPr sz="1350" kern="1200">
+      <a:lvl5pPr marL="1233526" algn="l" defTabSz="616763" rtl="0" eaLnBrk="1" latinLnBrk="0" hangingPunct="1">
+        <a:defRPr sz="1214" kern="1200">
           <a:solidFill>
             <a:schemeClr val="tx1"/>
           </a:solidFill>
@@ -4061,8 +6210,8 @@
           <a:cs typeface="+mn-cs"/>
         </a:defRPr>
       </a:lvl5pPr>
-      <a:lvl6pPr marL="1714500" algn="l" defTabSz="685800" rtl="0" eaLnBrk="1" latinLnBrk="0" hangingPunct="1">
-        <a:defRPr sz="1350" kern="1200">
+      <a:lvl6pPr marL="1541907" algn="l" defTabSz="616763" rtl="0" eaLnBrk="1" latinLnBrk="0" hangingPunct="1">
+        <a:defRPr sz="1214" kern="1200">
           <a:solidFill>
             <a:schemeClr val="tx1"/>
           </a:solidFill>
@@ -4071,8 +6220,8 @@
           <a:cs typeface="+mn-cs"/>
         </a:defRPr>
       </a:lvl6pPr>
-      <a:lvl7pPr marL="2057400" algn="l" defTabSz="685800" rtl="0" eaLnBrk="1" latinLnBrk="0" hangingPunct="1">
-        <a:defRPr sz="1350" kern="1200">
+      <a:lvl7pPr marL="1850288" algn="l" defTabSz="616763" rtl="0" eaLnBrk="1" latinLnBrk="0" hangingPunct="1">
+        <a:defRPr sz="1214" kern="1200">
           <a:solidFill>
             <a:schemeClr val="tx1"/>
           </a:solidFill>
@@ -4081,8 +6230,8 @@
           <a:cs typeface="+mn-cs"/>
         </a:defRPr>
       </a:lvl7pPr>
-      <a:lvl8pPr marL="2400300" algn="l" defTabSz="685800" rtl="0" eaLnBrk="1" latinLnBrk="0" hangingPunct="1">
-        <a:defRPr sz="1350" kern="1200">
+      <a:lvl8pPr marL="2158670" algn="l" defTabSz="616763" rtl="0" eaLnBrk="1" latinLnBrk="0" hangingPunct="1">
+        <a:defRPr sz="1214" kern="1200">
           <a:solidFill>
             <a:schemeClr val="tx1"/>
           </a:solidFill>
@@ -4091,8 +6240,8 @@
           <a:cs typeface="+mn-cs"/>
         </a:defRPr>
       </a:lvl8pPr>
-      <a:lvl9pPr marL="2743200" algn="l" defTabSz="685800" rtl="0" eaLnBrk="1" latinLnBrk="0" hangingPunct="1">
-        <a:defRPr sz="1350" kern="1200">
+      <a:lvl9pPr marL="2467051" algn="l" defTabSz="616763" rtl="0" eaLnBrk="1" latinLnBrk="0" hangingPunct="1">
+        <a:defRPr sz="1214" kern="1200">
           <a:solidFill>
             <a:schemeClr val="tx1"/>
           </a:solidFill>
@@ -4123,935 +6272,6 @@
           <a:chExt cx="0" cy="0"/>
         </a:xfrm>
       </p:grpSpPr>
-      <p:sp>
-        <p:nvSpPr>
-          <p:cNvPr id="5" name="Rectangle: Rounded Corners 4">
-            <a:extLst>
-              <a:ext uri="{FF2B5EF4-FFF2-40B4-BE49-F238E27FC236}">
-                <a16:creationId xmlns:a16="http://schemas.microsoft.com/office/drawing/2014/main" id="{2FED1811-D3BC-FE36-E814-20610FFA57B1}"/>
-              </a:ext>
-            </a:extLst>
-          </p:cNvPr>
-          <p:cNvSpPr/>
-          <p:nvPr/>
-        </p:nvSpPr>
-        <p:spPr>
-          <a:xfrm>
-            <a:off x="673099" y="892165"/>
-            <a:ext cx="2055813" cy="800100"/>
-          </a:xfrm>
-          <a:prstGeom prst="roundRect">
-            <a:avLst>
-              <a:gd name="adj" fmla="val 50000"/>
-            </a:avLst>
-          </a:prstGeom>
-          <a:solidFill>
-            <a:schemeClr val="bg1"/>
-          </a:solidFill>
-          <a:ln w="3175">
-            <a:solidFill>
-              <a:schemeClr val="tx1">
-                <a:lumMod val="65000"/>
-                <a:lumOff val="35000"/>
-              </a:schemeClr>
-            </a:solidFill>
-          </a:ln>
-        </p:spPr>
-        <p:style>
-          <a:lnRef idx="2">
-            <a:schemeClr val="accent1">
-              <a:shade val="15000"/>
-            </a:schemeClr>
-          </a:lnRef>
-          <a:fillRef idx="1">
-            <a:schemeClr val="accent1"/>
-          </a:fillRef>
-          <a:effectRef idx="0">
-            <a:schemeClr val="accent1"/>
-          </a:effectRef>
-          <a:fontRef idx="minor">
-            <a:schemeClr val="lt1"/>
-          </a:fontRef>
-        </p:style>
-        <p:txBody>
-          <a:bodyPr rtlCol="0" anchor="ctr"/>
-          <a:lstStyle/>
-          <a:p>
-            <a:pPr algn="ctr"/>
-            <a:r>
-              <a:rPr lang="en-US" sz="800" dirty="0">
-                <a:solidFill>
-                  <a:schemeClr val="tx1">
-                    <a:lumMod val="85000"/>
-                    <a:lumOff val="15000"/>
-                  </a:schemeClr>
-                </a:solidFill>
-                <a:latin typeface="Aptos" panose="020B0004020202020204" pitchFamily="34" charset="0"/>
-              </a:rPr>
-              <a:t>Train an artificial neural network (ANN) using flash flood reports from Storm Event Database (SED)</a:t>
-            </a:r>
-          </a:p>
-          <a:p>
-            <a:pPr algn="ctr"/>
-            <a:r>
-              <a:rPr lang="en-US" sz="800" b="1" dirty="0">
-                <a:solidFill>
-                  <a:schemeClr val="tx1">
-                    <a:lumMod val="85000"/>
-                    <a:lumOff val="15000"/>
-                  </a:schemeClr>
-                </a:solidFill>
-                <a:latin typeface="Aptos" panose="020B0004020202020204" pitchFamily="34" charset="0"/>
-              </a:rPr>
-              <a:t>Train period: 2005 to 2020</a:t>
-            </a:r>
-            <a:endParaRPr lang="en-GB" sz="800" b="1" dirty="0">
-              <a:solidFill>
-                <a:schemeClr val="tx1">
-                  <a:lumMod val="85000"/>
-                  <a:lumOff val="15000"/>
-                </a:schemeClr>
-              </a:solidFill>
-              <a:latin typeface="Aptos" panose="020B0004020202020204" pitchFamily="34" charset="0"/>
-            </a:endParaRPr>
-          </a:p>
-        </p:txBody>
-      </p:sp>
-      <p:cxnSp>
-        <p:nvCxnSpPr>
-          <p:cNvPr id="7" name="Straight Arrow Connector 6">
-            <a:extLst>
-              <a:ext uri="{FF2B5EF4-FFF2-40B4-BE49-F238E27FC236}">
-                <a16:creationId xmlns:a16="http://schemas.microsoft.com/office/drawing/2014/main" id="{C072E029-7089-41BF-2883-BB5ADCA1AAB1}"/>
-              </a:ext>
-            </a:extLst>
-          </p:cNvPr>
-          <p:cNvCxnSpPr>
-            <a:cxnSpLocks/>
-          </p:cNvCxnSpPr>
-          <p:nvPr/>
-        </p:nvCxnSpPr>
-        <p:spPr>
-          <a:xfrm flipH="1">
-            <a:off x="1114425" y="1692265"/>
-            <a:ext cx="1" cy="450850"/>
-          </a:xfrm>
-          <a:prstGeom prst="straightConnector1">
-            <a:avLst/>
-          </a:prstGeom>
-          <a:ln w="3175">
-            <a:solidFill>
-              <a:schemeClr val="tx1">
-                <a:lumMod val="65000"/>
-                <a:lumOff val="35000"/>
-              </a:schemeClr>
-            </a:solidFill>
-            <a:tailEnd type="triangle"/>
-          </a:ln>
-        </p:spPr>
-        <p:style>
-          <a:lnRef idx="1">
-            <a:schemeClr val="accent1"/>
-          </a:lnRef>
-          <a:fillRef idx="0">
-            <a:schemeClr val="accent1"/>
-          </a:fillRef>
-          <a:effectRef idx="0">
-            <a:schemeClr val="accent1"/>
-          </a:effectRef>
-          <a:fontRef idx="minor">
-            <a:schemeClr val="tx1"/>
-          </a:fontRef>
-        </p:style>
-      </p:cxnSp>
-      <p:cxnSp>
-        <p:nvCxnSpPr>
-          <p:cNvPr id="8" name="Straight Arrow Connector 7">
-            <a:extLst>
-              <a:ext uri="{FF2B5EF4-FFF2-40B4-BE49-F238E27FC236}">
-                <a16:creationId xmlns:a16="http://schemas.microsoft.com/office/drawing/2014/main" id="{4EF40BD1-3F20-4514-1D05-6AD6F81B5BC3}"/>
-              </a:ext>
-            </a:extLst>
-          </p:cNvPr>
-          <p:cNvCxnSpPr>
-            <a:cxnSpLocks/>
-          </p:cNvCxnSpPr>
-          <p:nvPr/>
-        </p:nvCxnSpPr>
-        <p:spPr>
-          <a:xfrm rot="16200000" flipH="1">
-            <a:off x="2954338" y="1060440"/>
-            <a:ext cx="1" cy="450850"/>
-          </a:xfrm>
-          <a:prstGeom prst="straightConnector1">
-            <a:avLst/>
-          </a:prstGeom>
-          <a:ln w="3175">
-            <a:solidFill>
-              <a:schemeClr val="tx1">
-                <a:lumMod val="65000"/>
-                <a:lumOff val="35000"/>
-              </a:schemeClr>
-            </a:solidFill>
-            <a:tailEnd type="triangle"/>
-          </a:ln>
-        </p:spPr>
-        <p:style>
-          <a:lnRef idx="1">
-            <a:schemeClr val="accent1"/>
-          </a:lnRef>
-          <a:fillRef idx="0">
-            <a:schemeClr val="accent1"/>
-          </a:fillRef>
-          <a:effectRef idx="0">
-            <a:schemeClr val="accent1"/>
-          </a:effectRef>
-          <a:fontRef idx="minor">
-            <a:schemeClr val="tx1"/>
-          </a:fontRef>
-        </p:style>
-      </p:cxnSp>
-      <p:sp>
-        <p:nvSpPr>
-          <p:cNvPr id="12" name="Rectangle 11">
-            <a:extLst>
-              <a:ext uri="{FF2B5EF4-FFF2-40B4-BE49-F238E27FC236}">
-                <a16:creationId xmlns:a16="http://schemas.microsoft.com/office/drawing/2014/main" id="{D1A828D1-9255-613C-DD10-446403B632A6}"/>
-              </a:ext>
-            </a:extLst>
-          </p:cNvPr>
-          <p:cNvSpPr/>
-          <p:nvPr/>
-        </p:nvSpPr>
-        <p:spPr>
-          <a:xfrm rot="16200000">
-            <a:off x="2838462" y="1100130"/>
-            <a:ext cx="1149337" cy="346075"/>
-          </a:xfrm>
-          <a:prstGeom prst="rect">
-            <a:avLst/>
-          </a:prstGeom>
-          <a:solidFill>
-            <a:schemeClr val="bg1"/>
-          </a:solidFill>
-          <a:ln w="3175">
-            <a:noFill/>
-          </a:ln>
-        </p:spPr>
-        <p:style>
-          <a:lnRef idx="2">
-            <a:schemeClr val="accent1">
-              <a:shade val="15000"/>
-            </a:schemeClr>
-          </a:lnRef>
-          <a:fillRef idx="1">
-            <a:schemeClr val="accent1"/>
-          </a:fillRef>
-          <a:effectRef idx="0">
-            <a:schemeClr val="accent1"/>
-          </a:effectRef>
-          <a:fontRef idx="minor">
-            <a:schemeClr val="lt1"/>
-          </a:fontRef>
-        </p:style>
-        <p:txBody>
-          <a:bodyPr rtlCol="0" anchor="ctr"/>
-          <a:lstStyle/>
-          <a:p>
-            <a:pPr algn="ctr"/>
-            <a:r>
-              <a:rPr lang="en-US" sz="800" dirty="0">
-                <a:solidFill>
-                  <a:schemeClr val="tx1">
-                    <a:lumMod val="85000"/>
-                    <a:lumOff val="15000"/>
-                  </a:schemeClr>
-                </a:solidFill>
-                <a:latin typeface="Aptos" panose="020B0004020202020204" pitchFamily="34" charset="0"/>
-              </a:rPr>
-              <a:t>Predictors</a:t>
-            </a:r>
-            <a:endParaRPr lang="en-GB" sz="800" dirty="0">
-              <a:solidFill>
-                <a:schemeClr val="tx1">
-                  <a:lumMod val="85000"/>
-                  <a:lumOff val="15000"/>
-                </a:schemeClr>
-              </a:solidFill>
-              <a:latin typeface="Aptos" panose="020B0004020202020204" pitchFamily="34" charset="0"/>
-            </a:endParaRPr>
-          </a:p>
-        </p:txBody>
-      </p:sp>
-      <p:sp>
-        <p:nvSpPr>
-          <p:cNvPr id="10" name="Rectangle 9">
-            <a:extLst>
-              <a:ext uri="{FF2B5EF4-FFF2-40B4-BE49-F238E27FC236}">
-                <a16:creationId xmlns:a16="http://schemas.microsoft.com/office/drawing/2014/main" id="{BB8FDFA2-2FB7-1102-BB6E-0D2419EC6919}"/>
-              </a:ext>
-            </a:extLst>
-          </p:cNvPr>
-          <p:cNvSpPr/>
-          <p:nvPr/>
-        </p:nvSpPr>
-        <p:spPr>
-          <a:xfrm>
-            <a:off x="3519488" y="517524"/>
-            <a:ext cx="3243262" cy="638175"/>
-          </a:xfrm>
-          <a:prstGeom prst="rect">
-            <a:avLst/>
-          </a:prstGeom>
-          <a:solidFill>
-            <a:schemeClr val="bg1"/>
-          </a:solidFill>
-          <a:ln w="3175">
-            <a:noFill/>
-          </a:ln>
-        </p:spPr>
-        <p:style>
-          <a:lnRef idx="2">
-            <a:schemeClr val="accent1">
-              <a:shade val="15000"/>
-            </a:schemeClr>
-          </a:lnRef>
-          <a:fillRef idx="1">
-            <a:schemeClr val="accent1"/>
-          </a:fillRef>
-          <a:effectRef idx="0">
-            <a:schemeClr val="accent1"/>
-          </a:effectRef>
-          <a:fontRef idx="minor">
-            <a:schemeClr val="lt1"/>
-          </a:fontRef>
-        </p:style>
-        <p:txBody>
-          <a:bodyPr rtlCol="0" anchor="ctr"/>
-          <a:lstStyle/>
-          <a:p>
-            <a:r>
-              <a:rPr lang="en-US" sz="800" dirty="0">
-                <a:solidFill>
-                  <a:schemeClr val="tx1">
-                    <a:lumMod val="85000"/>
-                    <a:lumOff val="15000"/>
-                  </a:schemeClr>
-                </a:solidFill>
-                <a:latin typeface="Aptos" panose="020B0004020202020204" pitchFamily="34" charset="0"/>
-              </a:rPr>
-              <a:t>From ERA5-ecPoint</a:t>
-            </a:r>
-          </a:p>
-          <a:p>
-            <a:r>
-              <a:rPr lang="en-US" sz="800" dirty="0">
-                <a:solidFill>
-                  <a:schemeClr val="tx1">
-                    <a:lumMod val="85000"/>
-                    <a:lumOff val="15000"/>
-                  </a:schemeClr>
-                </a:solidFill>
-                <a:latin typeface="Aptos" panose="020B0004020202020204" pitchFamily="34" charset="0"/>
-              </a:rPr>
-              <a:t>- Return period class for extreme rainfall (99</a:t>
-            </a:r>
-            <a:r>
-              <a:rPr lang="en-US" sz="800" baseline="30000" dirty="0">
-                <a:solidFill>
-                  <a:schemeClr val="tx1">
-                    <a:lumMod val="85000"/>
-                    <a:lumOff val="15000"/>
-                  </a:schemeClr>
-                </a:solidFill>
-                <a:latin typeface="Aptos" panose="020B0004020202020204" pitchFamily="34" charset="0"/>
-              </a:rPr>
-              <a:t>th</a:t>
-            </a:r>
-            <a:r>
-              <a:rPr lang="en-US" sz="800" dirty="0">
-                <a:solidFill>
-                  <a:schemeClr val="tx1">
-                    <a:lumMod val="85000"/>
-                    <a:lumOff val="15000"/>
-                  </a:schemeClr>
-                </a:solidFill>
-                <a:latin typeface="Aptos" panose="020B0004020202020204" pitchFamily="34" charset="0"/>
-              </a:rPr>
-              <a:t> percentile) </a:t>
-            </a:r>
-          </a:p>
-          <a:p>
-            <a:r>
-              <a:rPr lang="en-US" sz="800" dirty="0">
-                <a:solidFill>
-                  <a:schemeClr val="tx1">
-                    <a:lumMod val="85000"/>
-                    <a:lumOff val="15000"/>
-                  </a:schemeClr>
-                </a:solidFill>
-                <a:latin typeface="Aptos" panose="020B0004020202020204" pitchFamily="34" charset="0"/>
-              </a:rPr>
-              <a:t>- Ratio between extreme-mean rainfall</a:t>
-            </a:r>
-            <a:endParaRPr lang="en-GB" sz="800" dirty="0">
-              <a:solidFill>
-                <a:schemeClr val="tx1">
-                  <a:lumMod val="85000"/>
-                  <a:lumOff val="15000"/>
-                </a:schemeClr>
-              </a:solidFill>
-              <a:latin typeface="Aptos" panose="020B0004020202020204" pitchFamily="34" charset="0"/>
-            </a:endParaRPr>
-          </a:p>
-        </p:txBody>
-      </p:sp>
-      <p:sp>
-        <p:nvSpPr>
-          <p:cNvPr id="11" name="Rectangle 10">
-            <a:extLst>
-              <a:ext uri="{FF2B5EF4-FFF2-40B4-BE49-F238E27FC236}">
-                <a16:creationId xmlns:a16="http://schemas.microsoft.com/office/drawing/2014/main" id="{D7AB6EE4-D207-7430-1C1E-48DD2C53C814}"/>
-              </a:ext>
-            </a:extLst>
-          </p:cNvPr>
-          <p:cNvSpPr/>
-          <p:nvPr/>
-        </p:nvSpPr>
-        <p:spPr>
-          <a:xfrm>
-            <a:off x="3519488" y="1155699"/>
-            <a:ext cx="2949575" cy="920751"/>
-          </a:xfrm>
-          <a:prstGeom prst="rect">
-            <a:avLst/>
-          </a:prstGeom>
-          <a:solidFill>
-            <a:schemeClr val="bg1"/>
-          </a:solidFill>
-          <a:ln w="3175">
-            <a:noFill/>
-          </a:ln>
-        </p:spPr>
-        <p:style>
-          <a:lnRef idx="2">
-            <a:schemeClr val="accent1">
-              <a:shade val="15000"/>
-            </a:schemeClr>
-          </a:lnRef>
-          <a:fillRef idx="1">
-            <a:schemeClr val="accent1"/>
-          </a:fillRef>
-          <a:effectRef idx="0">
-            <a:schemeClr val="accent1"/>
-          </a:effectRef>
-          <a:fontRef idx="minor">
-            <a:schemeClr val="lt1"/>
-          </a:fontRef>
-        </p:style>
-        <p:txBody>
-          <a:bodyPr rtlCol="0" anchor="ctr"/>
-          <a:lstStyle/>
-          <a:p>
-            <a:r>
-              <a:rPr lang="en-US" sz="800" dirty="0">
-                <a:solidFill>
-                  <a:schemeClr val="tx1">
-                    <a:lumMod val="85000"/>
-                    <a:lumOff val="15000"/>
-                  </a:schemeClr>
-                </a:solidFill>
-                <a:latin typeface="Aptos" panose="020B0004020202020204" pitchFamily="34" charset="0"/>
-              </a:rPr>
-              <a:t>From ERA5</a:t>
-            </a:r>
-          </a:p>
-          <a:p>
-            <a:r>
-              <a:rPr lang="en-US" sz="800" dirty="0">
-                <a:solidFill>
-                  <a:schemeClr val="tx1">
-                    <a:lumMod val="85000"/>
-                    <a:lumOff val="15000"/>
-                  </a:schemeClr>
-                </a:solidFill>
-                <a:latin typeface="Aptos" panose="020B0004020202020204" pitchFamily="34" charset="0"/>
-              </a:rPr>
-              <a:t>- Percentage of soil saturation</a:t>
-            </a:r>
-          </a:p>
-          <a:p>
-            <a:r>
-              <a:rPr lang="en-US" sz="800" dirty="0">
-                <a:solidFill>
-                  <a:schemeClr val="tx1">
-                    <a:lumMod val="85000"/>
-                    <a:lumOff val="15000"/>
-                  </a:schemeClr>
-                </a:solidFill>
-                <a:latin typeface="Aptos" panose="020B0004020202020204" pitchFamily="34" charset="0"/>
-              </a:rPr>
-              <a:t>- Leaf Area Index</a:t>
-            </a:r>
-          </a:p>
-          <a:p>
-            <a:r>
-              <a:rPr lang="en-US" sz="800" dirty="0">
-                <a:solidFill>
-                  <a:schemeClr val="tx1">
-                    <a:lumMod val="85000"/>
-                    <a:lumOff val="15000"/>
-                  </a:schemeClr>
-                </a:solidFill>
-                <a:latin typeface="Aptos" panose="020B0004020202020204" pitchFamily="34" charset="0"/>
-              </a:rPr>
-              <a:t>- Standard deviation of the orography</a:t>
-            </a:r>
-            <a:endParaRPr lang="en-GB" sz="800" dirty="0">
-              <a:solidFill>
-                <a:schemeClr val="tx1">
-                  <a:lumMod val="85000"/>
-                  <a:lumOff val="15000"/>
-                </a:schemeClr>
-              </a:solidFill>
-              <a:latin typeface="Aptos" panose="020B0004020202020204" pitchFamily="34" charset="0"/>
-            </a:endParaRPr>
-          </a:p>
-        </p:txBody>
-      </p:sp>
-      <p:cxnSp>
-        <p:nvCxnSpPr>
-          <p:cNvPr id="13" name="Straight Arrow Connector 12">
-            <a:extLst>
-              <a:ext uri="{FF2B5EF4-FFF2-40B4-BE49-F238E27FC236}">
-                <a16:creationId xmlns:a16="http://schemas.microsoft.com/office/drawing/2014/main" id="{93AC4858-73C5-D3E8-1DE1-E4D9105B4FB2}"/>
-              </a:ext>
-            </a:extLst>
-          </p:cNvPr>
-          <p:cNvCxnSpPr>
-            <a:cxnSpLocks/>
-          </p:cNvCxnSpPr>
-          <p:nvPr/>
-        </p:nvCxnSpPr>
-        <p:spPr>
-          <a:xfrm flipH="1">
-            <a:off x="2288381" y="1692265"/>
-            <a:ext cx="1" cy="450850"/>
-          </a:xfrm>
-          <a:prstGeom prst="straightConnector1">
-            <a:avLst/>
-          </a:prstGeom>
-          <a:ln w="3175">
-            <a:solidFill>
-              <a:schemeClr val="tx1">
-                <a:lumMod val="65000"/>
-                <a:lumOff val="35000"/>
-              </a:schemeClr>
-            </a:solidFill>
-            <a:tailEnd type="triangle"/>
-          </a:ln>
-        </p:spPr>
-        <p:style>
-          <a:lnRef idx="1">
-            <a:schemeClr val="accent1"/>
-          </a:lnRef>
-          <a:fillRef idx="0">
-            <a:schemeClr val="accent1"/>
-          </a:fillRef>
-          <a:effectRef idx="0">
-            <a:schemeClr val="accent1"/>
-          </a:effectRef>
-          <a:fontRef idx="minor">
-            <a:schemeClr val="tx1"/>
-          </a:fontRef>
-        </p:style>
-      </p:cxnSp>
-      <p:sp>
-        <p:nvSpPr>
-          <p:cNvPr id="14" name="Rectangle 13">
-            <a:extLst>
-              <a:ext uri="{FF2B5EF4-FFF2-40B4-BE49-F238E27FC236}">
-                <a16:creationId xmlns:a16="http://schemas.microsoft.com/office/drawing/2014/main" id="{87F68D55-B6BE-4541-82D5-A5BD1B64D3E1}"/>
-              </a:ext>
-            </a:extLst>
-          </p:cNvPr>
-          <p:cNvSpPr/>
-          <p:nvPr/>
-        </p:nvSpPr>
-        <p:spPr>
-          <a:xfrm>
-            <a:off x="1145381" y="0"/>
-            <a:ext cx="4227513" cy="450850"/>
-          </a:xfrm>
-          <a:prstGeom prst="rect">
-            <a:avLst/>
-          </a:prstGeom>
-          <a:solidFill>
-            <a:schemeClr val="bg1"/>
-          </a:solidFill>
-          <a:ln w="3175">
-            <a:noFill/>
-          </a:ln>
-        </p:spPr>
-        <p:style>
-          <a:lnRef idx="2">
-            <a:schemeClr val="accent1">
-              <a:shade val="15000"/>
-            </a:schemeClr>
-          </a:lnRef>
-          <a:fillRef idx="1">
-            <a:schemeClr val="accent1"/>
-          </a:fillRef>
-          <a:effectRef idx="0">
-            <a:schemeClr val="accent1"/>
-          </a:effectRef>
-          <a:fontRef idx="minor">
-            <a:schemeClr val="lt1"/>
-          </a:fontRef>
-        </p:style>
-        <p:txBody>
-          <a:bodyPr rtlCol="0" anchor="ctr"/>
-          <a:lstStyle/>
-          <a:p>
-            <a:pPr algn="ctr"/>
-            <a:r>
-              <a:rPr lang="en-US" sz="800" b="1" dirty="0">
-                <a:solidFill>
-                  <a:schemeClr val="tx1">
-                    <a:lumMod val="85000"/>
-                    <a:lumOff val="15000"/>
-                  </a:schemeClr>
-                </a:solidFill>
-                <a:latin typeface="Aptos" panose="020B0004020202020204" pitchFamily="34" charset="0"/>
-              </a:rPr>
-              <a:t>Generate a reanalysis dataset indicating the probabilities of having a flash flood event at each domain’s grid-box</a:t>
-            </a:r>
-            <a:endParaRPr lang="en-GB" sz="800" b="1" dirty="0">
-              <a:solidFill>
-                <a:schemeClr val="tx1">
-                  <a:lumMod val="85000"/>
-                  <a:lumOff val="15000"/>
-                </a:schemeClr>
-              </a:solidFill>
-              <a:latin typeface="Aptos" panose="020B0004020202020204" pitchFamily="34" charset="0"/>
-            </a:endParaRPr>
-          </a:p>
-        </p:txBody>
-      </p:sp>
-      <p:sp>
-        <p:nvSpPr>
-          <p:cNvPr id="15" name="Rectangle: Rounded Corners 14">
-            <a:extLst>
-              <a:ext uri="{FF2B5EF4-FFF2-40B4-BE49-F238E27FC236}">
-                <a16:creationId xmlns:a16="http://schemas.microsoft.com/office/drawing/2014/main" id="{C681CE30-9CA0-3A4A-213F-B1A44652EC8D}"/>
-              </a:ext>
-            </a:extLst>
-          </p:cNvPr>
-          <p:cNvSpPr/>
-          <p:nvPr/>
-        </p:nvSpPr>
-        <p:spPr>
-          <a:xfrm>
-            <a:off x="527050" y="2143114"/>
-            <a:ext cx="1320797" cy="727085"/>
-          </a:xfrm>
-          <a:prstGeom prst="roundRect">
-            <a:avLst>
-              <a:gd name="adj" fmla="val 50000"/>
-            </a:avLst>
-          </a:prstGeom>
-          <a:solidFill>
-            <a:schemeClr val="bg1"/>
-          </a:solidFill>
-          <a:ln w="3175">
-            <a:solidFill>
-              <a:schemeClr val="tx1">
-                <a:lumMod val="65000"/>
-                <a:lumOff val="35000"/>
-              </a:schemeClr>
-            </a:solidFill>
-          </a:ln>
-        </p:spPr>
-        <p:style>
-          <a:lnRef idx="2">
-            <a:schemeClr val="accent1">
-              <a:shade val="15000"/>
-            </a:schemeClr>
-          </a:lnRef>
-          <a:fillRef idx="1">
-            <a:schemeClr val="accent1"/>
-          </a:fillRef>
-          <a:effectRef idx="0">
-            <a:schemeClr val="accent1"/>
-          </a:effectRef>
-          <a:fontRef idx="minor">
-            <a:schemeClr val="lt1"/>
-          </a:fontRef>
-        </p:style>
-        <p:txBody>
-          <a:bodyPr rtlCol="0" anchor="ctr"/>
-          <a:lstStyle/>
-          <a:p>
-            <a:pPr algn="ctr"/>
-            <a:r>
-              <a:rPr lang="en-US" sz="800" dirty="0">
-                <a:solidFill>
-                  <a:schemeClr val="tx1">
-                    <a:lumMod val="85000"/>
-                    <a:lumOff val="15000"/>
-                  </a:schemeClr>
-                </a:solidFill>
-                <a:latin typeface="Aptos" panose="020B0004020202020204" pitchFamily="34" charset="0"/>
-              </a:rPr>
-              <a:t>Test reanalysis quality against SED flash flood reports</a:t>
-            </a:r>
-          </a:p>
-          <a:p>
-            <a:pPr algn="ctr"/>
-            <a:r>
-              <a:rPr lang="en-US" sz="800" b="1" dirty="0">
-                <a:solidFill>
-                  <a:schemeClr val="tx1">
-                    <a:lumMod val="85000"/>
-                    <a:lumOff val="15000"/>
-                  </a:schemeClr>
-                </a:solidFill>
-                <a:latin typeface="Aptos" panose="020B0004020202020204" pitchFamily="34" charset="0"/>
-              </a:rPr>
-              <a:t>Verification period: 2021</a:t>
-            </a:r>
-            <a:endParaRPr lang="en-GB" sz="800" b="1" dirty="0">
-              <a:solidFill>
-                <a:schemeClr val="tx1">
-                  <a:lumMod val="85000"/>
-                  <a:lumOff val="15000"/>
-                </a:schemeClr>
-              </a:solidFill>
-              <a:latin typeface="Aptos" panose="020B0004020202020204" pitchFamily="34" charset="0"/>
-            </a:endParaRPr>
-          </a:p>
-        </p:txBody>
-      </p:sp>
-      <p:sp>
-        <p:nvSpPr>
-          <p:cNvPr id="16" name="Rectangle: Rounded Corners 15">
-            <a:extLst>
-              <a:ext uri="{FF2B5EF4-FFF2-40B4-BE49-F238E27FC236}">
-                <a16:creationId xmlns:a16="http://schemas.microsoft.com/office/drawing/2014/main" id="{89162784-20DD-5A80-4B21-35466E73DB95}"/>
-              </a:ext>
-            </a:extLst>
-          </p:cNvPr>
-          <p:cNvSpPr/>
-          <p:nvPr/>
-        </p:nvSpPr>
-        <p:spPr>
-          <a:xfrm>
-            <a:off x="1879601" y="2143114"/>
-            <a:ext cx="1549398" cy="879484"/>
-          </a:xfrm>
-          <a:prstGeom prst="roundRect">
-            <a:avLst>
-              <a:gd name="adj" fmla="val 50000"/>
-            </a:avLst>
-          </a:prstGeom>
-          <a:solidFill>
-            <a:schemeClr val="bg1"/>
-          </a:solidFill>
-          <a:ln w="3175">
-            <a:solidFill>
-              <a:schemeClr val="tx1">
-                <a:lumMod val="65000"/>
-                <a:lumOff val="35000"/>
-              </a:schemeClr>
-            </a:solidFill>
-          </a:ln>
-        </p:spPr>
-        <p:style>
-          <a:lnRef idx="2">
-            <a:schemeClr val="accent1">
-              <a:shade val="15000"/>
-            </a:schemeClr>
-          </a:lnRef>
-          <a:fillRef idx="1">
-            <a:schemeClr val="accent1"/>
-          </a:fillRef>
-          <a:effectRef idx="0">
-            <a:schemeClr val="accent1"/>
-          </a:effectRef>
-          <a:fontRef idx="minor">
-            <a:schemeClr val="lt1"/>
-          </a:fontRef>
-        </p:style>
-        <p:txBody>
-          <a:bodyPr rtlCol="0" anchor="ctr"/>
-          <a:lstStyle/>
-          <a:p>
-            <a:pPr algn="ctr"/>
-            <a:r>
-              <a:rPr lang="en-US" sz="800" dirty="0">
-                <a:solidFill>
-                  <a:schemeClr val="tx1">
-                    <a:lumMod val="85000"/>
-                    <a:lumOff val="15000"/>
-                  </a:schemeClr>
-                </a:solidFill>
-                <a:latin typeface="Aptos" panose="020B0004020202020204" pitchFamily="34" charset="0"/>
-              </a:rPr>
-              <a:t>Test reanalysis impact on flash-flood-focused verification of rainfall forecasts</a:t>
-            </a:r>
-          </a:p>
-          <a:p>
-            <a:pPr algn="ctr"/>
-            <a:r>
-              <a:rPr lang="en-US" sz="800" b="1" dirty="0">
-                <a:solidFill>
-                  <a:schemeClr val="tx1">
-                    <a:lumMod val="85000"/>
-                    <a:lumOff val="15000"/>
-                  </a:schemeClr>
-                </a:solidFill>
-                <a:latin typeface="Aptos" panose="020B0004020202020204" pitchFamily="34" charset="0"/>
-              </a:rPr>
-              <a:t>Verification period: 2022</a:t>
-            </a:r>
-            <a:endParaRPr lang="en-GB" sz="800" b="1" dirty="0">
-              <a:solidFill>
-                <a:schemeClr val="tx1">
-                  <a:lumMod val="85000"/>
-                  <a:lumOff val="15000"/>
-                </a:schemeClr>
-              </a:solidFill>
-              <a:latin typeface="Aptos" panose="020B0004020202020204" pitchFamily="34" charset="0"/>
-            </a:endParaRPr>
-          </a:p>
-        </p:txBody>
-      </p:sp>
-      <p:cxnSp>
-        <p:nvCxnSpPr>
-          <p:cNvPr id="18" name="Straight Arrow Connector 17">
-            <a:extLst>
-              <a:ext uri="{FF2B5EF4-FFF2-40B4-BE49-F238E27FC236}">
-                <a16:creationId xmlns:a16="http://schemas.microsoft.com/office/drawing/2014/main" id="{1A75940C-B97D-A51B-8411-430731370392}"/>
-              </a:ext>
-            </a:extLst>
-          </p:cNvPr>
-          <p:cNvCxnSpPr>
-            <a:cxnSpLocks/>
-          </p:cNvCxnSpPr>
-          <p:nvPr/>
-        </p:nvCxnSpPr>
-        <p:spPr>
-          <a:xfrm>
-            <a:off x="2687634" y="1489065"/>
-            <a:ext cx="1541466" cy="654048"/>
-          </a:xfrm>
-          <a:prstGeom prst="straightConnector1">
-            <a:avLst/>
-          </a:prstGeom>
-          <a:ln w="3175">
-            <a:solidFill>
-              <a:schemeClr val="tx1">
-                <a:lumMod val="65000"/>
-                <a:lumOff val="35000"/>
-              </a:schemeClr>
-            </a:solidFill>
-            <a:tailEnd type="triangle"/>
-          </a:ln>
-        </p:spPr>
-        <p:style>
-          <a:lnRef idx="1">
-            <a:schemeClr val="accent1"/>
-          </a:lnRef>
-          <a:fillRef idx="0">
-            <a:schemeClr val="accent1"/>
-          </a:fillRef>
-          <a:effectRef idx="0">
-            <a:schemeClr val="accent1"/>
-          </a:effectRef>
-          <a:fontRef idx="minor">
-            <a:schemeClr val="tx1"/>
-          </a:fontRef>
-        </p:style>
-      </p:cxnSp>
-      <p:sp>
-        <p:nvSpPr>
-          <p:cNvPr id="20" name="Rectangle: Rounded Corners 19">
-            <a:extLst>
-              <a:ext uri="{FF2B5EF4-FFF2-40B4-BE49-F238E27FC236}">
-                <a16:creationId xmlns:a16="http://schemas.microsoft.com/office/drawing/2014/main" id="{DEFF78AC-463C-EB52-C330-18A1B857E0E6}"/>
-              </a:ext>
-            </a:extLst>
-          </p:cNvPr>
-          <p:cNvSpPr/>
-          <p:nvPr/>
-        </p:nvSpPr>
-        <p:spPr>
-          <a:xfrm>
-            <a:off x="3702051" y="2155802"/>
-            <a:ext cx="1168399" cy="561998"/>
-          </a:xfrm>
-          <a:prstGeom prst="roundRect">
-            <a:avLst>
-              <a:gd name="adj" fmla="val 50000"/>
-            </a:avLst>
-          </a:prstGeom>
-          <a:solidFill>
-            <a:schemeClr val="bg1"/>
-          </a:solidFill>
-          <a:ln w="3175">
-            <a:solidFill>
-              <a:schemeClr val="tx1">
-                <a:lumMod val="65000"/>
-                <a:lumOff val="35000"/>
-              </a:schemeClr>
-            </a:solidFill>
-          </a:ln>
-        </p:spPr>
-        <p:style>
-          <a:lnRef idx="2">
-            <a:schemeClr val="accent1">
-              <a:shade val="15000"/>
-            </a:schemeClr>
-          </a:lnRef>
-          <a:fillRef idx="1">
-            <a:schemeClr val="accent1"/>
-          </a:fillRef>
-          <a:effectRef idx="0">
-            <a:schemeClr val="accent1"/>
-          </a:effectRef>
-          <a:fontRef idx="minor">
-            <a:schemeClr val="lt1"/>
-          </a:fontRef>
-        </p:style>
-        <p:txBody>
-          <a:bodyPr rtlCol="0" anchor="ctr"/>
-          <a:lstStyle/>
-          <a:p>
-            <a:pPr algn="ctr"/>
-            <a:r>
-              <a:rPr lang="en-US" sz="800" dirty="0">
-                <a:solidFill>
-                  <a:schemeClr val="tx1">
-                    <a:lumMod val="85000"/>
-                    <a:lumOff val="15000"/>
-                  </a:schemeClr>
-                </a:solidFill>
-                <a:latin typeface="Aptos" panose="020B0004020202020204" pitchFamily="34" charset="0"/>
-              </a:rPr>
-              <a:t>Explain ANN outcomes using Shapley approach</a:t>
-            </a:r>
-            <a:endParaRPr lang="en-GB" sz="800" dirty="0">
-              <a:solidFill>
-                <a:schemeClr val="tx1">
-                  <a:lumMod val="85000"/>
-                  <a:lumOff val="15000"/>
-                </a:schemeClr>
-              </a:solidFill>
-              <a:latin typeface="Aptos" panose="020B0004020202020204" pitchFamily="34" charset="0"/>
-            </a:endParaRPr>
-          </a:p>
-        </p:txBody>
-      </p:sp>
       <p:grpSp>
         <p:nvGrpSpPr>
           <p:cNvPr id="132" name="Group 131">
@@ -5066,7 +6286,7 @@
         </p:nvGrpSpPr>
         <p:grpSpPr>
           <a:xfrm>
-            <a:off x="11893979" y="2659226"/>
+            <a:off x="11893979" y="19213"/>
             <a:ext cx="1900243" cy="1175020"/>
             <a:chOff x="4129600" y="6182126"/>
             <a:chExt cx="1900243" cy="1175020"/>
@@ -5447,7 +6667,7 @@
         </p:nvGrpSpPr>
         <p:grpSpPr>
           <a:xfrm>
-            <a:off x="11882929" y="3935756"/>
+            <a:off x="11882929" y="1295743"/>
             <a:ext cx="1900243" cy="1175020"/>
             <a:chOff x="4118550" y="7458656"/>
             <a:chExt cx="1900243" cy="1175020"/>
@@ -5816,10 +7036,10 @@
       </p:grpSp>
       <p:grpSp>
         <p:nvGrpSpPr>
-          <p:cNvPr id="128" name="Group 127">
+          <p:cNvPr id="4" name="Group 3">
             <a:extLst>
               <a:ext uri="{FF2B5EF4-FFF2-40B4-BE49-F238E27FC236}">
-                <a16:creationId xmlns:a16="http://schemas.microsoft.com/office/drawing/2014/main" id="{94A5F629-0129-1D70-3757-2D674F021EA8}"/>
+                <a16:creationId xmlns:a16="http://schemas.microsoft.com/office/drawing/2014/main" id="{5BE0986A-4C48-2861-EE07-CBCECC41377D}"/>
               </a:ext>
             </a:extLst>
           </p:cNvPr>
@@ -5828,364 +7048,322 @@
         </p:nvGrpSpPr>
         <p:grpSpPr>
           <a:xfrm>
-            <a:off x="11955376" y="14009"/>
+            <a:off x="11955376" y="-2626004"/>
             <a:ext cx="1900243" cy="1175020"/>
-            <a:chOff x="4190997" y="3536909"/>
+            <a:chOff x="11955376" y="14009"/>
             <a:chExt cx="1900243" cy="1175020"/>
           </a:xfrm>
         </p:grpSpPr>
-        <p:grpSp>
-          <p:nvGrpSpPr>
-            <p:cNvPr id="62" name="Group 61">
+        <p:pic>
+          <p:nvPicPr>
+            <p:cNvPr id="52" name="Graphic 51">
               <a:extLst>
                 <a:ext uri="{FF2B5EF4-FFF2-40B4-BE49-F238E27FC236}">
-                  <a16:creationId xmlns:a16="http://schemas.microsoft.com/office/drawing/2014/main" id="{1516620F-89BB-1290-1B1E-0B5E5EFEAB9A}"/>
+                  <a16:creationId xmlns:a16="http://schemas.microsoft.com/office/drawing/2014/main" id="{FB0EFF56-A1F7-F3D7-DB66-0DD48997654B}"/>
                 </a:ext>
               </a:extLst>
             </p:cNvPr>
-            <p:cNvGrpSpPr/>
+            <p:cNvPicPr>
+              <a:picLocks noChangeAspect="1"/>
+            </p:cNvPicPr>
             <p:nvPr/>
-          </p:nvGrpSpPr>
-          <p:grpSpPr>
+          </p:nvPicPr>
+          <p:blipFill>
+            <a:blip r:embed="rId2">
+              <a:extLst>
+                <a:ext uri="{28A0092B-C50C-407E-A947-70E740481C1C}">
+                  <a14:useLocalDpi xmlns:a14="http://schemas.microsoft.com/office/drawing/2010/main" val="0"/>
+                </a:ext>
+                <a:ext uri="{96DAC541-7B7A-43D3-8B79-37D633B846F1}">
+                  <asvg:svgBlip xmlns:asvg="http://schemas.microsoft.com/office/drawing/2016/SVG/main" r:embed="rId10"/>
+                </a:ext>
+              </a:extLst>
+            </a:blip>
+            <a:srcRect r="56533"/>
+            <a:stretch>
+              <a:fillRect/>
+            </a:stretch>
+          </p:blipFill>
+          <p:spPr>
             <a:xfrm>
-              <a:off x="4190997" y="3536909"/>
-              <a:ext cx="1900243" cy="1175020"/>
-              <a:chOff x="4457461" y="3777980"/>
-              <a:chExt cx="1900243" cy="1175020"/>
+              <a:off x="11955376" y="14009"/>
+              <a:ext cx="825978" cy="1175020"/>
             </a:xfrm>
-          </p:grpSpPr>
-          <p:pic>
-            <p:nvPicPr>
-              <p:cNvPr id="52" name="Graphic 51">
-                <a:extLst>
-                  <a:ext uri="{FF2B5EF4-FFF2-40B4-BE49-F238E27FC236}">
-                    <a16:creationId xmlns:a16="http://schemas.microsoft.com/office/drawing/2014/main" id="{FB0EFF56-A1F7-F3D7-DB66-0DD48997654B}"/>
-                  </a:ext>
-                </a:extLst>
-              </p:cNvPr>
-              <p:cNvPicPr>
-                <a:picLocks noChangeAspect="1"/>
-              </p:cNvPicPr>
-              <p:nvPr/>
-            </p:nvPicPr>
-            <p:blipFill>
-              <a:blip r:embed="rId2">
-                <a:extLst>
-                  <a:ext uri="{28A0092B-C50C-407E-A947-70E740481C1C}">
-                    <a14:useLocalDpi xmlns:a14="http://schemas.microsoft.com/office/drawing/2010/main" val="0"/>
-                  </a:ext>
-                  <a:ext uri="{96DAC541-7B7A-43D3-8B79-37D633B846F1}">
-                    <asvg:svgBlip xmlns:asvg="http://schemas.microsoft.com/office/drawing/2016/SVG/main" r:embed="rId10"/>
-                  </a:ext>
-                </a:extLst>
-              </a:blip>
-              <a:srcRect r="56533"/>
-              <a:stretch>
-                <a:fillRect/>
-              </a:stretch>
-            </p:blipFill>
-            <p:spPr>
-              <a:xfrm>
-                <a:off x="4457461" y="3777980"/>
-                <a:ext cx="825978" cy="1175020"/>
-              </a:xfrm>
-              <a:custGeom>
-                <a:avLst/>
-                <a:gdLst>
-                  <a:gd name="connsiteX0" fmla="*/ 0 w 825978"/>
-                  <a:gd name="connsiteY0" fmla="*/ 0 h 1175020"/>
-                  <a:gd name="connsiteX1" fmla="*/ 825978 w 825978"/>
-                  <a:gd name="connsiteY1" fmla="*/ 0 h 1175020"/>
-                  <a:gd name="connsiteX2" fmla="*/ 825978 w 825978"/>
-                  <a:gd name="connsiteY2" fmla="*/ 1175020 h 1175020"/>
-                  <a:gd name="connsiteX3" fmla="*/ 0 w 825978"/>
-                  <a:gd name="connsiteY3" fmla="*/ 1175020 h 1175020"/>
-                  <a:gd name="connsiteX4" fmla="*/ 0 w 825978"/>
-                  <a:gd name="connsiteY4" fmla="*/ 0 h 1175020"/>
-                </a:gdLst>
-                <a:ahLst/>
-                <a:cxnLst>
-                  <a:cxn ang="0">
-                    <a:pos x="connsiteX0" y="connsiteY0"/>
-                  </a:cxn>
-                  <a:cxn ang="0">
-                    <a:pos x="connsiteX1" y="connsiteY1"/>
-                  </a:cxn>
-                  <a:cxn ang="0">
-                    <a:pos x="connsiteX2" y="connsiteY2"/>
-                  </a:cxn>
-                  <a:cxn ang="0">
-                    <a:pos x="connsiteX3" y="connsiteY3"/>
-                  </a:cxn>
-                  <a:cxn ang="0">
-                    <a:pos x="connsiteX4" y="connsiteY4"/>
-                  </a:cxn>
-                </a:cxnLst>
-                <a:rect l="l" t="t" r="r" b="b"/>
-                <a:pathLst>
-                  <a:path w="825978" h="1175020">
-                    <a:moveTo>
-                      <a:pt x="0" y="0"/>
-                    </a:moveTo>
-                    <a:lnTo>
-                      <a:pt x="825978" y="0"/>
-                    </a:lnTo>
-                    <a:lnTo>
-                      <a:pt x="825978" y="1175020"/>
-                    </a:lnTo>
-                    <a:lnTo>
-                      <a:pt x="0" y="1175020"/>
-                    </a:lnTo>
-                    <a:lnTo>
-                      <a:pt x="0" y="0"/>
-                    </a:lnTo>
-                    <a:close/>
-                  </a:path>
-                </a:pathLst>
-              </a:custGeom>
-            </p:spPr>
-          </p:pic>
-          <p:pic>
-            <p:nvPicPr>
-              <p:cNvPr id="56" name="Graphic 55">
-                <a:extLst>
-                  <a:ext uri="{FF2B5EF4-FFF2-40B4-BE49-F238E27FC236}">
-                    <a16:creationId xmlns:a16="http://schemas.microsoft.com/office/drawing/2014/main" id="{7642ABB1-EFC8-49BF-12EF-248E958C5DCB}"/>
-                  </a:ext>
-                </a:extLst>
-              </p:cNvPr>
-              <p:cNvPicPr>
-                <a:picLocks noChangeAspect="1"/>
-              </p:cNvPicPr>
-              <p:nvPr/>
-            </p:nvPicPr>
-            <p:blipFill>
-              <a:blip r:embed="rId4">
-                <a:extLst>
-                  <a:ext uri="{28A0092B-C50C-407E-A947-70E740481C1C}">
-                    <a14:useLocalDpi xmlns:a14="http://schemas.microsoft.com/office/drawing/2010/main" val="0"/>
-                  </a:ext>
-                  <a:ext uri="{96DAC541-7B7A-43D3-8B79-37D633B846F1}">
-                    <asvg:svgBlip xmlns:asvg="http://schemas.microsoft.com/office/drawing/2016/SVG/main" r:embed="rId11"/>
-                  </a:ext>
-                </a:extLst>
-              </a:blip>
-              <a:srcRect l="43467"/>
-              <a:stretch>
-                <a:fillRect/>
-              </a:stretch>
-            </p:blipFill>
-            <p:spPr>
-              <a:xfrm>
-                <a:off x="5283439" y="3777980"/>
-                <a:ext cx="1074265" cy="1175020"/>
-              </a:xfrm>
-              <a:custGeom>
-                <a:avLst/>
-                <a:gdLst>
-                  <a:gd name="connsiteX0" fmla="*/ 0 w 1074265"/>
-                  <a:gd name="connsiteY0" fmla="*/ 0 h 1175020"/>
-                  <a:gd name="connsiteX1" fmla="*/ 1074265 w 1074265"/>
-                  <a:gd name="connsiteY1" fmla="*/ 0 h 1175020"/>
-                  <a:gd name="connsiteX2" fmla="*/ 1074265 w 1074265"/>
-                  <a:gd name="connsiteY2" fmla="*/ 1175020 h 1175020"/>
-                  <a:gd name="connsiteX3" fmla="*/ 0 w 1074265"/>
-                  <a:gd name="connsiteY3" fmla="*/ 1175020 h 1175020"/>
-                  <a:gd name="connsiteX4" fmla="*/ 0 w 1074265"/>
-                  <a:gd name="connsiteY4" fmla="*/ 0 h 1175020"/>
-                </a:gdLst>
-                <a:ahLst/>
-                <a:cxnLst>
-                  <a:cxn ang="0">
-                    <a:pos x="connsiteX0" y="connsiteY0"/>
-                  </a:cxn>
-                  <a:cxn ang="0">
-                    <a:pos x="connsiteX1" y="connsiteY1"/>
-                  </a:cxn>
-                  <a:cxn ang="0">
-                    <a:pos x="connsiteX2" y="connsiteY2"/>
-                  </a:cxn>
-                  <a:cxn ang="0">
-                    <a:pos x="connsiteX3" y="connsiteY3"/>
-                  </a:cxn>
-                  <a:cxn ang="0">
-                    <a:pos x="connsiteX4" y="connsiteY4"/>
-                  </a:cxn>
-                </a:cxnLst>
-                <a:rect l="l" t="t" r="r" b="b"/>
-                <a:pathLst>
-                  <a:path w="1074265" h="1175020">
-                    <a:moveTo>
-                      <a:pt x="0" y="0"/>
-                    </a:moveTo>
-                    <a:lnTo>
-                      <a:pt x="1074265" y="0"/>
-                    </a:lnTo>
-                    <a:lnTo>
-                      <a:pt x="1074265" y="1175020"/>
-                    </a:lnTo>
-                    <a:lnTo>
-                      <a:pt x="0" y="1175020"/>
-                    </a:lnTo>
-                    <a:lnTo>
-                      <a:pt x="0" y="0"/>
-                    </a:lnTo>
-                    <a:close/>
-                  </a:path>
-                </a:pathLst>
-              </a:custGeom>
-            </p:spPr>
-          </p:pic>
-        </p:grpSp>
-        <p:grpSp>
-          <p:nvGrpSpPr>
-            <p:cNvPr id="75" name="Group 74">
+            <a:custGeom>
+              <a:avLst/>
+              <a:gdLst>
+                <a:gd name="connsiteX0" fmla="*/ 0 w 825978"/>
+                <a:gd name="connsiteY0" fmla="*/ 0 h 1175020"/>
+                <a:gd name="connsiteX1" fmla="*/ 825978 w 825978"/>
+                <a:gd name="connsiteY1" fmla="*/ 0 h 1175020"/>
+                <a:gd name="connsiteX2" fmla="*/ 825978 w 825978"/>
+                <a:gd name="connsiteY2" fmla="*/ 1175020 h 1175020"/>
+                <a:gd name="connsiteX3" fmla="*/ 0 w 825978"/>
+                <a:gd name="connsiteY3" fmla="*/ 1175020 h 1175020"/>
+                <a:gd name="connsiteX4" fmla="*/ 0 w 825978"/>
+                <a:gd name="connsiteY4" fmla="*/ 0 h 1175020"/>
+              </a:gdLst>
+              <a:ahLst/>
+              <a:cxnLst>
+                <a:cxn ang="0">
+                  <a:pos x="connsiteX0" y="connsiteY0"/>
+                </a:cxn>
+                <a:cxn ang="0">
+                  <a:pos x="connsiteX1" y="connsiteY1"/>
+                </a:cxn>
+                <a:cxn ang="0">
+                  <a:pos x="connsiteX2" y="connsiteY2"/>
+                </a:cxn>
+                <a:cxn ang="0">
+                  <a:pos x="connsiteX3" y="connsiteY3"/>
+                </a:cxn>
+                <a:cxn ang="0">
+                  <a:pos x="connsiteX4" y="connsiteY4"/>
+                </a:cxn>
+              </a:cxnLst>
+              <a:rect l="l" t="t" r="r" b="b"/>
+              <a:pathLst>
+                <a:path w="825978" h="1175020">
+                  <a:moveTo>
+                    <a:pt x="0" y="0"/>
+                  </a:moveTo>
+                  <a:lnTo>
+                    <a:pt x="825978" y="0"/>
+                  </a:lnTo>
+                  <a:lnTo>
+                    <a:pt x="825978" y="1175020"/>
+                  </a:lnTo>
+                  <a:lnTo>
+                    <a:pt x="0" y="1175020"/>
+                  </a:lnTo>
+                  <a:lnTo>
+                    <a:pt x="0" y="0"/>
+                  </a:lnTo>
+                  <a:close/>
+                </a:path>
+              </a:pathLst>
+            </a:custGeom>
+          </p:spPr>
+        </p:pic>
+        <p:pic>
+          <p:nvPicPr>
+            <p:cNvPr id="56" name="Graphic 55">
               <a:extLst>
                 <a:ext uri="{FF2B5EF4-FFF2-40B4-BE49-F238E27FC236}">
-                  <a16:creationId xmlns:a16="http://schemas.microsoft.com/office/drawing/2014/main" id="{02F23B03-8792-AA93-5317-92FCF4596580}"/>
+                  <a16:creationId xmlns:a16="http://schemas.microsoft.com/office/drawing/2014/main" id="{7642ABB1-EFC8-49BF-12EF-248E958C5DCB}"/>
                 </a:ext>
               </a:extLst>
             </p:cNvPr>
-            <p:cNvGrpSpPr/>
+            <p:cNvPicPr>
+              <a:picLocks noChangeAspect="1"/>
+            </p:cNvPicPr>
             <p:nvPr/>
-          </p:nvGrpSpPr>
-          <p:grpSpPr>
+          </p:nvPicPr>
+          <p:blipFill>
+            <a:blip r:embed="rId4">
+              <a:extLst>
+                <a:ext uri="{28A0092B-C50C-407E-A947-70E740481C1C}">
+                  <a14:useLocalDpi xmlns:a14="http://schemas.microsoft.com/office/drawing/2010/main" val="0"/>
+                </a:ext>
+                <a:ext uri="{96DAC541-7B7A-43D3-8B79-37D633B846F1}">
+                  <asvg:svgBlip xmlns:asvg="http://schemas.microsoft.com/office/drawing/2016/SVG/main" r:embed="rId11"/>
+                </a:ext>
+              </a:extLst>
+            </a:blip>
+            <a:srcRect l="43467"/>
+            <a:stretch>
+              <a:fillRect/>
+            </a:stretch>
+          </p:blipFill>
+          <p:spPr>
             <a:xfrm>
-              <a:off x="4190997" y="3536909"/>
+              <a:off x="12781354" y="14009"/>
+              <a:ext cx="1074265" cy="1175020"/>
+            </a:xfrm>
+            <a:custGeom>
+              <a:avLst/>
+              <a:gdLst>
+                <a:gd name="connsiteX0" fmla="*/ 0 w 1074265"/>
+                <a:gd name="connsiteY0" fmla="*/ 0 h 1175020"/>
+                <a:gd name="connsiteX1" fmla="*/ 1074265 w 1074265"/>
+                <a:gd name="connsiteY1" fmla="*/ 0 h 1175020"/>
+                <a:gd name="connsiteX2" fmla="*/ 1074265 w 1074265"/>
+                <a:gd name="connsiteY2" fmla="*/ 1175020 h 1175020"/>
+                <a:gd name="connsiteX3" fmla="*/ 0 w 1074265"/>
+                <a:gd name="connsiteY3" fmla="*/ 1175020 h 1175020"/>
+                <a:gd name="connsiteX4" fmla="*/ 0 w 1074265"/>
+                <a:gd name="connsiteY4" fmla="*/ 0 h 1175020"/>
+              </a:gdLst>
+              <a:ahLst/>
+              <a:cxnLst>
+                <a:cxn ang="0">
+                  <a:pos x="connsiteX0" y="connsiteY0"/>
+                </a:cxn>
+                <a:cxn ang="0">
+                  <a:pos x="connsiteX1" y="connsiteY1"/>
+                </a:cxn>
+                <a:cxn ang="0">
+                  <a:pos x="connsiteX2" y="connsiteY2"/>
+                </a:cxn>
+                <a:cxn ang="0">
+                  <a:pos x="connsiteX3" y="connsiteY3"/>
+                </a:cxn>
+                <a:cxn ang="0">
+                  <a:pos x="connsiteX4" y="connsiteY4"/>
+                </a:cxn>
+              </a:cxnLst>
+              <a:rect l="l" t="t" r="r" b="b"/>
+              <a:pathLst>
+                <a:path w="1074265" h="1175020">
+                  <a:moveTo>
+                    <a:pt x="0" y="0"/>
+                  </a:moveTo>
+                  <a:lnTo>
+                    <a:pt x="1074265" y="0"/>
+                  </a:lnTo>
+                  <a:lnTo>
+                    <a:pt x="1074265" y="1175020"/>
+                  </a:lnTo>
+                  <a:lnTo>
+                    <a:pt x="0" y="1175020"/>
+                  </a:lnTo>
+                  <a:lnTo>
+                    <a:pt x="0" y="0"/>
+                  </a:lnTo>
+                  <a:close/>
+                </a:path>
+              </a:pathLst>
+            </a:custGeom>
+          </p:spPr>
+        </p:pic>
+        <p:pic>
+          <p:nvPicPr>
+            <p:cNvPr id="76" name="Graphic 75">
+              <a:extLst>
+                <a:ext uri="{FF2B5EF4-FFF2-40B4-BE49-F238E27FC236}">
+                  <a16:creationId xmlns:a16="http://schemas.microsoft.com/office/drawing/2014/main" id="{EA82B598-0968-BC86-733C-6C3792A02A98}"/>
+                </a:ext>
+              </a:extLst>
+            </p:cNvPr>
+            <p:cNvPicPr>
+              <a:picLocks noChangeAspect="1"/>
+            </p:cNvPicPr>
+            <p:nvPr/>
+          </p:nvPicPr>
+          <p:blipFill>
+            <a:blip r:embed="rId12">
+              <a:extLst>
+                <a:ext uri="{28A0092B-C50C-407E-A947-70E740481C1C}">
+                  <a14:useLocalDpi xmlns:a14="http://schemas.microsoft.com/office/drawing/2010/main" val="0"/>
+                </a:ext>
+                <a:ext uri="{96DAC541-7B7A-43D3-8B79-37D633B846F1}">
+                  <asvg:svgBlip xmlns:asvg="http://schemas.microsoft.com/office/drawing/2016/SVG/main" r:embed="rId13"/>
+                </a:ext>
+              </a:extLst>
+            </a:blip>
+            <a:srcRect b="51091"/>
+            <a:stretch>
+              <a:fillRect/>
+            </a:stretch>
+          </p:blipFill>
+          <p:spPr>
+            <a:xfrm>
+              <a:off x="11955376" y="14009"/>
               <a:ext cx="1900238" cy="574687"/>
-              <a:chOff x="164308" y="3560307"/>
-              <a:chExt cx="1900238" cy="574687"/>
             </a:xfrm>
-          </p:grpSpPr>
-          <p:pic>
-            <p:nvPicPr>
-              <p:cNvPr id="76" name="Graphic 75">
-                <a:extLst>
-                  <a:ext uri="{FF2B5EF4-FFF2-40B4-BE49-F238E27FC236}">
-                    <a16:creationId xmlns:a16="http://schemas.microsoft.com/office/drawing/2014/main" id="{EA82B598-0968-BC86-733C-6C3792A02A98}"/>
-                  </a:ext>
-                </a:extLst>
-              </p:cNvPr>
-              <p:cNvPicPr>
-                <a:picLocks noChangeAspect="1"/>
-              </p:cNvPicPr>
-              <p:nvPr/>
-            </p:nvPicPr>
-            <p:blipFill>
-              <a:blip r:embed="rId12">
-                <a:extLst>
-                  <a:ext uri="{28A0092B-C50C-407E-A947-70E740481C1C}">
-                    <a14:useLocalDpi xmlns:a14="http://schemas.microsoft.com/office/drawing/2010/main" val="0"/>
-                  </a:ext>
-                  <a:ext uri="{96DAC541-7B7A-43D3-8B79-37D633B846F1}">
-                    <asvg:svgBlip xmlns:asvg="http://schemas.microsoft.com/office/drawing/2016/SVG/main" r:embed="rId13"/>
-                  </a:ext>
-                </a:extLst>
-              </a:blip>
-              <a:srcRect b="51091"/>
-              <a:stretch>
-                <a:fillRect/>
-              </a:stretch>
-            </p:blipFill>
-            <p:spPr>
-              <a:xfrm>
-                <a:off x="164308" y="3560307"/>
-                <a:ext cx="1900238" cy="574687"/>
-              </a:xfrm>
-              <a:custGeom>
-                <a:avLst/>
-                <a:gdLst>
-                  <a:gd name="connsiteX0" fmla="*/ 0 w 1900238"/>
-                  <a:gd name="connsiteY0" fmla="*/ 0 h 574687"/>
-                  <a:gd name="connsiteX1" fmla="*/ 1900238 w 1900238"/>
-                  <a:gd name="connsiteY1" fmla="*/ 0 h 574687"/>
-                  <a:gd name="connsiteX2" fmla="*/ 1900238 w 1900238"/>
-                  <a:gd name="connsiteY2" fmla="*/ 574687 h 574687"/>
-                  <a:gd name="connsiteX3" fmla="*/ 0 w 1900238"/>
-                  <a:gd name="connsiteY3" fmla="*/ 574687 h 574687"/>
-                </a:gdLst>
-                <a:ahLst/>
-                <a:cxnLst>
-                  <a:cxn ang="0">
-                    <a:pos x="connsiteX0" y="connsiteY0"/>
-                  </a:cxn>
-                  <a:cxn ang="0">
-                    <a:pos x="connsiteX1" y="connsiteY1"/>
-                  </a:cxn>
-                  <a:cxn ang="0">
-                    <a:pos x="connsiteX2" y="connsiteY2"/>
-                  </a:cxn>
-                  <a:cxn ang="0">
-                    <a:pos x="connsiteX3" y="connsiteY3"/>
-                  </a:cxn>
-                </a:cxnLst>
-                <a:rect l="l" t="t" r="r" b="b"/>
-                <a:pathLst>
-                  <a:path w="1900238" h="574687">
-                    <a:moveTo>
-                      <a:pt x="0" y="0"/>
-                    </a:moveTo>
-                    <a:lnTo>
-                      <a:pt x="1900238" y="0"/>
-                    </a:lnTo>
-                    <a:lnTo>
-                      <a:pt x="1900238" y="574687"/>
-                    </a:lnTo>
-                    <a:lnTo>
-                      <a:pt x="0" y="574687"/>
-                    </a:lnTo>
-                    <a:close/>
-                  </a:path>
-                </a:pathLst>
-              </a:custGeom>
-            </p:spPr>
-          </p:pic>
-          <p:cxnSp>
-            <p:nvCxnSpPr>
-              <p:cNvPr id="77" name="Straight Connector 76">
-                <a:extLst>
-                  <a:ext uri="{FF2B5EF4-FFF2-40B4-BE49-F238E27FC236}">
-                    <a16:creationId xmlns:a16="http://schemas.microsoft.com/office/drawing/2014/main" id="{49CCFB4D-CD7A-E106-E951-0ED671194B88}"/>
-                  </a:ext>
-                </a:extLst>
-              </p:cNvPr>
-              <p:cNvCxnSpPr>
-                <a:cxnSpLocks/>
-              </p:cNvCxnSpPr>
-              <p:nvPr/>
-            </p:nvCxnSpPr>
-            <p:spPr>
-              <a:xfrm flipH="1">
-                <a:off x="230434" y="4134994"/>
-                <a:ext cx="1562062" cy="0"/>
-              </a:xfrm>
-              <a:prstGeom prst="line">
-                <a:avLst/>
-              </a:prstGeom>
-              <a:ln w="3175">
-                <a:solidFill>
-                  <a:schemeClr val="accent1">
-                    <a:alpha val="37000"/>
-                  </a:schemeClr>
-                </a:solidFill>
-              </a:ln>
-            </p:spPr>
-            <p:style>
-              <a:lnRef idx="1">
-                <a:schemeClr val="accent1"/>
-              </a:lnRef>
-              <a:fillRef idx="0">
-                <a:schemeClr val="accent1"/>
-              </a:fillRef>
-              <a:effectRef idx="0">
-                <a:schemeClr val="accent1"/>
-              </a:effectRef>
-              <a:fontRef idx="minor">
-                <a:schemeClr val="tx1"/>
-              </a:fontRef>
-            </p:style>
-          </p:cxnSp>
-        </p:grpSp>
+            <a:custGeom>
+              <a:avLst/>
+              <a:gdLst>
+                <a:gd name="connsiteX0" fmla="*/ 0 w 1900238"/>
+                <a:gd name="connsiteY0" fmla="*/ 0 h 574687"/>
+                <a:gd name="connsiteX1" fmla="*/ 1900238 w 1900238"/>
+                <a:gd name="connsiteY1" fmla="*/ 0 h 574687"/>
+                <a:gd name="connsiteX2" fmla="*/ 1900238 w 1900238"/>
+                <a:gd name="connsiteY2" fmla="*/ 574687 h 574687"/>
+                <a:gd name="connsiteX3" fmla="*/ 0 w 1900238"/>
+                <a:gd name="connsiteY3" fmla="*/ 574687 h 574687"/>
+              </a:gdLst>
+              <a:ahLst/>
+              <a:cxnLst>
+                <a:cxn ang="0">
+                  <a:pos x="connsiteX0" y="connsiteY0"/>
+                </a:cxn>
+                <a:cxn ang="0">
+                  <a:pos x="connsiteX1" y="connsiteY1"/>
+                </a:cxn>
+                <a:cxn ang="0">
+                  <a:pos x="connsiteX2" y="connsiteY2"/>
+                </a:cxn>
+                <a:cxn ang="0">
+                  <a:pos x="connsiteX3" y="connsiteY3"/>
+                </a:cxn>
+              </a:cxnLst>
+              <a:rect l="l" t="t" r="r" b="b"/>
+              <a:pathLst>
+                <a:path w="1900238" h="574687">
+                  <a:moveTo>
+                    <a:pt x="0" y="0"/>
+                  </a:moveTo>
+                  <a:lnTo>
+                    <a:pt x="1900238" y="0"/>
+                  </a:lnTo>
+                  <a:lnTo>
+                    <a:pt x="1900238" y="574687"/>
+                  </a:lnTo>
+                  <a:lnTo>
+                    <a:pt x="0" y="574687"/>
+                  </a:lnTo>
+                  <a:close/>
+                </a:path>
+              </a:pathLst>
+            </a:custGeom>
+          </p:spPr>
+        </p:pic>
+        <p:cxnSp>
+          <p:nvCxnSpPr>
+            <p:cNvPr id="77" name="Straight Connector 76">
+              <a:extLst>
+                <a:ext uri="{FF2B5EF4-FFF2-40B4-BE49-F238E27FC236}">
+                  <a16:creationId xmlns:a16="http://schemas.microsoft.com/office/drawing/2014/main" id="{49CCFB4D-CD7A-E106-E951-0ED671194B88}"/>
+                </a:ext>
+              </a:extLst>
+            </p:cNvPr>
+            <p:cNvCxnSpPr>
+              <a:cxnSpLocks/>
+            </p:cNvCxnSpPr>
+            <p:nvPr/>
+          </p:nvCxnSpPr>
+          <p:spPr>
+            <a:xfrm flipH="1">
+              <a:off x="12021502" y="588696"/>
+              <a:ext cx="1562062" cy="0"/>
+            </a:xfrm>
+            <a:prstGeom prst="line">
+              <a:avLst/>
+            </a:prstGeom>
+            <a:ln w="3175">
+              <a:solidFill>
+                <a:schemeClr val="accent1">
+                  <a:alpha val="37000"/>
+                </a:schemeClr>
+              </a:solidFill>
+            </a:ln>
+          </p:spPr>
+          <p:style>
+            <a:lnRef idx="1">
+              <a:schemeClr val="accent1"/>
+            </a:lnRef>
+            <a:fillRef idx="0">
+              <a:schemeClr val="accent1"/>
+            </a:fillRef>
+            <a:effectRef idx="0">
+              <a:schemeClr val="accent1"/>
+            </a:effectRef>
+            <a:fontRef idx="minor">
+              <a:schemeClr val="tx1"/>
+            </a:fontRef>
+          </p:style>
+        </p:cxnSp>
       </p:grpSp>
       <p:grpSp>
         <p:nvGrpSpPr>
@@ -6201,7 +7379,7 @@
         </p:nvGrpSpPr>
         <p:grpSpPr>
           <a:xfrm>
-            <a:off x="11983807" y="1328435"/>
+            <a:off x="11983807" y="-1311578"/>
             <a:ext cx="1900243" cy="1175020"/>
             <a:chOff x="4219428" y="4851335"/>
             <a:chExt cx="1900243" cy="1175020"/>
@@ -6574,7 +7752,7 @@
         </p:nvGrpSpPr>
         <p:grpSpPr>
           <a:xfrm>
-            <a:off x="8613250" y="2659226"/>
+            <a:off x="8613250" y="19213"/>
             <a:ext cx="1900243" cy="1175020"/>
             <a:chOff x="848871" y="6182126"/>
             <a:chExt cx="1900243" cy="1175020"/>
@@ -6863,13 +8041,13 @@
               <p:nvPr/>
             </p:nvPicPr>
             <p:blipFill>
-              <a:blip r:embed="rId6">
+              <a:blip r:embed="rId19">
                 <a:extLst>
                   <a:ext uri="{28A0092B-C50C-407E-A947-70E740481C1C}">
                     <a14:useLocalDpi xmlns:a14="http://schemas.microsoft.com/office/drawing/2010/main" val="0"/>
                   </a:ext>
                   <a:ext uri="{96DAC541-7B7A-43D3-8B79-37D633B846F1}">
-                    <asvg:svgBlip xmlns:asvg="http://schemas.microsoft.com/office/drawing/2016/SVG/main" r:embed="rId7"/>
+                    <asvg:svgBlip xmlns:asvg="http://schemas.microsoft.com/office/drawing/2016/SVG/main" r:embed="rId20"/>
                   </a:ext>
                 </a:extLst>
               </a:blip>
@@ -6955,7 +8133,7 @@
         </p:nvGrpSpPr>
         <p:grpSpPr>
           <a:xfrm>
-            <a:off x="8602200" y="3935756"/>
+            <a:off x="8602200" y="1295743"/>
             <a:ext cx="1900243" cy="1175020"/>
             <a:chOff x="837821" y="7458656"/>
             <a:chExt cx="1900243" cy="1175020"/>
@@ -7199,13 +8377,13 @@
               <p:nvPr/>
             </p:nvPicPr>
             <p:blipFill>
-              <a:blip r:embed="rId8">
+              <a:blip r:embed="rId21">
                 <a:extLst>
                   <a:ext uri="{28A0092B-C50C-407E-A947-70E740481C1C}">
                     <a14:useLocalDpi xmlns:a14="http://schemas.microsoft.com/office/drawing/2010/main" val="0"/>
                   </a:ext>
                   <a:ext uri="{96DAC541-7B7A-43D3-8B79-37D633B846F1}">
-                    <asvg:svgBlip xmlns:asvg="http://schemas.microsoft.com/office/drawing/2016/SVG/main" r:embed="rId9"/>
+                    <asvg:svgBlip xmlns:asvg="http://schemas.microsoft.com/office/drawing/2016/SVG/main" r:embed="rId22"/>
                   </a:ext>
                 </a:extLst>
               </a:blip>
@@ -7336,7 +8514,7 @@
         </p:nvGrpSpPr>
         <p:grpSpPr>
           <a:xfrm>
-            <a:off x="8674647" y="14009"/>
+            <a:off x="8674647" y="-2626004"/>
             <a:ext cx="1900243" cy="1175020"/>
             <a:chOff x="910268" y="3536909"/>
             <a:chExt cx="1900243" cy="1175020"/>
@@ -7383,7 +8561,7 @@
                     <a14:useLocalDpi xmlns:a14="http://schemas.microsoft.com/office/drawing/2010/main" val="0"/>
                   </a:ext>
                   <a:ext uri="{96DAC541-7B7A-43D3-8B79-37D633B846F1}">
-                    <asvg:svgBlip xmlns:asvg="http://schemas.microsoft.com/office/drawing/2016/SVG/main" r:embed="rId19"/>
+                    <asvg:svgBlip xmlns:asvg="http://schemas.microsoft.com/office/drawing/2016/SVG/main" r:embed="rId23"/>
                   </a:ext>
                 </a:extLst>
               </a:blip>
@@ -7474,7 +8652,7 @@
                     <a14:useLocalDpi xmlns:a14="http://schemas.microsoft.com/office/drawing/2010/main" val="0"/>
                   </a:ext>
                   <a:ext uri="{96DAC541-7B7A-43D3-8B79-37D633B846F1}">
-                    <asvg:svgBlip xmlns:asvg="http://schemas.microsoft.com/office/drawing/2016/SVG/main" r:embed="rId20"/>
+                    <asvg:svgBlip xmlns:asvg="http://schemas.microsoft.com/office/drawing/2016/SVG/main" r:embed="rId24"/>
                   </a:ext>
                 </a:extLst>
               </a:blip>
@@ -7580,13 +8758,13 @@
               <p:nvPr/>
             </p:nvPicPr>
             <p:blipFill>
-              <a:blip r:embed="rId14">
+              <a:blip r:embed="rId25">
                 <a:extLst>
                   <a:ext uri="{28A0092B-C50C-407E-A947-70E740481C1C}">
                     <a14:useLocalDpi xmlns:a14="http://schemas.microsoft.com/office/drawing/2010/main" val="0"/>
                   </a:ext>
                   <a:ext uri="{96DAC541-7B7A-43D3-8B79-37D633B846F1}">
-                    <asvg:svgBlip xmlns:asvg="http://schemas.microsoft.com/office/drawing/2016/SVG/main" r:embed="rId15"/>
+                    <asvg:svgBlip xmlns:asvg="http://schemas.microsoft.com/office/drawing/2016/SVG/main" r:embed="rId26"/>
                   </a:ext>
                 </a:extLst>
               </a:blip>
@@ -7709,7 +8887,7 @@
         </p:nvGrpSpPr>
         <p:grpSpPr>
           <a:xfrm>
-            <a:off x="8703078" y="1328435"/>
+            <a:off x="8703078" y="-1311578"/>
             <a:ext cx="1900243" cy="1175020"/>
             <a:chOff x="938699" y="4851335"/>
             <a:chExt cx="1900243" cy="1175020"/>
@@ -7953,13 +9131,13 @@
               <p:nvPr/>
             </p:nvPicPr>
             <p:blipFill>
-              <a:blip r:embed="rId14">
+              <a:blip r:embed="rId25">
                 <a:extLst>
                   <a:ext uri="{28A0092B-C50C-407E-A947-70E740481C1C}">
                     <a14:useLocalDpi xmlns:a14="http://schemas.microsoft.com/office/drawing/2010/main" val="0"/>
                   </a:ext>
                   <a:ext uri="{96DAC541-7B7A-43D3-8B79-37D633B846F1}">
-                    <asvg:svgBlip xmlns:asvg="http://schemas.microsoft.com/office/drawing/2016/SVG/main" r:embed="rId15"/>
+                    <asvg:svgBlip xmlns:asvg="http://schemas.microsoft.com/office/drawing/2016/SVG/main" r:embed="rId26"/>
                   </a:ext>
                 </a:extLst>
               </a:blip>
@@ -8082,7 +9260,7 @@
         </p:nvGrpSpPr>
         <p:grpSpPr>
           <a:xfrm>
-            <a:off x="14874830" y="30229"/>
+            <a:off x="14874830" y="-2609784"/>
             <a:ext cx="1900243" cy="1175020"/>
             <a:chOff x="4457461" y="3777980"/>
             <a:chExt cx="1900243" cy="1175020"/>
@@ -8103,13 +9281,13 @@
             <p:nvPr/>
           </p:nvPicPr>
           <p:blipFill>
-            <a:blip r:embed="rId21">
+            <a:blip r:embed="rId27">
               <a:extLst>
                 <a:ext uri="{28A0092B-C50C-407E-A947-70E740481C1C}">
                   <a14:useLocalDpi xmlns:a14="http://schemas.microsoft.com/office/drawing/2010/main" val="0"/>
                 </a:ext>
                 <a:ext uri="{96DAC541-7B7A-43D3-8B79-37D633B846F1}">
-                  <asvg:svgBlip xmlns:asvg="http://schemas.microsoft.com/office/drawing/2016/SVG/main" r:embed="rId22"/>
+                  <asvg:svgBlip xmlns:asvg="http://schemas.microsoft.com/office/drawing/2016/SVG/main" r:embed="rId28"/>
                 </a:ext>
               </a:extLst>
             </a:blip>
@@ -8194,13 +9372,13 @@
             <p:nvPr/>
           </p:nvPicPr>
           <p:blipFill>
-            <a:blip r:embed="rId23">
+            <a:blip r:embed="rId29">
               <a:extLst>
                 <a:ext uri="{28A0092B-C50C-407E-A947-70E740481C1C}">
                   <a14:useLocalDpi xmlns:a14="http://schemas.microsoft.com/office/drawing/2010/main" val="0"/>
                 </a:ext>
                 <a:ext uri="{96DAC541-7B7A-43D3-8B79-37D633B846F1}">
-                  <asvg:svgBlip xmlns:asvg="http://schemas.microsoft.com/office/drawing/2016/SVG/main" r:embed="rId24"/>
+                  <asvg:svgBlip xmlns:asvg="http://schemas.microsoft.com/office/drawing/2016/SVG/main" r:embed="rId30"/>
                 </a:ext>
               </a:extLst>
             </a:blip>
@@ -8285,15 +9463,13 @@
         </p:nvGrpSpPr>
         <p:grpSpPr>
           <a:xfrm>
-            <a:off x="14874830" y="1430100"/>
+            <a:off x="14874830" y="-1209913"/>
             <a:ext cx="1900243" cy="1175020"/>
             <a:chOff x="4457461" y="3777980"/>
             <a:chExt cx="1900243" cy="1175020"/>
           </a:xfrm>
           <a:solidFill>
-            <a:srgbClr val="FF0066">
-              <a:alpha val="89804"/>
-            </a:srgbClr>
+            <a:srgbClr val="FF4892"/>
           </a:solidFill>
         </p:grpSpPr>
         <p:pic>
@@ -8311,13 +9487,13 @@
             <p:nvPr/>
           </p:nvPicPr>
           <p:blipFill>
-            <a:blip r:embed="rId25">
+            <a:blip r:embed="rId31">
               <a:extLst>
                 <a:ext uri="{28A0092B-C50C-407E-A947-70E740481C1C}">
                   <a14:useLocalDpi xmlns:a14="http://schemas.microsoft.com/office/drawing/2010/main" val="0"/>
                 </a:ext>
                 <a:ext uri="{96DAC541-7B7A-43D3-8B79-37D633B846F1}">
-                  <asvg:svgBlip xmlns:asvg="http://schemas.microsoft.com/office/drawing/2016/SVG/main" r:embed="rId26"/>
+                  <asvg:svgBlip xmlns:asvg="http://schemas.microsoft.com/office/drawing/2016/SVG/main" r:embed="rId32"/>
                 </a:ext>
               </a:extLst>
             </a:blip>
@@ -8402,13 +9578,13 @@
             <p:nvPr/>
           </p:nvPicPr>
           <p:blipFill>
-            <a:blip r:embed="rId27">
+            <a:blip r:embed="rId33">
               <a:extLst>
                 <a:ext uri="{28A0092B-C50C-407E-A947-70E740481C1C}">
                   <a14:useLocalDpi xmlns:a14="http://schemas.microsoft.com/office/drawing/2010/main" val="0"/>
                 </a:ext>
                 <a:ext uri="{96DAC541-7B7A-43D3-8B79-37D633B846F1}">
-                  <asvg:svgBlip xmlns:asvg="http://schemas.microsoft.com/office/drawing/2016/SVG/main" r:embed="rId28"/>
+                  <asvg:svgBlip xmlns:asvg="http://schemas.microsoft.com/office/drawing/2016/SVG/main" r:embed="rId34"/>
                 </a:ext>
               </a:extLst>
             </a:blip>
@@ -8493,11 +9669,14 @@
         </p:nvGrpSpPr>
         <p:grpSpPr>
           <a:xfrm>
-            <a:off x="14874830" y="2628091"/>
+            <a:off x="14874830" y="-11922"/>
             <a:ext cx="1900243" cy="1175020"/>
             <a:chOff x="4457461" y="3777980"/>
             <a:chExt cx="1900243" cy="1175020"/>
           </a:xfrm>
+          <a:solidFill>
+            <a:srgbClr val="FFB1D0"/>
+          </a:solidFill>
         </p:grpSpPr>
         <p:pic>
           <p:nvPicPr>
@@ -8514,13 +9693,13 @@
             <p:nvPr/>
           </p:nvPicPr>
           <p:blipFill>
-            <a:blip r:embed="rId29">
+            <a:blip r:embed="rId35">
               <a:extLst>
                 <a:ext uri="{28A0092B-C50C-407E-A947-70E740481C1C}">
                   <a14:useLocalDpi xmlns:a14="http://schemas.microsoft.com/office/drawing/2010/main" val="0"/>
                 </a:ext>
                 <a:ext uri="{96DAC541-7B7A-43D3-8B79-37D633B846F1}">
-                  <asvg:svgBlip xmlns:asvg="http://schemas.microsoft.com/office/drawing/2016/SVG/main" r:embed="rId30"/>
+                  <asvg:svgBlip xmlns:asvg="http://schemas.microsoft.com/office/drawing/2016/SVG/main" r:embed="rId36"/>
                 </a:ext>
               </a:extLst>
             </a:blip>
@@ -8605,13 +9784,13 @@
             <p:nvPr/>
           </p:nvPicPr>
           <p:blipFill>
-            <a:blip r:embed="rId31">
+            <a:blip r:embed="rId37">
               <a:extLst>
                 <a:ext uri="{28A0092B-C50C-407E-A947-70E740481C1C}">
                   <a14:useLocalDpi xmlns:a14="http://schemas.microsoft.com/office/drawing/2010/main" val="0"/>
                 </a:ext>
                 <a:ext uri="{96DAC541-7B7A-43D3-8B79-37D633B846F1}">
-                  <asvg:svgBlip xmlns:asvg="http://schemas.microsoft.com/office/drawing/2016/SVG/main" r:embed="rId32"/>
+                  <asvg:svgBlip xmlns:asvg="http://schemas.microsoft.com/office/drawing/2016/SVG/main" r:embed="rId38"/>
                 </a:ext>
               </a:extLst>
             </a:blip>
@@ -8696,11 +9875,14 @@
         </p:nvGrpSpPr>
         <p:grpSpPr>
           <a:xfrm>
-            <a:off x="14874830" y="3935756"/>
+            <a:off x="14874830" y="1295743"/>
             <a:ext cx="1900243" cy="1175020"/>
             <a:chOff x="4457461" y="3777980"/>
             <a:chExt cx="1900243" cy="1175020"/>
           </a:xfrm>
+          <a:solidFill>
+            <a:srgbClr val="FFF3F8"/>
+          </a:solidFill>
         </p:grpSpPr>
         <p:pic>
           <p:nvPicPr>
@@ -8717,13 +9899,13 @@
             <p:nvPr/>
           </p:nvPicPr>
           <p:blipFill>
-            <a:blip r:embed="rId33">
+            <a:blip r:embed="rId39">
               <a:extLst>
                 <a:ext uri="{28A0092B-C50C-407E-A947-70E740481C1C}">
                   <a14:useLocalDpi xmlns:a14="http://schemas.microsoft.com/office/drawing/2010/main" val="0"/>
                 </a:ext>
                 <a:ext uri="{96DAC541-7B7A-43D3-8B79-37D633B846F1}">
-                  <asvg:svgBlip xmlns:asvg="http://schemas.microsoft.com/office/drawing/2016/SVG/main" r:embed="rId34"/>
+                  <asvg:svgBlip xmlns:asvg="http://schemas.microsoft.com/office/drawing/2016/SVG/main" r:embed="rId40"/>
                 </a:ext>
               </a:extLst>
             </a:blip>
@@ -8808,13 +9990,13 @@
             <p:nvPr/>
           </p:nvPicPr>
           <p:blipFill>
-            <a:blip r:embed="rId35">
+            <a:blip r:embed="rId41">
               <a:extLst>
                 <a:ext uri="{28A0092B-C50C-407E-A947-70E740481C1C}">
                   <a14:useLocalDpi xmlns:a14="http://schemas.microsoft.com/office/drawing/2010/main" val="0"/>
                 </a:ext>
                 <a:ext uri="{96DAC541-7B7A-43D3-8B79-37D633B846F1}">
-                  <asvg:svgBlip xmlns:asvg="http://schemas.microsoft.com/office/drawing/2016/SVG/main" r:embed="rId36"/>
+                  <asvg:svgBlip xmlns:asvg="http://schemas.microsoft.com/office/drawing/2016/SVG/main" r:embed="rId42"/>
                 </a:ext>
               </a:extLst>
             </a:blip>
@@ -8900,186 +10082,6 @@
           <p:nvPr/>
         </p:nvPicPr>
         <p:blipFill>
-          <a:blip r:embed="rId37"/>
-          <a:stretch>
-            <a:fillRect/>
-          </a:stretch>
-        </p:blipFill>
-        <p:spPr>
-          <a:xfrm>
-            <a:off x="1484084" y="1557689"/>
-            <a:ext cx="581969" cy="360000"/>
-          </a:xfrm>
-          <a:prstGeom prst="rect">
-            <a:avLst/>
-          </a:prstGeom>
-        </p:spPr>
-      </p:pic>
-      <p:pic>
-        <p:nvPicPr>
-          <p:cNvPr id="124" name="Picture 123">
-            <a:extLst>
-              <a:ext uri="{FF2B5EF4-FFF2-40B4-BE49-F238E27FC236}">
-                <a16:creationId xmlns:a16="http://schemas.microsoft.com/office/drawing/2014/main" id="{EFEF2B7A-8712-648E-2575-9E551DB6EAB1}"/>
-              </a:ext>
-            </a:extLst>
-          </p:cNvPr>
-          <p:cNvPicPr>
-            <a:picLocks noChangeAspect="1"/>
-          </p:cNvPicPr>
-          <p:nvPr/>
-        </p:nvPicPr>
-        <p:blipFill>
-          <a:blip r:embed="rId38"/>
-          <a:stretch>
-            <a:fillRect/>
-          </a:stretch>
-        </p:blipFill>
-        <p:spPr>
-          <a:xfrm>
-            <a:off x="1294600" y="5682368"/>
-            <a:ext cx="585001" cy="360000"/>
-          </a:xfrm>
-          <a:prstGeom prst="rect">
-            <a:avLst/>
-          </a:prstGeom>
-        </p:spPr>
-      </p:pic>
-      <p:pic>
-        <p:nvPicPr>
-          <p:cNvPr id="125" name="Picture 124">
-            <a:extLst>
-              <a:ext uri="{FF2B5EF4-FFF2-40B4-BE49-F238E27FC236}">
-                <a16:creationId xmlns:a16="http://schemas.microsoft.com/office/drawing/2014/main" id="{2CA2BF9F-862D-255F-3400-CC91349291F0}"/>
-              </a:ext>
-            </a:extLst>
-          </p:cNvPr>
-          <p:cNvPicPr>
-            <a:picLocks noChangeAspect="1"/>
-          </p:cNvPicPr>
-          <p:nvPr/>
-        </p:nvPicPr>
-        <p:blipFill>
-          <a:blip r:embed="rId39"/>
-          <a:stretch>
-            <a:fillRect/>
-          </a:stretch>
-        </p:blipFill>
-        <p:spPr>
-          <a:xfrm>
-            <a:off x="1294600" y="6222736"/>
-            <a:ext cx="581969" cy="360000"/>
-          </a:xfrm>
-          <a:prstGeom prst="rect">
-            <a:avLst/>
-          </a:prstGeom>
-        </p:spPr>
-      </p:pic>
-      <p:pic>
-        <p:nvPicPr>
-          <p:cNvPr id="126" name="Picture 125">
-            <a:extLst>
-              <a:ext uri="{FF2B5EF4-FFF2-40B4-BE49-F238E27FC236}">
-                <a16:creationId xmlns:a16="http://schemas.microsoft.com/office/drawing/2014/main" id="{832D3ED2-03E8-230A-52AD-20D8D458E5F9}"/>
-              </a:ext>
-            </a:extLst>
-          </p:cNvPr>
-          <p:cNvPicPr>
-            <a:picLocks noChangeAspect="1"/>
-          </p:cNvPicPr>
-          <p:nvPr/>
-        </p:nvPicPr>
-        <p:blipFill>
-          <a:blip r:embed="rId40"/>
-          <a:stretch>
-            <a:fillRect/>
-          </a:stretch>
-        </p:blipFill>
-        <p:spPr>
-          <a:xfrm>
-            <a:off x="1294600" y="6763104"/>
-            <a:ext cx="585001" cy="360000"/>
-          </a:xfrm>
-          <a:prstGeom prst="rect">
-            <a:avLst/>
-          </a:prstGeom>
-        </p:spPr>
-      </p:pic>
-      <p:pic>
-        <p:nvPicPr>
-          <p:cNvPr id="129" name="Picture 128">
-            <a:extLst>
-              <a:ext uri="{FF2B5EF4-FFF2-40B4-BE49-F238E27FC236}">
-                <a16:creationId xmlns:a16="http://schemas.microsoft.com/office/drawing/2014/main" id="{388474CF-593B-0F75-AD03-CDF203A02747}"/>
-              </a:ext>
-            </a:extLst>
-          </p:cNvPr>
-          <p:cNvPicPr>
-            <a:picLocks noChangeAspect="1"/>
-          </p:cNvPicPr>
-          <p:nvPr/>
-        </p:nvPicPr>
-        <p:blipFill>
-          <a:blip r:embed="rId41"/>
-          <a:stretch>
-            <a:fillRect/>
-          </a:stretch>
-        </p:blipFill>
-        <p:spPr>
-          <a:xfrm>
-            <a:off x="3343589" y="5682368"/>
-            <a:ext cx="581969" cy="360000"/>
-          </a:xfrm>
-          <a:prstGeom prst="rect">
-            <a:avLst/>
-          </a:prstGeom>
-        </p:spPr>
-      </p:pic>
-      <p:pic>
-        <p:nvPicPr>
-          <p:cNvPr id="131" name="Picture 130">
-            <a:extLst>
-              <a:ext uri="{FF2B5EF4-FFF2-40B4-BE49-F238E27FC236}">
-                <a16:creationId xmlns:a16="http://schemas.microsoft.com/office/drawing/2014/main" id="{D1286CD4-6048-4ED2-8436-C7B596346BD6}"/>
-              </a:ext>
-            </a:extLst>
-          </p:cNvPr>
-          <p:cNvPicPr>
-            <a:picLocks noChangeAspect="1"/>
-          </p:cNvPicPr>
-          <p:nvPr/>
-        </p:nvPicPr>
-        <p:blipFill>
-          <a:blip r:embed="rId42"/>
-          <a:stretch>
-            <a:fillRect/>
-          </a:stretch>
-        </p:blipFill>
-        <p:spPr>
-          <a:xfrm>
-            <a:off x="3343589" y="6222736"/>
-            <a:ext cx="581969" cy="360000"/>
-          </a:xfrm>
-          <a:prstGeom prst="rect">
-            <a:avLst/>
-          </a:prstGeom>
-        </p:spPr>
-      </p:pic>
-      <p:pic>
-        <p:nvPicPr>
-          <p:cNvPr id="133" name="Picture 132">
-            <a:extLst>
-              <a:ext uri="{FF2B5EF4-FFF2-40B4-BE49-F238E27FC236}">
-                <a16:creationId xmlns:a16="http://schemas.microsoft.com/office/drawing/2014/main" id="{C1807162-37B8-C0DF-D455-1540290B49C7}"/>
-              </a:ext>
-            </a:extLst>
-          </p:cNvPr>
-          <p:cNvPicPr>
-            <a:picLocks noChangeAspect="1"/>
-          </p:cNvPicPr>
-          <p:nvPr/>
-        </p:nvPicPr>
-        <p:blipFill>
           <a:blip r:embed="rId43"/>
           <a:stretch>
             <a:fillRect/>
@@ -9087,38 +10089,8 @@
         </p:blipFill>
         <p:spPr>
           <a:xfrm>
-            <a:off x="3343589" y="6763104"/>
+            <a:off x="7842200" y="2961161"/>
             <a:ext cx="581969" cy="360000"/>
-          </a:xfrm>
-          <a:prstGeom prst="rect">
-            <a:avLst/>
-          </a:prstGeom>
-        </p:spPr>
-      </p:pic>
-      <p:pic>
-        <p:nvPicPr>
-          <p:cNvPr id="135" name="Picture 134">
-            <a:extLst>
-              <a:ext uri="{FF2B5EF4-FFF2-40B4-BE49-F238E27FC236}">
-                <a16:creationId xmlns:a16="http://schemas.microsoft.com/office/drawing/2014/main" id="{82CD2226-DF9C-FAFA-FA06-C6646FA6754B}"/>
-              </a:ext>
-            </a:extLst>
-          </p:cNvPr>
-          <p:cNvPicPr>
-            <a:picLocks noChangeAspect="1"/>
-          </p:cNvPicPr>
-          <p:nvPr/>
-        </p:nvPicPr>
-        <p:blipFill>
-          <a:blip r:embed="rId44"/>
-          <a:stretch>
-            <a:fillRect/>
-          </a:stretch>
-        </p:blipFill>
-        <p:spPr>
-          <a:xfrm>
-            <a:off x="3343589" y="7303472"/>
-            <a:ext cx="583125" cy="360000"/>
           </a:xfrm>
           <a:prstGeom prst="rect">
             <a:avLst/>
@@ -9140,14 +10112,14 @@
           <p:nvPr/>
         </p:nvPicPr>
         <p:blipFill>
-          <a:blip r:embed="rId45"/>
+          <a:blip r:embed="rId44"/>
           <a:stretch>
             <a:fillRect/>
           </a:stretch>
         </p:blipFill>
         <p:spPr>
           <a:xfrm>
-            <a:off x="5531642" y="5966064"/>
+            <a:off x="12257878" y="4844673"/>
             <a:ext cx="581969" cy="360000"/>
           </a:xfrm>
           <a:prstGeom prst="rect">
@@ -9170,14 +10142,14 @@
           <p:nvPr/>
         </p:nvPicPr>
         <p:blipFill>
-          <a:blip r:embed="rId46"/>
+          <a:blip r:embed="rId45"/>
           <a:stretch>
             <a:fillRect/>
           </a:stretch>
         </p:blipFill>
         <p:spPr>
           <a:xfrm>
-            <a:off x="5531642" y="5682368"/>
+            <a:off x="12257878" y="4560977"/>
             <a:ext cx="581969" cy="360000"/>
           </a:xfrm>
           <a:prstGeom prst="rect">
@@ -9200,14 +10172,14 @@
           <p:nvPr/>
         </p:nvPicPr>
         <p:blipFill>
-          <a:blip r:embed="rId47"/>
+          <a:blip r:embed="rId46"/>
           <a:stretch>
             <a:fillRect/>
           </a:stretch>
         </p:blipFill>
         <p:spPr>
           <a:xfrm>
-            <a:off x="5531642" y="6506432"/>
+            <a:off x="12257878" y="5385041"/>
             <a:ext cx="581969" cy="360000"/>
           </a:xfrm>
           <a:prstGeom prst="rect">
@@ -9230,6 +10202,36 @@
           <p:nvPr/>
         </p:nvPicPr>
         <p:blipFill>
+          <a:blip r:embed="rId47"/>
+          <a:stretch>
+            <a:fillRect/>
+          </a:stretch>
+        </p:blipFill>
+        <p:spPr>
+          <a:xfrm>
+            <a:off x="12257878" y="5925407"/>
+            <a:ext cx="585001" cy="360000"/>
+          </a:xfrm>
+          <a:prstGeom prst="rect">
+            <a:avLst/>
+          </a:prstGeom>
+        </p:spPr>
+      </p:pic>
+      <p:pic>
+        <p:nvPicPr>
+          <p:cNvPr id="3" name="Picture 2">
+            <a:extLst>
+              <a:ext uri="{FF2B5EF4-FFF2-40B4-BE49-F238E27FC236}">
+                <a16:creationId xmlns:a16="http://schemas.microsoft.com/office/drawing/2014/main" id="{C622FAF2-C505-128A-8928-494005D43AD6}"/>
+              </a:ext>
+            </a:extLst>
+          </p:cNvPr>
+          <p:cNvPicPr>
+            <a:picLocks noChangeAspect="1"/>
+          </p:cNvPicPr>
+          <p:nvPr/>
+        </p:nvPicPr>
+        <p:blipFill>
           <a:blip r:embed="rId48"/>
           <a:stretch>
             <a:fillRect/>
@@ -9237,110 +10239,336 @@
         </p:blipFill>
         <p:spPr>
           <a:xfrm>
-            <a:off x="5531642" y="7046798"/>
-            <a:ext cx="585001" cy="360000"/>
+            <a:off x="10184603" y="6001713"/>
+            <a:ext cx="585000" cy="360000"/>
           </a:xfrm>
           <a:prstGeom prst="rect">
             <a:avLst/>
           </a:prstGeom>
         </p:spPr>
       </p:pic>
-      <p:sp>
-        <p:nvSpPr>
-          <p:cNvPr id="157" name="TextBox 156">
+      <p:pic>
+        <p:nvPicPr>
+          <p:cNvPr id="6" name="Picture 5">
             <a:extLst>
               <a:ext uri="{FF2B5EF4-FFF2-40B4-BE49-F238E27FC236}">
-                <a16:creationId xmlns:a16="http://schemas.microsoft.com/office/drawing/2014/main" id="{28013E36-5A51-5F57-A384-156C14241051}"/>
+                <a16:creationId xmlns:a16="http://schemas.microsoft.com/office/drawing/2014/main" id="{F895D51C-03F4-D4B2-4BB3-CD89E07FE61C}"/>
               </a:ext>
             </a:extLst>
           </p:cNvPr>
-          <p:cNvSpPr txBox="1"/>
+          <p:cNvPicPr>
+            <a:picLocks noChangeAspect="1"/>
+          </p:cNvPicPr>
           <p:nvPr/>
-        </p:nvSpPr>
+        </p:nvPicPr>
+        <p:blipFill>
+          <a:blip r:embed="rId49"/>
+          <a:stretch>
+            <a:fillRect/>
+          </a:stretch>
+        </p:blipFill>
         <p:spPr>
           <a:xfrm>
-            <a:off x="5593828" y="1909763"/>
-            <a:ext cx="3600000" cy="2062103"/>
+            <a:off x="10170315" y="4380977"/>
+            <a:ext cx="581969" cy="360000"/>
           </a:xfrm>
           <a:prstGeom prst="rect">
             <a:avLst/>
           </a:prstGeom>
-          <a:noFill/>
-          <a:ln w="3175">
-            <a:solidFill>
-              <a:schemeClr val="tx1">
-                <a:lumMod val="65000"/>
-                <a:lumOff val="35000"/>
-              </a:schemeClr>
-            </a:solidFill>
-          </a:ln>
         </p:spPr>
-        <p:txBody>
-          <a:bodyPr wrap="square" rtlCol="0">
-            <a:spAutoFit/>
-          </a:bodyPr>
-          <a:lstStyle/>
-          <a:p>
-            <a:pPr algn="ctr"/>
-            <a:r>
-              <a:rPr lang="en-GB" sz="1600" b="1">
-                <a:solidFill>
-                  <a:schemeClr val="tx1">
-                    <a:lumMod val="75000"/>
-                    <a:lumOff val="25000"/>
-                  </a:schemeClr>
-                </a:solidFill>
-              </a:rPr>
-              <a:t>Sensitivity Analysis n.1 </a:t>
-            </a:r>
-          </a:p>
-          <a:p>
-            <a:pPr algn="ctr"/>
-            <a:r>
-              <a:rPr lang="en-GB" sz="1600" i="1">
-                <a:solidFill>
-                  <a:schemeClr val="tx1">
-                    <a:lumMod val="75000"/>
-                    <a:lumOff val="25000"/>
-                  </a:schemeClr>
-                </a:solidFill>
-              </a:rPr>
-              <a:t>Assess how the ANN’s accuracy is sensitive to having sparse and scarce flood reports in the training phase. </a:t>
-            </a:r>
-          </a:p>
-          <a:p>
-            <a:pPr algn="ctr"/>
-            <a:endParaRPr lang="en-GB" sz="1600">
-              <a:solidFill>
-                <a:schemeClr val="tx1">
-                  <a:lumMod val="75000"/>
-                  <a:lumOff val="25000"/>
-                </a:schemeClr>
-              </a:solidFill>
-            </a:endParaRPr>
-          </a:p>
-          <a:p>
-            <a:pPr algn="ctr"/>
-            <a:r>
-              <a:rPr lang="en-GB" sz="1600">
-                <a:solidFill>
-                  <a:schemeClr val="tx1">
-                    <a:lumMod val="75000"/>
-                    <a:lumOff val="25000"/>
-                  </a:schemeClr>
-                </a:solidFill>
-              </a:rPr>
-              <a:t>This was simulated by randomly reducing the flood reports by 10%, 20%, ….., and 90% on each day of the training dataset.  </a:t>
-            </a:r>
-          </a:p>
-        </p:txBody>
-      </p:sp>
+      </p:pic>
+      <p:pic>
+        <p:nvPicPr>
+          <p:cNvPr id="25" name="Picture 24">
+            <a:extLst>
+              <a:ext uri="{FF2B5EF4-FFF2-40B4-BE49-F238E27FC236}">
+                <a16:creationId xmlns:a16="http://schemas.microsoft.com/office/drawing/2014/main" id="{2480E38B-F632-0957-2878-99E301E90262}"/>
+              </a:ext>
+            </a:extLst>
+          </p:cNvPr>
+          <p:cNvPicPr>
+            <a:picLocks noChangeAspect="1"/>
+          </p:cNvPicPr>
+          <p:nvPr/>
+        </p:nvPicPr>
+        <p:blipFill>
+          <a:blip r:embed="rId50"/>
+          <a:stretch>
+            <a:fillRect/>
+          </a:stretch>
+        </p:blipFill>
+        <p:spPr>
+          <a:xfrm>
+            <a:off x="10176967" y="4879746"/>
+            <a:ext cx="581969" cy="360000"/>
+          </a:xfrm>
+          <a:prstGeom prst="rect">
+            <a:avLst/>
+          </a:prstGeom>
+        </p:spPr>
+      </p:pic>
+      <p:pic>
+        <p:nvPicPr>
+          <p:cNvPr id="26" name="Picture 25">
+            <a:extLst>
+              <a:ext uri="{FF2B5EF4-FFF2-40B4-BE49-F238E27FC236}">
+                <a16:creationId xmlns:a16="http://schemas.microsoft.com/office/drawing/2014/main" id="{129400E3-B23D-9424-E1F1-A14CB38222F2}"/>
+              </a:ext>
+            </a:extLst>
+          </p:cNvPr>
+          <p:cNvPicPr>
+            <a:picLocks noChangeAspect="1"/>
+          </p:cNvPicPr>
+          <p:nvPr/>
+        </p:nvPicPr>
+        <p:blipFill>
+          <a:blip r:embed="rId51"/>
+          <a:stretch>
+            <a:fillRect/>
+          </a:stretch>
+        </p:blipFill>
+        <p:spPr>
+          <a:xfrm>
+            <a:off x="10184603" y="5442087"/>
+            <a:ext cx="581969" cy="360000"/>
+          </a:xfrm>
+          <a:prstGeom prst="rect">
+            <a:avLst/>
+          </a:prstGeom>
+        </p:spPr>
+      </p:pic>
+      <p:pic>
+        <p:nvPicPr>
+          <p:cNvPr id="27" name="Picture 26">
+            <a:extLst>
+              <a:ext uri="{FF2B5EF4-FFF2-40B4-BE49-F238E27FC236}">
+                <a16:creationId xmlns:a16="http://schemas.microsoft.com/office/drawing/2014/main" id="{2B8BEB7A-7D25-B15B-3B57-D99932D1AEDB}"/>
+              </a:ext>
+            </a:extLst>
+          </p:cNvPr>
+          <p:cNvPicPr>
+            <a:picLocks noChangeAspect="1"/>
+          </p:cNvPicPr>
+          <p:nvPr/>
+        </p:nvPicPr>
+        <p:blipFill>
+          <a:blip r:embed="rId52"/>
+          <a:stretch>
+            <a:fillRect/>
+          </a:stretch>
+        </p:blipFill>
+        <p:spPr>
+          <a:xfrm>
+            <a:off x="7654778" y="5416446"/>
+            <a:ext cx="585000" cy="360000"/>
+          </a:xfrm>
+          <a:prstGeom prst="rect">
+            <a:avLst/>
+          </a:prstGeom>
+        </p:spPr>
+      </p:pic>
+      <p:pic>
+        <p:nvPicPr>
+          <p:cNvPr id="28" name="Picture 27">
+            <a:extLst>
+              <a:ext uri="{FF2B5EF4-FFF2-40B4-BE49-F238E27FC236}">
+                <a16:creationId xmlns:a16="http://schemas.microsoft.com/office/drawing/2014/main" id="{5486BB4E-D2CD-E8D5-E8F4-09BACD13C403}"/>
+              </a:ext>
+            </a:extLst>
+          </p:cNvPr>
+          <p:cNvPicPr>
+            <a:picLocks noChangeAspect="1"/>
+          </p:cNvPicPr>
+          <p:nvPr/>
+        </p:nvPicPr>
+        <p:blipFill>
+          <a:blip r:embed="rId53"/>
+          <a:stretch>
+            <a:fillRect/>
+          </a:stretch>
+        </p:blipFill>
+        <p:spPr>
+          <a:xfrm>
+            <a:off x="7657809" y="4920977"/>
+            <a:ext cx="581969" cy="360000"/>
+          </a:xfrm>
+          <a:prstGeom prst="rect">
+            <a:avLst/>
+          </a:prstGeom>
+        </p:spPr>
+      </p:pic>
+      <p:pic>
+        <p:nvPicPr>
+          <p:cNvPr id="34" name="Picture 33">
+            <a:extLst>
+              <a:ext uri="{FF2B5EF4-FFF2-40B4-BE49-F238E27FC236}">
+                <a16:creationId xmlns:a16="http://schemas.microsoft.com/office/drawing/2014/main" id="{0121805E-37D1-C3F3-9DE3-AB265BC19826}"/>
+              </a:ext>
+            </a:extLst>
+          </p:cNvPr>
+          <p:cNvPicPr>
+            <a:picLocks noChangeAspect="1"/>
+          </p:cNvPicPr>
+          <p:nvPr/>
+        </p:nvPicPr>
+        <p:blipFill>
+          <a:blip r:embed="rId54"/>
+          <a:stretch>
+            <a:fillRect/>
+          </a:stretch>
+        </p:blipFill>
+        <p:spPr>
+          <a:xfrm>
+            <a:off x="9116067" y="2971186"/>
+            <a:ext cx="581969" cy="360000"/>
+          </a:xfrm>
+          <a:prstGeom prst="rect">
+            <a:avLst/>
+          </a:prstGeom>
+        </p:spPr>
+      </p:pic>
+      <p:pic>
+        <p:nvPicPr>
+          <p:cNvPr id="35" name="Picture 34">
+            <a:extLst>
+              <a:ext uri="{FF2B5EF4-FFF2-40B4-BE49-F238E27FC236}">
+                <a16:creationId xmlns:a16="http://schemas.microsoft.com/office/drawing/2014/main" id="{33E34BA3-7905-B069-DCF8-207ED02AC316}"/>
+              </a:ext>
+            </a:extLst>
+          </p:cNvPr>
+          <p:cNvPicPr>
+            <a:picLocks noChangeAspect="1"/>
+          </p:cNvPicPr>
+          <p:nvPr/>
+        </p:nvPicPr>
+        <p:blipFill>
+          <a:blip r:embed="rId55"/>
+          <a:stretch>
+            <a:fillRect/>
+          </a:stretch>
+        </p:blipFill>
+        <p:spPr>
+          <a:xfrm>
+            <a:off x="7670176" y="4327918"/>
+            <a:ext cx="585000" cy="360000"/>
+          </a:xfrm>
+          <a:prstGeom prst="rect">
+            <a:avLst/>
+          </a:prstGeom>
+        </p:spPr>
+      </p:pic>
+      <p:pic>
+        <p:nvPicPr>
+          <p:cNvPr id="37" name="Picture 36">
+            <a:extLst>
+              <a:ext uri="{FF2B5EF4-FFF2-40B4-BE49-F238E27FC236}">
+                <a16:creationId xmlns:a16="http://schemas.microsoft.com/office/drawing/2014/main" id="{95F23B9F-8C0C-0900-78BB-710D8946859C}"/>
+              </a:ext>
+            </a:extLst>
+          </p:cNvPr>
+          <p:cNvPicPr>
+            <a:picLocks noChangeAspect="1"/>
+          </p:cNvPicPr>
+          <p:nvPr/>
+        </p:nvPicPr>
+        <p:blipFill>
+          <a:blip r:embed="rId56"/>
+          <a:stretch>
+            <a:fillRect/>
+          </a:stretch>
+        </p:blipFill>
+        <p:spPr>
+          <a:xfrm>
+            <a:off x="9698036" y="3598247"/>
+            <a:ext cx="914400" cy="466725"/>
+          </a:xfrm>
+          <a:prstGeom prst="rect">
+            <a:avLst/>
+          </a:prstGeom>
+        </p:spPr>
+      </p:pic>
+    </p:spTree>
+    <p:extLst>
+      <p:ext uri="{BB962C8B-B14F-4D97-AF65-F5344CB8AC3E}">
+        <p14:creationId xmlns:p14="http://schemas.microsoft.com/office/powerpoint/2010/main" val="3526088048"/>
+      </p:ext>
+    </p:extLst>
+  </p:cSld>
+  <p:clrMapOvr>
+    <a:masterClrMapping/>
+  </p:clrMapOvr>
+</p:sld>
+</file>
+
+<file path=ppt/slides/slide2.xml><?xml version="1.0" encoding="utf-8"?>
+<p:sld xmlns:a="http://schemas.openxmlformats.org/drawingml/2006/main" xmlns:r="http://schemas.openxmlformats.org/officeDocument/2006/relationships" xmlns:p="http://schemas.openxmlformats.org/presentationml/2006/main">
+  <p:cSld>
+    <p:spTree>
+      <p:nvGrpSpPr>
+        <p:cNvPr id="1" name=""/>
+        <p:cNvGrpSpPr/>
+        <p:nvPr/>
+      </p:nvGrpSpPr>
+      <p:grpSpPr>
+        <a:xfrm>
+          <a:off x="0" y="0"/>
+          <a:ext cx="0" cy="0"/>
+          <a:chOff x="0" y="0"/>
+          <a:chExt cx="0" cy="0"/>
+        </a:xfrm>
+      </p:grpSpPr>
+      <p:pic>
+        <p:nvPicPr>
+          <p:cNvPr id="126" name="Graphic 125" descr="Laptop with solid fill">
+            <a:extLst>
+              <a:ext uri="{FF2B5EF4-FFF2-40B4-BE49-F238E27FC236}">
+                <a16:creationId xmlns:a16="http://schemas.microsoft.com/office/drawing/2014/main" id="{D01EA0A9-8DAE-2763-234B-56E45FFFDBD3}"/>
+              </a:ext>
+            </a:extLst>
+          </p:cNvPr>
+          <p:cNvPicPr>
+            <a:picLocks noChangeAspect="1"/>
+          </p:cNvPicPr>
+          <p:nvPr/>
+        </p:nvPicPr>
+        <p:blipFill>
+          <a:blip r:embed="rId2">
+            <a:extLst>
+              <a:ext uri="{28A0092B-C50C-407E-A947-70E740481C1C}">
+                <a14:useLocalDpi xmlns:a14="http://schemas.microsoft.com/office/drawing/2010/main" val="0"/>
+              </a:ext>
+              <a:ext uri="{96DAC541-7B7A-43D3-8B79-37D633B846F1}">
+                <asvg:svgBlip xmlns:asvg="http://schemas.microsoft.com/office/drawing/2016/SVG/main" r:embed="rId3"/>
+              </a:ext>
+            </a:extLst>
+          </a:blip>
+          <a:stretch>
+            <a:fillRect/>
+          </a:stretch>
+        </p:blipFill>
+        <p:spPr>
+          <a:xfrm>
+            <a:off x="3295209" y="1422056"/>
+            <a:ext cx="360000" cy="360000"/>
+          </a:xfrm>
+          <a:prstGeom prst="rect">
+            <a:avLst/>
+          </a:prstGeom>
+          <a:effectLst>
+            <a:outerShdw blurRad="50800" dist="38100" dir="2700000" algn="tl" rotWithShape="0">
+              <a:prstClr val="black">
+                <a:alpha val="40000"/>
+              </a:prstClr>
+            </a:outerShdw>
+          </a:effectLst>
+        </p:spPr>
+      </p:pic>
       <p:sp>
         <p:nvSpPr>
-          <p:cNvPr id="158" name="Rectangle: Rounded Corners 157">
+          <p:cNvPr id="127" name="Circle: Hollow 126">
             <a:extLst>
               <a:ext uri="{FF2B5EF4-FFF2-40B4-BE49-F238E27FC236}">
-                <a16:creationId xmlns:a16="http://schemas.microsoft.com/office/drawing/2014/main" id="{4FD99450-9881-B199-76D9-0ACFA1B675B1}"/>
+                <a16:creationId xmlns:a16="http://schemas.microsoft.com/office/drawing/2014/main" id="{58CD9331-7045-1367-867A-B64611156DA1}"/>
               </a:ext>
             </a:extLst>
           </p:cNvPr>
@@ -9349,24 +10577,17 @@
         </p:nvSpPr>
         <p:spPr>
           <a:xfrm>
-            <a:off x="456177" y="3962874"/>
-            <a:ext cx="2055813" cy="800100"/>
+            <a:off x="2305413" y="609816"/>
+            <a:ext cx="2160000" cy="2160000"/>
           </a:xfrm>
-          <a:prstGeom prst="roundRect">
-            <a:avLst>
-              <a:gd name="adj" fmla="val 50000"/>
-            </a:avLst>
+          <a:prstGeom prst="donut">
+            <a:avLst/>
           </a:prstGeom>
           <a:solidFill>
-            <a:schemeClr val="bg1"/>
+            <a:srgbClr val="5BB0BA"/>
           </a:solidFill>
-          <a:ln w="3175">
-            <a:solidFill>
-              <a:schemeClr val="tx1">
-                <a:lumMod val="65000"/>
-                <a:lumOff val="35000"/>
-              </a:schemeClr>
-            </a:solidFill>
+          <a:ln>
+            <a:noFill/>
           </a:ln>
         </p:spPr>
         <p:style>
@@ -9390,61 +10611,3558 @@
           <a:lstStyle/>
           <a:p>
             <a:pPr algn="ctr"/>
+            <a:endParaRPr lang="en-GB">
+              <a:solidFill>
+                <a:schemeClr val="tx1"/>
+              </a:solidFill>
+            </a:endParaRPr>
+          </a:p>
+        </p:txBody>
+      </p:sp>
+      <p:sp>
+        <p:nvSpPr>
+          <p:cNvPr id="128" name="Circle: Hollow 127">
+            <a:extLst>
+              <a:ext uri="{FF2B5EF4-FFF2-40B4-BE49-F238E27FC236}">
+                <a16:creationId xmlns:a16="http://schemas.microsoft.com/office/drawing/2014/main" id="{4045113E-AAE1-89B7-FDFB-1C81F0E7D41A}"/>
+              </a:ext>
+            </a:extLst>
+          </p:cNvPr>
+          <p:cNvSpPr/>
+          <p:nvPr/>
+        </p:nvSpPr>
+        <p:spPr>
+          <a:xfrm>
+            <a:off x="1503379" y="2023957"/>
+            <a:ext cx="2160000" cy="2160000"/>
+          </a:xfrm>
+          <a:prstGeom prst="donut">
+            <a:avLst/>
+          </a:prstGeom>
+          <a:solidFill>
+            <a:srgbClr val="E43D40"/>
+          </a:solidFill>
+          <a:ln>
+            <a:noFill/>
+          </a:ln>
+        </p:spPr>
+        <p:style>
+          <a:lnRef idx="2">
+            <a:schemeClr val="accent1">
+              <a:shade val="15000"/>
+            </a:schemeClr>
+          </a:lnRef>
+          <a:fillRef idx="1">
+            <a:schemeClr val="accent1"/>
+          </a:fillRef>
+          <a:effectRef idx="0">
+            <a:schemeClr val="accent1"/>
+          </a:effectRef>
+          <a:fontRef idx="minor">
+            <a:schemeClr val="lt1"/>
+          </a:fontRef>
+        </p:style>
+        <p:txBody>
+          <a:bodyPr rtlCol="0" anchor="ctr"/>
+          <a:lstStyle/>
+          <a:p>
+            <a:pPr algn="ctr"/>
+            <a:endParaRPr lang="en-GB" dirty="0">
+              <a:solidFill>
+                <a:schemeClr val="tx1"/>
+              </a:solidFill>
+            </a:endParaRPr>
+          </a:p>
+        </p:txBody>
+      </p:sp>
+      <p:sp>
+        <p:nvSpPr>
+          <p:cNvPr id="129" name="Circle: Hollow 128">
+            <a:extLst>
+              <a:ext uri="{FF2B5EF4-FFF2-40B4-BE49-F238E27FC236}">
+                <a16:creationId xmlns:a16="http://schemas.microsoft.com/office/drawing/2014/main" id="{5AB2BD08-9C3B-C319-8CF7-FF2F0DEB298D}"/>
+              </a:ext>
+            </a:extLst>
+          </p:cNvPr>
+          <p:cNvSpPr/>
+          <p:nvPr/>
+        </p:nvSpPr>
+        <p:spPr>
+          <a:xfrm>
+            <a:off x="3118117" y="2014229"/>
+            <a:ext cx="2160000" cy="2160000"/>
+          </a:xfrm>
+          <a:prstGeom prst="donut">
+            <a:avLst/>
+          </a:prstGeom>
+          <a:solidFill>
+            <a:srgbClr val="FF9636"/>
+          </a:solidFill>
+          <a:ln>
+            <a:noFill/>
+          </a:ln>
+        </p:spPr>
+        <p:style>
+          <a:lnRef idx="2">
+            <a:schemeClr val="accent1">
+              <a:shade val="15000"/>
+            </a:schemeClr>
+          </a:lnRef>
+          <a:fillRef idx="1">
+            <a:schemeClr val="accent1"/>
+          </a:fillRef>
+          <a:effectRef idx="0">
+            <a:schemeClr val="accent1"/>
+          </a:effectRef>
+          <a:fontRef idx="minor">
+            <a:schemeClr val="lt1"/>
+          </a:fontRef>
+        </p:style>
+        <p:txBody>
+          <a:bodyPr rtlCol="0" anchor="ctr"/>
+          <a:lstStyle/>
+          <a:p>
+            <a:pPr algn="ctr"/>
+            <a:endParaRPr lang="en-GB" dirty="0">
+              <a:solidFill>
+                <a:schemeClr val="tx1"/>
+              </a:solidFill>
+            </a:endParaRPr>
+          </a:p>
+        </p:txBody>
+      </p:sp>
+      <p:sp>
+        <p:nvSpPr>
+          <p:cNvPr id="130" name="Freeform: Shape 129">
+            <a:extLst>
+              <a:ext uri="{FF2B5EF4-FFF2-40B4-BE49-F238E27FC236}">
+                <a16:creationId xmlns:a16="http://schemas.microsoft.com/office/drawing/2014/main" id="{F97B0191-5FCE-D0CD-308A-B223182BC67D}"/>
+              </a:ext>
+            </a:extLst>
+          </p:cNvPr>
+          <p:cNvSpPr/>
+          <p:nvPr/>
+        </p:nvSpPr>
+        <p:spPr>
+          <a:xfrm>
+            <a:off x="3439738" y="1655942"/>
+            <a:ext cx="1025675" cy="1127321"/>
+          </a:xfrm>
+          <a:custGeom>
+            <a:avLst/>
+            <a:gdLst>
+              <a:gd name="connsiteX0" fmla="*/ 449450 w 899450"/>
+              <a:gd name="connsiteY0" fmla="*/ 0 h 894542"/>
+              <a:gd name="connsiteX1" fmla="*/ 899450 w 899450"/>
+              <a:gd name="connsiteY1" fmla="*/ 0 h 894542"/>
+              <a:gd name="connsiteX2" fmla="*/ 881715 w 899450"/>
+              <a:gd name="connsiteY2" fmla="*/ 175924 h 894542"/>
+              <a:gd name="connsiteX3" fmla="*/ 0 w 899450"/>
+              <a:gd name="connsiteY3" fmla="*/ 894542 h 894542"/>
+              <a:gd name="connsiteX4" fmla="*/ 0 w 899450"/>
+              <a:gd name="connsiteY4" fmla="*/ 444542 h 894542"/>
+              <a:gd name="connsiteX5" fmla="*/ 440858 w 899450"/>
+              <a:gd name="connsiteY5" fmla="*/ 85233 h 894542"/>
+            </a:gdLst>
+            <a:ahLst/>
+            <a:cxnLst>
+              <a:cxn ang="0">
+                <a:pos x="connsiteX0" y="connsiteY0"/>
+              </a:cxn>
+              <a:cxn ang="0">
+                <a:pos x="connsiteX1" y="connsiteY1"/>
+              </a:cxn>
+              <a:cxn ang="0">
+                <a:pos x="connsiteX2" y="connsiteY2"/>
+              </a:cxn>
+              <a:cxn ang="0">
+                <a:pos x="connsiteX3" y="connsiteY3"/>
+              </a:cxn>
+              <a:cxn ang="0">
+                <a:pos x="connsiteX4" y="connsiteY4"/>
+              </a:cxn>
+              <a:cxn ang="0">
+                <a:pos x="connsiteX5" y="connsiteY5"/>
+              </a:cxn>
+            </a:cxnLst>
+            <a:rect l="l" t="t" r="r" b="b"/>
+            <a:pathLst>
+              <a:path w="899450" h="894542">
+                <a:moveTo>
+                  <a:pt x="449450" y="0"/>
+                </a:moveTo>
+                <a:lnTo>
+                  <a:pt x="899450" y="0"/>
+                </a:lnTo>
+                <a:lnTo>
+                  <a:pt x="881715" y="175924"/>
+                </a:lnTo>
+                <a:cubicBezTo>
+                  <a:pt x="797794" y="586038"/>
+                  <a:pt x="434924" y="894542"/>
+                  <a:pt x="0" y="894542"/>
+                </a:cubicBezTo>
+                <a:lnTo>
+                  <a:pt x="0" y="444542"/>
+                </a:lnTo>
+                <a:cubicBezTo>
+                  <a:pt x="217462" y="444542"/>
+                  <a:pt x="398897" y="290290"/>
+                  <a:pt x="440858" y="85233"/>
+                </a:cubicBezTo>
+                <a:close/>
+              </a:path>
+            </a:pathLst>
+          </a:custGeom>
+          <a:solidFill>
+            <a:srgbClr val="5BB0BA"/>
+          </a:solidFill>
+          <a:ln>
+            <a:noFill/>
+          </a:ln>
+        </p:spPr>
+        <p:style>
+          <a:lnRef idx="2">
+            <a:schemeClr val="accent1">
+              <a:shade val="15000"/>
+            </a:schemeClr>
+          </a:lnRef>
+          <a:fillRef idx="1">
+            <a:schemeClr val="accent1"/>
+          </a:fillRef>
+          <a:effectRef idx="0">
+            <a:schemeClr val="accent1"/>
+          </a:effectRef>
+          <a:fontRef idx="minor">
+            <a:schemeClr val="lt1"/>
+          </a:fontRef>
+        </p:style>
+        <p:txBody>
+          <a:bodyPr wrap="square" rtlCol="0" anchor="ctr">
+            <a:noAutofit/>
+          </a:bodyPr>
+          <a:lstStyle/>
+          <a:p>
+            <a:pPr algn="ctr"/>
+            <a:endParaRPr lang="en-GB">
+              <a:solidFill>
+                <a:schemeClr val="tx1"/>
+              </a:solidFill>
+            </a:endParaRPr>
+          </a:p>
+        </p:txBody>
+      </p:sp>
+      <p:sp>
+        <p:nvSpPr>
+          <p:cNvPr id="131" name="Freeform: Shape 130">
+            <a:extLst>
+              <a:ext uri="{FF2B5EF4-FFF2-40B4-BE49-F238E27FC236}">
+                <a16:creationId xmlns:a16="http://schemas.microsoft.com/office/drawing/2014/main" id="{344C0458-2D83-4FEF-0572-0A3BB508A76F}"/>
+              </a:ext>
+            </a:extLst>
+          </p:cNvPr>
+          <p:cNvSpPr/>
+          <p:nvPr/>
+        </p:nvSpPr>
+        <p:spPr>
+          <a:xfrm>
+            <a:off x="2824965" y="2136574"/>
+            <a:ext cx="1149794" cy="976272"/>
+          </a:xfrm>
+          <a:custGeom>
+            <a:avLst/>
+            <a:gdLst>
+              <a:gd name="connsiteX0" fmla="*/ 624696 w 908424"/>
+              <a:gd name="connsiteY0" fmla="*/ 497841 h 786985"/>
+              <a:gd name="connsiteX1" fmla="*/ 543834 w 908424"/>
+              <a:gd name="connsiteY1" fmla="*/ 510182 h 786985"/>
+              <a:gd name="connsiteX2" fmla="*/ 451815 w 908424"/>
+              <a:gd name="connsiteY2" fmla="*/ 514829 h 786985"/>
+              <a:gd name="connsiteX3" fmla="*/ 451815 w 908424"/>
+              <a:gd name="connsiteY3" fmla="*/ 514829 h 786985"/>
+              <a:gd name="connsiteX4" fmla="*/ 543835 w 908424"/>
+              <a:gd name="connsiteY4" fmla="*/ 510182 h 786985"/>
+              <a:gd name="connsiteX5" fmla="*/ 624696 w 908424"/>
+              <a:gd name="connsiteY5" fmla="*/ 497841 h 786985"/>
+              <a:gd name="connsiteX6" fmla="*/ 3519 w 908424"/>
+              <a:gd name="connsiteY6" fmla="*/ 394478 h 786985"/>
+              <a:gd name="connsiteX7" fmla="*/ 22821 w 908424"/>
+              <a:gd name="connsiteY7" fmla="*/ 406204 h 786985"/>
+              <a:gd name="connsiteX8" fmla="*/ 270433 w 908424"/>
+              <a:gd name="connsiteY8" fmla="*/ 496544 h 786985"/>
+              <a:gd name="connsiteX9" fmla="*/ 278932 w 908424"/>
+              <a:gd name="connsiteY9" fmla="*/ 497841 h 786985"/>
+              <a:gd name="connsiteX10" fmla="*/ 271057 w 908424"/>
+              <a:gd name="connsiteY10" fmla="*/ 519355 h 786985"/>
+              <a:gd name="connsiteX11" fmla="*/ 235242 w 908424"/>
+              <a:gd name="connsiteY11" fmla="*/ 694967 h 786985"/>
+              <a:gd name="connsiteX12" fmla="*/ 230595 w 908424"/>
+              <a:gd name="connsiteY12" fmla="*/ 786985 h 786985"/>
+              <a:gd name="connsiteX13" fmla="*/ 223032 w 908424"/>
+              <a:gd name="connsiteY13" fmla="*/ 786985 h 786985"/>
+              <a:gd name="connsiteX14" fmla="*/ 213890 w 908424"/>
+              <a:gd name="connsiteY14" fmla="*/ 696296 h 786985"/>
+              <a:gd name="connsiteX15" fmla="*/ 24631 w 908424"/>
+              <a:gd name="connsiteY15" fmla="*/ 413840 h 786985"/>
+              <a:gd name="connsiteX16" fmla="*/ 0 w 908424"/>
+              <a:gd name="connsiteY16" fmla="*/ 400471 h 786985"/>
+              <a:gd name="connsiteX17" fmla="*/ 681261 w 908424"/>
+              <a:gd name="connsiteY17" fmla="*/ 0 h 786985"/>
+              <a:gd name="connsiteX18" fmla="*/ 684639 w 908424"/>
+              <a:gd name="connsiteY18" fmla="*/ 5918 h 786985"/>
+              <a:gd name="connsiteX19" fmla="*/ 684638 w 908424"/>
+              <a:gd name="connsiteY19" fmla="*/ 5918 h 786985"/>
+              <a:gd name="connsiteX20" fmla="*/ 904846 w 908424"/>
+              <a:gd name="connsiteY20" fmla="*/ 391600 h 786985"/>
+              <a:gd name="connsiteX21" fmla="*/ 908424 w 908424"/>
+              <a:gd name="connsiteY21" fmla="*/ 397867 h 786985"/>
+              <a:gd name="connsiteX22" fmla="*/ 878996 w 908424"/>
+              <a:gd name="connsiteY22" fmla="*/ 413840 h 786985"/>
+              <a:gd name="connsiteX23" fmla="*/ 689737 w 908424"/>
+              <a:gd name="connsiteY23" fmla="*/ 696296 h 786985"/>
+              <a:gd name="connsiteX24" fmla="*/ 680595 w 908424"/>
+              <a:gd name="connsiteY24" fmla="*/ 786985 h 786985"/>
+              <a:gd name="connsiteX25" fmla="*/ 673033 w 908424"/>
+              <a:gd name="connsiteY25" fmla="*/ 786985 h 786985"/>
+              <a:gd name="connsiteX26" fmla="*/ 673032 w 908424"/>
+              <a:gd name="connsiteY26" fmla="*/ 786985 h 786985"/>
+              <a:gd name="connsiteX27" fmla="*/ 230596 w 908424"/>
+              <a:gd name="connsiteY27" fmla="*/ 786985 h 786985"/>
+              <a:gd name="connsiteX28" fmla="*/ 235243 w 908424"/>
+              <a:gd name="connsiteY28" fmla="*/ 694967 h 786985"/>
+              <a:gd name="connsiteX29" fmla="*/ 271058 w 908424"/>
+              <a:gd name="connsiteY29" fmla="*/ 519355 h 786985"/>
+              <a:gd name="connsiteX30" fmla="*/ 278933 w 908424"/>
+              <a:gd name="connsiteY30" fmla="*/ 497841 h 786985"/>
+              <a:gd name="connsiteX31" fmla="*/ 278932 w 908424"/>
+              <a:gd name="connsiteY31" fmla="*/ 497841 h 786985"/>
+              <a:gd name="connsiteX32" fmla="*/ 278932 w 908424"/>
+              <a:gd name="connsiteY32" fmla="*/ 497841 h 786985"/>
+              <a:gd name="connsiteX33" fmla="*/ 270434 w 908424"/>
+              <a:gd name="connsiteY33" fmla="*/ 496544 h 786985"/>
+              <a:gd name="connsiteX34" fmla="*/ 22822 w 908424"/>
+              <a:gd name="connsiteY34" fmla="*/ 406204 h 786985"/>
+              <a:gd name="connsiteX35" fmla="*/ 3520 w 908424"/>
+              <a:gd name="connsiteY35" fmla="*/ 394478 h 786985"/>
+              <a:gd name="connsiteX36" fmla="*/ 228350 w 908424"/>
+              <a:gd name="connsiteY36" fmla="*/ 11604 h 786985"/>
+              <a:gd name="connsiteX37" fmla="*/ 232072 w 908424"/>
+              <a:gd name="connsiteY37" fmla="*/ 5267 h 786985"/>
+              <a:gd name="connsiteX38" fmla="*/ 276655 w 908424"/>
+              <a:gd name="connsiteY38" fmla="*/ 29466 h 786985"/>
+              <a:gd name="connsiteX39" fmla="*/ 451815 w 908424"/>
+              <a:gd name="connsiteY39" fmla="*/ 64829 h 786985"/>
+              <a:gd name="connsiteX40" fmla="*/ 626975 w 908424"/>
+              <a:gd name="connsiteY40" fmla="*/ 29466 h 786985"/>
+            </a:gdLst>
+            <a:ahLst/>
+            <a:cxnLst>
+              <a:cxn ang="0">
+                <a:pos x="connsiteX0" y="connsiteY0"/>
+              </a:cxn>
+              <a:cxn ang="0">
+                <a:pos x="connsiteX1" y="connsiteY1"/>
+              </a:cxn>
+              <a:cxn ang="0">
+                <a:pos x="connsiteX2" y="connsiteY2"/>
+              </a:cxn>
+              <a:cxn ang="0">
+                <a:pos x="connsiteX3" y="connsiteY3"/>
+              </a:cxn>
+              <a:cxn ang="0">
+                <a:pos x="connsiteX4" y="connsiteY4"/>
+              </a:cxn>
+              <a:cxn ang="0">
+                <a:pos x="connsiteX5" y="connsiteY5"/>
+              </a:cxn>
+              <a:cxn ang="0">
+                <a:pos x="connsiteX6" y="connsiteY6"/>
+              </a:cxn>
+              <a:cxn ang="0">
+                <a:pos x="connsiteX7" y="connsiteY7"/>
+              </a:cxn>
+              <a:cxn ang="0">
+                <a:pos x="connsiteX8" y="connsiteY8"/>
+              </a:cxn>
+              <a:cxn ang="0">
+                <a:pos x="connsiteX9" y="connsiteY9"/>
+              </a:cxn>
+              <a:cxn ang="0">
+                <a:pos x="connsiteX10" y="connsiteY10"/>
+              </a:cxn>
+              <a:cxn ang="0">
+                <a:pos x="connsiteX11" y="connsiteY11"/>
+              </a:cxn>
+              <a:cxn ang="0">
+                <a:pos x="connsiteX12" y="connsiteY12"/>
+              </a:cxn>
+              <a:cxn ang="0">
+                <a:pos x="connsiteX13" y="connsiteY13"/>
+              </a:cxn>
+              <a:cxn ang="0">
+                <a:pos x="connsiteX14" y="connsiteY14"/>
+              </a:cxn>
+              <a:cxn ang="0">
+                <a:pos x="connsiteX15" y="connsiteY15"/>
+              </a:cxn>
+              <a:cxn ang="0">
+                <a:pos x="connsiteX16" y="connsiteY16"/>
+              </a:cxn>
+              <a:cxn ang="0">
+                <a:pos x="connsiteX17" y="connsiteY17"/>
+              </a:cxn>
+              <a:cxn ang="0">
+                <a:pos x="connsiteX18" y="connsiteY18"/>
+              </a:cxn>
+              <a:cxn ang="0">
+                <a:pos x="connsiteX19" y="connsiteY19"/>
+              </a:cxn>
+              <a:cxn ang="0">
+                <a:pos x="connsiteX20" y="connsiteY20"/>
+              </a:cxn>
+              <a:cxn ang="0">
+                <a:pos x="connsiteX21" y="connsiteY21"/>
+              </a:cxn>
+              <a:cxn ang="0">
+                <a:pos x="connsiteX22" y="connsiteY22"/>
+              </a:cxn>
+              <a:cxn ang="0">
+                <a:pos x="connsiteX23" y="connsiteY23"/>
+              </a:cxn>
+              <a:cxn ang="0">
+                <a:pos x="connsiteX24" y="connsiteY24"/>
+              </a:cxn>
+              <a:cxn ang="0">
+                <a:pos x="connsiteX25" y="connsiteY25"/>
+              </a:cxn>
+              <a:cxn ang="0">
+                <a:pos x="connsiteX26" y="connsiteY26"/>
+              </a:cxn>
+              <a:cxn ang="0">
+                <a:pos x="connsiteX27" y="connsiteY27"/>
+              </a:cxn>
+              <a:cxn ang="0">
+                <a:pos x="connsiteX28" y="connsiteY28"/>
+              </a:cxn>
+              <a:cxn ang="0">
+                <a:pos x="connsiteX29" y="connsiteY29"/>
+              </a:cxn>
+              <a:cxn ang="0">
+                <a:pos x="connsiteX30" y="connsiteY30"/>
+              </a:cxn>
+              <a:cxn ang="0">
+                <a:pos x="connsiteX31" y="connsiteY31"/>
+              </a:cxn>
+              <a:cxn ang="0">
+                <a:pos x="connsiteX32" y="connsiteY32"/>
+              </a:cxn>
+              <a:cxn ang="0">
+                <a:pos x="connsiteX33" y="connsiteY33"/>
+              </a:cxn>
+              <a:cxn ang="0">
+                <a:pos x="connsiteX34" y="connsiteY34"/>
+              </a:cxn>
+              <a:cxn ang="0">
+                <a:pos x="connsiteX35" y="connsiteY35"/>
+              </a:cxn>
+              <a:cxn ang="0">
+                <a:pos x="connsiteX36" y="connsiteY36"/>
+              </a:cxn>
+              <a:cxn ang="0">
+                <a:pos x="connsiteX37" y="connsiteY37"/>
+              </a:cxn>
+              <a:cxn ang="0">
+                <a:pos x="connsiteX38" y="connsiteY38"/>
+              </a:cxn>
+              <a:cxn ang="0">
+                <a:pos x="connsiteX39" y="connsiteY39"/>
+              </a:cxn>
+              <a:cxn ang="0">
+                <a:pos x="connsiteX40" y="connsiteY40"/>
+              </a:cxn>
+            </a:cxnLst>
+            <a:rect l="l" t="t" r="r" b="b"/>
+            <a:pathLst>
+              <a:path w="908424" h="786985">
+                <a:moveTo>
+                  <a:pt x="624696" y="497841"/>
+                </a:moveTo>
+                <a:lnTo>
+                  <a:pt x="543834" y="510182"/>
+                </a:lnTo>
+                <a:lnTo>
+                  <a:pt x="451815" y="514829"/>
+                </a:lnTo>
+                <a:lnTo>
+                  <a:pt x="451815" y="514829"/>
+                </a:lnTo>
+                <a:cubicBezTo>
+                  <a:pt x="482881" y="514829"/>
+                  <a:pt x="513580" y="513255"/>
+                  <a:pt x="543835" y="510182"/>
+                </a:cubicBezTo>
+                <a:lnTo>
+                  <a:pt x="624696" y="497841"/>
+                </a:lnTo>
+                <a:close/>
+                <a:moveTo>
+                  <a:pt x="3519" y="394478"/>
+                </a:moveTo>
+                <a:lnTo>
+                  <a:pt x="22821" y="406204"/>
+                </a:lnTo>
+                <a:cubicBezTo>
+                  <a:pt x="99335" y="447769"/>
+                  <a:pt x="182551" y="478561"/>
+                  <a:pt x="270433" y="496544"/>
+                </a:cubicBezTo>
+                <a:lnTo>
+                  <a:pt x="278932" y="497841"/>
+                </a:lnTo>
+                <a:lnTo>
+                  <a:pt x="271057" y="519355"/>
+                </a:lnTo>
+                <a:cubicBezTo>
+                  <a:pt x="253527" y="575718"/>
+                  <a:pt x="241387" y="634457"/>
+                  <a:pt x="235242" y="694967"/>
+                </a:cubicBezTo>
+                <a:lnTo>
+                  <a:pt x="230595" y="786985"/>
+                </a:lnTo>
+                <a:lnTo>
+                  <a:pt x="223032" y="786985"/>
+                </a:lnTo>
+                <a:lnTo>
+                  <a:pt x="213890" y="696296"/>
+                </a:lnTo>
+                <a:cubicBezTo>
+                  <a:pt x="189912" y="579121"/>
+                  <a:pt x="120392" y="478535"/>
+                  <a:pt x="24631" y="413840"/>
+                </a:cubicBezTo>
+                <a:lnTo>
+                  <a:pt x="0" y="400471"/>
+                </a:lnTo>
+                <a:close/>
+                <a:moveTo>
+                  <a:pt x="681261" y="0"/>
+                </a:moveTo>
+                <a:lnTo>
+                  <a:pt x="684639" y="5918"/>
+                </a:lnTo>
+                <a:lnTo>
+                  <a:pt x="684638" y="5918"/>
+                </a:lnTo>
+                <a:lnTo>
+                  <a:pt x="904846" y="391600"/>
+                </a:lnTo>
+                <a:lnTo>
+                  <a:pt x="908424" y="397867"/>
+                </a:lnTo>
+                <a:lnTo>
+                  <a:pt x="878996" y="413840"/>
+                </a:lnTo>
+                <a:cubicBezTo>
+                  <a:pt x="783235" y="478535"/>
+                  <a:pt x="713715" y="579121"/>
+                  <a:pt x="689737" y="696296"/>
+                </a:cubicBezTo>
+                <a:lnTo>
+                  <a:pt x="680595" y="786985"/>
+                </a:lnTo>
+                <a:lnTo>
+                  <a:pt x="673033" y="786985"/>
+                </a:lnTo>
+                <a:lnTo>
+                  <a:pt x="673032" y="786985"/>
+                </a:lnTo>
+                <a:lnTo>
+                  <a:pt x="230596" y="786985"/>
+                </a:lnTo>
+                <a:lnTo>
+                  <a:pt x="235243" y="694967"/>
+                </a:lnTo>
+                <a:cubicBezTo>
+                  <a:pt x="241388" y="634457"/>
+                  <a:pt x="253528" y="575718"/>
+                  <a:pt x="271058" y="519355"/>
+                </a:cubicBezTo>
+                <a:lnTo>
+                  <a:pt x="278933" y="497841"/>
+                </a:lnTo>
+                <a:lnTo>
+                  <a:pt x="278932" y="497841"/>
+                </a:lnTo>
+                <a:lnTo>
+                  <a:pt x="278932" y="497841"/>
+                </a:lnTo>
+                <a:lnTo>
+                  <a:pt x="270434" y="496544"/>
+                </a:lnTo>
+                <a:cubicBezTo>
+                  <a:pt x="182552" y="478561"/>
+                  <a:pt x="99336" y="447769"/>
+                  <a:pt x="22822" y="406204"/>
+                </a:cubicBezTo>
+                <a:lnTo>
+                  <a:pt x="3520" y="394478"/>
+                </a:lnTo>
+                <a:lnTo>
+                  <a:pt x="228350" y="11604"/>
+                </a:lnTo>
+                <a:lnTo>
+                  <a:pt x="232072" y="5267"/>
+                </a:lnTo>
+                <a:lnTo>
+                  <a:pt x="276655" y="29466"/>
+                </a:lnTo>
+                <a:cubicBezTo>
+                  <a:pt x="330492" y="52237"/>
+                  <a:pt x="389683" y="64829"/>
+                  <a:pt x="451815" y="64829"/>
+                </a:cubicBezTo>
+                <a:cubicBezTo>
+                  <a:pt x="513947" y="64829"/>
+                  <a:pt x="573138" y="52237"/>
+                  <a:pt x="626975" y="29466"/>
+                </a:cubicBezTo>
+                <a:close/>
+              </a:path>
+            </a:pathLst>
+          </a:custGeom>
+          <a:solidFill>
+            <a:schemeClr val="bg1">
+              <a:lumMod val="95000"/>
+            </a:schemeClr>
+          </a:solidFill>
+          <a:ln>
+            <a:noFill/>
+          </a:ln>
+        </p:spPr>
+        <p:style>
+          <a:lnRef idx="2">
+            <a:schemeClr val="accent1">
+              <a:shade val="15000"/>
+            </a:schemeClr>
+          </a:lnRef>
+          <a:fillRef idx="1">
+            <a:schemeClr val="accent1"/>
+          </a:fillRef>
+          <a:effectRef idx="0">
+            <a:schemeClr val="accent1"/>
+          </a:effectRef>
+          <a:fontRef idx="minor">
+            <a:schemeClr val="lt1"/>
+          </a:fontRef>
+        </p:style>
+        <p:txBody>
+          <a:bodyPr wrap="square" rtlCol="0" anchor="ctr">
+            <a:noAutofit/>
+          </a:bodyPr>
+          <a:lstStyle/>
+          <a:p>
+            <a:pPr algn="ctr"/>
+            <a:endParaRPr lang="en-GB" sz="800" b="1" dirty="0">
+              <a:solidFill>
+                <a:schemeClr val="bg1"/>
+              </a:solidFill>
+            </a:endParaRPr>
+          </a:p>
+        </p:txBody>
+      </p:sp>
+      <p:sp>
+        <p:nvSpPr>
+          <p:cNvPr id="132" name="Rectangle 131">
+            <a:extLst>
+              <a:ext uri="{FF2B5EF4-FFF2-40B4-BE49-F238E27FC236}">
+                <a16:creationId xmlns:a16="http://schemas.microsoft.com/office/drawing/2014/main" id="{4F4CE4BE-B9A8-693B-E2A2-6A4A4BD1B81A}"/>
+              </a:ext>
+            </a:extLst>
+          </p:cNvPr>
+          <p:cNvSpPr/>
+          <p:nvPr/>
+        </p:nvSpPr>
+        <p:spPr>
+          <a:xfrm>
+            <a:off x="2991571" y="2255075"/>
+            <a:ext cx="824995" cy="789767"/>
+          </a:xfrm>
+          <a:prstGeom prst="rect">
+            <a:avLst/>
+          </a:prstGeom>
+          <a:noFill/>
+          <a:ln>
+            <a:noFill/>
+          </a:ln>
+        </p:spPr>
+        <p:style>
+          <a:lnRef idx="2">
+            <a:schemeClr val="accent1">
+              <a:shade val="15000"/>
+            </a:schemeClr>
+          </a:lnRef>
+          <a:fillRef idx="1">
+            <a:schemeClr val="accent1"/>
+          </a:fillRef>
+          <a:effectRef idx="0">
+            <a:schemeClr val="accent1"/>
+          </a:effectRef>
+          <a:fontRef idx="minor">
+            <a:schemeClr val="lt1"/>
+          </a:fontRef>
+        </p:style>
+        <p:txBody>
+          <a:bodyPr wrap="square" rtlCol="0" anchor="ctr">
+            <a:noAutofit/>
+          </a:bodyPr>
+          <a:lstStyle/>
+          <a:p>
+            <a:pPr algn="ctr"/>
+            <a:r>
+              <a:rPr lang="en-US" sz="700" b="1" dirty="0">
+                <a:solidFill>
+                  <a:schemeClr val="tx1">
+                    <a:lumMod val="65000"/>
+                    <a:lumOff val="35000"/>
+                  </a:schemeClr>
+                </a:solidFill>
+                <a:latin typeface="Aptos" panose="020B0004020202020204" pitchFamily="34" charset="0"/>
+              </a:rPr>
+              <a:t>COMPUTATING  PROBABILITY OF OBSERVING  A FLASH FLOOD IN A GRID-BOX</a:t>
+            </a:r>
+            <a:endParaRPr lang="en-GB" sz="700" b="1" dirty="0">
+              <a:solidFill>
+                <a:schemeClr val="tx1">
+                  <a:lumMod val="65000"/>
+                  <a:lumOff val="35000"/>
+                </a:schemeClr>
+              </a:solidFill>
+            </a:endParaRPr>
+          </a:p>
+        </p:txBody>
+      </p:sp>
+      <p:sp>
+        <p:nvSpPr>
+          <p:cNvPr id="133" name="Rectangle 132">
+            <a:extLst>
+              <a:ext uri="{FF2B5EF4-FFF2-40B4-BE49-F238E27FC236}">
+                <a16:creationId xmlns:a16="http://schemas.microsoft.com/office/drawing/2014/main" id="{7AF7DBB6-E378-E76B-6AEB-8F0ED21B18CF}"/>
+              </a:ext>
+            </a:extLst>
+          </p:cNvPr>
+          <p:cNvSpPr/>
+          <p:nvPr/>
+        </p:nvSpPr>
+        <p:spPr>
+          <a:xfrm>
+            <a:off x="2908273" y="1549469"/>
+            <a:ext cx="974557" cy="789767"/>
+          </a:xfrm>
+          <a:prstGeom prst="rect">
+            <a:avLst/>
+          </a:prstGeom>
+          <a:noFill/>
+          <a:ln>
+            <a:noFill/>
+          </a:ln>
+        </p:spPr>
+        <p:style>
+          <a:lnRef idx="2">
+            <a:schemeClr val="accent1">
+              <a:shade val="15000"/>
+            </a:schemeClr>
+          </a:lnRef>
+          <a:fillRef idx="1">
+            <a:schemeClr val="accent1"/>
+          </a:fillRef>
+          <a:effectRef idx="0">
+            <a:schemeClr val="accent1"/>
+          </a:effectRef>
+          <a:fontRef idx="minor">
+            <a:schemeClr val="lt1"/>
+          </a:fontRef>
+        </p:style>
+        <p:txBody>
+          <a:bodyPr wrap="square" rtlCol="0" anchor="ctr">
+            <a:noAutofit/>
+          </a:bodyPr>
+          <a:lstStyle/>
+          <a:p>
+            <a:pPr algn="ctr"/>
+            <a:r>
+              <a:rPr lang="en-US" sz="900" b="1" dirty="0">
+                <a:solidFill>
+                  <a:schemeClr val="tx1">
+                    <a:lumMod val="65000"/>
+                    <a:lumOff val="35000"/>
+                  </a:schemeClr>
+                </a:solidFill>
+                <a:latin typeface="Aptos" panose="020B0004020202020204" pitchFamily="34" charset="0"/>
+              </a:rPr>
+              <a:t>Training</a:t>
+            </a:r>
+          </a:p>
+          <a:p>
+            <a:pPr algn="ctr"/>
+            <a:r>
+              <a:rPr lang="en-US" sz="900" b="1" dirty="0">
+                <a:solidFill>
+                  <a:schemeClr val="tx1">
+                    <a:lumMod val="65000"/>
+                    <a:lumOff val="35000"/>
+                  </a:schemeClr>
+                </a:solidFill>
+                <a:latin typeface="Aptos" panose="020B0004020202020204" pitchFamily="34" charset="0"/>
+              </a:rPr>
+              <a:t>ANN</a:t>
+            </a:r>
+            <a:endParaRPr lang="en-GB" sz="900" b="1" dirty="0">
+              <a:solidFill>
+                <a:schemeClr val="tx1">
+                  <a:lumMod val="65000"/>
+                  <a:lumOff val="35000"/>
+                </a:schemeClr>
+              </a:solidFill>
+            </a:endParaRPr>
+          </a:p>
+        </p:txBody>
+      </p:sp>
+      <p:sp>
+        <p:nvSpPr>
+          <p:cNvPr id="134" name="Rectangle 133">
+            <a:extLst>
+              <a:ext uri="{FF2B5EF4-FFF2-40B4-BE49-F238E27FC236}">
+                <a16:creationId xmlns:a16="http://schemas.microsoft.com/office/drawing/2014/main" id="{99B2100B-9D14-4296-78A7-CA77AB0A1096}"/>
+              </a:ext>
+            </a:extLst>
+          </p:cNvPr>
+          <p:cNvSpPr/>
+          <p:nvPr/>
+        </p:nvSpPr>
+        <p:spPr>
+          <a:xfrm>
+            <a:off x="3719304" y="2948254"/>
+            <a:ext cx="974557" cy="789767"/>
+          </a:xfrm>
+          <a:prstGeom prst="rect">
+            <a:avLst/>
+          </a:prstGeom>
+          <a:noFill/>
+          <a:ln>
+            <a:noFill/>
+          </a:ln>
+        </p:spPr>
+        <p:style>
+          <a:lnRef idx="2">
+            <a:schemeClr val="accent1">
+              <a:shade val="15000"/>
+            </a:schemeClr>
+          </a:lnRef>
+          <a:fillRef idx="1">
+            <a:schemeClr val="accent1"/>
+          </a:fillRef>
+          <a:effectRef idx="0">
+            <a:schemeClr val="accent1"/>
+          </a:effectRef>
+          <a:fontRef idx="minor">
+            <a:schemeClr val="lt1"/>
+          </a:fontRef>
+        </p:style>
+        <p:txBody>
+          <a:bodyPr wrap="square" rtlCol="0" anchor="ctr">
+            <a:noAutofit/>
+          </a:bodyPr>
+          <a:lstStyle/>
+          <a:p>
+            <a:pPr algn="ctr"/>
+            <a:r>
+              <a:rPr lang="en-US" sz="900" b="1" dirty="0">
+                <a:solidFill>
+                  <a:schemeClr val="tx1">
+                    <a:lumMod val="65000"/>
+                    <a:lumOff val="35000"/>
+                  </a:schemeClr>
+                </a:solidFill>
+                <a:latin typeface="Aptos" panose="020B0004020202020204" pitchFamily="34" charset="0"/>
+              </a:rPr>
+              <a:t>Verification Analysis</a:t>
+            </a:r>
+            <a:endParaRPr lang="en-GB" sz="900" b="1" dirty="0">
+              <a:solidFill>
+                <a:schemeClr val="tx1">
+                  <a:lumMod val="65000"/>
+                  <a:lumOff val="35000"/>
+                </a:schemeClr>
+              </a:solidFill>
+            </a:endParaRPr>
+          </a:p>
+        </p:txBody>
+      </p:sp>
+      <p:sp>
+        <p:nvSpPr>
+          <p:cNvPr id="135" name="Rectangle 134">
+            <a:extLst>
+              <a:ext uri="{FF2B5EF4-FFF2-40B4-BE49-F238E27FC236}">
+                <a16:creationId xmlns:a16="http://schemas.microsoft.com/office/drawing/2014/main" id="{621AFAEE-829D-DF41-62E5-B4AD188CA36B}"/>
+              </a:ext>
+            </a:extLst>
+          </p:cNvPr>
+          <p:cNvSpPr/>
+          <p:nvPr/>
+        </p:nvSpPr>
+        <p:spPr>
+          <a:xfrm>
+            <a:off x="2124063" y="2948254"/>
+            <a:ext cx="974557" cy="789767"/>
+          </a:xfrm>
+          <a:prstGeom prst="rect">
+            <a:avLst/>
+          </a:prstGeom>
+          <a:noFill/>
+          <a:ln>
+            <a:noFill/>
+          </a:ln>
+        </p:spPr>
+        <p:style>
+          <a:lnRef idx="2">
+            <a:schemeClr val="accent1">
+              <a:shade val="15000"/>
+            </a:schemeClr>
+          </a:lnRef>
+          <a:fillRef idx="1">
+            <a:schemeClr val="accent1"/>
+          </a:fillRef>
+          <a:effectRef idx="0">
+            <a:schemeClr val="accent1"/>
+          </a:effectRef>
+          <a:fontRef idx="minor">
+            <a:schemeClr val="lt1"/>
+          </a:fontRef>
+        </p:style>
+        <p:txBody>
+          <a:bodyPr wrap="square" rtlCol="0" anchor="ctr">
+            <a:noAutofit/>
+          </a:bodyPr>
+          <a:lstStyle/>
+          <a:p>
+            <a:pPr algn="ctr"/>
+            <a:r>
+              <a:rPr lang="en-US" sz="900" b="1" dirty="0">
+                <a:solidFill>
+                  <a:schemeClr val="tx1">
+                    <a:lumMod val="65000"/>
+                    <a:lumOff val="35000"/>
+                  </a:schemeClr>
+                </a:solidFill>
+                <a:latin typeface="Aptos" panose="020B0004020202020204" pitchFamily="34" charset="0"/>
+              </a:rPr>
+              <a:t>Sensitivity Analysis</a:t>
+            </a:r>
+            <a:endParaRPr lang="en-GB" sz="900" b="1" dirty="0">
+              <a:solidFill>
+                <a:schemeClr val="tx1">
+                  <a:lumMod val="65000"/>
+                  <a:lumOff val="35000"/>
+                </a:schemeClr>
+              </a:solidFill>
+            </a:endParaRPr>
+          </a:p>
+        </p:txBody>
+      </p:sp>
+      <p:pic>
+        <p:nvPicPr>
+          <p:cNvPr id="136" name="Graphic 135" descr="Magnifying glass with solid fill">
+            <a:extLst>
+              <a:ext uri="{FF2B5EF4-FFF2-40B4-BE49-F238E27FC236}">
+                <a16:creationId xmlns:a16="http://schemas.microsoft.com/office/drawing/2014/main" id="{B8081331-B48D-124D-FE49-A3473C74EF86}"/>
+              </a:ext>
+            </a:extLst>
+          </p:cNvPr>
+          <p:cNvPicPr>
+            <a:picLocks noChangeAspect="1"/>
+          </p:cNvPicPr>
+          <p:nvPr/>
+        </p:nvPicPr>
+        <p:blipFill>
+          <a:blip r:embed="rId4">
+            <a:extLst>
+              <a:ext uri="{28A0092B-C50C-407E-A947-70E740481C1C}">
+                <a14:useLocalDpi xmlns:a14="http://schemas.microsoft.com/office/drawing/2010/main" val="0"/>
+              </a:ext>
+              <a:ext uri="{96DAC541-7B7A-43D3-8B79-37D633B846F1}">
+                <asvg:svgBlip xmlns:asvg="http://schemas.microsoft.com/office/drawing/2016/SVG/main" r:embed="rId5"/>
+              </a:ext>
+            </a:extLst>
+          </a:blip>
+          <a:stretch>
+            <a:fillRect/>
+          </a:stretch>
+        </p:blipFill>
+        <p:spPr>
+          <a:xfrm>
+            <a:off x="4013804" y="2688763"/>
+            <a:ext cx="360000" cy="360000"/>
+          </a:xfrm>
+          <a:prstGeom prst="rect">
+            <a:avLst/>
+          </a:prstGeom>
+          <a:effectLst>
+            <a:outerShdw blurRad="50800" dist="38100" dir="2700000" algn="tl" rotWithShape="0">
+              <a:prstClr val="black">
+                <a:alpha val="40000"/>
+              </a:prstClr>
+            </a:outerShdw>
+          </a:effectLst>
+        </p:spPr>
+      </p:pic>
+      <p:pic>
+        <p:nvPicPr>
+          <p:cNvPr id="137" name="Graphic 136" descr="Gears with solid fill">
+            <a:extLst>
+              <a:ext uri="{FF2B5EF4-FFF2-40B4-BE49-F238E27FC236}">
+                <a16:creationId xmlns:a16="http://schemas.microsoft.com/office/drawing/2014/main" id="{406C3EF1-219D-BDE7-5AE2-D8D5E3F56EE7}"/>
+              </a:ext>
+            </a:extLst>
+          </p:cNvPr>
+          <p:cNvPicPr>
+            <a:picLocks noChangeAspect="1"/>
+          </p:cNvPicPr>
+          <p:nvPr/>
+        </p:nvPicPr>
+        <p:blipFill>
+          <a:blip r:embed="rId6">
+            <a:extLst>
+              <a:ext uri="{28A0092B-C50C-407E-A947-70E740481C1C}">
+                <a14:useLocalDpi xmlns:a14="http://schemas.microsoft.com/office/drawing/2010/main" val="0"/>
+              </a:ext>
+              <a:ext uri="{96DAC541-7B7A-43D3-8B79-37D633B846F1}">
+                <asvg:svgBlip xmlns:asvg="http://schemas.microsoft.com/office/drawing/2016/SVG/main" r:embed="rId7"/>
+              </a:ext>
+            </a:extLst>
+          </a:blip>
+          <a:stretch>
+            <a:fillRect/>
+          </a:stretch>
+        </p:blipFill>
+        <p:spPr>
+          <a:xfrm>
+            <a:off x="2373443" y="2688763"/>
+            <a:ext cx="432000" cy="432000"/>
+          </a:xfrm>
+          <a:prstGeom prst="rect">
+            <a:avLst/>
+          </a:prstGeom>
+          <a:effectLst>
+            <a:outerShdw blurRad="50800" dist="38100" dir="2700000" algn="tl" rotWithShape="0">
+              <a:prstClr val="black">
+                <a:alpha val="40000"/>
+              </a:prstClr>
+            </a:outerShdw>
+          </a:effectLst>
+        </p:spPr>
+      </p:pic>
+      <p:pic>
+        <p:nvPicPr>
+          <p:cNvPr id="138" name="Graphic 137" descr="Database outline">
+            <a:extLst>
+              <a:ext uri="{FF2B5EF4-FFF2-40B4-BE49-F238E27FC236}">
+                <a16:creationId xmlns:a16="http://schemas.microsoft.com/office/drawing/2014/main" id="{FA03A6A8-142B-F27A-B833-8DFD2BB821FC}"/>
+              </a:ext>
+            </a:extLst>
+          </p:cNvPr>
+          <p:cNvPicPr>
+            <a:picLocks noChangeAspect="1"/>
+          </p:cNvPicPr>
+          <p:nvPr/>
+        </p:nvPicPr>
+        <p:blipFill>
+          <a:blip r:embed="rId8">
+            <a:extLst>
+              <a:ext uri="{28A0092B-C50C-407E-A947-70E740481C1C}">
+                <a14:useLocalDpi xmlns:a14="http://schemas.microsoft.com/office/drawing/2010/main" val="0"/>
+              </a:ext>
+              <a:ext uri="{96DAC541-7B7A-43D3-8B79-37D633B846F1}">
+                <asvg:svgBlip xmlns:asvg="http://schemas.microsoft.com/office/drawing/2016/SVG/main" r:embed="rId9"/>
+              </a:ext>
+            </a:extLst>
+          </a:blip>
+          <a:stretch>
+            <a:fillRect/>
+          </a:stretch>
+        </p:blipFill>
+        <p:spPr>
+          <a:xfrm>
+            <a:off x="3156891" y="1274443"/>
+            <a:ext cx="360000" cy="360000"/>
+          </a:xfrm>
+          <a:prstGeom prst="rect">
+            <a:avLst/>
+          </a:prstGeom>
+          <a:effectLst>
+            <a:outerShdw blurRad="50800" dist="38100" dir="2700000" algn="tl" rotWithShape="0">
+              <a:prstClr val="black">
+                <a:alpha val="40000"/>
+              </a:prstClr>
+            </a:outerShdw>
+          </a:effectLst>
+        </p:spPr>
+      </p:pic>
+      <p:sp>
+        <p:nvSpPr>
+          <p:cNvPr id="139" name="Rectangle 138">
+            <a:extLst>
+              <a:ext uri="{FF2B5EF4-FFF2-40B4-BE49-F238E27FC236}">
+                <a16:creationId xmlns:a16="http://schemas.microsoft.com/office/drawing/2014/main" id="{97965B60-E6B9-6597-8C0C-D8631FCE0FEB}"/>
+              </a:ext>
+            </a:extLst>
+          </p:cNvPr>
+          <p:cNvSpPr/>
+          <p:nvPr/>
+        </p:nvSpPr>
+        <p:spPr>
+          <a:xfrm>
+            <a:off x="3734692" y="2172215"/>
+            <a:ext cx="528649" cy="190817"/>
+          </a:xfrm>
+          <a:prstGeom prst="rect">
+            <a:avLst/>
+          </a:prstGeom>
+          <a:noFill/>
+          <a:ln>
+            <a:noFill/>
+          </a:ln>
+        </p:spPr>
+        <p:style>
+          <a:lnRef idx="2">
+            <a:schemeClr val="accent1">
+              <a:shade val="15000"/>
+            </a:schemeClr>
+          </a:lnRef>
+          <a:fillRef idx="1">
+            <a:schemeClr val="accent1"/>
+          </a:fillRef>
+          <a:effectRef idx="0">
+            <a:schemeClr val="accent1"/>
+          </a:effectRef>
+          <a:fontRef idx="minor">
+            <a:schemeClr val="lt1"/>
+          </a:fontRef>
+        </p:style>
+        <p:txBody>
+          <a:bodyPr wrap="square" rtlCol="0" anchor="ctr">
+            <a:noAutofit/>
+          </a:bodyPr>
+          <a:lstStyle/>
+          <a:p>
+            <a:pPr algn="ctr"/>
+            <a:r>
+              <a:rPr lang="en-US" sz="1600" b="1" dirty="0">
+                <a:solidFill>
+                  <a:schemeClr val="bg1"/>
+                </a:solidFill>
+                <a:latin typeface="Aptos" panose="020B0004020202020204" pitchFamily="34" charset="0"/>
+              </a:rPr>
+              <a:t>01</a:t>
+            </a:r>
+            <a:endParaRPr lang="en-GB" sz="1600" b="1" dirty="0">
+              <a:solidFill>
+                <a:schemeClr val="bg1"/>
+              </a:solidFill>
+            </a:endParaRPr>
+          </a:p>
+        </p:txBody>
+      </p:sp>
+      <p:sp>
+        <p:nvSpPr>
+          <p:cNvPr id="140" name="Rectangle 139">
+            <a:extLst>
+              <a:ext uri="{FF2B5EF4-FFF2-40B4-BE49-F238E27FC236}">
+                <a16:creationId xmlns:a16="http://schemas.microsoft.com/office/drawing/2014/main" id="{8113D33B-DDE9-6EF2-B813-579495E90369}"/>
+              </a:ext>
+            </a:extLst>
+          </p:cNvPr>
+          <p:cNvSpPr/>
+          <p:nvPr/>
+        </p:nvSpPr>
+        <p:spPr>
+          <a:xfrm>
+            <a:off x="3144478" y="3180894"/>
+            <a:ext cx="528649" cy="190817"/>
+          </a:xfrm>
+          <a:prstGeom prst="rect">
+            <a:avLst/>
+          </a:prstGeom>
+          <a:noFill/>
+          <a:ln>
+            <a:noFill/>
+          </a:ln>
+        </p:spPr>
+        <p:style>
+          <a:lnRef idx="2">
+            <a:schemeClr val="accent1">
+              <a:shade val="15000"/>
+            </a:schemeClr>
+          </a:lnRef>
+          <a:fillRef idx="1">
+            <a:schemeClr val="accent1"/>
+          </a:fillRef>
+          <a:effectRef idx="0">
+            <a:schemeClr val="accent1"/>
+          </a:effectRef>
+          <a:fontRef idx="minor">
+            <a:schemeClr val="lt1"/>
+          </a:fontRef>
+        </p:style>
+        <p:txBody>
+          <a:bodyPr wrap="square" rtlCol="0" anchor="ctr">
+            <a:noAutofit/>
+          </a:bodyPr>
+          <a:lstStyle/>
+          <a:p>
+            <a:pPr algn="ctr"/>
+            <a:r>
+              <a:rPr lang="en-US" sz="1600" b="1" dirty="0">
+                <a:solidFill>
+                  <a:schemeClr val="bg1"/>
+                </a:solidFill>
+                <a:latin typeface="Aptos" panose="020B0004020202020204" pitchFamily="34" charset="0"/>
+              </a:rPr>
+              <a:t>02</a:t>
+            </a:r>
+            <a:endParaRPr lang="en-GB" sz="1600" b="1" dirty="0">
+              <a:solidFill>
+                <a:schemeClr val="bg1"/>
+              </a:solidFill>
+            </a:endParaRPr>
+          </a:p>
+        </p:txBody>
+      </p:sp>
+      <p:sp>
+        <p:nvSpPr>
+          <p:cNvPr id="141" name="Rectangle 140">
+            <a:extLst>
+              <a:ext uri="{FF2B5EF4-FFF2-40B4-BE49-F238E27FC236}">
+                <a16:creationId xmlns:a16="http://schemas.microsoft.com/office/drawing/2014/main" id="{394BA25F-BA1C-073D-1FE2-9925A56A77BA}"/>
+              </a:ext>
+            </a:extLst>
+          </p:cNvPr>
+          <p:cNvSpPr/>
+          <p:nvPr/>
+        </p:nvSpPr>
+        <p:spPr>
+          <a:xfrm>
+            <a:off x="2506018" y="2234100"/>
+            <a:ext cx="528649" cy="190817"/>
+          </a:xfrm>
+          <a:prstGeom prst="rect">
+            <a:avLst/>
+          </a:prstGeom>
+          <a:noFill/>
+          <a:ln>
+            <a:noFill/>
+          </a:ln>
+        </p:spPr>
+        <p:style>
+          <a:lnRef idx="2">
+            <a:schemeClr val="accent1">
+              <a:shade val="15000"/>
+            </a:schemeClr>
+          </a:lnRef>
+          <a:fillRef idx="1">
+            <a:schemeClr val="accent1"/>
+          </a:fillRef>
+          <a:effectRef idx="0">
+            <a:schemeClr val="accent1"/>
+          </a:effectRef>
+          <a:fontRef idx="minor">
+            <a:schemeClr val="lt1"/>
+          </a:fontRef>
+        </p:style>
+        <p:txBody>
+          <a:bodyPr wrap="square" rtlCol="0" anchor="ctr">
+            <a:noAutofit/>
+          </a:bodyPr>
+          <a:lstStyle/>
+          <a:p>
+            <a:pPr algn="ctr"/>
+            <a:r>
+              <a:rPr lang="en-US" sz="1600" b="1" dirty="0">
+                <a:solidFill>
+                  <a:schemeClr val="bg1"/>
+                </a:solidFill>
+                <a:latin typeface="Aptos" panose="020B0004020202020204" pitchFamily="34" charset="0"/>
+              </a:rPr>
+              <a:t>03</a:t>
+            </a:r>
+            <a:endParaRPr lang="en-GB" sz="1600" b="1" dirty="0">
+              <a:solidFill>
+                <a:schemeClr val="bg1"/>
+              </a:solidFill>
+            </a:endParaRPr>
+          </a:p>
+        </p:txBody>
+      </p:sp>
+      <p:sp>
+        <p:nvSpPr>
+          <p:cNvPr id="142" name="Oval 141">
+            <a:extLst>
+              <a:ext uri="{FF2B5EF4-FFF2-40B4-BE49-F238E27FC236}">
+                <a16:creationId xmlns:a16="http://schemas.microsoft.com/office/drawing/2014/main" id="{09C3F042-E17B-680C-3A4D-2F615396E63B}"/>
+              </a:ext>
+            </a:extLst>
+          </p:cNvPr>
+          <p:cNvSpPr/>
+          <p:nvPr/>
+        </p:nvSpPr>
+        <p:spPr>
+          <a:xfrm>
+            <a:off x="2470253" y="917171"/>
+            <a:ext cx="180000" cy="180000"/>
+          </a:xfrm>
+          <a:prstGeom prst="ellipse">
+            <a:avLst/>
+          </a:prstGeom>
+          <a:solidFill>
+            <a:schemeClr val="bg1"/>
+          </a:solidFill>
+          <a:ln>
+            <a:noFill/>
+          </a:ln>
+        </p:spPr>
+        <p:style>
+          <a:lnRef idx="2">
+            <a:schemeClr val="accent1">
+              <a:shade val="15000"/>
+            </a:schemeClr>
+          </a:lnRef>
+          <a:fillRef idx="1">
+            <a:schemeClr val="accent1"/>
+          </a:fillRef>
+          <a:effectRef idx="0">
+            <a:schemeClr val="accent1"/>
+          </a:effectRef>
+          <a:fontRef idx="minor">
+            <a:schemeClr val="lt1"/>
+          </a:fontRef>
+        </p:style>
+        <p:txBody>
+          <a:bodyPr rtlCol="0" anchor="ctr"/>
+          <a:lstStyle/>
+          <a:p>
+            <a:pPr algn="ctr"/>
+            <a:endParaRPr lang="en-GB"/>
+          </a:p>
+        </p:txBody>
+      </p:sp>
+      <p:sp>
+        <p:nvSpPr>
+          <p:cNvPr id="143" name="Oval 142">
+            <a:extLst>
+              <a:ext uri="{FF2B5EF4-FFF2-40B4-BE49-F238E27FC236}">
+                <a16:creationId xmlns:a16="http://schemas.microsoft.com/office/drawing/2014/main" id="{0AEEBCF9-4118-3BDF-3CB3-734FED5C2759}"/>
+              </a:ext>
+            </a:extLst>
+          </p:cNvPr>
+          <p:cNvSpPr/>
+          <p:nvPr/>
+        </p:nvSpPr>
+        <p:spPr>
+          <a:xfrm>
+            <a:off x="2488253" y="935171"/>
+            <a:ext cx="144000" cy="144000"/>
+          </a:xfrm>
+          <a:prstGeom prst="ellipse">
+            <a:avLst/>
+          </a:prstGeom>
+          <a:solidFill>
+            <a:srgbClr val="5BB0BA"/>
+          </a:solidFill>
+          <a:ln>
+            <a:noFill/>
+          </a:ln>
+        </p:spPr>
+        <p:style>
+          <a:lnRef idx="2">
+            <a:schemeClr val="accent1">
+              <a:shade val="15000"/>
+            </a:schemeClr>
+          </a:lnRef>
+          <a:fillRef idx="1">
+            <a:schemeClr val="accent1"/>
+          </a:fillRef>
+          <a:effectRef idx="0">
+            <a:schemeClr val="accent1"/>
+          </a:effectRef>
+          <a:fontRef idx="minor">
+            <a:schemeClr val="lt1"/>
+          </a:fontRef>
+        </p:style>
+        <p:txBody>
+          <a:bodyPr rtlCol="0" anchor="ctr"/>
+          <a:lstStyle/>
+          <a:p>
+            <a:pPr algn="ctr"/>
+            <a:endParaRPr lang="en-GB"/>
+          </a:p>
+        </p:txBody>
+      </p:sp>
+      <p:sp>
+        <p:nvSpPr>
+          <p:cNvPr id="144" name="Rectangle 143">
+            <a:extLst>
+              <a:ext uri="{FF2B5EF4-FFF2-40B4-BE49-F238E27FC236}">
+                <a16:creationId xmlns:a16="http://schemas.microsoft.com/office/drawing/2014/main" id="{E39A7B45-F604-AD14-879B-A4104420E5C9}"/>
+              </a:ext>
+            </a:extLst>
+          </p:cNvPr>
+          <p:cNvSpPr/>
+          <p:nvPr/>
+        </p:nvSpPr>
+        <p:spPr>
+          <a:xfrm>
+            <a:off x="5244720" y="1663522"/>
+            <a:ext cx="1388124" cy="536547"/>
+          </a:xfrm>
+          <a:prstGeom prst="rect">
+            <a:avLst/>
+          </a:prstGeom>
+          <a:noFill/>
+          <a:ln w="3175">
+            <a:noFill/>
+          </a:ln>
+        </p:spPr>
+        <p:style>
+          <a:lnRef idx="2">
+            <a:schemeClr val="accent1">
+              <a:shade val="15000"/>
+            </a:schemeClr>
+          </a:lnRef>
+          <a:fillRef idx="1">
+            <a:schemeClr val="accent1"/>
+          </a:fillRef>
+          <a:effectRef idx="0">
+            <a:schemeClr val="accent1"/>
+          </a:effectRef>
+          <a:fontRef idx="minor">
+            <a:schemeClr val="lt1"/>
+          </a:fontRef>
+        </p:style>
+        <p:txBody>
+          <a:bodyPr rtlCol="0" anchor="ctr"/>
+          <a:lstStyle/>
+          <a:p>
+            <a:r>
+              <a:rPr lang="en-US" sz="800" b="1" dirty="0">
+                <a:solidFill>
+                  <a:srgbClr val="FF9636"/>
+                </a:solidFill>
+                <a:latin typeface="Aptos" panose="020B0004020202020204" pitchFamily="34" charset="0"/>
+              </a:rPr>
+              <a:t>Verification analysis n.1 </a:t>
+            </a:r>
+          </a:p>
+          <a:p>
+            <a:r>
+              <a:rPr lang="en-US" sz="800" b="1" dirty="0">
+                <a:solidFill>
+                  <a:srgbClr val="FF9636"/>
+                </a:solidFill>
+                <a:latin typeface="Aptos" panose="020B0004020202020204" pitchFamily="34" charset="0"/>
+              </a:rPr>
+              <a:t>(period: 2021 to 2023)</a:t>
+            </a:r>
+          </a:p>
+          <a:p>
+            <a:r>
+              <a:rPr lang="en-US" sz="800" dirty="0">
+                <a:solidFill>
+                  <a:schemeClr val="tx1">
+                    <a:lumMod val="65000"/>
+                    <a:lumOff val="35000"/>
+                  </a:schemeClr>
+                </a:solidFill>
+                <a:latin typeface="Aptos" panose="020B0004020202020204" pitchFamily="34" charset="0"/>
+              </a:rPr>
+              <a:t>Test ANN’s output against </a:t>
+            </a:r>
+          </a:p>
+          <a:p>
+            <a:r>
+              <a:rPr lang="en-US" sz="800" dirty="0">
+                <a:solidFill>
+                  <a:schemeClr val="tx1">
+                    <a:lumMod val="65000"/>
+                    <a:lumOff val="35000"/>
+                  </a:schemeClr>
+                </a:solidFill>
+                <a:latin typeface="Aptos" panose="020B0004020202020204" pitchFamily="34" charset="0"/>
+              </a:rPr>
+              <a:t>SED flash flood reports</a:t>
+            </a:r>
+          </a:p>
+        </p:txBody>
+      </p:sp>
+      <p:sp>
+        <p:nvSpPr>
+          <p:cNvPr id="145" name="Rectangle 144">
+            <a:extLst>
+              <a:ext uri="{FF2B5EF4-FFF2-40B4-BE49-F238E27FC236}">
+                <a16:creationId xmlns:a16="http://schemas.microsoft.com/office/drawing/2014/main" id="{4BC53D49-DC86-F19E-2E21-9016C743986D}"/>
+              </a:ext>
+            </a:extLst>
+          </p:cNvPr>
+          <p:cNvSpPr/>
+          <p:nvPr/>
+        </p:nvSpPr>
+        <p:spPr>
+          <a:xfrm>
+            <a:off x="5258867" y="3858182"/>
+            <a:ext cx="1587212" cy="820146"/>
+          </a:xfrm>
+          <a:prstGeom prst="rect">
+            <a:avLst/>
+          </a:prstGeom>
+          <a:noFill/>
+          <a:ln w="3175">
+            <a:noFill/>
+          </a:ln>
+        </p:spPr>
+        <p:style>
+          <a:lnRef idx="2">
+            <a:schemeClr val="accent1">
+              <a:shade val="15000"/>
+            </a:schemeClr>
+          </a:lnRef>
+          <a:fillRef idx="1">
+            <a:schemeClr val="accent1"/>
+          </a:fillRef>
+          <a:effectRef idx="0">
+            <a:schemeClr val="accent1"/>
+          </a:effectRef>
+          <a:fontRef idx="minor">
+            <a:schemeClr val="lt1"/>
+          </a:fontRef>
+        </p:style>
+        <p:txBody>
+          <a:bodyPr rtlCol="0" anchor="ctr"/>
+          <a:lstStyle/>
+          <a:p>
+            <a:r>
+              <a:rPr lang="en-US" sz="800" b="1" dirty="0">
+                <a:solidFill>
+                  <a:srgbClr val="FF9636"/>
+                </a:solidFill>
+                <a:latin typeface="Aptos" panose="020B0004020202020204" pitchFamily="34" charset="0"/>
+              </a:rPr>
+              <a:t>Verification analysis n.3</a:t>
+            </a:r>
+          </a:p>
+          <a:p>
+            <a:r>
+              <a:rPr lang="en-US" sz="800" b="1" dirty="0">
+                <a:solidFill>
+                  <a:srgbClr val="FF9636"/>
+                </a:solidFill>
+                <a:latin typeface="Aptos" panose="020B0004020202020204" pitchFamily="34" charset="0"/>
+              </a:rPr>
+              <a:t>(period: 2022)</a:t>
+            </a:r>
+          </a:p>
+          <a:p>
+            <a:r>
+              <a:rPr lang="en-US" sz="800" dirty="0">
+                <a:solidFill>
+                  <a:schemeClr val="tx1">
+                    <a:lumMod val="65000"/>
+                    <a:lumOff val="35000"/>
+                  </a:schemeClr>
+                </a:solidFill>
+                <a:latin typeface="Aptos" panose="020B0004020202020204" pitchFamily="34" charset="0"/>
+              </a:rPr>
+              <a:t>Test ANN’s output as pseudo flash flood reports in flash-flood-focused verification of rainfall forecasts</a:t>
+            </a:r>
+          </a:p>
+        </p:txBody>
+      </p:sp>
+      <p:sp>
+        <p:nvSpPr>
+          <p:cNvPr id="146" name="Oval 145">
+            <a:extLst>
+              <a:ext uri="{FF2B5EF4-FFF2-40B4-BE49-F238E27FC236}">
+                <a16:creationId xmlns:a16="http://schemas.microsoft.com/office/drawing/2014/main" id="{7D57E510-07DC-E8C8-3ED1-5636CF6BD01E}"/>
+              </a:ext>
+            </a:extLst>
+          </p:cNvPr>
+          <p:cNvSpPr/>
+          <p:nvPr/>
+        </p:nvSpPr>
+        <p:spPr>
+          <a:xfrm>
+            <a:off x="4685196" y="2102625"/>
+            <a:ext cx="180000" cy="180000"/>
+          </a:xfrm>
+          <a:prstGeom prst="ellipse">
+            <a:avLst/>
+          </a:prstGeom>
+          <a:solidFill>
+            <a:schemeClr val="bg1"/>
+          </a:solidFill>
+          <a:ln>
+            <a:noFill/>
+          </a:ln>
+        </p:spPr>
+        <p:style>
+          <a:lnRef idx="2">
+            <a:schemeClr val="accent1">
+              <a:shade val="15000"/>
+            </a:schemeClr>
+          </a:lnRef>
+          <a:fillRef idx="1">
+            <a:schemeClr val="accent1"/>
+          </a:fillRef>
+          <a:effectRef idx="0">
+            <a:schemeClr val="accent1"/>
+          </a:effectRef>
+          <a:fontRef idx="minor">
+            <a:schemeClr val="lt1"/>
+          </a:fontRef>
+        </p:style>
+        <p:txBody>
+          <a:bodyPr rtlCol="0" anchor="ctr"/>
+          <a:lstStyle/>
+          <a:p>
+            <a:pPr algn="ctr"/>
+            <a:endParaRPr lang="en-GB"/>
+          </a:p>
+        </p:txBody>
+      </p:sp>
+      <p:sp>
+        <p:nvSpPr>
+          <p:cNvPr id="147" name="Oval 146">
+            <a:extLst>
+              <a:ext uri="{FF2B5EF4-FFF2-40B4-BE49-F238E27FC236}">
+                <a16:creationId xmlns:a16="http://schemas.microsoft.com/office/drawing/2014/main" id="{635E4DD4-8249-5F55-0F1F-9FD0A1C47CE9}"/>
+              </a:ext>
+            </a:extLst>
+          </p:cNvPr>
+          <p:cNvSpPr/>
+          <p:nvPr/>
+        </p:nvSpPr>
+        <p:spPr>
+          <a:xfrm>
+            <a:off x="4703196" y="2120625"/>
+            <a:ext cx="144000" cy="144000"/>
+          </a:xfrm>
+          <a:prstGeom prst="ellipse">
+            <a:avLst/>
+          </a:prstGeom>
+          <a:solidFill>
+            <a:srgbClr val="FF9636"/>
+          </a:solidFill>
+          <a:ln>
+            <a:noFill/>
+          </a:ln>
+        </p:spPr>
+        <p:style>
+          <a:lnRef idx="2">
+            <a:schemeClr val="accent1">
+              <a:shade val="15000"/>
+            </a:schemeClr>
+          </a:lnRef>
+          <a:fillRef idx="1">
+            <a:schemeClr val="accent1"/>
+          </a:fillRef>
+          <a:effectRef idx="0">
+            <a:schemeClr val="accent1"/>
+          </a:effectRef>
+          <a:fontRef idx="minor">
+            <a:schemeClr val="lt1"/>
+          </a:fontRef>
+        </p:style>
+        <p:txBody>
+          <a:bodyPr rtlCol="0" anchor="ctr"/>
+          <a:lstStyle/>
+          <a:p>
+            <a:pPr algn="ctr"/>
+            <a:endParaRPr lang="en-GB"/>
+          </a:p>
+        </p:txBody>
+      </p:sp>
+      <p:cxnSp>
+        <p:nvCxnSpPr>
+          <p:cNvPr id="148" name="Straight Connector 147">
+            <a:extLst>
+              <a:ext uri="{FF2B5EF4-FFF2-40B4-BE49-F238E27FC236}">
+                <a16:creationId xmlns:a16="http://schemas.microsoft.com/office/drawing/2014/main" id="{2AB91E0F-5D95-AD51-BE00-C548CBC0D10E}"/>
+              </a:ext>
+            </a:extLst>
+          </p:cNvPr>
+          <p:cNvCxnSpPr>
+            <a:cxnSpLocks/>
+            <a:stCxn id="147" idx="7"/>
+          </p:cNvCxnSpPr>
+          <p:nvPr/>
+        </p:nvCxnSpPr>
+        <p:spPr>
+          <a:xfrm flipV="1">
+            <a:off x="4826108" y="1936431"/>
+            <a:ext cx="149233" cy="205282"/>
+          </a:xfrm>
+          <a:prstGeom prst="line">
+            <a:avLst/>
+          </a:prstGeom>
+          <a:ln w="3175">
+            <a:solidFill>
+              <a:srgbClr val="FF9636"/>
+            </a:solidFill>
+          </a:ln>
+        </p:spPr>
+        <p:style>
+          <a:lnRef idx="1">
+            <a:schemeClr val="accent1"/>
+          </a:lnRef>
+          <a:fillRef idx="0">
+            <a:schemeClr val="accent1"/>
+          </a:fillRef>
+          <a:effectRef idx="0">
+            <a:schemeClr val="accent1"/>
+          </a:effectRef>
+          <a:fontRef idx="minor">
+            <a:schemeClr val="tx1"/>
+          </a:fontRef>
+        </p:style>
+      </p:cxnSp>
+      <p:cxnSp>
+        <p:nvCxnSpPr>
+          <p:cNvPr id="149" name="Straight Connector 148">
+            <a:extLst>
+              <a:ext uri="{FF2B5EF4-FFF2-40B4-BE49-F238E27FC236}">
+                <a16:creationId xmlns:a16="http://schemas.microsoft.com/office/drawing/2014/main" id="{1AD2978C-C503-905D-5B03-C0742A5AE79D}"/>
+              </a:ext>
+            </a:extLst>
+          </p:cNvPr>
+          <p:cNvCxnSpPr>
+            <a:cxnSpLocks/>
+          </p:cNvCxnSpPr>
+          <p:nvPr/>
+        </p:nvCxnSpPr>
+        <p:spPr>
+          <a:xfrm flipV="1">
+            <a:off x="4980247" y="1940266"/>
+            <a:ext cx="297870" cy="1"/>
+          </a:xfrm>
+          <a:prstGeom prst="line">
+            <a:avLst/>
+          </a:prstGeom>
+          <a:ln w="3175">
+            <a:solidFill>
+              <a:srgbClr val="FF9636"/>
+            </a:solidFill>
+          </a:ln>
+        </p:spPr>
+        <p:style>
+          <a:lnRef idx="1">
+            <a:schemeClr val="accent1"/>
+          </a:lnRef>
+          <a:fillRef idx="0">
+            <a:schemeClr val="accent1"/>
+          </a:fillRef>
+          <a:effectRef idx="0">
+            <a:schemeClr val="accent1"/>
+          </a:effectRef>
+          <a:fontRef idx="minor">
+            <a:schemeClr val="tx1"/>
+          </a:fontRef>
+        </p:style>
+      </p:cxnSp>
+      <p:sp>
+        <p:nvSpPr>
+          <p:cNvPr id="150" name="Oval 149">
+            <a:extLst>
+              <a:ext uri="{FF2B5EF4-FFF2-40B4-BE49-F238E27FC236}">
+                <a16:creationId xmlns:a16="http://schemas.microsoft.com/office/drawing/2014/main" id="{A99CFC4A-C95F-730E-DD25-681B1F0128CE}"/>
+              </a:ext>
+            </a:extLst>
+          </p:cNvPr>
+          <p:cNvSpPr/>
+          <p:nvPr/>
+        </p:nvSpPr>
+        <p:spPr>
+          <a:xfrm>
+            <a:off x="5183785" y="3091050"/>
+            <a:ext cx="180000" cy="180000"/>
+          </a:xfrm>
+          <a:prstGeom prst="ellipse">
+            <a:avLst/>
+          </a:prstGeom>
+          <a:solidFill>
+            <a:schemeClr val="bg1"/>
+          </a:solidFill>
+          <a:ln>
+            <a:noFill/>
+          </a:ln>
+        </p:spPr>
+        <p:style>
+          <a:lnRef idx="2">
+            <a:schemeClr val="accent1">
+              <a:shade val="15000"/>
+            </a:schemeClr>
+          </a:lnRef>
+          <a:fillRef idx="1">
+            <a:schemeClr val="accent1"/>
+          </a:fillRef>
+          <a:effectRef idx="0">
+            <a:schemeClr val="accent1"/>
+          </a:effectRef>
+          <a:fontRef idx="minor">
+            <a:schemeClr val="lt1"/>
+          </a:fontRef>
+        </p:style>
+        <p:txBody>
+          <a:bodyPr rtlCol="0" anchor="ctr"/>
+          <a:lstStyle/>
+          <a:p>
+            <a:pPr algn="ctr"/>
+            <a:endParaRPr lang="en-GB"/>
+          </a:p>
+        </p:txBody>
+      </p:sp>
+      <p:sp>
+        <p:nvSpPr>
+          <p:cNvPr id="151" name="Oval 150">
+            <a:extLst>
+              <a:ext uri="{FF2B5EF4-FFF2-40B4-BE49-F238E27FC236}">
+                <a16:creationId xmlns:a16="http://schemas.microsoft.com/office/drawing/2014/main" id="{6FE56FB4-62AE-3C2F-346A-5E6D43FBCF6B}"/>
+              </a:ext>
+            </a:extLst>
+          </p:cNvPr>
+          <p:cNvSpPr/>
+          <p:nvPr/>
+        </p:nvSpPr>
+        <p:spPr>
+          <a:xfrm>
+            <a:off x="5201785" y="3109050"/>
+            <a:ext cx="144000" cy="144000"/>
+          </a:xfrm>
+          <a:prstGeom prst="ellipse">
+            <a:avLst/>
+          </a:prstGeom>
+          <a:solidFill>
+            <a:srgbClr val="FF9636"/>
+          </a:solidFill>
+          <a:ln>
+            <a:noFill/>
+          </a:ln>
+        </p:spPr>
+        <p:style>
+          <a:lnRef idx="2">
+            <a:schemeClr val="accent1">
+              <a:shade val="15000"/>
+            </a:schemeClr>
+          </a:lnRef>
+          <a:fillRef idx="1">
+            <a:schemeClr val="accent1"/>
+          </a:fillRef>
+          <a:effectRef idx="0">
+            <a:schemeClr val="accent1"/>
+          </a:effectRef>
+          <a:fontRef idx="minor">
+            <a:schemeClr val="lt1"/>
+          </a:fontRef>
+        </p:style>
+        <p:txBody>
+          <a:bodyPr rtlCol="0" anchor="ctr"/>
+          <a:lstStyle/>
+          <a:p>
+            <a:pPr algn="ctr"/>
+            <a:endParaRPr lang="en-GB"/>
+          </a:p>
+        </p:txBody>
+      </p:sp>
+      <p:cxnSp>
+        <p:nvCxnSpPr>
+          <p:cNvPr id="152" name="Straight Connector 151">
+            <a:extLst>
+              <a:ext uri="{FF2B5EF4-FFF2-40B4-BE49-F238E27FC236}">
+                <a16:creationId xmlns:a16="http://schemas.microsoft.com/office/drawing/2014/main" id="{E9F60F6C-7378-0BA3-D696-FA2F3345FFD3}"/>
+              </a:ext>
+            </a:extLst>
+          </p:cNvPr>
+          <p:cNvCxnSpPr>
+            <a:cxnSpLocks/>
+          </p:cNvCxnSpPr>
+          <p:nvPr/>
+        </p:nvCxnSpPr>
+        <p:spPr>
+          <a:xfrm flipV="1">
+            <a:off x="5345785" y="3181050"/>
+            <a:ext cx="252000" cy="1"/>
+          </a:xfrm>
+          <a:prstGeom prst="line">
+            <a:avLst/>
+          </a:prstGeom>
+          <a:ln w="3175">
+            <a:solidFill>
+              <a:srgbClr val="FF9636"/>
+            </a:solidFill>
+          </a:ln>
+        </p:spPr>
+        <p:style>
+          <a:lnRef idx="1">
+            <a:schemeClr val="accent1"/>
+          </a:lnRef>
+          <a:fillRef idx="0">
+            <a:schemeClr val="accent1"/>
+          </a:fillRef>
+          <a:effectRef idx="0">
+            <a:schemeClr val="accent1"/>
+          </a:effectRef>
+          <a:fontRef idx="minor">
+            <a:schemeClr val="tx1"/>
+          </a:fontRef>
+        </p:style>
+      </p:cxnSp>
+      <p:sp>
+        <p:nvSpPr>
+          <p:cNvPr id="153" name="Rectangle 152">
+            <a:extLst>
+              <a:ext uri="{FF2B5EF4-FFF2-40B4-BE49-F238E27FC236}">
+                <a16:creationId xmlns:a16="http://schemas.microsoft.com/office/drawing/2014/main" id="{0475290B-2E75-BD90-141D-6C469CDA279E}"/>
+              </a:ext>
+            </a:extLst>
+          </p:cNvPr>
+          <p:cNvSpPr/>
+          <p:nvPr/>
+        </p:nvSpPr>
+        <p:spPr>
+          <a:xfrm>
+            <a:off x="5592262" y="2906384"/>
+            <a:ext cx="1388123" cy="536547"/>
+          </a:xfrm>
+          <a:prstGeom prst="rect">
+            <a:avLst/>
+          </a:prstGeom>
+          <a:noFill/>
+          <a:ln w="3175">
+            <a:noFill/>
+          </a:ln>
+        </p:spPr>
+        <p:style>
+          <a:lnRef idx="2">
+            <a:schemeClr val="accent1">
+              <a:shade val="15000"/>
+            </a:schemeClr>
+          </a:lnRef>
+          <a:fillRef idx="1">
+            <a:schemeClr val="accent1"/>
+          </a:fillRef>
+          <a:effectRef idx="0">
+            <a:schemeClr val="accent1"/>
+          </a:effectRef>
+          <a:fontRef idx="minor">
+            <a:schemeClr val="lt1"/>
+          </a:fontRef>
+        </p:style>
+        <p:txBody>
+          <a:bodyPr rtlCol="0" anchor="ctr"/>
+          <a:lstStyle/>
+          <a:p>
+            <a:r>
+              <a:rPr lang="en-US" sz="800" b="1" dirty="0">
+                <a:solidFill>
+                  <a:srgbClr val="FF9636"/>
+                </a:solidFill>
+                <a:latin typeface="Aptos" panose="020B0004020202020204" pitchFamily="34" charset="0"/>
+              </a:rPr>
+              <a:t>Verification analysis n.2</a:t>
+            </a:r>
+          </a:p>
+          <a:p>
+            <a:r>
+              <a:rPr lang="en-US" sz="800" b="1" dirty="0">
+                <a:solidFill>
+                  <a:srgbClr val="FF9636"/>
+                </a:solidFill>
+                <a:latin typeface="Aptos" panose="020B0004020202020204" pitchFamily="34" charset="0"/>
+              </a:rPr>
+              <a:t>(period: 2021 to 2023)</a:t>
+            </a:r>
+          </a:p>
+          <a:p>
+            <a:r>
+              <a:rPr lang="en-US" sz="800" dirty="0">
+                <a:solidFill>
+                  <a:schemeClr val="tx1">
+                    <a:lumMod val="65000"/>
+                    <a:lumOff val="35000"/>
+                  </a:schemeClr>
+                </a:solidFill>
+                <a:latin typeface="Aptos" panose="020B0004020202020204" pitchFamily="34" charset="0"/>
+              </a:rPr>
+              <a:t>Feature importance using SHAP values.</a:t>
+            </a:r>
+            <a:endParaRPr lang="en-GB" sz="800" dirty="0">
+              <a:solidFill>
+                <a:schemeClr val="tx1">
+                  <a:lumMod val="65000"/>
+                  <a:lumOff val="35000"/>
+                </a:schemeClr>
+              </a:solidFill>
+              <a:latin typeface="Aptos" panose="020B0004020202020204" pitchFamily="34" charset="0"/>
+            </a:endParaRPr>
+          </a:p>
+        </p:txBody>
+      </p:sp>
+      <p:sp>
+        <p:nvSpPr>
+          <p:cNvPr id="154" name="Oval 153">
+            <a:extLst>
+              <a:ext uri="{FF2B5EF4-FFF2-40B4-BE49-F238E27FC236}">
+                <a16:creationId xmlns:a16="http://schemas.microsoft.com/office/drawing/2014/main" id="{2A2FEA9D-D3BE-1F12-B774-F13AEE3A2377}"/>
+              </a:ext>
+            </a:extLst>
+          </p:cNvPr>
+          <p:cNvSpPr/>
+          <p:nvPr/>
+        </p:nvSpPr>
+        <p:spPr>
+          <a:xfrm>
+            <a:off x="4668286" y="3897332"/>
+            <a:ext cx="180000" cy="180000"/>
+          </a:xfrm>
+          <a:prstGeom prst="ellipse">
+            <a:avLst/>
+          </a:prstGeom>
+          <a:solidFill>
+            <a:schemeClr val="bg1"/>
+          </a:solidFill>
+          <a:ln>
+            <a:noFill/>
+          </a:ln>
+        </p:spPr>
+        <p:style>
+          <a:lnRef idx="2">
+            <a:schemeClr val="accent1">
+              <a:shade val="15000"/>
+            </a:schemeClr>
+          </a:lnRef>
+          <a:fillRef idx="1">
+            <a:schemeClr val="accent1"/>
+          </a:fillRef>
+          <a:effectRef idx="0">
+            <a:schemeClr val="accent1"/>
+          </a:effectRef>
+          <a:fontRef idx="minor">
+            <a:schemeClr val="lt1"/>
+          </a:fontRef>
+        </p:style>
+        <p:txBody>
+          <a:bodyPr rtlCol="0" anchor="ctr"/>
+          <a:lstStyle/>
+          <a:p>
+            <a:pPr algn="ctr"/>
+            <a:endParaRPr lang="en-GB"/>
+          </a:p>
+        </p:txBody>
+      </p:sp>
+      <p:sp>
+        <p:nvSpPr>
+          <p:cNvPr id="155" name="Oval 154">
+            <a:extLst>
+              <a:ext uri="{FF2B5EF4-FFF2-40B4-BE49-F238E27FC236}">
+                <a16:creationId xmlns:a16="http://schemas.microsoft.com/office/drawing/2014/main" id="{8A8EEF76-CF72-F956-9FFB-36FF26CF4A12}"/>
+              </a:ext>
+            </a:extLst>
+          </p:cNvPr>
+          <p:cNvSpPr/>
+          <p:nvPr/>
+        </p:nvSpPr>
+        <p:spPr>
+          <a:xfrm>
+            <a:off x="4686286" y="3915332"/>
+            <a:ext cx="144000" cy="144000"/>
+          </a:xfrm>
+          <a:prstGeom prst="ellipse">
+            <a:avLst/>
+          </a:prstGeom>
+          <a:solidFill>
+            <a:srgbClr val="FF9636"/>
+          </a:solidFill>
+          <a:ln>
+            <a:noFill/>
+          </a:ln>
+        </p:spPr>
+        <p:style>
+          <a:lnRef idx="2">
+            <a:schemeClr val="accent1">
+              <a:shade val="15000"/>
+            </a:schemeClr>
+          </a:lnRef>
+          <a:fillRef idx="1">
+            <a:schemeClr val="accent1"/>
+          </a:fillRef>
+          <a:effectRef idx="0">
+            <a:schemeClr val="accent1"/>
+          </a:effectRef>
+          <a:fontRef idx="minor">
+            <a:schemeClr val="lt1"/>
+          </a:fontRef>
+        </p:style>
+        <p:txBody>
+          <a:bodyPr rtlCol="0" anchor="ctr"/>
+          <a:lstStyle/>
+          <a:p>
+            <a:pPr algn="ctr"/>
+            <a:endParaRPr lang="en-GB"/>
+          </a:p>
+        </p:txBody>
+      </p:sp>
+      <p:cxnSp>
+        <p:nvCxnSpPr>
+          <p:cNvPr id="156" name="Straight Connector 155">
+            <a:extLst>
+              <a:ext uri="{FF2B5EF4-FFF2-40B4-BE49-F238E27FC236}">
+                <a16:creationId xmlns:a16="http://schemas.microsoft.com/office/drawing/2014/main" id="{497E247F-3CF0-770F-3806-8C1410971F93}"/>
+              </a:ext>
+            </a:extLst>
+          </p:cNvPr>
+          <p:cNvCxnSpPr>
+            <a:cxnSpLocks/>
+            <a:stCxn id="155" idx="5"/>
+          </p:cNvCxnSpPr>
+          <p:nvPr/>
+        </p:nvCxnSpPr>
+        <p:spPr>
+          <a:xfrm>
+            <a:off x="4809198" y="4038244"/>
+            <a:ext cx="170061" cy="228381"/>
+          </a:xfrm>
+          <a:prstGeom prst="line">
+            <a:avLst/>
+          </a:prstGeom>
+          <a:ln w="3175">
+            <a:solidFill>
+              <a:srgbClr val="FF9636"/>
+            </a:solidFill>
+          </a:ln>
+        </p:spPr>
+        <p:style>
+          <a:lnRef idx="1">
+            <a:schemeClr val="accent1"/>
+          </a:lnRef>
+          <a:fillRef idx="0">
+            <a:schemeClr val="accent1"/>
+          </a:fillRef>
+          <a:effectRef idx="0">
+            <a:schemeClr val="accent1"/>
+          </a:effectRef>
+          <a:fontRef idx="minor">
+            <a:schemeClr val="tx1"/>
+          </a:fontRef>
+        </p:style>
+      </p:cxnSp>
+      <p:cxnSp>
+        <p:nvCxnSpPr>
+          <p:cNvPr id="157" name="Straight Connector 156">
+            <a:extLst>
+              <a:ext uri="{FF2B5EF4-FFF2-40B4-BE49-F238E27FC236}">
+                <a16:creationId xmlns:a16="http://schemas.microsoft.com/office/drawing/2014/main" id="{391CE21E-7C9D-DAF2-E36C-ECEFAEA4D6C0}"/>
+              </a:ext>
+            </a:extLst>
+          </p:cNvPr>
+          <p:cNvCxnSpPr>
+            <a:cxnSpLocks/>
+          </p:cNvCxnSpPr>
+          <p:nvPr/>
+        </p:nvCxnSpPr>
+        <p:spPr>
+          <a:xfrm flipV="1">
+            <a:off x="4979240" y="4264879"/>
+            <a:ext cx="297870" cy="1"/>
+          </a:xfrm>
+          <a:prstGeom prst="line">
+            <a:avLst/>
+          </a:prstGeom>
+          <a:ln w="3175">
+            <a:solidFill>
+              <a:srgbClr val="FF9636"/>
+            </a:solidFill>
+          </a:ln>
+        </p:spPr>
+        <p:style>
+          <a:lnRef idx="1">
+            <a:schemeClr val="accent1"/>
+          </a:lnRef>
+          <a:fillRef idx="0">
+            <a:schemeClr val="accent1"/>
+          </a:fillRef>
+          <a:effectRef idx="0">
+            <a:schemeClr val="accent1"/>
+          </a:effectRef>
+          <a:fontRef idx="minor">
+            <a:schemeClr val="tx1"/>
+          </a:fontRef>
+        </p:style>
+      </p:cxnSp>
+      <p:sp>
+        <p:nvSpPr>
+          <p:cNvPr id="158" name="Rectangle 157">
+            <a:extLst>
+              <a:ext uri="{FF2B5EF4-FFF2-40B4-BE49-F238E27FC236}">
+                <a16:creationId xmlns:a16="http://schemas.microsoft.com/office/drawing/2014/main" id="{E9E26E69-B59D-903F-D155-050AA78BD861}"/>
+              </a:ext>
+            </a:extLst>
+          </p:cNvPr>
+          <p:cNvSpPr/>
+          <p:nvPr/>
+        </p:nvSpPr>
+        <p:spPr>
+          <a:xfrm>
+            <a:off x="1069925" y="514141"/>
+            <a:ext cx="1025101" cy="392406"/>
+          </a:xfrm>
+          <a:prstGeom prst="rect">
+            <a:avLst/>
+          </a:prstGeom>
+          <a:noFill/>
+          <a:ln w="3175">
+            <a:noFill/>
+          </a:ln>
+        </p:spPr>
+        <p:style>
+          <a:lnRef idx="2">
+            <a:schemeClr val="accent1">
+              <a:shade val="15000"/>
+            </a:schemeClr>
+          </a:lnRef>
+          <a:fillRef idx="1">
+            <a:schemeClr val="accent1"/>
+          </a:fillRef>
+          <a:effectRef idx="0">
+            <a:schemeClr val="accent1"/>
+          </a:effectRef>
+          <a:fontRef idx="minor">
+            <a:schemeClr val="lt1"/>
+          </a:fontRef>
+        </p:style>
+        <p:txBody>
+          <a:bodyPr rtlCol="0" anchor="ctr"/>
+          <a:lstStyle/>
+          <a:p>
+            <a:pPr algn="r"/>
+            <a:r>
+              <a:rPr lang="en-US" sz="800" b="1" dirty="0">
+                <a:solidFill>
+                  <a:srgbClr val="5BB0BA"/>
+                </a:solidFill>
+                <a:latin typeface="Aptos" panose="020B0004020202020204" pitchFamily="34" charset="0"/>
+              </a:rPr>
+              <a:t>Training – Part n.1</a:t>
+            </a:r>
+          </a:p>
+          <a:p>
+            <a:pPr algn="r"/>
+            <a:r>
+              <a:rPr lang="en-US" sz="800" dirty="0">
+                <a:solidFill>
+                  <a:schemeClr val="tx1">
+                    <a:lumMod val="65000"/>
+                    <a:lumOff val="35000"/>
+                  </a:schemeClr>
+                </a:solidFill>
+                <a:latin typeface="Aptos" panose="020B0004020202020204" pitchFamily="34" charset="0"/>
+              </a:rPr>
+              <a:t>Define ANN’s architecture</a:t>
+            </a:r>
+          </a:p>
+        </p:txBody>
+      </p:sp>
+      <p:sp>
+        <p:nvSpPr>
+          <p:cNvPr id="159" name="Rectangle 158">
+            <a:extLst>
+              <a:ext uri="{FF2B5EF4-FFF2-40B4-BE49-F238E27FC236}">
+                <a16:creationId xmlns:a16="http://schemas.microsoft.com/office/drawing/2014/main" id="{729790D1-6456-583D-C2D5-8D890B6FD85F}"/>
+              </a:ext>
+            </a:extLst>
+          </p:cNvPr>
+          <p:cNvSpPr/>
+          <p:nvPr/>
+        </p:nvSpPr>
+        <p:spPr>
+          <a:xfrm>
+            <a:off x="4665858" y="299253"/>
+            <a:ext cx="1893135" cy="920850"/>
+          </a:xfrm>
+          <a:prstGeom prst="rect">
+            <a:avLst/>
+          </a:prstGeom>
+          <a:noFill/>
+          <a:ln w="3175">
+            <a:noFill/>
+          </a:ln>
+        </p:spPr>
+        <p:style>
+          <a:lnRef idx="2">
+            <a:schemeClr val="accent1">
+              <a:shade val="15000"/>
+            </a:schemeClr>
+          </a:lnRef>
+          <a:fillRef idx="1">
+            <a:schemeClr val="accent1"/>
+          </a:fillRef>
+          <a:effectRef idx="0">
+            <a:schemeClr val="accent1"/>
+          </a:effectRef>
+          <a:fontRef idx="minor">
+            <a:schemeClr val="lt1"/>
+          </a:fontRef>
+        </p:style>
+        <p:txBody>
+          <a:bodyPr rtlCol="0" anchor="ctr"/>
+          <a:lstStyle/>
+          <a:p>
+            <a:r>
+              <a:rPr lang="en-US" sz="800" b="1" dirty="0">
+                <a:solidFill>
+                  <a:srgbClr val="5BB0BA"/>
+                </a:solidFill>
+                <a:latin typeface="Aptos" panose="020B0004020202020204" pitchFamily="34" charset="0"/>
+              </a:rPr>
+              <a:t>Training  - Part n.2</a:t>
+            </a:r>
+          </a:p>
+          <a:p>
+            <a:r>
+              <a:rPr lang="en-US" sz="800" b="1" dirty="0">
+                <a:solidFill>
+                  <a:srgbClr val="5BB0BA"/>
+                </a:solidFill>
+                <a:latin typeface="Aptos" panose="020B0004020202020204" pitchFamily="34" charset="0"/>
+              </a:rPr>
+              <a:t>(period: 2005 to 2020)</a:t>
+            </a:r>
+          </a:p>
+          <a:p>
+            <a:r>
+              <a:rPr lang="en-US" sz="800" dirty="0">
+                <a:solidFill>
+                  <a:schemeClr val="tx1">
+                    <a:lumMod val="65000"/>
+                    <a:lumOff val="35000"/>
+                  </a:schemeClr>
+                </a:solidFill>
+                <a:latin typeface="Aptos" panose="020B0004020202020204" pitchFamily="34" charset="0"/>
+              </a:rPr>
+              <a:t>Train ANN using flash flood reports from NOAA’s Storm Event Database </a:t>
+            </a:r>
             <a:r>
               <a:rPr lang="en-US" sz="800" b="1" dirty="0">
                 <a:solidFill>
                   <a:schemeClr val="tx1">
-                    <a:lumMod val="85000"/>
-                    <a:lumOff val="15000"/>
+                    <a:lumMod val="65000"/>
+                    <a:lumOff val="35000"/>
                   </a:schemeClr>
                 </a:solidFill>
                 <a:latin typeface="Aptos" panose="020B0004020202020204" pitchFamily="34" charset="0"/>
               </a:rPr>
-              <a:t>Sensitivity analysis n.1</a:t>
+              <a:t>(Figure 2)</a:t>
             </a:r>
-          </a:p>
-          <a:p>
-            <a:pPr algn="ctr"/>
             <a:r>
               <a:rPr lang="en-US" sz="800" dirty="0">
                 <a:solidFill>
                   <a:schemeClr val="tx1">
-                    <a:lumMod val="85000"/>
-                    <a:lumOff val="15000"/>
+                    <a:lumMod val="65000"/>
+                    <a:lumOff val="35000"/>
                   </a:schemeClr>
                 </a:solidFill>
                 <a:latin typeface="Aptos" panose="020B0004020202020204" pitchFamily="34" charset="0"/>
               </a:rPr>
-              <a:t>Assess ANN’s accuracy varies with sparse flash </a:t>
+              <a:t> and input features from ERA5-ecPoint </a:t>
             </a:r>
             <a:r>
-              <a:rPr lang="en-US" sz="800">
+              <a:rPr lang="en-US" sz="800" b="1" dirty="0">
                 <a:solidFill>
                   <a:schemeClr val="tx1">
-                    <a:lumMod val="85000"/>
-                    <a:lumOff val="15000"/>
+                    <a:lumMod val="65000"/>
+                    <a:lumOff val="35000"/>
                   </a:schemeClr>
                 </a:solidFill>
                 <a:latin typeface="Aptos" panose="020B0004020202020204" pitchFamily="34" charset="0"/>
               </a:rPr>
-              <a:t>flood reports.</a:t>
+              <a:t>(Figure 3g-h) </a:t>
             </a:r>
-            <a:endParaRPr lang="en-US" sz="800" dirty="0">
+            <a:r>
+              <a:rPr lang="en-US" sz="800" dirty="0">
+                <a:solidFill>
+                  <a:schemeClr val="tx1">
+                    <a:lumMod val="65000"/>
+                    <a:lumOff val="35000"/>
+                  </a:schemeClr>
+                </a:solidFill>
+                <a:latin typeface="Aptos" panose="020B0004020202020204" pitchFamily="34" charset="0"/>
+              </a:rPr>
+              <a:t>and ERA5 </a:t>
+            </a:r>
+            <a:r>
+              <a:rPr lang="en-US" sz="800" b="1" dirty="0">
+                <a:solidFill>
+                  <a:schemeClr val="tx1">
+                    <a:lumMod val="65000"/>
+                    <a:lumOff val="35000"/>
+                  </a:schemeClr>
+                </a:solidFill>
+                <a:latin typeface="Aptos" panose="020B0004020202020204" pitchFamily="34" charset="0"/>
+              </a:rPr>
+              <a:t>(Figure,4b, 5, and 6)</a:t>
+            </a:r>
+            <a:r>
+              <a:rPr lang="en-US" sz="800" dirty="0">
+                <a:solidFill>
+                  <a:schemeClr val="tx1">
+                    <a:lumMod val="65000"/>
+                    <a:lumOff val="35000"/>
+                  </a:schemeClr>
+                </a:solidFill>
+                <a:latin typeface="Aptos" panose="020B0004020202020204" pitchFamily="34" charset="0"/>
+              </a:rPr>
+              <a:t>.</a:t>
+            </a:r>
+          </a:p>
+        </p:txBody>
+      </p:sp>
+      <p:sp>
+        <p:nvSpPr>
+          <p:cNvPr id="160" name="Oval 159">
+            <a:extLst>
+              <a:ext uri="{FF2B5EF4-FFF2-40B4-BE49-F238E27FC236}">
+                <a16:creationId xmlns:a16="http://schemas.microsoft.com/office/drawing/2014/main" id="{3FDD4B0D-3599-F098-0E5D-1193D66F6204}"/>
+              </a:ext>
+            </a:extLst>
+          </p:cNvPr>
+          <p:cNvSpPr/>
+          <p:nvPr/>
+        </p:nvSpPr>
+        <p:spPr>
+          <a:xfrm>
+            <a:off x="4089403" y="917171"/>
+            <a:ext cx="180000" cy="180000"/>
+          </a:xfrm>
+          <a:prstGeom prst="ellipse">
+            <a:avLst/>
+          </a:prstGeom>
+          <a:solidFill>
+            <a:schemeClr val="bg1"/>
+          </a:solidFill>
+          <a:ln>
+            <a:noFill/>
+          </a:ln>
+        </p:spPr>
+        <p:style>
+          <a:lnRef idx="2">
+            <a:schemeClr val="accent1">
+              <a:shade val="15000"/>
+            </a:schemeClr>
+          </a:lnRef>
+          <a:fillRef idx="1">
+            <a:schemeClr val="accent1"/>
+          </a:fillRef>
+          <a:effectRef idx="0">
+            <a:schemeClr val="accent1"/>
+          </a:effectRef>
+          <a:fontRef idx="minor">
+            <a:schemeClr val="lt1"/>
+          </a:fontRef>
+        </p:style>
+        <p:txBody>
+          <a:bodyPr rtlCol="0" anchor="ctr"/>
+          <a:lstStyle/>
+          <a:p>
+            <a:pPr algn="ctr"/>
+            <a:endParaRPr lang="en-GB"/>
+          </a:p>
+        </p:txBody>
+      </p:sp>
+      <p:sp>
+        <p:nvSpPr>
+          <p:cNvPr id="161" name="Oval 160">
+            <a:extLst>
+              <a:ext uri="{FF2B5EF4-FFF2-40B4-BE49-F238E27FC236}">
+                <a16:creationId xmlns:a16="http://schemas.microsoft.com/office/drawing/2014/main" id="{28F57419-73D2-64C3-76A6-4B3BA03BDCA2}"/>
+              </a:ext>
+            </a:extLst>
+          </p:cNvPr>
+          <p:cNvSpPr/>
+          <p:nvPr/>
+        </p:nvSpPr>
+        <p:spPr>
+          <a:xfrm>
+            <a:off x="4107403" y="935171"/>
+            <a:ext cx="144000" cy="144000"/>
+          </a:xfrm>
+          <a:prstGeom prst="ellipse">
+            <a:avLst/>
+          </a:prstGeom>
+          <a:solidFill>
+            <a:srgbClr val="5BB0BA"/>
+          </a:solidFill>
+          <a:ln>
+            <a:noFill/>
+          </a:ln>
+        </p:spPr>
+        <p:style>
+          <a:lnRef idx="2">
+            <a:schemeClr val="accent1">
+              <a:shade val="15000"/>
+            </a:schemeClr>
+          </a:lnRef>
+          <a:fillRef idx="1">
+            <a:schemeClr val="accent1"/>
+          </a:fillRef>
+          <a:effectRef idx="0">
+            <a:schemeClr val="accent1"/>
+          </a:effectRef>
+          <a:fontRef idx="minor">
+            <a:schemeClr val="lt1"/>
+          </a:fontRef>
+        </p:style>
+        <p:txBody>
+          <a:bodyPr rtlCol="0" anchor="ctr"/>
+          <a:lstStyle/>
+          <a:p>
+            <a:pPr algn="ctr"/>
+            <a:endParaRPr lang="en-GB"/>
+          </a:p>
+        </p:txBody>
+      </p:sp>
+      <p:sp>
+        <p:nvSpPr>
+          <p:cNvPr id="162" name="Oval 161">
+            <a:extLst>
+              <a:ext uri="{FF2B5EF4-FFF2-40B4-BE49-F238E27FC236}">
+                <a16:creationId xmlns:a16="http://schemas.microsoft.com/office/drawing/2014/main" id="{7E4B6683-9D62-B045-8E30-BC98816A10CB}"/>
+              </a:ext>
+            </a:extLst>
+          </p:cNvPr>
+          <p:cNvSpPr/>
+          <p:nvPr/>
+        </p:nvSpPr>
+        <p:spPr>
+          <a:xfrm>
+            <a:off x="1869039" y="2123713"/>
+            <a:ext cx="180000" cy="180000"/>
+          </a:xfrm>
+          <a:prstGeom prst="ellipse">
+            <a:avLst/>
+          </a:prstGeom>
+          <a:solidFill>
+            <a:schemeClr val="bg1"/>
+          </a:solidFill>
+          <a:ln>
+            <a:noFill/>
+          </a:ln>
+        </p:spPr>
+        <p:style>
+          <a:lnRef idx="2">
+            <a:schemeClr val="accent1">
+              <a:shade val="15000"/>
+            </a:schemeClr>
+          </a:lnRef>
+          <a:fillRef idx="1">
+            <a:schemeClr val="accent1"/>
+          </a:fillRef>
+          <a:effectRef idx="0">
+            <a:schemeClr val="accent1"/>
+          </a:effectRef>
+          <a:fontRef idx="minor">
+            <a:schemeClr val="lt1"/>
+          </a:fontRef>
+        </p:style>
+        <p:txBody>
+          <a:bodyPr rtlCol="0" anchor="ctr"/>
+          <a:lstStyle/>
+          <a:p>
+            <a:pPr algn="ctr"/>
+            <a:endParaRPr lang="en-GB"/>
+          </a:p>
+        </p:txBody>
+      </p:sp>
+      <p:sp>
+        <p:nvSpPr>
+          <p:cNvPr id="163" name="Oval 162">
+            <a:extLst>
+              <a:ext uri="{FF2B5EF4-FFF2-40B4-BE49-F238E27FC236}">
+                <a16:creationId xmlns:a16="http://schemas.microsoft.com/office/drawing/2014/main" id="{B8398914-71B0-4277-7AB4-9C7DC4546F07}"/>
+              </a:ext>
+            </a:extLst>
+          </p:cNvPr>
+          <p:cNvSpPr/>
+          <p:nvPr/>
+        </p:nvSpPr>
+        <p:spPr>
+          <a:xfrm>
+            <a:off x="1887039" y="2141713"/>
+            <a:ext cx="144000" cy="144000"/>
+          </a:xfrm>
+          <a:prstGeom prst="ellipse">
+            <a:avLst/>
+          </a:prstGeom>
+          <a:solidFill>
+            <a:srgbClr val="E43D40"/>
+          </a:solidFill>
+          <a:ln>
+            <a:noFill/>
+          </a:ln>
+        </p:spPr>
+        <p:style>
+          <a:lnRef idx="2">
+            <a:schemeClr val="accent1">
+              <a:shade val="15000"/>
+            </a:schemeClr>
+          </a:lnRef>
+          <a:fillRef idx="1">
+            <a:schemeClr val="accent1"/>
+          </a:fillRef>
+          <a:effectRef idx="0">
+            <a:schemeClr val="accent1"/>
+          </a:effectRef>
+          <a:fontRef idx="minor">
+            <a:schemeClr val="lt1"/>
+          </a:fontRef>
+        </p:style>
+        <p:txBody>
+          <a:bodyPr rtlCol="0" anchor="ctr"/>
+          <a:lstStyle/>
+          <a:p>
+            <a:pPr algn="ctr"/>
+            <a:endParaRPr lang="en-GB"/>
+          </a:p>
+        </p:txBody>
+      </p:sp>
+      <p:cxnSp>
+        <p:nvCxnSpPr>
+          <p:cNvPr id="164" name="Straight Connector 163">
+            <a:extLst>
+              <a:ext uri="{FF2B5EF4-FFF2-40B4-BE49-F238E27FC236}">
+                <a16:creationId xmlns:a16="http://schemas.microsoft.com/office/drawing/2014/main" id="{02D0AC72-C5BF-1C41-A4D0-D77F47657142}"/>
+              </a:ext>
+            </a:extLst>
+          </p:cNvPr>
+          <p:cNvCxnSpPr>
+            <a:cxnSpLocks/>
+            <a:stCxn id="163" idx="1"/>
+          </p:cNvCxnSpPr>
+          <p:nvPr/>
+        </p:nvCxnSpPr>
+        <p:spPr>
+          <a:xfrm flipH="1" flipV="1">
+            <a:off x="1813114" y="2023508"/>
+            <a:ext cx="95013" cy="139293"/>
+          </a:xfrm>
+          <a:prstGeom prst="line">
+            <a:avLst/>
+          </a:prstGeom>
+          <a:ln w="3175">
+            <a:solidFill>
+              <a:srgbClr val="E43D40"/>
+            </a:solidFill>
+          </a:ln>
+        </p:spPr>
+        <p:style>
+          <a:lnRef idx="1">
+            <a:schemeClr val="accent1"/>
+          </a:lnRef>
+          <a:fillRef idx="0">
+            <a:schemeClr val="accent1"/>
+          </a:fillRef>
+          <a:effectRef idx="0">
+            <a:schemeClr val="accent1"/>
+          </a:effectRef>
+          <a:fontRef idx="minor">
+            <a:schemeClr val="tx1"/>
+          </a:fontRef>
+        </p:style>
+      </p:cxnSp>
+      <p:cxnSp>
+        <p:nvCxnSpPr>
+          <p:cNvPr id="165" name="Straight Connector 164">
+            <a:extLst>
+              <a:ext uri="{FF2B5EF4-FFF2-40B4-BE49-F238E27FC236}">
+                <a16:creationId xmlns:a16="http://schemas.microsoft.com/office/drawing/2014/main" id="{6E8AB20D-A29A-A2E0-4EC6-A6AA88A3954F}"/>
+              </a:ext>
+            </a:extLst>
+          </p:cNvPr>
+          <p:cNvCxnSpPr>
+            <a:cxnSpLocks/>
+          </p:cNvCxnSpPr>
+          <p:nvPr/>
+        </p:nvCxnSpPr>
+        <p:spPr>
+          <a:xfrm flipV="1">
+            <a:off x="1518042" y="2023283"/>
+            <a:ext cx="297870" cy="1"/>
+          </a:xfrm>
+          <a:prstGeom prst="line">
+            <a:avLst/>
+          </a:prstGeom>
+          <a:ln w="3175">
+            <a:solidFill>
+              <a:srgbClr val="E43D40"/>
+            </a:solidFill>
+          </a:ln>
+        </p:spPr>
+        <p:style>
+          <a:lnRef idx="1">
+            <a:schemeClr val="accent1"/>
+          </a:lnRef>
+          <a:fillRef idx="0">
+            <a:schemeClr val="accent1"/>
+          </a:fillRef>
+          <a:effectRef idx="0">
+            <a:schemeClr val="accent1"/>
+          </a:effectRef>
+          <a:fontRef idx="minor">
+            <a:schemeClr val="tx1"/>
+          </a:fontRef>
+        </p:style>
+      </p:cxnSp>
+      <p:sp>
+        <p:nvSpPr>
+          <p:cNvPr id="166" name="Oval 165">
+            <a:extLst>
+              <a:ext uri="{FF2B5EF4-FFF2-40B4-BE49-F238E27FC236}">
+                <a16:creationId xmlns:a16="http://schemas.microsoft.com/office/drawing/2014/main" id="{1AB82A60-5D0F-8753-CE31-9DD592801E93}"/>
+              </a:ext>
+            </a:extLst>
+          </p:cNvPr>
+          <p:cNvSpPr/>
+          <p:nvPr/>
+        </p:nvSpPr>
+        <p:spPr>
+          <a:xfrm>
+            <a:off x="1408223" y="3091050"/>
+            <a:ext cx="180000" cy="180000"/>
+          </a:xfrm>
+          <a:prstGeom prst="ellipse">
+            <a:avLst/>
+          </a:prstGeom>
+          <a:solidFill>
+            <a:schemeClr val="bg1"/>
+          </a:solidFill>
+          <a:ln>
+            <a:noFill/>
+          </a:ln>
+        </p:spPr>
+        <p:style>
+          <a:lnRef idx="2">
+            <a:schemeClr val="accent1">
+              <a:shade val="15000"/>
+            </a:schemeClr>
+          </a:lnRef>
+          <a:fillRef idx="1">
+            <a:schemeClr val="accent1"/>
+          </a:fillRef>
+          <a:effectRef idx="0">
+            <a:schemeClr val="accent1"/>
+          </a:effectRef>
+          <a:fontRef idx="minor">
+            <a:schemeClr val="lt1"/>
+          </a:fontRef>
+        </p:style>
+        <p:txBody>
+          <a:bodyPr rtlCol="0" anchor="ctr"/>
+          <a:lstStyle/>
+          <a:p>
+            <a:pPr algn="ctr"/>
+            <a:endParaRPr lang="en-GB"/>
+          </a:p>
+        </p:txBody>
+      </p:sp>
+      <p:sp>
+        <p:nvSpPr>
+          <p:cNvPr id="167" name="Oval 166">
+            <a:extLst>
+              <a:ext uri="{FF2B5EF4-FFF2-40B4-BE49-F238E27FC236}">
+                <a16:creationId xmlns:a16="http://schemas.microsoft.com/office/drawing/2014/main" id="{B7465DC2-8938-4ED4-155A-AED3E21C723D}"/>
+              </a:ext>
+            </a:extLst>
+          </p:cNvPr>
+          <p:cNvSpPr/>
+          <p:nvPr/>
+        </p:nvSpPr>
+        <p:spPr>
+          <a:xfrm>
+            <a:off x="1426223" y="3109050"/>
+            <a:ext cx="144000" cy="144000"/>
+          </a:xfrm>
+          <a:prstGeom prst="ellipse">
+            <a:avLst/>
+          </a:prstGeom>
+          <a:solidFill>
+            <a:srgbClr val="E43D40"/>
+          </a:solidFill>
+          <a:ln>
+            <a:noFill/>
+          </a:ln>
+        </p:spPr>
+        <p:style>
+          <a:lnRef idx="2">
+            <a:schemeClr val="accent1">
+              <a:shade val="15000"/>
+            </a:schemeClr>
+          </a:lnRef>
+          <a:fillRef idx="1">
+            <a:schemeClr val="accent1"/>
+          </a:fillRef>
+          <a:effectRef idx="0">
+            <a:schemeClr val="accent1"/>
+          </a:effectRef>
+          <a:fontRef idx="minor">
+            <a:schemeClr val="lt1"/>
+          </a:fontRef>
+        </p:style>
+        <p:txBody>
+          <a:bodyPr rtlCol="0" anchor="ctr"/>
+          <a:lstStyle/>
+          <a:p>
+            <a:pPr algn="ctr"/>
+            <a:endParaRPr lang="en-GB"/>
+          </a:p>
+        </p:txBody>
+      </p:sp>
+      <p:cxnSp>
+        <p:nvCxnSpPr>
+          <p:cNvPr id="168" name="Straight Connector 167">
+            <a:extLst>
+              <a:ext uri="{FF2B5EF4-FFF2-40B4-BE49-F238E27FC236}">
+                <a16:creationId xmlns:a16="http://schemas.microsoft.com/office/drawing/2014/main" id="{84624E8B-8DAD-D9B8-E638-17696A7A5CCE}"/>
+              </a:ext>
+            </a:extLst>
+          </p:cNvPr>
+          <p:cNvCxnSpPr>
+            <a:cxnSpLocks/>
+          </p:cNvCxnSpPr>
+          <p:nvPr/>
+        </p:nvCxnSpPr>
+        <p:spPr>
+          <a:xfrm flipV="1">
+            <a:off x="1184305" y="3181050"/>
+            <a:ext cx="252000" cy="1"/>
+          </a:xfrm>
+          <a:prstGeom prst="line">
+            <a:avLst/>
+          </a:prstGeom>
+          <a:ln w="3175">
+            <a:solidFill>
+              <a:srgbClr val="E43D40"/>
+            </a:solidFill>
+          </a:ln>
+        </p:spPr>
+        <p:style>
+          <a:lnRef idx="1">
+            <a:schemeClr val="accent1"/>
+          </a:lnRef>
+          <a:fillRef idx="0">
+            <a:schemeClr val="accent1"/>
+          </a:fillRef>
+          <a:effectRef idx="0">
+            <a:schemeClr val="accent1"/>
+          </a:effectRef>
+          <a:fontRef idx="minor">
+            <a:schemeClr val="tx1"/>
+          </a:fontRef>
+        </p:style>
+      </p:cxnSp>
+      <p:sp>
+        <p:nvSpPr>
+          <p:cNvPr id="169" name="Oval 168">
+            <a:extLst>
+              <a:ext uri="{FF2B5EF4-FFF2-40B4-BE49-F238E27FC236}">
+                <a16:creationId xmlns:a16="http://schemas.microsoft.com/office/drawing/2014/main" id="{CF7520F6-EF66-74A3-D1B9-9D00851C9329}"/>
+              </a:ext>
+            </a:extLst>
+          </p:cNvPr>
+          <p:cNvSpPr/>
+          <p:nvPr/>
+        </p:nvSpPr>
+        <p:spPr>
+          <a:xfrm>
+            <a:off x="1833236" y="3897332"/>
+            <a:ext cx="180000" cy="180000"/>
+          </a:xfrm>
+          <a:prstGeom prst="ellipse">
+            <a:avLst/>
+          </a:prstGeom>
+          <a:solidFill>
+            <a:schemeClr val="bg1"/>
+          </a:solidFill>
+          <a:ln>
+            <a:noFill/>
+          </a:ln>
+        </p:spPr>
+        <p:style>
+          <a:lnRef idx="2">
+            <a:schemeClr val="accent1">
+              <a:shade val="15000"/>
+            </a:schemeClr>
+          </a:lnRef>
+          <a:fillRef idx="1">
+            <a:schemeClr val="accent1"/>
+          </a:fillRef>
+          <a:effectRef idx="0">
+            <a:schemeClr val="accent1"/>
+          </a:effectRef>
+          <a:fontRef idx="minor">
+            <a:schemeClr val="lt1"/>
+          </a:fontRef>
+        </p:style>
+        <p:txBody>
+          <a:bodyPr rtlCol="0" anchor="ctr"/>
+          <a:lstStyle/>
+          <a:p>
+            <a:pPr algn="ctr"/>
+            <a:endParaRPr lang="en-GB"/>
+          </a:p>
+        </p:txBody>
+      </p:sp>
+      <p:sp>
+        <p:nvSpPr>
+          <p:cNvPr id="170" name="Oval 169">
+            <a:extLst>
+              <a:ext uri="{FF2B5EF4-FFF2-40B4-BE49-F238E27FC236}">
+                <a16:creationId xmlns:a16="http://schemas.microsoft.com/office/drawing/2014/main" id="{6EA4555E-760E-ECE9-414A-C06A45ABAC6D}"/>
+              </a:ext>
+            </a:extLst>
+          </p:cNvPr>
+          <p:cNvSpPr/>
+          <p:nvPr/>
+        </p:nvSpPr>
+        <p:spPr>
+          <a:xfrm>
+            <a:off x="1851236" y="3915332"/>
+            <a:ext cx="144000" cy="144000"/>
+          </a:xfrm>
+          <a:prstGeom prst="ellipse">
+            <a:avLst/>
+          </a:prstGeom>
+          <a:solidFill>
+            <a:srgbClr val="E43D40"/>
+          </a:solidFill>
+          <a:ln>
+            <a:noFill/>
+          </a:ln>
+        </p:spPr>
+        <p:style>
+          <a:lnRef idx="2">
+            <a:schemeClr val="accent1">
+              <a:shade val="15000"/>
+            </a:schemeClr>
+          </a:lnRef>
+          <a:fillRef idx="1">
+            <a:schemeClr val="accent1"/>
+          </a:fillRef>
+          <a:effectRef idx="0">
+            <a:schemeClr val="accent1"/>
+          </a:effectRef>
+          <a:fontRef idx="minor">
+            <a:schemeClr val="lt1"/>
+          </a:fontRef>
+        </p:style>
+        <p:txBody>
+          <a:bodyPr rtlCol="0" anchor="ctr"/>
+          <a:lstStyle/>
+          <a:p>
+            <a:pPr algn="ctr"/>
+            <a:endParaRPr lang="en-GB"/>
+          </a:p>
+        </p:txBody>
+      </p:sp>
+      <p:sp>
+        <p:nvSpPr>
+          <p:cNvPr id="171" name="TextBox 170">
+            <a:extLst>
+              <a:ext uri="{FF2B5EF4-FFF2-40B4-BE49-F238E27FC236}">
+                <a16:creationId xmlns:a16="http://schemas.microsoft.com/office/drawing/2014/main" id="{88F0512A-D500-5E26-FFB3-B94B8F404B2D}"/>
+              </a:ext>
+            </a:extLst>
+          </p:cNvPr>
+          <p:cNvSpPr txBox="1"/>
+          <p:nvPr/>
+        </p:nvSpPr>
+        <p:spPr>
+          <a:xfrm>
+            <a:off x="29759" y="3912354"/>
+            <a:ext cx="1424600" cy="707886"/>
+          </a:xfrm>
+          <a:prstGeom prst="rect">
+            <a:avLst/>
+          </a:prstGeom>
+          <a:noFill/>
+          <a:ln w="3175">
+            <a:noFill/>
+          </a:ln>
+        </p:spPr>
+        <p:txBody>
+          <a:bodyPr wrap="square" rtlCol="0">
+            <a:spAutoFit/>
+          </a:bodyPr>
+          <a:lstStyle/>
+          <a:p>
+            <a:pPr algn="r"/>
+            <a:r>
+              <a:rPr lang="en-GB" sz="800" b="1" dirty="0">
+                <a:solidFill>
+                  <a:srgbClr val="E43D40"/>
+                </a:solidFill>
+              </a:rPr>
+              <a:t>Sensitivity Analysis n.1 </a:t>
+            </a:r>
+            <a:endParaRPr lang="en-GB" sz="300" b="1" dirty="0">
               <a:solidFill>
-                <a:schemeClr val="tx1">
-                  <a:lumMod val="85000"/>
-                  <a:lumOff val="15000"/>
-                </a:schemeClr>
+                <a:srgbClr val="E43D40"/>
               </a:solidFill>
-              <a:latin typeface="Aptos" panose="020B0004020202020204" pitchFamily="34" charset="0"/>
             </a:endParaRPr>
+          </a:p>
+          <a:p>
+            <a:pPr algn="r"/>
+            <a:r>
+              <a:rPr lang="en-GB" sz="800" dirty="0">
+                <a:solidFill>
+                  <a:schemeClr val="tx1">
+                    <a:lumMod val="65000"/>
+                    <a:lumOff val="35000"/>
+                  </a:schemeClr>
+                </a:solidFill>
+              </a:rPr>
+              <a:t>Assess how the ANN’s accuracy is sensitive to having sparse and scarce flood reports in the training phase. </a:t>
+            </a:r>
+          </a:p>
+        </p:txBody>
+      </p:sp>
+      <p:sp>
+        <p:nvSpPr>
+          <p:cNvPr id="172" name="TextBox 171">
+            <a:extLst>
+              <a:ext uri="{FF2B5EF4-FFF2-40B4-BE49-F238E27FC236}">
+                <a16:creationId xmlns:a16="http://schemas.microsoft.com/office/drawing/2014/main" id="{45FF360E-949C-F39A-8D69-BB72652B1CDC}"/>
+              </a:ext>
+            </a:extLst>
+          </p:cNvPr>
+          <p:cNvSpPr txBox="1"/>
+          <p:nvPr/>
+        </p:nvSpPr>
+        <p:spPr>
+          <a:xfrm>
+            <a:off x="-172531" y="2708148"/>
+            <a:ext cx="1417536" cy="954107"/>
+          </a:xfrm>
+          <a:prstGeom prst="rect">
+            <a:avLst/>
+          </a:prstGeom>
+          <a:noFill/>
+          <a:ln w="3175">
+            <a:noFill/>
+          </a:ln>
+        </p:spPr>
+        <p:txBody>
+          <a:bodyPr wrap="square" rtlCol="0">
+            <a:spAutoFit/>
+          </a:bodyPr>
+          <a:lstStyle/>
+          <a:p>
+            <a:pPr algn="r"/>
+            <a:r>
+              <a:rPr lang="en-GB" sz="800" b="1" dirty="0">
+                <a:solidFill>
+                  <a:srgbClr val="E43D40"/>
+                </a:solidFill>
+              </a:rPr>
+              <a:t>Sensitivity Analysis n.2 </a:t>
+            </a:r>
+            <a:endParaRPr lang="en-GB" sz="300" b="1" dirty="0">
+              <a:solidFill>
+                <a:srgbClr val="E43D40"/>
+              </a:solidFill>
+            </a:endParaRPr>
+          </a:p>
+          <a:p>
+            <a:pPr algn="r"/>
+            <a:r>
+              <a:rPr lang="en-GB" sz="800" dirty="0">
+                <a:solidFill>
+                  <a:schemeClr val="tx1">
+                    <a:lumMod val="65000"/>
+                    <a:lumOff val="35000"/>
+                  </a:schemeClr>
+                </a:solidFill>
+              </a:rPr>
+              <a:t>Assess how the ANN’s accuracy varies when predicting flash floods in geographical areas where there have never been recorded flash floods.</a:t>
+            </a:r>
+          </a:p>
+        </p:txBody>
+      </p:sp>
+      <p:sp>
+        <p:nvSpPr>
+          <p:cNvPr id="173" name="TextBox 172">
+            <a:extLst>
+              <a:ext uri="{FF2B5EF4-FFF2-40B4-BE49-F238E27FC236}">
+                <a16:creationId xmlns:a16="http://schemas.microsoft.com/office/drawing/2014/main" id="{4DCD3426-7033-F62D-86E7-83C67E3D1CE8}"/>
+              </a:ext>
+            </a:extLst>
+          </p:cNvPr>
+          <p:cNvSpPr txBox="1"/>
+          <p:nvPr/>
+        </p:nvSpPr>
+        <p:spPr>
+          <a:xfrm>
+            <a:off x="261256" y="1617248"/>
+            <a:ext cx="1314805" cy="830997"/>
+          </a:xfrm>
+          <a:prstGeom prst="rect">
+            <a:avLst/>
+          </a:prstGeom>
+          <a:noFill/>
+          <a:ln w="3175">
+            <a:noFill/>
+          </a:ln>
+        </p:spPr>
+        <p:txBody>
+          <a:bodyPr wrap="square" rtlCol="0">
+            <a:spAutoFit/>
+          </a:bodyPr>
+          <a:lstStyle/>
+          <a:p>
+            <a:pPr algn="r"/>
+            <a:r>
+              <a:rPr lang="en-GB" sz="800" b="1" dirty="0">
+                <a:solidFill>
+                  <a:srgbClr val="E43D40"/>
+                </a:solidFill>
+              </a:rPr>
+              <a:t>Sensitivity Analysis n.3 </a:t>
+            </a:r>
+            <a:endParaRPr lang="en-GB" sz="300" b="1" dirty="0">
+              <a:solidFill>
+                <a:srgbClr val="E43D40"/>
+              </a:solidFill>
+            </a:endParaRPr>
+          </a:p>
+          <a:p>
+            <a:pPr algn="r"/>
+            <a:r>
+              <a:rPr lang="en-GB" sz="800" dirty="0">
+                <a:solidFill>
+                  <a:schemeClr val="tx1">
+                    <a:lumMod val="65000"/>
+                    <a:lumOff val="35000"/>
+                  </a:schemeClr>
+                </a:solidFill>
+              </a:rPr>
+              <a:t>Assess how the ANN’s accuracy varies when predicting flash floods in geographical areas that the model has never seen.</a:t>
+            </a:r>
+          </a:p>
+        </p:txBody>
+      </p:sp>
+      <p:grpSp>
+        <p:nvGrpSpPr>
+          <p:cNvPr id="174" name="Group 173">
+            <a:extLst>
+              <a:ext uri="{FF2B5EF4-FFF2-40B4-BE49-F238E27FC236}">
+                <a16:creationId xmlns:a16="http://schemas.microsoft.com/office/drawing/2014/main" id="{0F8FB306-6296-E801-7947-C575D7540561}"/>
+              </a:ext>
+            </a:extLst>
+          </p:cNvPr>
+          <p:cNvGrpSpPr/>
+          <p:nvPr/>
+        </p:nvGrpSpPr>
+        <p:grpSpPr>
+          <a:xfrm flipH="1">
+            <a:off x="1401095" y="4034978"/>
+            <a:ext cx="467912" cy="228381"/>
+            <a:chOff x="5117244" y="4608938"/>
+            <a:chExt cx="467912" cy="228381"/>
+          </a:xfrm>
+        </p:grpSpPr>
+        <p:cxnSp>
+          <p:nvCxnSpPr>
+            <p:cNvPr id="175" name="Straight Connector 174">
+              <a:extLst>
+                <a:ext uri="{FF2B5EF4-FFF2-40B4-BE49-F238E27FC236}">
+                  <a16:creationId xmlns:a16="http://schemas.microsoft.com/office/drawing/2014/main" id="{407D85A0-DECF-3E3A-DE56-7BBD2338A84E}"/>
+                </a:ext>
+              </a:extLst>
+            </p:cNvPr>
+            <p:cNvCxnSpPr>
+              <a:cxnSpLocks/>
+            </p:cNvCxnSpPr>
+            <p:nvPr/>
+          </p:nvCxnSpPr>
+          <p:spPr>
+            <a:xfrm>
+              <a:off x="5117244" y="4608938"/>
+              <a:ext cx="170061" cy="228381"/>
+            </a:xfrm>
+            <a:prstGeom prst="line">
+              <a:avLst/>
+            </a:prstGeom>
+            <a:ln w="3175">
+              <a:solidFill>
+                <a:srgbClr val="E43D40"/>
+              </a:solidFill>
+            </a:ln>
+          </p:spPr>
+          <p:style>
+            <a:lnRef idx="1">
+              <a:schemeClr val="accent1"/>
+            </a:lnRef>
+            <a:fillRef idx="0">
+              <a:schemeClr val="accent1"/>
+            </a:fillRef>
+            <a:effectRef idx="0">
+              <a:schemeClr val="accent1"/>
+            </a:effectRef>
+            <a:fontRef idx="minor">
+              <a:schemeClr val="tx1"/>
+            </a:fontRef>
+          </p:style>
+        </p:cxnSp>
+        <p:cxnSp>
+          <p:nvCxnSpPr>
+            <p:cNvPr id="176" name="Straight Connector 175">
+              <a:extLst>
+                <a:ext uri="{FF2B5EF4-FFF2-40B4-BE49-F238E27FC236}">
+                  <a16:creationId xmlns:a16="http://schemas.microsoft.com/office/drawing/2014/main" id="{D434E6CA-8A18-7190-B146-70D8ED5A1A24}"/>
+                </a:ext>
+              </a:extLst>
+            </p:cNvPr>
+            <p:cNvCxnSpPr>
+              <a:cxnSpLocks/>
+            </p:cNvCxnSpPr>
+            <p:nvPr/>
+          </p:nvCxnSpPr>
+          <p:spPr>
+            <a:xfrm flipV="1">
+              <a:off x="5287286" y="4835573"/>
+              <a:ext cx="297870" cy="1"/>
+            </a:xfrm>
+            <a:prstGeom prst="line">
+              <a:avLst/>
+            </a:prstGeom>
+            <a:ln w="3175">
+              <a:solidFill>
+                <a:srgbClr val="E43D40"/>
+              </a:solidFill>
+            </a:ln>
+          </p:spPr>
+          <p:style>
+            <a:lnRef idx="1">
+              <a:schemeClr val="accent1"/>
+            </a:lnRef>
+            <a:fillRef idx="0">
+              <a:schemeClr val="accent1"/>
+            </a:fillRef>
+            <a:effectRef idx="0">
+              <a:schemeClr val="accent1"/>
+            </a:effectRef>
+            <a:fontRef idx="minor">
+              <a:schemeClr val="tx1"/>
+            </a:fontRef>
+          </p:style>
+        </p:cxnSp>
+      </p:grpSp>
+      <p:grpSp>
+        <p:nvGrpSpPr>
+          <p:cNvPr id="177" name="Group 176">
+            <a:extLst>
+              <a:ext uri="{FF2B5EF4-FFF2-40B4-BE49-F238E27FC236}">
+                <a16:creationId xmlns:a16="http://schemas.microsoft.com/office/drawing/2014/main" id="{4C3C7274-E1C7-78F6-3EE7-B5FB71A6C929}"/>
+              </a:ext>
+            </a:extLst>
+          </p:cNvPr>
+          <p:cNvGrpSpPr/>
+          <p:nvPr/>
+        </p:nvGrpSpPr>
+        <p:grpSpPr>
+          <a:xfrm flipH="1" flipV="1">
+            <a:off x="2040287" y="708198"/>
+            <a:ext cx="477640" cy="236364"/>
+            <a:chOff x="5107516" y="4599210"/>
+            <a:chExt cx="477640" cy="236364"/>
+          </a:xfrm>
+        </p:grpSpPr>
+        <p:cxnSp>
+          <p:nvCxnSpPr>
+            <p:cNvPr id="178" name="Straight Connector 177">
+              <a:extLst>
+                <a:ext uri="{FF2B5EF4-FFF2-40B4-BE49-F238E27FC236}">
+                  <a16:creationId xmlns:a16="http://schemas.microsoft.com/office/drawing/2014/main" id="{4B268FF7-940B-2737-A2A3-F47F37DC1988}"/>
+                </a:ext>
+              </a:extLst>
+            </p:cNvPr>
+            <p:cNvCxnSpPr>
+              <a:cxnSpLocks/>
+            </p:cNvCxnSpPr>
+            <p:nvPr/>
+          </p:nvCxnSpPr>
+          <p:spPr>
+            <a:xfrm>
+              <a:off x="5107516" y="4599210"/>
+              <a:ext cx="170061" cy="228381"/>
+            </a:xfrm>
+            <a:prstGeom prst="line">
+              <a:avLst/>
+            </a:prstGeom>
+            <a:ln w="3175">
+              <a:solidFill>
+                <a:srgbClr val="5BB0BA"/>
+              </a:solidFill>
+            </a:ln>
+          </p:spPr>
+          <p:style>
+            <a:lnRef idx="1">
+              <a:schemeClr val="accent1"/>
+            </a:lnRef>
+            <a:fillRef idx="0">
+              <a:schemeClr val="accent1"/>
+            </a:fillRef>
+            <a:effectRef idx="0">
+              <a:schemeClr val="accent1"/>
+            </a:effectRef>
+            <a:fontRef idx="minor">
+              <a:schemeClr val="tx1"/>
+            </a:fontRef>
+          </p:style>
+        </p:cxnSp>
+        <p:cxnSp>
+          <p:nvCxnSpPr>
+            <p:cNvPr id="179" name="Straight Connector 178">
+              <a:extLst>
+                <a:ext uri="{FF2B5EF4-FFF2-40B4-BE49-F238E27FC236}">
+                  <a16:creationId xmlns:a16="http://schemas.microsoft.com/office/drawing/2014/main" id="{213DC4A1-F2F5-5216-79E5-30723A5E97A1}"/>
+                </a:ext>
+              </a:extLst>
+            </p:cNvPr>
+            <p:cNvCxnSpPr>
+              <a:cxnSpLocks/>
+            </p:cNvCxnSpPr>
+            <p:nvPr/>
+          </p:nvCxnSpPr>
+          <p:spPr>
+            <a:xfrm flipV="1">
+              <a:off x="5287286" y="4835573"/>
+              <a:ext cx="297870" cy="1"/>
+            </a:xfrm>
+            <a:prstGeom prst="line">
+              <a:avLst/>
+            </a:prstGeom>
+            <a:ln w="3175">
+              <a:solidFill>
+                <a:srgbClr val="5BB0BA"/>
+              </a:solidFill>
+            </a:ln>
+          </p:spPr>
+          <p:style>
+            <a:lnRef idx="1">
+              <a:schemeClr val="accent1"/>
+            </a:lnRef>
+            <a:fillRef idx="0">
+              <a:schemeClr val="accent1"/>
+            </a:fillRef>
+            <a:effectRef idx="0">
+              <a:schemeClr val="accent1"/>
+            </a:effectRef>
+            <a:fontRef idx="minor">
+              <a:schemeClr val="tx1"/>
+            </a:fontRef>
+          </p:style>
+        </p:cxnSp>
+      </p:grpSp>
+      <p:grpSp>
+        <p:nvGrpSpPr>
+          <p:cNvPr id="180" name="Group 179">
+            <a:extLst>
+              <a:ext uri="{FF2B5EF4-FFF2-40B4-BE49-F238E27FC236}">
+                <a16:creationId xmlns:a16="http://schemas.microsoft.com/office/drawing/2014/main" id="{78BCE01B-6BC3-08D0-CFE5-1889B1EFAB64}"/>
+              </a:ext>
+            </a:extLst>
+          </p:cNvPr>
+          <p:cNvGrpSpPr/>
+          <p:nvPr/>
+        </p:nvGrpSpPr>
+        <p:grpSpPr>
+          <a:xfrm flipV="1">
+            <a:off x="4197722" y="761565"/>
+            <a:ext cx="477640" cy="236364"/>
+            <a:chOff x="5107516" y="4599210"/>
+            <a:chExt cx="477640" cy="236364"/>
+          </a:xfrm>
+        </p:grpSpPr>
+        <p:cxnSp>
+          <p:nvCxnSpPr>
+            <p:cNvPr id="181" name="Straight Connector 180">
+              <a:extLst>
+                <a:ext uri="{FF2B5EF4-FFF2-40B4-BE49-F238E27FC236}">
+                  <a16:creationId xmlns:a16="http://schemas.microsoft.com/office/drawing/2014/main" id="{57C350C0-8487-D87F-7881-398FF5D50F11}"/>
+                </a:ext>
+              </a:extLst>
+            </p:cNvPr>
+            <p:cNvCxnSpPr>
+              <a:cxnSpLocks/>
+            </p:cNvCxnSpPr>
+            <p:nvPr/>
+          </p:nvCxnSpPr>
+          <p:spPr>
+            <a:xfrm>
+              <a:off x="5107516" y="4599210"/>
+              <a:ext cx="170061" cy="228381"/>
+            </a:xfrm>
+            <a:prstGeom prst="line">
+              <a:avLst/>
+            </a:prstGeom>
+            <a:ln w="3175">
+              <a:solidFill>
+                <a:srgbClr val="5BB0BA"/>
+              </a:solidFill>
+            </a:ln>
+          </p:spPr>
+          <p:style>
+            <a:lnRef idx="1">
+              <a:schemeClr val="accent1"/>
+            </a:lnRef>
+            <a:fillRef idx="0">
+              <a:schemeClr val="accent1"/>
+            </a:fillRef>
+            <a:effectRef idx="0">
+              <a:schemeClr val="accent1"/>
+            </a:effectRef>
+            <a:fontRef idx="minor">
+              <a:schemeClr val="tx1"/>
+            </a:fontRef>
+          </p:style>
+        </p:cxnSp>
+        <p:cxnSp>
+          <p:nvCxnSpPr>
+            <p:cNvPr id="182" name="Straight Connector 181">
+              <a:extLst>
+                <a:ext uri="{FF2B5EF4-FFF2-40B4-BE49-F238E27FC236}">
+                  <a16:creationId xmlns:a16="http://schemas.microsoft.com/office/drawing/2014/main" id="{02C53052-3516-05ED-CD1F-AD393C682869}"/>
+                </a:ext>
+              </a:extLst>
+            </p:cNvPr>
+            <p:cNvCxnSpPr>
+              <a:cxnSpLocks/>
+            </p:cNvCxnSpPr>
+            <p:nvPr/>
+          </p:nvCxnSpPr>
+          <p:spPr>
+            <a:xfrm flipV="1">
+              <a:off x="5287286" y="4835573"/>
+              <a:ext cx="297870" cy="1"/>
+            </a:xfrm>
+            <a:prstGeom prst="line">
+              <a:avLst/>
+            </a:prstGeom>
+            <a:ln w="3175">
+              <a:solidFill>
+                <a:srgbClr val="5BB0BA"/>
+              </a:solidFill>
+            </a:ln>
+          </p:spPr>
+          <p:style>
+            <a:lnRef idx="1">
+              <a:schemeClr val="accent1"/>
+            </a:lnRef>
+            <a:fillRef idx="0">
+              <a:schemeClr val="accent1"/>
+            </a:fillRef>
+            <a:effectRef idx="0">
+              <a:schemeClr val="accent1"/>
+            </a:effectRef>
+            <a:fontRef idx="minor">
+              <a:schemeClr val="tx1"/>
+            </a:fontRef>
+          </p:style>
+        </p:cxnSp>
+      </p:grpSp>
+      <p:sp>
+        <p:nvSpPr>
+          <p:cNvPr id="183" name="Rectangle 182">
+            <a:extLst>
+              <a:ext uri="{FF2B5EF4-FFF2-40B4-BE49-F238E27FC236}">
+                <a16:creationId xmlns:a16="http://schemas.microsoft.com/office/drawing/2014/main" id="{1F181C54-0DE7-0B62-8FA8-7696D91D1F46}"/>
+              </a:ext>
+            </a:extLst>
+          </p:cNvPr>
+          <p:cNvSpPr/>
+          <p:nvPr/>
+        </p:nvSpPr>
+        <p:spPr>
+          <a:xfrm>
+            <a:off x="-58368" y="-5975"/>
+            <a:ext cx="6858000" cy="276460"/>
+          </a:xfrm>
+          <a:prstGeom prst="rect">
+            <a:avLst/>
+          </a:prstGeom>
+          <a:noFill/>
+          <a:ln w="3175">
+            <a:noFill/>
+          </a:ln>
+        </p:spPr>
+        <p:style>
+          <a:lnRef idx="2">
+            <a:schemeClr val="accent1">
+              <a:shade val="15000"/>
+            </a:schemeClr>
+          </a:lnRef>
+          <a:fillRef idx="1">
+            <a:schemeClr val="accent1"/>
+          </a:fillRef>
+          <a:effectRef idx="0">
+            <a:schemeClr val="accent1"/>
+          </a:effectRef>
+          <a:fontRef idx="minor">
+            <a:schemeClr val="lt1"/>
+          </a:fontRef>
+        </p:style>
+        <p:txBody>
+          <a:bodyPr rtlCol="0" anchor="ctr"/>
+          <a:lstStyle/>
+          <a:p>
+            <a:r>
+              <a:rPr lang="en-US" sz="800" b="1" dirty="0">
+                <a:solidFill>
+                  <a:schemeClr val="tx1">
+                    <a:lumMod val="65000"/>
+                    <a:lumOff val="35000"/>
+                  </a:schemeClr>
+                </a:solidFill>
+                <a:latin typeface="Aptos" panose="020B0004020202020204" pitchFamily="34" charset="0"/>
+              </a:rPr>
+              <a:t>Study’s organization</a:t>
+            </a:r>
+          </a:p>
+          <a:p>
+            <a:r>
+              <a:rPr lang="en-US" sz="800" dirty="0">
+                <a:solidFill>
+                  <a:schemeClr val="tx1">
+                    <a:lumMod val="65000"/>
+                    <a:lumOff val="35000"/>
+                  </a:schemeClr>
+                </a:solidFill>
+                <a:latin typeface="Aptos" panose="020B0004020202020204" pitchFamily="34" charset="0"/>
+              </a:rPr>
+              <a:t>The study is subdivided in three main sections: training of the ML model (ANN), verification of ANN’s outputs, and sensitivity analysis for ANN’s outputs</a:t>
+            </a:r>
           </a:p>
         </p:txBody>
       </p:sp>
     </p:spTree>
     <p:extLst>
       <p:ext uri="{BB962C8B-B14F-4D97-AF65-F5344CB8AC3E}">
-        <p14:creationId xmlns:p14="http://schemas.microsoft.com/office/powerpoint/2010/main" val="3526088048"/>
+        <p14:creationId xmlns:p14="http://schemas.microsoft.com/office/powerpoint/2010/main" val="3057408396"/>
       </p:ext>
     </p:extLst>
   </p:cSld>
@@ -9455,9 +14173,9 @@
 </file>
 
 <file path=ppt/theme/theme1.xml><?xml version="1.0" encoding="utf-8"?>
-<a:theme xmlns:a="http://schemas.openxmlformats.org/drawingml/2006/main" name="Office Theme">
+<a:theme xmlns:a="http://schemas.openxmlformats.org/drawingml/2006/main" name="Office 2013 - 2022 Theme">
   <a:themeElements>
-    <a:clrScheme name="Office Theme">
+    <a:clrScheme name="Office 2013 - 2022 Theme">
       <a:dk1>
         <a:sysClr val="windowText" lastClr="000000"/>
       </a:dk1>
@@ -9495,7 +14213,7 @@
         <a:srgbClr val="954F72"/>
       </a:folHlink>
     </a:clrScheme>
-    <a:fontScheme name="Office Theme">
+    <a:fontScheme name="Office 2013 - 2022 Theme">
       <a:majorFont>
         <a:latin typeface="Calibri Light" panose="020F0302020204030204"/>
         <a:ea typeface=""/>
@@ -9567,7 +14285,7 @@
         <a:font script="Geor" typeface="Sylfaen"/>
       </a:minorFont>
     </a:fontScheme>
-    <a:fmtScheme name="Office Theme">
+    <a:fmtScheme name="Office 2013 - 2022 Theme">
       <a:fillStyleLst>
         <a:solidFill>
           <a:schemeClr val="phClr"/>
